--- a/2025_0131_箱根駅伝_aa.pptx
+++ b/2025_0131_箱根駅伝_aa.pptx
@@ -5,7 +5,7 @@
     <p:sldMasterId id="2147483648" r:id="rId1"/>
   </p:sldMasterIdLst>
   <p:notesMasterIdLst>
-    <p:notesMasterId r:id="rId24"/>
+    <p:notesMasterId r:id="rId27"/>
   </p:notesMasterIdLst>
   <p:sldIdLst>
     <p:sldId id="265" r:id="rId2"/>
@@ -19,17 +19,20 @@
     <p:sldId id="268" r:id="rId10"/>
     <p:sldId id="275" r:id="rId11"/>
     <p:sldId id="276" r:id="rId12"/>
-    <p:sldId id="278" r:id="rId13"/>
-    <p:sldId id="279" r:id="rId14"/>
+    <p:sldId id="279" r:id="rId13"/>
+    <p:sldId id="297" r:id="rId14"/>
     <p:sldId id="280" r:id="rId15"/>
-    <p:sldId id="282" r:id="rId16"/>
-    <p:sldId id="283" r:id="rId17"/>
-    <p:sldId id="286" r:id="rId18"/>
-    <p:sldId id="293" r:id="rId19"/>
-    <p:sldId id="291" r:id="rId20"/>
-    <p:sldId id="292" r:id="rId21"/>
-    <p:sldId id="294" r:id="rId22"/>
-    <p:sldId id="281" r:id="rId23"/>
+    <p:sldId id="298" r:id="rId16"/>
+    <p:sldId id="295" r:id="rId17"/>
+    <p:sldId id="293" r:id="rId18"/>
+    <p:sldId id="291" r:id="rId19"/>
+    <p:sldId id="292" r:id="rId20"/>
+    <p:sldId id="294" r:id="rId21"/>
+    <p:sldId id="281" r:id="rId22"/>
+    <p:sldId id="282" r:id="rId23"/>
+    <p:sldId id="283" r:id="rId24"/>
+    <p:sldId id="286" r:id="rId25"/>
+    <p:sldId id="296" r:id="rId26"/>
   </p:sldIdLst>
   <p:sldSz cx="12192000" cy="6858000"/>
   <p:notesSz cx="6858000" cy="9144000"/>
@@ -30278,7 +30281,7 @@
           <a:p>
             <a:fld id="{17B22A8E-B672-477C-A81C-F4D53F722592}" type="datetimeFigureOut">
               <a:rPr kumimoji="1" lang="ja-JP" altLang="en-US" smtClean="0"/>
-              <a:t>2025/1/28</a:t>
+              <a:t>2025/1/30</a:t>
             </a:fld>
             <a:endParaRPr kumimoji="1" lang="ja-JP" altLang="en-US"/>
           </a:p>
@@ -30818,7 +30821,7 @@
           <a:p>
             <a:fld id="{A27A15BB-02A0-4B31-86A4-B00404A3673A}" type="datetime1">
               <a:rPr kumimoji="1" lang="ja-JP" altLang="en-US" smtClean="0"/>
-              <a:t>2025/1/28</a:t>
+              <a:t>2025/1/30</a:t>
             </a:fld>
             <a:endParaRPr kumimoji="1" lang="ja-JP" altLang="en-US"/>
           </a:p>
@@ -31102,7 +31105,7 @@
           <a:p>
             <a:fld id="{738CFA1E-2C2A-4EDD-9320-CFF0B726F9A8}" type="datetime1">
               <a:rPr kumimoji="1" lang="ja-JP" altLang="en-US" smtClean="0"/>
-              <a:t>2025/1/28</a:t>
+              <a:t>2025/1/30</a:t>
             </a:fld>
             <a:endParaRPr kumimoji="1" lang="ja-JP" altLang="en-US"/>
           </a:p>
@@ -31342,7 +31345,7 @@
           <a:p>
             <a:fld id="{130BEF6B-C3A6-4E3B-AE39-574A7F67E25F}" type="datetime1">
               <a:rPr kumimoji="1" lang="ja-JP" altLang="en-US" smtClean="0"/>
-              <a:t>2025/1/28</a:t>
+              <a:t>2025/1/30</a:t>
             </a:fld>
             <a:endParaRPr kumimoji="1" lang="ja-JP" altLang="en-US"/>
           </a:p>
@@ -31640,7 +31643,7 @@
           <a:p>
             <a:fld id="{CBBE069B-78DC-42EF-BE36-F882EC06E241}" type="datetime1">
               <a:rPr kumimoji="1" lang="ja-JP" altLang="en-US" smtClean="0"/>
-              <a:t>2025/1/28</a:t>
+              <a:t>2025/1/30</a:t>
             </a:fld>
             <a:endParaRPr kumimoji="1" lang="ja-JP" altLang="en-US"/>
           </a:p>
@@ -31977,7 +31980,7 @@
           <a:p>
             <a:fld id="{F9C1ACFD-9FB5-4588-AFB6-8D3C9D6DF347}" type="datetime1">
               <a:rPr kumimoji="1" lang="ja-JP" altLang="en-US" smtClean="0"/>
-              <a:t>2025/1/28</a:t>
+              <a:t>2025/1/30</a:t>
             </a:fld>
             <a:endParaRPr kumimoji="1" lang="ja-JP" altLang="en-US"/>
           </a:p>
@@ -32350,7 +32353,7 @@
           <a:p>
             <a:fld id="{B7B72E40-8F1C-49BF-8D25-53EA6B29C17A}" type="datetime1">
               <a:rPr kumimoji="1" lang="ja-JP" altLang="en-US" smtClean="0"/>
-              <a:t>2025/1/28</a:t>
+              <a:t>2025/1/30</a:t>
             </a:fld>
             <a:endParaRPr kumimoji="1" lang="ja-JP" altLang="en-US"/>
           </a:p>
@@ -32880,7 +32883,7 @@
           <a:p>
             <a:fld id="{8B1349BE-5C62-48A7-9E37-A8D3D4D90002}" type="datetime1">
               <a:rPr kumimoji="1" lang="ja-JP" altLang="en-US" smtClean="0"/>
-              <a:t>2025/1/28</a:t>
+              <a:t>2025/1/30</a:t>
             </a:fld>
             <a:endParaRPr kumimoji="1" lang="ja-JP" altLang="en-US"/>
           </a:p>
@@ -33021,7 +33024,7 @@
           <a:p>
             <a:fld id="{D6FDCDFC-FE84-43F4-AACB-9174BE5256F2}" type="datetime1">
               <a:rPr kumimoji="1" lang="ja-JP" altLang="en-US" smtClean="0"/>
-              <a:t>2025/1/28</a:t>
+              <a:t>2025/1/30</a:t>
             </a:fld>
             <a:endParaRPr kumimoji="1" lang="ja-JP" altLang="en-US"/>
           </a:p>
@@ -33134,7 +33137,7 @@
           <a:p>
             <a:fld id="{9F92EF0A-2666-44BC-9E57-CA5F626F99B3}" type="datetime1">
               <a:rPr kumimoji="1" lang="ja-JP" altLang="en-US" smtClean="0"/>
-              <a:t>2025/1/28</a:t>
+              <a:t>2025/1/30</a:t>
             </a:fld>
             <a:endParaRPr kumimoji="1" lang="ja-JP" altLang="en-US"/>
           </a:p>
@@ -33477,7 +33480,7 @@
           <a:p>
             <a:fld id="{DF3BA5F6-6FCC-4329-B778-4226EC9D81FF}" type="datetime1">
               <a:rPr kumimoji="1" lang="ja-JP" altLang="en-US" smtClean="0"/>
-              <a:t>2025/1/28</a:t>
+              <a:t>2025/1/30</a:t>
             </a:fld>
             <a:endParaRPr kumimoji="1" lang="ja-JP" altLang="en-US"/>
           </a:p>
@@ -33765,7 +33768,7 @@
           <a:p>
             <a:fld id="{8898B0C2-174C-46B6-80F6-90852D4E4F6B}" type="datetime1">
               <a:rPr kumimoji="1" lang="ja-JP" altLang="en-US" smtClean="0"/>
-              <a:t>2025/1/28</a:t>
+              <a:t>2025/1/30</a:t>
             </a:fld>
             <a:endParaRPr kumimoji="1" lang="ja-JP" altLang="en-US"/>
           </a:p>
@@ -34038,7 +34041,7 @@
           <a:p>
             <a:fld id="{0FBE37DE-29BA-45B0-9B74-BD66B34D6CF9}" type="datetime1">
               <a:rPr kumimoji="1" lang="ja-JP" altLang="en-US" smtClean="0"/>
-              <a:t>2025/1/28</a:t>
+              <a:t>2025/1/30</a:t>
             </a:fld>
             <a:endParaRPr kumimoji="1" lang="ja-JP" altLang="en-US"/>
           </a:p>
@@ -34479,7 +34482,7 @@
           <a:p>
             <a:r>
               <a:rPr lang="ja-JP" altLang="en-US" dirty="0"/>
-              <a:t>箱根駅伝の楽しみ方</a:t>
+              <a:t>箱根駅伝を楽しむ</a:t>
             </a:r>
             <a:endParaRPr kumimoji="1" lang="ja-JP" altLang="en-US" dirty="0"/>
           </a:p>
@@ -35061,896 +35064,6 @@
           <p:cNvPr id="2" name="タイトル 1">
             <a:extLst>
               <a:ext uri="{FF2B5EF4-FFF2-40B4-BE49-F238E27FC236}">
-                <a16:creationId xmlns:a16="http://schemas.microsoft.com/office/drawing/2014/main" id="{031C7D5E-EE7C-5E7F-5D69-8213CE6DC727}"/>
-              </a:ext>
-            </a:extLst>
-          </p:cNvPr>
-          <p:cNvSpPr>
-            <a:spLocks noGrp="1"/>
-          </p:cNvSpPr>
-          <p:nvPr>
-            <p:ph type="title"/>
-          </p:nvPr>
-        </p:nvSpPr>
-        <p:spPr/>
-        <p:txBody>
-          <a:bodyPr/>
-          <a:lstStyle/>
-          <a:p>
-            <a:r>
-              <a:rPr kumimoji="1" lang="ja-JP" altLang="en-US" dirty="0"/>
-              <a:t>スポーツ観戦</a:t>
-            </a:r>
-            <a:r>
-              <a:rPr lang="ja-JP" altLang="en-US" dirty="0"/>
-              <a:t>の楽しさ</a:t>
-            </a:r>
-            <a:endParaRPr kumimoji="1" lang="ja-JP" altLang="en-US" dirty="0"/>
-          </a:p>
-        </p:txBody>
-      </p:sp>
-      <p:sp>
-        <p:nvSpPr>
-          <p:cNvPr id="3" name="コンテンツ プレースホルダー 2">
-            <a:extLst>
-              <a:ext uri="{FF2B5EF4-FFF2-40B4-BE49-F238E27FC236}">
-                <a16:creationId xmlns:a16="http://schemas.microsoft.com/office/drawing/2014/main" id="{49BE9A7E-2887-BA23-6060-D23CDB0BCE7F}"/>
-              </a:ext>
-            </a:extLst>
-          </p:cNvPr>
-          <p:cNvSpPr>
-            <a:spLocks noGrp="1"/>
-          </p:cNvSpPr>
-          <p:nvPr>
-            <p:ph idx="1"/>
-          </p:nvPr>
-        </p:nvSpPr>
-        <p:spPr>
-          <a:xfrm>
-            <a:off x="838199" y="1568741"/>
-            <a:ext cx="11201401" cy="4608222"/>
-          </a:xfrm>
-        </p:spPr>
-        <p:txBody>
-          <a:bodyPr/>
-          <a:lstStyle/>
-          <a:p>
-            <a:pPr marL="0" indent="0">
-              <a:buNone/>
-            </a:pPr>
-            <a:r>
-              <a:rPr kumimoji="1" lang="ja-JP" altLang="en-US" b="0" dirty="0">
-                <a:solidFill>
-                  <a:schemeClr val="tx1">
-                    <a:lumMod val="85000"/>
-                    <a:lumOff val="15000"/>
-                  </a:schemeClr>
-                </a:solidFill>
-              </a:rPr>
-              <a:t>スポーツ観戦と感じる要因は以下の</a:t>
-            </a:r>
-            <a:r>
-              <a:rPr kumimoji="1" lang="en-US" altLang="ja-JP" b="0" dirty="0">
-                <a:solidFill>
-                  <a:schemeClr val="tx1">
-                    <a:lumMod val="85000"/>
-                    <a:lumOff val="15000"/>
-                  </a:schemeClr>
-                </a:solidFill>
-              </a:rPr>
-              <a:t>3</a:t>
-            </a:r>
-            <a:r>
-              <a:rPr kumimoji="1" lang="ja-JP" altLang="en-US" b="0" dirty="0">
-                <a:solidFill>
-                  <a:schemeClr val="tx1">
-                    <a:lumMod val="85000"/>
-                    <a:lumOff val="15000"/>
-                  </a:schemeClr>
-                </a:solidFill>
-              </a:rPr>
-              <a:t>つが知られる</a:t>
-            </a:r>
-            <a:r>
-              <a:rPr kumimoji="1" lang="en-US" altLang="ja-JP" sz="1600" b="0" dirty="0">
-                <a:solidFill>
-                  <a:schemeClr val="tx1">
-                    <a:lumMod val="85000"/>
-                    <a:lumOff val="15000"/>
-                  </a:schemeClr>
-                </a:solidFill>
-              </a:rPr>
-              <a:t>[</a:t>
-            </a:r>
-            <a:r>
-              <a:rPr lang="en-US" altLang="ja-JP" sz="1400" dirty="0">
-                <a:solidFill>
-                  <a:schemeClr val="tx1">
-                    <a:lumMod val="85000"/>
-                    <a:lumOff val="15000"/>
-                  </a:schemeClr>
-                </a:solidFill>
-              </a:rPr>
-              <a:t>Wann, 2006; Trail &amp; James, 2001</a:t>
-            </a:r>
-            <a:r>
-              <a:rPr kumimoji="1" lang="en-US" altLang="ja-JP" sz="1600" b="0" dirty="0">
-                <a:solidFill>
-                  <a:schemeClr val="tx1">
-                    <a:lumMod val="85000"/>
-                    <a:lumOff val="15000"/>
-                  </a:schemeClr>
-                </a:solidFill>
-              </a:rPr>
-              <a:t>]</a:t>
-            </a:r>
-          </a:p>
-          <a:p>
-            <a:pPr marL="0" indent="0">
-              <a:buNone/>
-            </a:pPr>
-            <a:endParaRPr kumimoji="1" lang="en-US" altLang="ja-JP" sz="1600" b="0" dirty="0">
-              <a:solidFill>
-                <a:schemeClr val="tx1">
-                  <a:lumMod val="85000"/>
-                  <a:lumOff val="15000"/>
-                </a:schemeClr>
-              </a:solidFill>
-            </a:endParaRPr>
-          </a:p>
-          <a:p>
-            <a:pPr marL="0" indent="0">
-              <a:buNone/>
-            </a:pPr>
-            <a:endParaRPr lang="en-US" altLang="ja-JP" sz="1600" b="0" dirty="0">
-              <a:solidFill>
-                <a:schemeClr val="tx1">
-                  <a:lumMod val="85000"/>
-                  <a:lumOff val="15000"/>
-                </a:schemeClr>
-              </a:solidFill>
-            </a:endParaRPr>
-          </a:p>
-          <a:p>
-            <a:pPr marL="0" indent="0">
-              <a:buNone/>
-            </a:pPr>
-            <a:endParaRPr kumimoji="1" lang="en-US" altLang="ja-JP" sz="1600" b="0" dirty="0">
-              <a:solidFill>
-                <a:schemeClr val="tx1">
-                  <a:lumMod val="85000"/>
-                  <a:lumOff val="15000"/>
-                </a:schemeClr>
-              </a:solidFill>
-            </a:endParaRPr>
-          </a:p>
-          <a:p>
-            <a:pPr marL="0" indent="0">
-              <a:buNone/>
-            </a:pPr>
-            <a:endParaRPr lang="en-US" altLang="ja-JP" sz="1600" b="0" dirty="0">
-              <a:solidFill>
-                <a:schemeClr val="tx1">
-                  <a:lumMod val="85000"/>
-                  <a:lumOff val="15000"/>
-                </a:schemeClr>
-              </a:solidFill>
-            </a:endParaRPr>
-          </a:p>
-          <a:p>
-            <a:pPr marL="0" indent="0">
-              <a:buNone/>
-            </a:pPr>
-            <a:endParaRPr kumimoji="1" lang="en-US" altLang="ja-JP" sz="1600" b="0" dirty="0">
-              <a:solidFill>
-                <a:schemeClr val="tx1">
-                  <a:lumMod val="85000"/>
-                  <a:lumOff val="15000"/>
-                </a:schemeClr>
-              </a:solidFill>
-            </a:endParaRPr>
-          </a:p>
-          <a:p>
-            <a:endParaRPr lang="en-US" altLang="ja-JP" b="0" dirty="0">
-              <a:solidFill>
-                <a:schemeClr val="tx1">
-                  <a:lumMod val="85000"/>
-                  <a:lumOff val="15000"/>
-                </a:schemeClr>
-              </a:solidFill>
-            </a:endParaRPr>
-          </a:p>
-          <a:p>
-            <a:endParaRPr lang="en-US" altLang="ja-JP" b="0" dirty="0">
-              <a:solidFill>
-                <a:schemeClr val="tx1">
-                  <a:lumMod val="85000"/>
-                  <a:lumOff val="15000"/>
-                </a:schemeClr>
-              </a:solidFill>
-            </a:endParaRPr>
-          </a:p>
-          <a:p>
-            <a:r>
-              <a:rPr lang="ja-JP" altLang="en-US" b="0" dirty="0">
-                <a:solidFill>
-                  <a:schemeClr val="tx1">
-                    <a:lumMod val="85000"/>
-                    <a:lumOff val="15000"/>
-                  </a:schemeClr>
-                </a:solidFill>
-              </a:rPr>
-              <a:t>これらの要因が重なることで</a:t>
-            </a:r>
-            <a:endParaRPr lang="en-US" altLang="ja-JP" b="0" dirty="0">
-              <a:solidFill>
-                <a:schemeClr val="tx1">
-                  <a:lumMod val="85000"/>
-                  <a:lumOff val="15000"/>
-                </a:schemeClr>
-              </a:solidFill>
-            </a:endParaRPr>
-          </a:p>
-          <a:p>
-            <a:pPr marL="0" indent="0">
-              <a:buNone/>
-            </a:pPr>
-            <a:r>
-              <a:rPr lang="ja-JP" altLang="en-US" b="0" dirty="0">
-                <a:solidFill>
-                  <a:schemeClr val="tx1">
-                    <a:lumMod val="85000"/>
-                    <a:lumOff val="15000"/>
-                  </a:schemeClr>
-                </a:solidFill>
-              </a:rPr>
-              <a:t>　観戦のモチベーションが高まる</a:t>
-            </a:r>
-            <a:endParaRPr kumimoji="1" lang="en-US" altLang="ja-JP" b="0" dirty="0">
-              <a:solidFill>
-                <a:schemeClr val="tx1">
-                  <a:lumMod val="85000"/>
-                  <a:lumOff val="15000"/>
-                </a:schemeClr>
-              </a:solidFill>
-            </a:endParaRPr>
-          </a:p>
-        </p:txBody>
-      </p:sp>
-      <p:sp>
-        <p:nvSpPr>
-          <p:cNvPr id="4" name="スライド番号プレースホルダー 3">
-            <a:extLst>
-              <a:ext uri="{FF2B5EF4-FFF2-40B4-BE49-F238E27FC236}">
-                <a16:creationId xmlns:a16="http://schemas.microsoft.com/office/drawing/2014/main" id="{9B0D83C5-4C97-374E-EE29-7F3E009861A2}"/>
-              </a:ext>
-            </a:extLst>
-          </p:cNvPr>
-          <p:cNvSpPr>
-            <a:spLocks noGrp="1"/>
-          </p:cNvSpPr>
-          <p:nvPr>
-            <p:ph type="sldNum" sz="quarter" idx="12"/>
-          </p:nvPr>
-        </p:nvSpPr>
-        <p:spPr/>
-        <p:txBody>
-          <a:bodyPr/>
-          <a:lstStyle/>
-          <a:p>
-            <a:fld id="{6936ACCC-3D31-4082-AC7F-B879362E8272}" type="slidenum">
-              <a:rPr kumimoji="1" lang="ja-JP" altLang="en-US" smtClean="0"/>
-              <a:t>12</a:t>
-            </a:fld>
-            <a:endParaRPr kumimoji="1" lang="ja-JP" altLang="en-US" dirty="0"/>
-          </a:p>
-        </p:txBody>
-      </p:sp>
-      <p:sp>
-        <p:nvSpPr>
-          <p:cNvPr id="5" name="テキスト ボックス 4">
-            <a:extLst>
-              <a:ext uri="{FF2B5EF4-FFF2-40B4-BE49-F238E27FC236}">
-                <a16:creationId xmlns:a16="http://schemas.microsoft.com/office/drawing/2014/main" id="{805ABBEE-F798-1B72-B8EB-BD711FC85F7A}"/>
-              </a:ext>
-            </a:extLst>
-          </p:cNvPr>
-          <p:cNvSpPr txBox="1"/>
-          <p:nvPr/>
-        </p:nvSpPr>
-        <p:spPr>
-          <a:xfrm>
-            <a:off x="567265" y="3356385"/>
-            <a:ext cx="3367617" cy="1015663"/>
-          </a:xfrm>
-          <a:prstGeom prst="rect">
-            <a:avLst/>
-          </a:prstGeom>
-          <a:noFill/>
-        </p:spPr>
-        <p:txBody>
-          <a:bodyPr wrap="square" rtlCol="0">
-            <a:spAutoFit/>
-          </a:bodyPr>
-          <a:lstStyle/>
-          <a:p>
-            <a:pPr marL="342900" indent="-342900">
-              <a:buFont typeface="Arial" panose="020B0604020202020204" pitchFamily="34" charset="0"/>
-              <a:buChar char="•"/>
-            </a:pPr>
-            <a:r>
-              <a:rPr kumimoji="1" lang="ja-JP" altLang="en-US" sz="2000" dirty="0">
-                <a:latin typeface="游ゴシック" panose="020B0400000000000000" pitchFamily="50" charset="-128"/>
-                <a:ea typeface="游ゴシック" panose="020B0400000000000000" pitchFamily="50" charset="-128"/>
-              </a:rPr>
-              <a:t>競技や選手に関する知識</a:t>
-            </a:r>
-            <a:endParaRPr kumimoji="1" lang="en-US" altLang="ja-JP" sz="2000" dirty="0">
-              <a:latin typeface="游ゴシック" panose="020B0400000000000000" pitchFamily="50" charset="-128"/>
-              <a:ea typeface="游ゴシック" panose="020B0400000000000000" pitchFamily="50" charset="-128"/>
-            </a:endParaRPr>
-          </a:p>
-          <a:p>
-            <a:pPr marL="342900" indent="-342900">
-              <a:buFont typeface="Arial" panose="020B0604020202020204" pitchFamily="34" charset="0"/>
-              <a:buChar char="•"/>
-            </a:pPr>
-            <a:r>
-              <a:rPr kumimoji="1" lang="ja-JP" altLang="en-US" sz="2000" dirty="0">
-                <a:latin typeface="游ゴシック" panose="020B0400000000000000" pitchFamily="50" charset="-128"/>
-                <a:ea typeface="游ゴシック" panose="020B0400000000000000" pitchFamily="50" charset="-128"/>
-              </a:rPr>
-              <a:t>戦略や戦術の理解</a:t>
-            </a:r>
-            <a:endParaRPr kumimoji="1" lang="en-US" altLang="ja-JP" sz="2000" dirty="0">
-              <a:latin typeface="游ゴシック" panose="020B0400000000000000" pitchFamily="50" charset="-128"/>
-              <a:ea typeface="游ゴシック" panose="020B0400000000000000" pitchFamily="50" charset="-128"/>
-            </a:endParaRPr>
-          </a:p>
-          <a:p>
-            <a:pPr marL="342900" indent="-342900">
-              <a:buFont typeface="Arial" panose="020B0604020202020204" pitchFamily="34" charset="0"/>
-              <a:buChar char="•"/>
-            </a:pPr>
-            <a:r>
-              <a:rPr lang="ja-JP" altLang="en-US" sz="2000" dirty="0">
-                <a:latin typeface="游ゴシック" panose="020B0400000000000000" pitchFamily="50" charset="-128"/>
-                <a:ea typeface="游ゴシック" panose="020B0400000000000000" pitchFamily="50" charset="-128"/>
-              </a:rPr>
-              <a:t>試合展開の予測</a:t>
-            </a:r>
-            <a:r>
-              <a:rPr lang="en-US" altLang="ja-JP" sz="2000" dirty="0">
-                <a:latin typeface="游ゴシック" panose="020B0400000000000000" pitchFamily="50" charset="-128"/>
-                <a:ea typeface="游ゴシック" panose="020B0400000000000000" pitchFamily="50" charset="-128"/>
-              </a:rPr>
-              <a:t>/</a:t>
-            </a:r>
-            <a:r>
-              <a:rPr lang="ja-JP" altLang="en-US" sz="2000" dirty="0">
-                <a:latin typeface="游ゴシック" panose="020B0400000000000000" pitchFamily="50" charset="-128"/>
-                <a:ea typeface="游ゴシック" panose="020B0400000000000000" pitchFamily="50" charset="-128"/>
-              </a:rPr>
-              <a:t>分析</a:t>
-            </a:r>
-            <a:endParaRPr kumimoji="1" lang="ja-JP" altLang="en-US" sz="2000" dirty="0">
-              <a:latin typeface="游ゴシック" panose="020B0400000000000000" pitchFamily="50" charset="-128"/>
-              <a:ea typeface="游ゴシック" panose="020B0400000000000000" pitchFamily="50" charset="-128"/>
-            </a:endParaRPr>
-          </a:p>
-        </p:txBody>
-      </p:sp>
-      <p:sp>
-        <p:nvSpPr>
-          <p:cNvPr id="6" name="テキスト ボックス 5">
-            <a:extLst>
-              <a:ext uri="{FF2B5EF4-FFF2-40B4-BE49-F238E27FC236}">
-                <a16:creationId xmlns:a16="http://schemas.microsoft.com/office/drawing/2014/main" id="{63770355-390B-C1F6-5DCD-6D614FBD6737}"/>
-              </a:ext>
-            </a:extLst>
-          </p:cNvPr>
-          <p:cNvSpPr txBox="1"/>
-          <p:nvPr/>
-        </p:nvSpPr>
-        <p:spPr>
-          <a:xfrm>
-            <a:off x="4472515" y="3356386"/>
-            <a:ext cx="3293535" cy="1015663"/>
-          </a:xfrm>
-          <a:prstGeom prst="rect">
-            <a:avLst/>
-          </a:prstGeom>
-          <a:noFill/>
-        </p:spPr>
-        <p:txBody>
-          <a:bodyPr wrap="square" rtlCol="0">
-            <a:spAutoFit/>
-          </a:bodyPr>
-          <a:lstStyle/>
-          <a:p>
-            <a:pPr marL="285750" indent="-285750">
-              <a:buFont typeface="Arial" panose="020B0604020202020204" pitchFamily="34" charset="0"/>
-              <a:buChar char="•"/>
-            </a:pPr>
-            <a:r>
-              <a:rPr kumimoji="1" lang="ja-JP" altLang="en-US" sz="2000" dirty="0">
-                <a:latin typeface="游ゴシック" panose="020B0400000000000000" pitchFamily="50" charset="-128"/>
-                <a:ea typeface="游ゴシック" panose="020B0400000000000000" pitchFamily="50" charset="-128"/>
-              </a:rPr>
-              <a:t>推し選手への愛着</a:t>
-            </a:r>
-            <a:endParaRPr kumimoji="1" lang="en-US" altLang="ja-JP" sz="2000" dirty="0">
-              <a:latin typeface="游ゴシック" panose="020B0400000000000000" pitchFamily="50" charset="-128"/>
-              <a:ea typeface="游ゴシック" panose="020B0400000000000000" pitchFamily="50" charset="-128"/>
-            </a:endParaRPr>
-          </a:p>
-          <a:p>
-            <a:pPr marL="285750" indent="-285750">
-              <a:buFont typeface="Arial" panose="020B0604020202020204" pitchFamily="34" charset="0"/>
-              <a:buChar char="•"/>
-            </a:pPr>
-            <a:r>
-              <a:rPr lang="ja-JP" altLang="en-US" sz="2000" dirty="0">
-                <a:latin typeface="游ゴシック" panose="020B0400000000000000" pitchFamily="50" charset="-128"/>
-                <a:ea typeface="游ゴシック" panose="020B0400000000000000" pitchFamily="50" charset="-128"/>
-              </a:rPr>
-              <a:t>スリル，興奮，感動</a:t>
-            </a:r>
-            <a:endParaRPr lang="en-US" altLang="ja-JP" sz="2000" dirty="0">
-              <a:latin typeface="游ゴシック" panose="020B0400000000000000" pitchFamily="50" charset="-128"/>
-              <a:ea typeface="游ゴシック" panose="020B0400000000000000" pitchFamily="50" charset="-128"/>
-            </a:endParaRPr>
-          </a:p>
-          <a:p>
-            <a:pPr marL="285750" indent="-285750">
-              <a:buFont typeface="Arial" panose="020B0604020202020204" pitchFamily="34" charset="0"/>
-              <a:buChar char="•"/>
-            </a:pPr>
-            <a:r>
-              <a:rPr kumimoji="1" lang="ja-JP" altLang="en-US" sz="2000" dirty="0">
-                <a:latin typeface="游ゴシック" panose="020B0400000000000000" pitchFamily="50" charset="-128"/>
-                <a:ea typeface="游ゴシック" panose="020B0400000000000000" pitchFamily="50" charset="-128"/>
-              </a:rPr>
-              <a:t>成功体験を共有</a:t>
-            </a:r>
-          </a:p>
-        </p:txBody>
-      </p:sp>
-      <p:sp>
-        <p:nvSpPr>
-          <p:cNvPr id="7" name="テキスト ボックス 6">
-            <a:extLst>
-              <a:ext uri="{FF2B5EF4-FFF2-40B4-BE49-F238E27FC236}">
-                <a16:creationId xmlns:a16="http://schemas.microsoft.com/office/drawing/2014/main" id="{26A5F581-82B2-40CE-3A16-22A9DEDD0FB7}"/>
-              </a:ext>
-            </a:extLst>
-          </p:cNvPr>
-          <p:cNvSpPr txBox="1"/>
-          <p:nvPr/>
-        </p:nvSpPr>
-        <p:spPr>
-          <a:xfrm>
-            <a:off x="8377766" y="3356385"/>
-            <a:ext cx="3293534" cy="1015663"/>
-          </a:xfrm>
-          <a:prstGeom prst="rect">
-            <a:avLst/>
-          </a:prstGeom>
-          <a:noFill/>
-        </p:spPr>
-        <p:txBody>
-          <a:bodyPr wrap="square" rtlCol="0">
-            <a:spAutoFit/>
-          </a:bodyPr>
-          <a:lstStyle/>
-          <a:p>
-            <a:pPr marL="285750" indent="-285750">
-              <a:buFont typeface="Arial" panose="020B0604020202020204" pitchFamily="34" charset="0"/>
-              <a:buChar char="•"/>
-            </a:pPr>
-            <a:r>
-              <a:rPr lang="ja-JP" altLang="en-US" sz="2000" dirty="0">
-                <a:latin typeface="游ゴシック" panose="020B0400000000000000" pitchFamily="50" charset="-128"/>
-                <a:ea typeface="游ゴシック" panose="020B0400000000000000" pitchFamily="50" charset="-128"/>
-              </a:rPr>
-              <a:t>地域，学校への帰属意識</a:t>
-            </a:r>
-            <a:endParaRPr lang="en-US" altLang="ja-JP" sz="2000" dirty="0">
-              <a:latin typeface="游ゴシック" panose="020B0400000000000000" pitchFamily="50" charset="-128"/>
-              <a:ea typeface="游ゴシック" panose="020B0400000000000000" pitchFamily="50" charset="-128"/>
-            </a:endParaRPr>
-          </a:p>
-          <a:p>
-            <a:pPr marL="285750" indent="-285750">
-              <a:buFont typeface="Arial" panose="020B0604020202020204" pitchFamily="34" charset="0"/>
-              <a:buChar char="•"/>
-            </a:pPr>
-            <a:r>
-              <a:rPr kumimoji="1" lang="ja-JP" altLang="en-US" sz="2000" dirty="0">
-                <a:latin typeface="游ゴシック" panose="020B0400000000000000" pitchFamily="50" charset="-128"/>
-                <a:ea typeface="游ゴシック" panose="020B0400000000000000" pitchFamily="50" charset="-128"/>
-              </a:rPr>
-              <a:t>観戦仲間との交流</a:t>
-            </a:r>
-            <a:endParaRPr kumimoji="1" lang="en-US" altLang="ja-JP" sz="2000" dirty="0">
-              <a:latin typeface="游ゴシック" panose="020B0400000000000000" pitchFamily="50" charset="-128"/>
-              <a:ea typeface="游ゴシック" panose="020B0400000000000000" pitchFamily="50" charset="-128"/>
-            </a:endParaRPr>
-          </a:p>
-          <a:p>
-            <a:pPr marL="285750" indent="-285750">
-              <a:buFont typeface="Arial" panose="020B0604020202020204" pitchFamily="34" charset="0"/>
-              <a:buChar char="•"/>
-            </a:pPr>
-            <a:r>
-              <a:rPr kumimoji="1" lang="ja-JP" altLang="en-US" sz="2000" dirty="0">
-                <a:latin typeface="游ゴシック" panose="020B0400000000000000" pitchFamily="50" charset="-128"/>
-                <a:ea typeface="游ゴシック" panose="020B0400000000000000" pitchFamily="50" charset="-128"/>
-              </a:rPr>
-              <a:t>コミュニティ形成</a:t>
-            </a:r>
-          </a:p>
-        </p:txBody>
-      </p:sp>
-      <p:sp>
-        <p:nvSpPr>
-          <p:cNvPr id="8" name="四角形: 角を丸くする 7">
-            <a:extLst>
-              <a:ext uri="{FF2B5EF4-FFF2-40B4-BE49-F238E27FC236}">
-                <a16:creationId xmlns:a16="http://schemas.microsoft.com/office/drawing/2014/main" id="{BF69E927-3465-BDFE-DC47-24430FB32890}"/>
-              </a:ext>
-            </a:extLst>
-          </p:cNvPr>
-          <p:cNvSpPr/>
-          <p:nvPr/>
-        </p:nvSpPr>
-        <p:spPr>
-          <a:xfrm>
-            <a:off x="567267" y="2535001"/>
-            <a:ext cx="3293534" cy="641999"/>
-          </a:xfrm>
-          <a:prstGeom prst="roundRect">
-            <a:avLst>
-              <a:gd name="adj" fmla="val 50000"/>
-            </a:avLst>
-          </a:prstGeom>
-          <a:solidFill>
-            <a:schemeClr val="accent3"/>
-          </a:solidFill>
-          <a:ln>
-            <a:noFill/>
-          </a:ln>
-        </p:spPr>
-        <p:style>
-          <a:lnRef idx="2">
-            <a:schemeClr val="accent1">
-              <a:shade val="15000"/>
-            </a:schemeClr>
-          </a:lnRef>
-          <a:fillRef idx="1">
-            <a:schemeClr val="accent1"/>
-          </a:fillRef>
-          <a:effectRef idx="0">
-            <a:schemeClr val="accent1"/>
-          </a:effectRef>
-          <a:fontRef idx="minor">
-            <a:schemeClr val="lt1"/>
-          </a:fontRef>
-        </p:style>
-        <p:txBody>
-          <a:bodyPr rtlCol="0" anchor="ctr"/>
-          <a:lstStyle/>
-          <a:p>
-            <a:pPr algn="ctr"/>
-            <a:r>
-              <a:rPr kumimoji="1" lang="ja-JP" altLang="en-US" sz="3200" b="1" dirty="0">
-                <a:latin typeface="游ゴシック" panose="020B0400000000000000" pitchFamily="50" charset="-128"/>
-                <a:ea typeface="游ゴシック" panose="020B0400000000000000" pitchFamily="50" charset="-128"/>
-              </a:rPr>
-              <a:t>認知的要因</a:t>
-            </a:r>
-          </a:p>
-        </p:txBody>
-      </p:sp>
-      <p:sp>
-        <p:nvSpPr>
-          <p:cNvPr id="10" name="四角形: 角を丸くする 9">
-            <a:extLst>
-              <a:ext uri="{FF2B5EF4-FFF2-40B4-BE49-F238E27FC236}">
-                <a16:creationId xmlns:a16="http://schemas.microsoft.com/office/drawing/2014/main" id="{98C58F54-419E-5A7E-E4CC-58439EFA9832}"/>
-              </a:ext>
-            </a:extLst>
-          </p:cNvPr>
-          <p:cNvSpPr/>
-          <p:nvPr/>
-        </p:nvSpPr>
-        <p:spPr>
-          <a:xfrm>
-            <a:off x="4472516" y="2534999"/>
-            <a:ext cx="3293534" cy="641999"/>
-          </a:xfrm>
-          <a:prstGeom prst="roundRect">
-            <a:avLst>
-              <a:gd name="adj" fmla="val 50000"/>
-            </a:avLst>
-          </a:prstGeom>
-          <a:solidFill>
-            <a:schemeClr val="accent2"/>
-          </a:solidFill>
-          <a:ln>
-            <a:noFill/>
-          </a:ln>
-        </p:spPr>
-        <p:style>
-          <a:lnRef idx="2">
-            <a:schemeClr val="accent1">
-              <a:shade val="15000"/>
-            </a:schemeClr>
-          </a:lnRef>
-          <a:fillRef idx="1">
-            <a:schemeClr val="accent1"/>
-          </a:fillRef>
-          <a:effectRef idx="0">
-            <a:schemeClr val="accent1"/>
-          </a:effectRef>
-          <a:fontRef idx="minor">
-            <a:schemeClr val="lt1"/>
-          </a:fontRef>
-        </p:style>
-        <p:txBody>
-          <a:bodyPr rtlCol="0" anchor="ctr"/>
-          <a:lstStyle/>
-          <a:p>
-            <a:pPr algn="ctr"/>
-            <a:r>
-              <a:rPr kumimoji="1" lang="ja-JP" altLang="en-US" sz="3200" b="1" dirty="0">
-                <a:latin typeface="游ゴシック" panose="020B0400000000000000" pitchFamily="50" charset="-128"/>
-                <a:ea typeface="游ゴシック" panose="020B0400000000000000" pitchFamily="50" charset="-128"/>
-              </a:rPr>
-              <a:t>感情的要因</a:t>
-            </a:r>
-          </a:p>
-        </p:txBody>
-      </p:sp>
-      <p:sp>
-        <p:nvSpPr>
-          <p:cNvPr id="11" name="四角形: 角を丸くする 10">
-            <a:extLst>
-              <a:ext uri="{FF2B5EF4-FFF2-40B4-BE49-F238E27FC236}">
-                <a16:creationId xmlns:a16="http://schemas.microsoft.com/office/drawing/2014/main" id="{6E0DF9D1-923F-51FC-FDB6-5629AB96066F}"/>
-              </a:ext>
-            </a:extLst>
-          </p:cNvPr>
-          <p:cNvSpPr/>
-          <p:nvPr/>
-        </p:nvSpPr>
-        <p:spPr>
-          <a:xfrm>
-            <a:off x="8377766" y="2534999"/>
-            <a:ext cx="3293534" cy="641999"/>
-          </a:xfrm>
-          <a:prstGeom prst="roundRect">
-            <a:avLst>
-              <a:gd name="adj" fmla="val 50000"/>
-            </a:avLst>
-          </a:prstGeom>
-          <a:solidFill>
-            <a:schemeClr val="accent1"/>
-          </a:solidFill>
-          <a:ln>
-            <a:noFill/>
-          </a:ln>
-        </p:spPr>
-        <p:style>
-          <a:lnRef idx="2">
-            <a:schemeClr val="accent1">
-              <a:shade val="15000"/>
-            </a:schemeClr>
-          </a:lnRef>
-          <a:fillRef idx="1">
-            <a:schemeClr val="accent1"/>
-          </a:fillRef>
-          <a:effectRef idx="0">
-            <a:schemeClr val="accent1"/>
-          </a:effectRef>
-          <a:fontRef idx="minor">
-            <a:schemeClr val="lt1"/>
-          </a:fontRef>
-        </p:style>
-        <p:txBody>
-          <a:bodyPr rtlCol="0" anchor="ctr"/>
-          <a:lstStyle/>
-          <a:p>
-            <a:pPr algn="ctr"/>
-            <a:r>
-              <a:rPr kumimoji="1" lang="ja-JP" altLang="en-US" sz="3200" b="1" dirty="0">
-                <a:latin typeface="游ゴシック" panose="020B0400000000000000" pitchFamily="50" charset="-128"/>
-                <a:ea typeface="游ゴシック" panose="020B0400000000000000" pitchFamily="50" charset="-128"/>
-              </a:rPr>
-              <a:t>社会的要因</a:t>
-            </a:r>
-          </a:p>
-        </p:txBody>
-      </p:sp>
-      <p:sp>
-        <p:nvSpPr>
-          <p:cNvPr id="13" name="楕円 12">
-            <a:extLst>
-              <a:ext uri="{FF2B5EF4-FFF2-40B4-BE49-F238E27FC236}">
-                <a16:creationId xmlns:a16="http://schemas.microsoft.com/office/drawing/2014/main" id="{52EB6495-EBB0-F1A0-2CB7-88F6E2C42704}"/>
-              </a:ext>
-            </a:extLst>
-          </p:cNvPr>
-          <p:cNvSpPr/>
-          <p:nvPr/>
-        </p:nvSpPr>
-        <p:spPr>
-          <a:xfrm>
-            <a:off x="6902449" y="5138545"/>
-            <a:ext cx="1195918" cy="1195918"/>
-          </a:xfrm>
-          <a:prstGeom prst="ellipse">
-            <a:avLst/>
-          </a:prstGeom>
-          <a:solidFill>
-            <a:schemeClr val="accent3"/>
-          </a:solidFill>
-        </p:spPr>
-        <p:style>
-          <a:lnRef idx="2">
-            <a:schemeClr val="accent1">
-              <a:shade val="15000"/>
-            </a:schemeClr>
-          </a:lnRef>
-          <a:fillRef idx="1">
-            <a:schemeClr val="accent1"/>
-          </a:fillRef>
-          <a:effectRef idx="0">
-            <a:schemeClr val="accent1"/>
-          </a:effectRef>
-          <a:fontRef idx="minor">
-            <a:schemeClr val="lt1"/>
-          </a:fontRef>
-        </p:style>
-        <p:txBody>
-          <a:bodyPr rtlCol="0" anchor="ctr"/>
-          <a:lstStyle/>
-          <a:p>
-            <a:pPr algn="ctr"/>
-            <a:endParaRPr kumimoji="1" lang="ja-JP" altLang="en-US"/>
-          </a:p>
-        </p:txBody>
-      </p:sp>
-      <p:sp>
-        <p:nvSpPr>
-          <p:cNvPr id="12" name="楕円 11">
-            <a:extLst>
-              <a:ext uri="{FF2B5EF4-FFF2-40B4-BE49-F238E27FC236}">
-                <a16:creationId xmlns:a16="http://schemas.microsoft.com/office/drawing/2014/main" id="{71B5E8EE-0C3E-949B-1E4A-5AA824461120}"/>
-              </a:ext>
-            </a:extLst>
-          </p:cNvPr>
-          <p:cNvSpPr/>
-          <p:nvPr/>
-        </p:nvSpPr>
-        <p:spPr>
-          <a:xfrm>
-            <a:off x="7346949" y="4622609"/>
-            <a:ext cx="1195918" cy="1195918"/>
-          </a:xfrm>
-          <a:prstGeom prst="ellipse">
-            <a:avLst/>
-          </a:prstGeom>
-          <a:solidFill>
-            <a:schemeClr val="accent2"/>
-          </a:solidFill>
-        </p:spPr>
-        <p:style>
-          <a:lnRef idx="2">
-            <a:schemeClr val="accent1">
-              <a:shade val="15000"/>
-            </a:schemeClr>
-          </a:lnRef>
-          <a:fillRef idx="1">
-            <a:schemeClr val="accent1"/>
-          </a:fillRef>
-          <a:effectRef idx="0">
-            <a:schemeClr val="accent1"/>
-          </a:effectRef>
-          <a:fontRef idx="minor">
-            <a:schemeClr val="lt1"/>
-          </a:fontRef>
-        </p:style>
-        <p:txBody>
-          <a:bodyPr rtlCol="0" anchor="ctr"/>
-          <a:lstStyle/>
-          <a:p>
-            <a:pPr algn="ctr"/>
-            <a:endParaRPr kumimoji="1" lang="ja-JP" altLang="en-US"/>
-          </a:p>
-        </p:txBody>
-      </p:sp>
-      <p:sp>
-        <p:nvSpPr>
-          <p:cNvPr id="14" name="楕円 13">
-            <a:extLst>
-              <a:ext uri="{FF2B5EF4-FFF2-40B4-BE49-F238E27FC236}">
-                <a16:creationId xmlns:a16="http://schemas.microsoft.com/office/drawing/2014/main" id="{12A9B271-CEE0-4614-E654-3A5EA86F09D7}"/>
-              </a:ext>
-            </a:extLst>
-          </p:cNvPr>
-          <p:cNvSpPr/>
-          <p:nvPr/>
-        </p:nvSpPr>
-        <p:spPr>
-          <a:xfrm>
-            <a:off x="7791449" y="5136428"/>
-            <a:ext cx="1195918" cy="1195918"/>
-          </a:xfrm>
-          <a:prstGeom prst="ellipse">
-            <a:avLst/>
-          </a:prstGeom>
-        </p:spPr>
-        <p:style>
-          <a:lnRef idx="2">
-            <a:schemeClr val="accent1">
-              <a:shade val="15000"/>
-            </a:schemeClr>
-          </a:lnRef>
-          <a:fillRef idx="1">
-            <a:schemeClr val="accent1"/>
-          </a:fillRef>
-          <a:effectRef idx="0">
-            <a:schemeClr val="accent1"/>
-          </a:effectRef>
-          <a:fontRef idx="minor">
-            <a:schemeClr val="lt1"/>
-          </a:fontRef>
-        </p:style>
-        <p:txBody>
-          <a:bodyPr rtlCol="0" anchor="ctr"/>
-          <a:lstStyle/>
-          <a:p>
-            <a:pPr algn="ctr"/>
-            <a:endParaRPr kumimoji="1" lang="ja-JP" altLang="en-US"/>
-          </a:p>
-        </p:txBody>
-      </p:sp>
-    </p:spTree>
-    <p:extLst>
-      <p:ext uri="{BB962C8B-B14F-4D97-AF65-F5344CB8AC3E}">
-        <p14:creationId xmlns:p14="http://schemas.microsoft.com/office/powerpoint/2010/main" val="3390002258"/>
-      </p:ext>
-    </p:extLst>
-  </p:cSld>
-  <p:clrMapOvr>
-    <a:masterClrMapping/>
-  </p:clrMapOvr>
-</p:sld>
-</file>
-
-<file path=ppt/slides/slide13.xml><?xml version="1.0" encoding="utf-8"?>
-<p:sld xmlns:a="http://schemas.openxmlformats.org/drawingml/2006/main" xmlns:r="http://schemas.openxmlformats.org/officeDocument/2006/relationships" xmlns:p="http://schemas.openxmlformats.org/presentationml/2006/main">
-  <p:cSld>
-    <p:spTree>
-      <p:nvGrpSpPr>
-        <p:cNvPr id="1" name=""/>
-        <p:cNvGrpSpPr/>
-        <p:nvPr/>
-      </p:nvGrpSpPr>
-      <p:grpSpPr>
-        <a:xfrm>
-          <a:off x="0" y="0"/>
-          <a:ext cx="0" cy="0"/>
-          <a:chOff x="0" y="0"/>
-          <a:chExt cx="0" cy="0"/>
-        </a:xfrm>
-      </p:grpSpPr>
-      <p:sp>
-        <p:nvSpPr>
-          <p:cNvPr id="2" name="タイトル 1">
-            <a:extLst>
-              <a:ext uri="{FF2B5EF4-FFF2-40B4-BE49-F238E27FC236}">
                 <a16:creationId xmlns:a16="http://schemas.microsoft.com/office/drawing/2014/main" id="{A8F476D3-C5D7-6CFE-6D5F-1C0504420590}"/>
               </a:ext>
             </a:extLst>
@@ -35962,15 +35075,31 @@
             <p:ph type="title"/>
           </p:nvPr>
         </p:nvSpPr>
-        <p:spPr/>
+        <p:spPr>
+          <a:xfrm>
+            <a:off x="838199" y="333541"/>
+            <a:ext cx="10803467" cy="843504"/>
+          </a:xfrm>
+        </p:spPr>
         <p:txBody>
-          <a:bodyPr/>
+          <a:bodyPr>
+            <a:normAutofit fontScale="90000"/>
+          </a:bodyPr>
           <a:lstStyle/>
           <a:p>
             <a:r>
-              <a:rPr kumimoji="1" lang="ja-JP" altLang="en-US" dirty="0"/>
-              <a:t>スポーツ観戦モデル</a:t>
+              <a:rPr lang="en-US" altLang="ja-JP" dirty="0"/>
+              <a:t>MSSC</a:t>
             </a:r>
+            <a:r>
+              <a:rPr lang="ja-JP" altLang="en-US" dirty="0"/>
+              <a:t>で自己分析</a:t>
+            </a:r>
+            <a:r>
+              <a:rPr lang="en-US" altLang="ja-JP" sz="2800" dirty="0"/>
+              <a:t>(Motivation Scale for Sport Consumption)[1]</a:t>
+            </a:r>
+            <a:endParaRPr kumimoji="1" lang="ja-JP" altLang="en-US" dirty="0"/>
           </a:p>
         </p:txBody>
       </p:sp>
@@ -35996,9 +35125,21 @@
           <a:lstStyle/>
           <a:p>
             <a:r>
+              <a:rPr kumimoji="1" lang="ja-JP" altLang="en-US" dirty="0"/>
+              <a:t>概要</a:t>
+            </a:r>
+            <a:endParaRPr kumimoji="1" lang="en-US" altLang="ja-JP" dirty="0"/>
+          </a:p>
+          <a:p>
+            <a:pPr lvl="1"/>
+            <a:r>
               <a:rPr lang="ja-JP" altLang="en-US" dirty="0"/>
-              <a:t>箱根駅伝の場合</a:t>
+              <a:t>スポーツ観戦の楽しさやモチベーションを分析する枠組み</a:t>
             </a:r>
+            <a:endParaRPr lang="en-US" altLang="ja-JP" dirty="0"/>
+          </a:p>
+          <a:p>
+            <a:pPr lvl="1"/>
             <a:endParaRPr kumimoji="1" lang="ja-JP" altLang="en-US" dirty="0"/>
           </a:p>
         </p:txBody>
@@ -36026,9 +35167,545 @@
           <a:p>
             <a:fld id="{6936ACCC-3D31-4082-AC7F-B879362E8272}" type="slidenum">
               <a:rPr kumimoji="1" lang="ja-JP" altLang="en-US" smtClean="0"/>
-              <a:t>13</a:t>
+              <a:t>12</a:t>
             </a:fld>
             <a:endParaRPr kumimoji="1" lang="ja-JP" altLang="en-US" dirty="0"/>
+          </a:p>
+        </p:txBody>
+      </p:sp>
+      <p:graphicFrame>
+        <p:nvGraphicFramePr>
+          <p:cNvPr id="5" name="表 4">
+            <a:extLst>
+              <a:ext uri="{FF2B5EF4-FFF2-40B4-BE49-F238E27FC236}">
+                <a16:creationId xmlns:a16="http://schemas.microsoft.com/office/drawing/2014/main" id="{5BD7DF33-63A1-8049-7B2C-2C10B0DE587E}"/>
+              </a:ext>
+            </a:extLst>
+          </p:cNvPr>
+          <p:cNvGraphicFramePr>
+            <a:graphicFrameLocks noGrp="1"/>
+          </p:cNvGraphicFramePr>
+          <p:nvPr>
+            <p:extLst>
+              <p:ext uri="{D42A27DB-BD31-4B8C-83A1-F6EECF244321}">
+                <p14:modId xmlns:p14="http://schemas.microsoft.com/office/powerpoint/2010/main" val="1413547033"/>
+              </p:ext>
+            </p:extLst>
+          </p:nvPr>
+        </p:nvGraphicFramePr>
+        <p:xfrm>
+          <a:off x="1761066" y="2372235"/>
+          <a:ext cx="8128000" cy="3540760"/>
+        </p:xfrm>
+        <a:graphic>
+          <a:graphicData uri="http://schemas.openxmlformats.org/drawingml/2006/table">
+            <a:tbl>
+              <a:tblPr firstRow="1" bandRow="1">
+                <a:tableStyleId>{5C22544A-7EE6-4342-B048-85BDC9FD1C3A}</a:tableStyleId>
+              </a:tblPr>
+              <a:tblGrid>
+                <a:gridCol w="3149600">
+                  <a:extLst>
+                    <a:ext uri="{9D8B030D-6E8A-4147-A177-3AD203B41FA5}">
+                      <a16:colId xmlns:a16="http://schemas.microsoft.com/office/drawing/2014/main" val="1530089660"/>
+                    </a:ext>
+                  </a:extLst>
+                </a:gridCol>
+                <a:gridCol w="4978400">
+                  <a:extLst>
+                    <a:ext uri="{9D8B030D-6E8A-4147-A177-3AD203B41FA5}">
+                      <a16:colId xmlns:a16="http://schemas.microsoft.com/office/drawing/2014/main" val="1808594561"/>
+                    </a:ext>
+                  </a:extLst>
+                </a:gridCol>
+              </a:tblGrid>
+              <a:tr h="370840">
+                <a:tc>
+                  <a:txBody>
+                    <a:bodyPr/>
+                    <a:lstStyle/>
+                    <a:p>
+                      <a:pPr algn="ctr"/>
+                      <a:r>
+                        <a:rPr kumimoji="1" lang="ja-JP" altLang="en-US" dirty="0">
+                          <a:latin typeface="游ゴシック" panose="020B0400000000000000" pitchFamily="50" charset="-128"/>
+                          <a:ea typeface="游ゴシック" panose="020B0400000000000000" pitchFamily="50" charset="-128"/>
+                        </a:rPr>
+                        <a:t>尺度</a:t>
+                      </a:r>
+                      <a:r>
+                        <a:rPr kumimoji="1" lang="en-US" altLang="ja-JP" dirty="0">
+                          <a:latin typeface="游ゴシック" panose="020B0400000000000000" pitchFamily="50" charset="-128"/>
+                          <a:ea typeface="游ゴシック" panose="020B0400000000000000" pitchFamily="50" charset="-128"/>
+                        </a:rPr>
+                        <a:t>(</a:t>
+                      </a:r>
+                      <a:r>
+                        <a:rPr kumimoji="1" lang="ja-JP" altLang="en-US" dirty="0">
+                          <a:latin typeface="游ゴシック" panose="020B0400000000000000" pitchFamily="50" charset="-128"/>
+                          <a:ea typeface="游ゴシック" panose="020B0400000000000000" pitchFamily="50" charset="-128"/>
+                        </a:rPr>
+                        <a:t>日本語意訳</a:t>
+                      </a:r>
+                      <a:r>
+                        <a:rPr kumimoji="1" lang="en-US" altLang="ja-JP" dirty="0">
+                          <a:latin typeface="游ゴシック" panose="020B0400000000000000" pitchFamily="50" charset="-128"/>
+                          <a:ea typeface="游ゴシック" panose="020B0400000000000000" pitchFamily="50" charset="-128"/>
+                        </a:rPr>
+                        <a:t>)</a:t>
+                      </a:r>
+                      <a:endParaRPr kumimoji="1" lang="ja-JP" altLang="en-US" dirty="0">
+                        <a:latin typeface="游ゴシック" panose="020B0400000000000000" pitchFamily="50" charset="-128"/>
+                        <a:ea typeface="游ゴシック" panose="020B0400000000000000" pitchFamily="50" charset="-128"/>
+                      </a:endParaRPr>
+                    </a:p>
+                  </a:txBody>
+                  <a:tcPr/>
+                </a:tc>
+                <a:tc>
+                  <a:txBody>
+                    <a:bodyPr/>
+                    <a:lstStyle/>
+                    <a:p>
+                      <a:pPr algn="ctr"/>
+                      <a:r>
+                        <a:rPr kumimoji="1" lang="ja-JP" altLang="en-US" dirty="0">
+                          <a:latin typeface="游ゴシック" panose="020B0400000000000000" pitchFamily="50" charset="-128"/>
+                          <a:ea typeface="游ゴシック" panose="020B0400000000000000" pitchFamily="50" charset="-128"/>
+                        </a:rPr>
+                        <a:t>内容</a:t>
+                      </a:r>
+                    </a:p>
+                  </a:txBody>
+                  <a:tcPr/>
+                </a:tc>
+                <a:extLst>
+                  <a:ext uri="{0D108BD9-81ED-4DB2-BD59-A6C34878D82A}">
+                    <a16:rowId xmlns:a16="http://schemas.microsoft.com/office/drawing/2014/main" val="477916111"/>
+                  </a:ext>
+                </a:extLst>
+              </a:tr>
+              <a:tr h="370840">
+                <a:tc>
+                  <a:txBody>
+                    <a:bodyPr/>
+                    <a:lstStyle/>
+                    <a:p>
+                      <a:pPr algn="ctr"/>
+                      <a:r>
+                        <a:rPr kumimoji="1" lang="ja-JP" altLang="en-US" sz="2000" b="1" dirty="0">
+                          <a:solidFill>
+                            <a:schemeClr val="bg1"/>
+                          </a:solidFill>
+                          <a:latin typeface="游ゴシック" panose="020B0400000000000000" pitchFamily="50" charset="-128"/>
+                          <a:ea typeface="游ゴシック" panose="020B0400000000000000" pitchFamily="50" charset="-128"/>
+                        </a:rPr>
+                        <a:t>代理達成感</a:t>
+                      </a:r>
+                    </a:p>
+                  </a:txBody>
+                  <a:tcPr>
+                    <a:solidFill>
+                      <a:schemeClr val="accent2"/>
+                    </a:solidFill>
+                  </a:tcPr>
+                </a:tc>
+                <a:tc>
+                  <a:txBody>
+                    <a:bodyPr/>
+                    <a:lstStyle/>
+                    <a:p>
+                      <a:r>
+                        <a:rPr kumimoji="1" lang="ja-JP" altLang="en-US" dirty="0">
+                          <a:latin typeface="游ゴシック" panose="020B0400000000000000" pitchFamily="50" charset="-128"/>
+                          <a:ea typeface="游ゴシック" panose="020B0400000000000000" pitchFamily="50" charset="-128"/>
+                        </a:rPr>
+                        <a:t>応援するチームの勝利で達成感を得る</a:t>
+                      </a:r>
+                    </a:p>
+                  </a:txBody>
+                  <a:tcPr/>
+                </a:tc>
+                <a:extLst>
+                  <a:ext uri="{0D108BD9-81ED-4DB2-BD59-A6C34878D82A}">
+                    <a16:rowId xmlns:a16="http://schemas.microsoft.com/office/drawing/2014/main" val="210031046"/>
+                  </a:ext>
+                </a:extLst>
+              </a:tr>
+              <a:tr h="370840">
+                <a:tc>
+                  <a:txBody>
+                    <a:bodyPr/>
+                    <a:lstStyle/>
+                    <a:p>
+                      <a:pPr algn="ctr"/>
+                      <a:r>
+                        <a:rPr kumimoji="1" lang="ja-JP" altLang="en-US" sz="2000" b="1" dirty="0">
+                          <a:solidFill>
+                            <a:schemeClr val="bg1"/>
+                          </a:solidFill>
+                          <a:latin typeface="游ゴシック" panose="020B0400000000000000" pitchFamily="50" charset="-128"/>
+                          <a:ea typeface="游ゴシック" panose="020B0400000000000000" pitchFamily="50" charset="-128"/>
+                        </a:rPr>
+                        <a:t>情報・知識</a:t>
+                      </a:r>
+                    </a:p>
+                  </a:txBody>
+                  <a:tcPr>
+                    <a:solidFill>
+                      <a:schemeClr val="accent2"/>
+                    </a:solidFill>
+                  </a:tcPr>
+                </a:tc>
+                <a:tc>
+                  <a:txBody>
+                    <a:bodyPr/>
+                    <a:lstStyle/>
+                    <a:p>
+                      <a:r>
+                        <a:rPr kumimoji="1" lang="ja-JP" altLang="en-US" dirty="0">
+                          <a:latin typeface="游ゴシック" panose="020B0400000000000000" pitchFamily="50" charset="-128"/>
+                          <a:ea typeface="游ゴシック" panose="020B0400000000000000" pitchFamily="50" charset="-128"/>
+                        </a:rPr>
+                        <a:t>ルールや選手，戦略など競技への理解</a:t>
+                      </a:r>
+                    </a:p>
+                  </a:txBody>
+                  <a:tcPr/>
+                </a:tc>
+                <a:extLst>
+                  <a:ext uri="{0D108BD9-81ED-4DB2-BD59-A6C34878D82A}">
+                    <a16:rowId xmlns:a16="http://schemas.microsoft.com/office/drawing/2014/main" val="2216327017"/>
+                  </a:ext>
+                </a:extLst>
+              </a:tr>
+              <a:tr h="370840">
+                <a:tc>
+                  <a:txBody>
+                    <a:bodyPr/>
+                    <a:lstStyle/>
+                    <a:p>
+                      <a:pPr algn="ctr"/>
+                      <a:r>
+                        <a:rPr kumimoji="1" lang="ja-JP" altLang="en-US" sz="2000" b="1" dirty="0">
+                          <a:solidFill>
+                            <a:schemeClr val="bg1"/>
+                          </a:solidFill>
+                          <a:latin typeface="游ゴシック" panose="020B0400000000000000" pitchFamily="50" charset="-128"/>
+                          <a:ea typeface="游ゴシック" panose="020B0400000000000000" pitchFamily="50" charset="-128"/>
+                        </a:rPr>
+                        <a:t>美的鑑賞</a:t>
+                      </a:r>
+                    </a:p>
+                  </a:txBody>
+                  <a:tcPr>
+                    <a:solidFill>
+                      <a:schemeClr val="accent2"/>
+                    </a:solidFill>
+                  </a:tcPr>
+                </a:tc>
+                <a:tc>
+                  <a:txBody>
+                    <a:bodyPr/>
+                    <a:lstStyle/>
+                    <a:p>
+                      <a:r>
+                        <a:rPr kumimoji="1" lang="ja-JP" altLang="en-US" dirty="0">
+                          <a:latin typeface="游ゴシック" panose="020B0400000000000000" pitchFamily="50" charset="-128"/>
+                          <a:ea typeface="游ゴシック" panose="020B0400000000000000" pitchFamily="50" charset="-128"/>
+                        </a:rPr>
+                        <a:t>競技の芸術性，美しさ</a:t>
+                      </a:r>
+                    </a:p>
+                  </a:txBody>
+                  <a:tcPr/>
+                </a:tc>
+                <a:extLst>
+                  <a:ext uri="{0D108BD9-81ED-4DB2-BD59-A6C34878D82A}">
+                    <a16:rowId xmlns:a16="http://schemas.microsoft.com/office/drawing/2014/main" val="3965059804"/>
+                  </a:ext>
+                </a:extLst>
+              </a:tr>
+              <a:tr h="370840">
+                <a:tc>
+                  <a:txBody>
+                    <a:bodyPr/>
+                    <a:lstStyle/>
+                    <a:p>
+                      <a:pPr algn="ctr"/>
+                      <a:r>
+                        <a:rPr kumimoji="1" lang="ja-JP" altLang="en-US" sz="2000" b="1" dirty="0">
+                          <a:solidFill>
+                            <a:schemeClr val="bg1"/>
+                          </a:solidFill>
+                          <a:latin typeface="游ゴシック" panose="020B0400000000000000" pitchFamily="50" charset="-128"/>
+                          <a:ea typeface="游ゴシック" panose="020B0400000000000000" pitchFamily="50" charset="-128"/>
+                        </a:rPr>
+                        <a:t>ドラマ性やスリル</a:t>
+                      </a:r>
+                    </a:p>
+                  </a:txBody>
+                  <a:tcPr>
+                    <a:solidFill>
+                      <a:schemeClr val="accent2"/>
+                    </a:solidFill>
+                  </a:tcPr>
+                </a:tc>
+                <a:tc>
+                  <a:txBody>
+                    <a:bodyPr/>
+                    <a:lstStyle/>
+                    <a:p>
+                      <a:r>
+                        <a:rPr kumimoji="1" lang="ja-JP" altLang="en-US" dirty="0">
+                          <a:latin typeface="游ゴシック" panose="020B0400000000000000" pitchFamily="50" charset="-128"/>
+                          <a:ea typeface="游ゴシック" panose="020B0400000000000000" pitchFamily="50" charset="-128"/>
+                        </a:rPr>
+                        <a:t>試合展開のスリル</a:t>
+                      </a:r>
+                    </a:p>
+                  </a:txBody>
+                  <a:tcPr/>
+                </a:tc>
+                <a:extLst>
+                  <a:ext uri="{0D108BD9-81ED-4DB2-BD59-A6C34878D82A}">
+                    <a16:rowId xmlns:a16="http://schemas.microsoft.com/office/drawing/2014/main" val="28863273"/>
+                  </a:ext>
+                </a:extLst>
+              </a:tr>
+              <a:tr h="370840">
+                <a:tc>
+                  <a:txBody>
+                    <a:bodyPr/>
+                    <a:lstStyle/>
+                    <a:p>
+                      <a:pPr algn="ctr"/>
+                      <a:r>
+                        <a:rPr kumimoji="1" lang="ja-JP" altLang="en-US" sz="2000" b="1" dirty="0">
+                          <a:solidFill>
+                            <a:schemeClr val="bg1"/>
+                          </a:solidFill>
+                          <a:latin typeface="游ゴシック" panose="020B0400000000000000" pitchFamily="50" charset="-128"/>
+                          <a:ea typeface="游ゴシック" panose="020B0400000000000000" pitchFamily="50" charset="-128"/>
+                        </a:rPr>
+                        <a:t>気分転換</a:t>
+                      </a:r>
+                    </a:p>
+                  </a:txBody>
+                  <a:tcPr>
+                    <a:solidFill>
+                      <a:schemeClr val="accent2"/>
+                    </a:solidFill>
+                  </a:tcPr>
+                </a:tc>
+                <a:tc>
+                  <a:txBody>
+                    <a:bodyPr/>
+                    <a:lstStyle/>
+                    <a:p>
+                      <a:r>
+                        <a:rPr kumimoji="1" lang="ja-JP" altLang="en-US" dirty="0">
+                          <a:latin typeface="游ゴシック" panose="020B0400000000000000" pitchFamily="50" charset="-128"/>
+                          <a:ea typeface="游ゴシック" panose="020B0400000000000000" pitchFamily="50" charset="-128"/>
+                        </a:rPr>
+                        <a:t>日常生活のストレスから逃避</a:t>
+                      </a:r>
+                    </a:p>
+                  </a:txBody>
+                  <a:tcPr/>
+                </a:tc>
+                <a:extLst>
+                  <a:ext uri="{0D108BD9-81ED-4DB2-BD59-A6C34878D82A}">
+                    <a16:rowId xmlns:a16="http://schemas.microsoft.com/office/drawing/2014/main" val="61839423"/>
+                  </a:ext>
+                </a:extLst>
+              </a:tr>
+              <a:tr h="370840">
+                <a:tc>
+                  <a:txBody>
+                    <a:bodyPr/>
+                    <a:lstStyle/>
+                    <a:p>
+                      <a:pPr algn="ctr"/>
+                      <a:r>
+                        <a:rPr kumimoji="1" lang="ja-JP" altLang="en-US" sz="2000" b="1" dirty="0">
+                          <a:solidFill>
+                            <a:schemeClr val="bg1"/>
+                          </a:solidFill>
+                          <a:latin typeface="游ゴシック" panose="020B0400000000000000" pitchFamily="50" charset="-128"/>
+                          <a:ea typeface="游ゴシック" panose="020B0400000000000000" pitchFamily="50" charset="-128"/>
+                        </a:rPr>
+                        <a:t>選手の外見的魅力</a:t>
+                      </a:r>
+                    </a:p>
+                  </a:txBody>
+                  <a:tcPr>
+                    <a:solidFill>
+                      <a:schemeClr val="accent2"/>
+                    </a:solidFill>
+                  </a:tcPr>
+                </a:tc>
+                <a:tc>
+                  <a:txBody>
+                    <a:bodyPr/>
+                    <a:lstStyle/>
+                    <a:p>
+                      <a:r>
+                        <a:rPr kumimoji="1" lang="ja-JP" altLang="en-US" dirty="0">
+                          <a:latin typeface="游ゴシック" panose="020B0400000000000000" pitchFamily="50" charset="-128"/>
+                          <a:ea typeface="游ゴシック" panose="020B0400000000000000" pitchFamily="50" charset="-128"/>
+                        </a:rPr>
+                        <a:t>選手のセクシーさ？かっこよさ？</a:t>
+                      </a:r>
+                    </a:p>
+                  </a:txBody>
+                  <a:tcPr/>
+                </a:tc>
+                <a:extLst>
+                  <a:ext uri="{0D108BD9-81ED-4DB2-BD59-A6C34878D82A}">
+                    <a16:rowId xmlns:a16="http://schemas.microsoft.com/office/drawing/2014/main" val="2799303177"/>
+                  </a:ext>
+                </a:extLst>
+              </a:tr>
+              <a:tr h="370840">
+                <a:tc>
+                  <a:txBody>
+                    <a:bodyPr/>
+                    <a:lstStyle/>
+                    <a:p>
+                      <a:pPr algn="ctr"/>
+                      <a:r>
+                        <a:rPr kumimoji="1" lang="ja-JP" altLang="en-US" sz="2000" b="1" dirty="0">
+                          <a:solidFill>
+                            <a:schemeClr val="bg1"/>
+                          </a:solidFill>
+                          <a:latin typeface="游ゴシック" panose="020B0400000000000000" pitchFamily="50" charset="-128"/>
+                          <a:ea typeface="游ゴシック" panose="020B0400000000000000" pitchFamily="50" charset="-128"/>
+                        </a:rPr>
+                        <a:t>選手の身体能力</a:t>
+                      </a:r>
+                    </a:p>
+                  </a:txBody>
+                  <a:tcPr>
+                    <a:solidFill>
+                      <a:schemeClr val="accent2"/>
+                    </a:solidFill>
+                  </a:tcPr>
+                </a:tc>
+                <a:tc>
+                  <a:txBody>
+                    <a:bodyPr/>
+                    <a:lstStyle/>
+                    <a:p>
+                      <a:r>
+                        <a:rPr kumimoji="1" lang="ja-JP" altLang="en-US" dirty="0">
+                          <a:latin typeface="游ゴシック" panose="020B0400000000000000" pitchFamily="50" charset="-128"/>
+                          <a:ea typeface="游ゴシック" panose="020B0400000000000000" pitchFamily="50" charset="-128"/>
+                        </a:rPr>
+                        <a:t>選手の運動能力の高さ</a:t>
+                      </a:r>
+                    </a:p>
+                  </a:txBody>
+                  <a:tcPr/>
+                </a:tc>
+                <a:extLst>
+                  <a:ext uri="{0D108BD9-81ED-4DB2-BD59-A6C34878D82A}">
+                    <a16:rowId xmlns:a16="http://schemas.microsoft.com/office/drawing/2014/main" val="3718664024"/>
+                  </a:ext>
+                </a:extLst>
+              </a:tr>
+              <a:tr h="370840">
+                <a:tc>
+                  <a:txBody>
+                    <a:bodyPr/>
+                    <a:lstStyle/>
+                    <a:p>
+                      <a:pPr algn="ctr"/>
+                      <a:r>
+                        <a:rPr kumimoji="1" lang="ja-JP" altLang="en-US" sz="2000" b="1" dirty="0">
+                          <a:solidFill>
+                            <a:schemeClr val="bg1"/>
+                          </a:solidFill>
+                          <a:latin typeface="游ゴシック" panose="020B0400000000000000" pitchFamily="50" charset="-128"/>
+                          <a:ea typeface="游ゴシック" panose="020B0400000000000000" pitchFamily="50" charset="-128"/>
+                        </a:rPr>
+                        <a:t>社会的交流</a:t>
+                      </a:r>
+                    </a:p>
+                  </a:txBody>
+                  <a:tcPr>
+                    <a:solidFill>
+                      <a:schemeClr val="accent2"/>
+                    </a:solidFill>
+                  </a:tcPr>
+                </a:tc>
+                <a:tc>
+                  <a:txBody>
+                    <a:bodyPr/>
+                    <a:lstStyle/>
+                    <a:p>
+                      <a:r>
+                        <a:rPr kumimoji="1" lang="ja-JP" altLang="en-US" dirty="0">
+                          <a:latin typeface="游ゴシック" panose="020B0400000000000000" pitchFamily="50" charset="-128"/>
+                          <a:ea typeface="游ゴシック" panose="020B0400000000000000" pitchFamily="50" charset="-128"/>
+                        </a:rPr>
+                        <a:t>他のファンと語り合う．コミュニティ</a:t>
+                      </a:r>
+                    </a:p>
+                  </a:txBody>
+                  <a:tcPr/>
+                </a:tc>
+                <a:extLst>
+                  <a:ext uri="{0D108BD9-81ED-4DB2-BD59-A6C34878D82A}">
+                    <a16:rowId xmlns:a16="http://schemas.microsoft.com/office/drawing/2014/main" val="2042350072"/>
+                  </a:ext>
+                </a:extLst>
+              </a:tr>
+            </a:tbl>
+          </a:graphicData>
+        </a:graphic>
+      </p:graphicFrame>
+      <p:sp>
+        <p:nvSpPr>
+          <p:cNvPr id="7" name="テキスト ボックス 6">
+            <a:extLst>
+              <a:ext uri="{FF2B5EF4-FFF2-40B4-BE49-F238E27FC236}">
+                <a16:creationId xmlns:a16="http://schemas.microsoft.com/office/drawing/2014/main" id="{B12C76FF-14F1-D8C4-BBD3-5B5EF6250C33}"/>
+              </a:ext>
+            </a:extLst>
+          </p:cNvPr>
+          <p:cNvSpPr txBox="1"/>
+          <p:nvPr/>
+        </p:nvSpPr>
+        <p:spPr>
+          <a:xfrm>
+            <a:off x="0" y="6356350"/>
+            <a:ext cx="9914466" cy="523220"/>
+          </a:xfrm>
+          <a:prstGeom prst="rect">
+            <a:avLst/>
+          </a:prstGeom>
+          <a:noFill/>
+        </p:spPr>
+        <p:txBody>
+          <a:bodyPr wrap="square" rtlCol="0">
+            <a:spAutoFit/>
+          </a:bodyPr>
+          <a:lstStyle/>
+          <a:p>
+            <a:r>
+              <a:rPr kumimoji="1" lang="en-US" altLang="ja-JP" sz="1400" dirty="0"/>
+              <a:t>[1] : Manual for </a:t>
+            </a:r>
+            <a:r>
+              <a:rPr kumimoji="1" lang="en-US" altLang="ja-JP" sz="1400" dirty="0" err="1"/>
+              <a:t>theMotivation</a:t>
+            </a:r>
+            <a:r>
+              <a:rPr kumimoji="1" lang="en-US" altLang="ja-JP" sz="1400" dirty="0"/>
+              <a:t> Scale for Sport Consumption(MSSC), Galen Trail, https://sportconsumerresearchconsultants.yolasite.com/resources/MSSC%20Manual%20-%202012.pdf</a:t>
+            </a:r>
+            <a:endParaRPr kumimoji="1" lang="ja-JP" altLang="en-US" sz="1400" dirty="0"/>
           </a:p>
         </p:txBody>
       </p:sp>
@@ -36036,6 +35713,1249 @@
     <p:extLst>
       <p:ext uri="{BB962C8B-B14F-4D97-AF65-F5344CB8AC3E}">
         <p14:creationId xmlns:p14="http://schemas.microsoft.com/office/powerpoint/2010/main" val="2690400729"/>
+      </p:ext>
+    </p:extLst>
+  </p:cSld>
+  <p:clrMapOvr>
+    <a:masterClrMapping/>
+  </p:clrMapOvr>
+</p:sld>
+</file>
+
+<file path=ppt/slides/slide13.xml><?xml version="1.0" encoding="utf-8"?>
+<p:sld xmlns:a="http://schemas.openxmlformats.org/drawingml/2006/main" xmlns:r="http://schemas.openxmlformats.org/officeDocument/2006/relationships" xmlns:p="http://schemas.openxmlformats.org/presentationml/2006/main">
+  <p:cSld>
+    <p:spTree>
+      <p:nvGrpSpPr>
+        <p:cNvPr id="1" name="">
+          <a:extLst>
+            <a:ext uri="{FF2B5EF4-FFF2-40B4-BE49-F238E27FC236}">
+              <a16:creationId xmlns:a16="http://schemas.microsoft.com/office/drawing/2014/main" id="{E7B7BF41-D6D0-AD70-5B55-1ECD7AB1FF4E}"/>
+            </a:ext>
+          </a:extLst>
+        </p:cNvPr>
+        <p:cNvGrpSpPr/>
+        <p:nvPr/>
+      </p:nvGrpSpPr>
+      <p:grpSpPr>
+        <a:xfrm>
+          <a:off x="0" y="0"/>
+          <a:ext cx="0" cy="0"/>
+          <a:chOff x="0" y="0"/>
+          <a:chExt cx="0" cy="0"/>
+        </a:xfrm>
+      </p:grpSpPr>
+      <p:sp>
+        <p:nvSpPr>
+          <p:cNvPr id="2" name="タイトル 1">
+            <a:extLst>
+              <a:ext uri="{FF2B5EF4-FFF2-40B4-BE49-F238E27FC236}">
+                <a16:creationId xmlns:a16="http://schemas.microsoft.com/office/drawing/2014/main" id="{6E8B5CC6-D5A2-4286-3772-96B8ADBAA71C}"/>
+              </a:ext>
+            </a:extLst>
+          </p:cNvPr>
+          <p:cNvSpPr>
+            <a:spLocks noGrp="1"/>
+          </p:cNvSpPr>
+          <p:nvPr>
+            <p:ph type="title"/>
+          </p:nvPr>
+        </p:nvSpPr>
+        <p:spPr/>
+        <p:txBody>
+          <a:bodyPr/>
+          <a:lstStyle/>
+          <a:p>
+            <a:r>
+              <a:rPr kumimoji="1" lang="en-US" altLang="ja-JP" dirty="0"/>
+              <a:t>MSCC</a:t>
+            </a:r>
+            <a:r>
+              <a:rPr kumimoji="1" lang="ja-JP" altLang="en-US" dirty="0"/>
+              <a:t>で比較</a:t>
+            </a:r>
+          </a:p>
+        </p:txBody>
+      </p:sp>
+      <p:sp>
+        <p:nvSpPr>
+          <p:cNvPr id="3" name="コンテンツ プレースホルダー 2">
+            <a:extLst>
+              <a:ext uri="{FF2B5EF4-FFF2-40B4-BE49-F238E27FC236}">
+                <a16:creationId xmlns:a16="http://schemas.microsoft.com/office/drawing/2014/main" id="{EF6C1A06-FD9F-4B6C-B206-72703852C22E}"/>
+              </a:ext>
+            </a:extLst>
+          </p:cNvPr>
+          <p:cNvSpPr>
+            <a:spLocks noGrp="1"/>
+          </p:cNvSpPr>
+          <p:nvPr>
+            <p:ph idx="1"/>
+          </p:nvPr>
+        </p:nvSpPr>
+        <p:spPr/>
+        <p:txBody>
+          <a:bodyPr/>
+          <a:lstStyle/>
+          <a:p>
+            <a:r>
+              <a:rPr lang="ja-JP" altLang="en-US" dirty="0"/>
+              <a:t>推測</a:t>
+            </a:r>
+            <a:endParaRPr lang="en-US" altLang="ja-JP" dirty="0"/>
+          </a:p>
+          <a:p>
+            <a:pPr lvl="1"/>
+            <a:r>
+              <a:rPr kumimoji="1" lang="ja-JP" altLang="en-US" dirty="0"/>
+              <a:t>スリルもあまりない</a:t>
+            </a:r>
+            <a:endParaRPr kumimoji="1" lang="en-US" altLang="ja-JP" dirty="0"/>
+          </a:p>
+          <a:p>
+            <a:pPr lvl="1"/>
+            <a:r>
+              <a:rPr kumimoji="1" lang="ja-JP" altLang="en-US" dirty="0"/>
+              <a:t>選手の身体能力は分からない</a:t>
+            </a:r>
+          </a:p>
+        </p:txBody>
+      </p:sp>
+      <p:sp>
+        <p:nvSpPr>
+          <p:cNvPr id="4" name="スライド番号プレースホルダー 3">
+            <a:extLst>
+              <a:ext uri="{FF2B5EF4-FFF2-40B4-BE49-F238E27FC236}">
+                <a16:creationId xmlns:a16="http://schemas.microsoft.com/office/drawing/2014/main" id="{1AD36F08-2B2D-912F-2B80-AB049F3810C5}"/>
+              </a:ext>
+            </a:extLst>
+          </p:cNvPr>
+          <p:cNvSpPr>
+            <a:spLocks noGrp="1"/>
+          </p:cNvSpPr>
+          <p:nvPr>
+            <p:ph type="sldNum" sz="quarter" idx="12"/>
+          </p:nvPr>
+        </p:nvSpPr>
+        <p:spPr/>
+        <p:txBody>
+          <a:bodyPr/>
+          <a:lstStyle/>
+          <a:p>
+            <a:fld id="{6936ACCC-3D31-4082-AC7F-B879362E8272}" type="slidenum">
+              <a:rPr kumimoji="1" lang="ja-JP" altLang="en-US" smtClean="0"/>
+              <a:t>13</a:t>
+            </a:fld>
+            <a:endParaRPr kumimoji="1" lang="ja-JP" altLang="en-US" dirty="0"/>
+          </a:p>
+        </p:txBody>
+      </p:sp>
+      <p:graphicFrame>
+        <p:nvGraphicFramePr>
+          <p:cNvPr id="6" name="表 5">
+            <a:extLst>
+              <a:ext uri="{FF2B5EF4-FFF2-40B4-BE49-F238E27FC236}">
+                <a16:creationId xmlns:a16="http://schemas.microsoft.com/office/drawing/2014/main" id="{06F3B8B2-D168-5196-BBEF-16958278688E}"/>
+              </a:ext>
+            </a:extLst>
+          </p:cNvPr>
+          <p:cNvGraphicFramePr>
+            <a:graphicFrameLocks noGrp="1"/>
+          </p:cNvGraphicFramePr>
+          <p:nvPr/>
+        </p:nvGraphicFramePr>
+        <p:xfrm>
+          <a:off x="897467" y="2983699"/>
+          <a:ext cx="4953000" cy="3540760"/>
+        </p:xfrm>
+        <a:graphic>
+          <a:graphicData uri="http://schemas.openxmlformats.org/drawingml/2006/table">
+            <a:tbl>
+              <a:tblPr firstRow="1" bandRow="1">
+                <a:tableStyleId>{5C22544A-7EE6-4342-B048-85BDC9FD1C3A}</a:tableStyleId>
+              </a:tblPr>
+              <a:tblGrid>
+                <a:gridCol w="2311899">
+                  <a:extLst>
+                    <a:ext uri="{9D8B030D-6E8A-4147-A177-3AD203B41FA5}">
+                      <a16:colId xmlns:a16="http://schemas.microsoft.com/office/drawing/2014/main" val="1530089660"/>
+                    </a:ext>
+                  </a:extLst>
+                </a:gridCol>
+                <a:gridCol w="2641101">
+                  <a:extLst>
+                    <a:ext uri="{9D8B030D-6E8A-4147-A177-3AD203B41FA5}">
+                      <a16:colId xmlns:a16="http://schemas.microsoft.com/office/drawing/2014/main" val="1808594561"/>
+                    </a:ext>
+                  </a:extLst>
+                </a:gridCol>
+              </a:tblGrid>
+              <a:tr h="370840">
+                <a:tc>
+                  <a:txBody>
+                    <a:bodyPr/>
+                    <a:lstStyle/>
+                    <a:p>
+                      <a:pPr algn="ctr"/>
+                      <a:r>
+                        <a:rPr kumimoji="1" lang="ja-JP" altLang="en-US" dirty="0">
+                          <a:latin typeface="游ゴシック" panose="020B0400000000000000" pitchFamily="50" charset="-128"/>
+                          <a:ea typeface="游ゴシック" panose="020B0400000000000000" pitchFamily="50" charset="-128"/>
+                        </a:rPr>
+                        <a:t>尺度</a:t>
+                      </a:r>
+                    </a:p>
+                  </a:txBody>
+                  <a:tcPr/>
+                </a:tc>
+                <a:tc>
+                  <a:txBody>
+                    <a:bodyPr/>
+                    <a:lstStyle/>
+                    <a:p>
+                      <a:pPr algn="ctr"/>
+                      <a:r>
+                        <a:rPr kumimoji="1" lang="ja-JP" altLang="en-US" dirty="0">
+                          <a:latin typeface="游ゴシック" panose="020B0400000000000000" pitchFamily="50" charset="-128"/>
+                          <a:ea typeface="游ゴシック" panose="020B0400000000000000" pitchFamily="50" charset="-128"/>
+                        </a:rPr>
+                        <a:t>主観点数</a:t>
+                      </a:r>
+                      <a:r>
+                        <a:rPr kumimoji="1" lang="en-US" altLang="ja-JP" dirty="0">
+                          <a:latin typeface="游ゴシック" panose="020B0400000000000000" pitchFamily="50" charset="-128"/>
+                          <a:ea typeface="游ゴシック" panose="020B0400000000000000" pitchFamily="50" charset="-128"/>
+                        </a:rPr>
+                        <a:t>(1~7)</a:t>
+                      </a:r>
+                      <a:endParaRPr kumimoji="1" lang="ja-JP" altLang="en-US" dirty="0">
+                        <a:latin typeface="游ゴシック" panose="020B0400000000000000" pitchFamily="50" charset="-128"/>
+                        <a:ea typeface="游ゴシック" panose="020B0400000000000000" pitchFamily="50" charset="-128"/>
+                      </a:endParaRPr>
+                    </a:p>
+                  </a:txBody>
+                  <a:tcPr/>
+                </a:tc>
+                <a:extLst>
+                  <a:ext uri="{0D108BD9-81ED-4DB2-BD59-A6C34878D82A}">
+                    <a16:rowId xmlns:a16="http://schemas.microsoft.com/office/drawing/2014/main" val="477916111"/>
+                  </a:ext>
+                </a:extLst>
+              </a:tr>
+              <a:tr h="370840">
+                <a:tc>
+                  <a:txBody>
+                    <a:bodyPr/>
+                    <a:lstStyle/>
+                    <a:p>
+                      <a:pPr algn="ctr"/>
+                      <a:r>
+                        <a:rPr kumimoji="1" lang="ja-JP" altLang="en-US" sz="2000" b="1" dirty="0">
+                          <a:solidFill>
+                            <a:schemeClr val="bg1"/>
+                          </a:solidFill>
+                          <a:latin typeface="游ゴシック" panose="020B0400000000000000" pitchFamily="50" charset="-128"/>
+                          <a:ea typeface="游ゴシック" panose="020B0400000000000000" pitchFamily="50" charset="-128"/>
+                        </a:rPr>
+                        <a:t>代理達成感</a:t>
+                      </a:r>
+                    </a:p>
+                  </a:txBody>
+                  <a:tcPr>
+                    <a:solidFill>
+                      <a:schemeClr val="accent2"/>
+                    </a:solidFill>
+                  </a:tcPr>
+                </a:tc>
+                <a:tc>
+                  <a:txBody>
+                    <a:bodyPr/>
+                    <a:lstStyle/>
+                    <a:p>
+                      <a:pPr algn="ctr"/>
+                      <a:r>
+                        <a:rPr kumimoji="1" lang="en-US" altLang="ja-JP" dirty="0">
+                          <a:latin typeface="游ゴシック" panose="020B0400000000000000" pitchFamily="50" charset="-128"/>
+                          <a:ea typeface="游ゴシック" panose="020B0400000000000000" pitchFamily="50" charset="-128"/>
+                        </a:rPr>
+                        <a:t>1</a:t>
+                      </a:r>
+                      <a:endParaRPr kumimoji="1" lang="ja-JP" altLang="en-US" dirty="0">
+                        <a:latin typeface="游ゴシック" panose="020B0400000000000000" pitchFamily="50" charset="-128"/>
+                        <a:ea typeface="游ゴシック" panose="020B0400000000000000" pitchFamily="50" charset="-128"/>
+                      </a:endParaRPr>
+                    </a:p>
+                  </a:txBody>
+                  <a:tcPr/>
+                </a:tc>
+                <a:extLst>
+                  <a:ext uri="{0D108BD9-81ED-4DB2-BD59-A6C34878D82A}">
+                    <a16:rowId xmlns:a16="http://schemas.microsoft.com/office/drawing/2014/main" val="210031046"/>
+                  </a:ext>
+                </a:extLst>
+              </a:tr>
+              <a:tr h="370840">
+                <a:tc>
+                  <a:txBody>
+                    <a:bodyPr/>
+                    <a:lstStyle/>
+                    <a:p>
+                      <a:pPr algn="ctr"/>
+                      <a:r>
+                        <a:rPr kumimoji="1" lang="ja-JP" altLang="en-US" sz="2000" b="1" dirty="0">
+                          <a:solidFill>
+                            <a:schemeClr val="bg1"/>
+                          </a:solidFill>
+                          <a:latin typeface="游ゴシック" panose="020B0400000000000000" pitchFamily="50" charset="-128"/>
+                          <a:ea typeface="游ゴシック" panose="020B0400000000000000" pitchFamily="50" charset="-128"/>
+                        </a:rPr>
+                        <a:t>情報・知識</a:t>
+                      </a:r>
+                    </a:p>
+                  </a:txBody>
+                  <a:tcPr>
+                    <a:solidFill>
+                      <a:schemeClr val="accent2"/>
+                    </a:solidFill>
+                  </a:tcPr>
+                </a:tc>
+                <a:tc>
+                  <a:txBody>
+                    <a:bodyPr/>
+                    <a:lstStyle/>
+                    <a:p>
+                      <a:pPr algn="ctr"/>
+                      <a:r>
+                        <a:rPr kumimoji="1" lang="en-US" altLang="ja-JP" dirty="0">
+                          <a:latin typeface="游ゴシック" panose="020B0400000000000000" pitchFamily="50" charset="-128"/>
+                          <a:ea typeface="游ゴシック" panose="020B0400000000000000" pitchFamily="50" charset="-128"/>
+                        </a:rPr>
+                        <a:t>1</a:t>
+                      </a:r>
+                      <a:endParaRPr kumimoji="1" lang="ja-JP" altLang="en-US" dirty="0">
+                        <a:latin typeface="游ゴシック" panose="020B0400000000000000" pitchFamily="50" charset="-128"/>
+                        <a:ea typeface="游ゴシック" panose="020B0400000000000000" pitchFamily="50" charset="-128"/>
+                      </a:endParaRPr>
+                    </a:p>
+                  </a:txBody>
+                  <a:tcPr/>
+                </a:tc>
+                <a:extLst>
+                  <a:ext uri="{0D108BD9-81ED-4DB2-BD59-A6C34878D82A}">
+                    <a16:rowId xmlns:a16="http://schemas.microsoft.com/office/drawing/2014/main" val="2216327017"/>
+                  </a:ext>
+                </a:extLst>
+              </a:tr>
+              <a:tr h="370840">
+                <a:tc>
+                  <a:txBody>
+                    <a:bodyPr/>
+                    <a:lstStyle/>
+                    <a:p>
+                      <a:pPr algn="ctr"/>
+                      <a:r>
+                        <a:rPr kumimoji="1" lang="ja-JP" altLang="en-US" sz="2000" b="1" dirty="0">
+                          <a:solidFill>
+                            <a:schemeClr val="bg1"/>
+                          </a:solidFill>
+                          <a:latin typeface="游ゴシック" panose="020B0400000000000000" pitchFamily="50" charset="-128"/>
+                          <a:ea typeface="游ゴシック" panose="020B0400000000000000" pitchFamily="50" charset="-128"/>
+                        </a:rPr>
+                        <a:t>美的鑑賞</a:t>
+                      </a:r>
+                    </a:p>
+                  </a:txBody>
+                  <a:tcPr>
+                    <a:solidFill>
+                      <a:schemeClr val="accent2"/>
+                    </a:solidFill>
+                  </a:tcPr>
+                </a:tc>
+                <a:tc>
+                  <a:txBody>
+                    <a:bodyPr/>
+                    <a:lstStyle/>
+                    <a:p>
+                      <a:pPr algn="ctr"/>
+                      <a:r>
+                        <a:rPr kumimoji="1" lang="en-US" altLang="ja-JP" dirty="0">
+                          <a:latin typeface="游ゴシック" panose="020B0400000000000000" pitchFamily="50" charset="-128"/>
+                          <a:ea typeface="游ゴシック" panose="020B0400000000000000" pitchFamily="50" charset="-128"/>
+                        </a:rPr>
+                        <a:t>1</a:t>
+                      </a:r>
+                      <a:endParaRPr kumimoji="1" lang="ja-JP" altLang="en-US" dirty="0">
+                        <a:latin typeface="游ゴシック" panose="020B0400000000000000" pitchFamily="50" charset="-128"/>
+                        <a:ea typeface="游ゴシック" panose="020B0400000000000000" pitchFamily="50" charset="-128"/>
+                      </a:endParaRPr>
+                    </a:p>
+                  </a:txBody>
+                  <a:tcPr/>
+                </a:tc>
+                <a:extLst>
+                  <a:ext uri="{0D108BD9-81ED-4DB2-BD59-A6C34878D82A}">
+                    <a16:rowId xmlns:a16="http://schemas.microsoft.com/office/drawing/2014/main" val="3965059804"/>
+                  </a:ext>
+                </a:extLst>
+              </a:tr>
+              <a:tr h="370840">
+                <a:tc>
+                  <a:txBody>
+                    <a:bodyPr/>
+                    <a:lstStyle/>
+                    <a:p>
+                      <a:pPr algn="ctr"/>
+                      <a:r>
+                        <a:rPr kumimoji="1" lang="ja-JP" altLang="en-US" sz="2000" b="1" dirty="0">
+                          <a:solidFill>
+                            <a:schemeClr val="bg1"/>
+                          </a:solidFill>
+                          <a:latin typeface="游ゴシック" panose="020B0400000000000000" pitchFamily="50" charset="-128"/>
+                          <a:ea typeface="游ゴシック" panose="020B0400000000000000" pitchFamily="50" charset="-128"/>
+                        </a:rPr>
+                        <a:t>ドラマ性やスリル</a:t>
+                      </a:r>
+                    </a:p>
+                  </a:txBody>
+                  <a:tcPr>
+                    <a:solidFill>
+                      <a:schemeClr val="accent2"/>
+                    </a:solidFill>
+                  </a:tcPr>
+                </a:tc>
+                <a:tc>
+                  <a:txBody>
+                    <a:bodyPr/>
+                    <a:lstStyle/>
+                    <a:p>
+                      <a:pPr algn="ctr"/>
+                      <a:r>
+                        <a:rPr kumimoji="1" lang="en-US" altLang="ja-JP" dirty="0">
+                          <a:latin typeface="游ゴシック" panose="020B0400000000000000" pitchFamily="50" charset="-128"/>
+                          <a:ea typeface="游ゴシック" panose="020B0400000000000000" pitchFamily="50" charset="-128"/>
+                        </a:rPr>
+                        <a:t>2</a:t>
+                      </a:r>
+                      <a:endParaRPr kumimoji="1" lang="ja-JP" altLang="en-US" dirty="0">
+                        <a:latin typeface="游ゴシック" panose="020B0400000000000000" pitchFamily="50" charset="-128"/>
+                        <a:ea typeface="游ゴシック" panose="020B0400000000000000" pitchFamily="50" charset="-128"/>
+                      </a:endParaRPr>
+                    </a:p>
+                  </a:txBody>
+                  <a:tcPr/>
+                </a:tc>
+                <a:extLst>
+                  <a:ext uri="{0D108BD9-81ED-4DB2-BD59-A6C34878D82A}">
+                    <a16:rowId xmlns:a16="http://schemas.microsoft.com/office/drawing/2014/main" val="28863273"/>
+                  </a:ext>
+                </a:extLst>
+              </a:tr>
+              <a:tr h="370840">
+                <a:tc>
+                  <a:txBody>
+                    <a:bodyPr/>
+                    <a:lstStyle/>
+                    <a:p>
+                      <a:pPr algn="ctr"/>
+                      <a:r>
+                        <a:rPr kumimoji="1" lang="ja-JP" altLang="en-US" sz="2000" b="1" dirty="0">
+                          <a:solidFill>
+                            <a:schemeClr val="bg1"/>
+                          </a:solidFill>
+                          <a:latin typeface="游ゴシック" panose="020B0400000000000000" pitchFamily="50" charset="-128"/>
+                          <a:ea typeface="游ゴシック" panose="020B0400000000000000" pitchFamily="50" charset="-128"/>
+                        </a:rPr>
+                        <a:t>気分転換</a:t>
+                      </a:r>
+                    </a:p>
+                  </a:txBody>
+                  <a:tcPr>
+                    <a:solidFill>
+                      <a:schemeClr val="accent2"/>
+                    </a:solidFill>
+                  </a:tcPr>
+                </a:tc>
+                <a:tc>
+                  <a:txBody>
+                    <a:bodyPr/>
+                    <a:lstStyle/>
+                    <a:p>
+                      <a:pPr algn="ctr"/>
+                      <a:r>
+                        <a:rPr kumimoji="1" lang="en-US" altLang="ja-JP" dirty="0">
+                          <a:latin typeface="游ゴシック" panose="020B0400000000000000" pitchFamily="50" charset="-128"/>
+                          <a:ea typeface="游ゴシック" panose="020B0400000000000000" pitchFamily="50" charset="-128"/>
+                        </a:rPr>
+                        <a:t>1</a:t>
+                      </a:r>
+                      <a:endParaRPr kumimoji="1" lang="ja-JP" altLang="en-US" dirty="0">
+                        <a:latin typeface="游ゴシック" panose="020B0400000000000000" pitchFamily="50" charset="-128"/>
+                        <a:ea typeface="游ゴシック" panose="020B0400000000000000" pitchFamily="50" charset="-128"/>
+                      </a:endParaRPr>
+                    </a:p>
+                  </a:txBody>
+                  <a:tcPr/>
+                </a:tc>
+                <a:extLst>
+                  <a:ext uri="{0D108BD9-81ED-4DB2-BD59-A6C34878D82A}">
+                    <a16:rowId xmlns:a16="http://schemas.microsoft.com/office/drawing/2014/main" val="61839423"/>
+                  </a:ext>
+                </a:extLst>
+              </a:tr>
+              <a:tr h="370840">
+                <a:tc>
+                  <a:txBody>
+                    <a:bodyPr/>
+                    <a:lstStyle/>
+                    <a:p>
+                      <a:pPr algn="ctr"/>
+                      <a:r>
+                        <a:rPr kumimoji="1" lang="ja-JP" altLang="en-US" sz="2000" b="1" dirty="0">
+                          <a:solidFill>
+                            <a:schemeClr val="bg1"/>
+                          </a:solidFill>
+                          <a:latin typeface="游ゴシック" panose="020B0400000000000000" pitchFamily="50" charset="-128"/>
+                          <a:ea typeface="游ゴシック" panose="020B0400000000000000" pitchFamily="50" charset="-128"/>
+                        </a:rPr>
+                        <a:t>選手の外見的魅力</a:t>
+                      </a:r>
+                    </a:p>
+                  </a:txBody>
+                  <a:tcPr>
+                    <a:solidFill>
+                      <a:schemeClr val="accent2"/>
+                    </a:solidFill>
+                  </a:tcPr>
+                </a:tc>
+                <a:tc>
+                  <a:txBody>
+                    <a:bodyPr/>
+                    <a:lstStyle/>
+                    <a:p>
+                      <a:pPr algn="ctr"/>
+                      <a:r>
+                        <a:rPr kumimoji="1" lang="en-US" altLang="ja-JP" dirty="0">
+                          <a:latin typeface="游ゴシック" panose="020B0400000000000000" pitchFamily="50" charset="-128"/>
+                          <a:ea typeface="游ゴシック" panose="020B0400000000000000" pitchFamily="50" charset="-128"/>
+                        </a:rPr>
+                        <a:t>1</a:t>
+                      </a:r>
+                      <a:endParaRPr kumimoji="1" lang="ja-JP" altLang="en-US" dirty="0">
+                        <a:latin typeface="游ゴシック" panose="020B0400000000000000" pitchFamily="50" charset="-128"/>
+                        <a:ea typeface="游ゴシック" panose="020B0400000000000000" pitchFamily="50" charset="-128"/>
+                      </a:endParaRPr>
+                    </a:p>
+                  </a:txBody>
+                  <a:tcPr/>
+                </a:tc>
+                <a:extLst>
+                  <a:ext uri="{0D108BD9-81ED-4DB2-BD59-A6C34878D82A}">
+                    <a16:rowId xmlns:a16="http://schemas.microsoft.com/office/drawing/2014/main" val="2799303177"/>
+                  </a:ext>
+                </a:extLst>
+              </a:tr>
+              <a:tr h="370840">
+                <a:tc>
+                  <a:txBody>
+                    <a:bodyPr/>
+                    <a:lstStyle/>
+                    <a:p>
+                      <a:pPr algn="ctr"/>
+                      <a:r>
+                        <a:rPr kumimoji="1" lang="ja-JP" altLang="en-US" sz="2000" b="1" dirty="0">
+                          <a:solidFill>
+                            <a:schemeClr val="bg1"/>
+                          </a:solidFill>
+                          <a:latin typeface="游ゴシック" panose="020B0400000000000000" pitchFamily="50" charset="-128"/>
+                          <a:ea typeface="游ゴシック" panose="020B0400000000000000" pitchFamily="50" charset="-128"/>
+                        </a:rPr>
+                        <a:t>選手の身体能力</a:t>
+                      </a:r>
+                    </a:p>
+                  </a:txBody>
+                  <a:tcPr>
+                    <a:solidFill>
+                      <a:schemeClr val="accent2"/>
+                    </a:solidFill>
+                  </a:tcPr>
+                </a:tc>
+                <a:tc>
+                  <a:txBody>
+                    <a:bodyPr/>
+                    <a:lstStyle/>
+                    <a:p>
+                      <a:pPr algn="ctr"/>
+                      <a:r>
+                        <a:rPr kumimoji="1" lang="en-US" altLang="ja-JP" dirty="0">
+                          <a:latin typeface="游ゴシック" panose="020B0400000000000000" pitchFamily="50" charset="-128"/>
+                          <a:ea typeface="游ゴシック" panose="020B0400000000000000" pitchFamily="50" charset="-128"/>
+                        </a:rPr>
+                        <a:t>2</a:t>
+                      </a:r>
+                      <a:endParaRPr kumimoji="1" lang="ja-JP" altLang="en-US" dirty="0">
+                        <a:latin typeface="游ゴシック" panose="020B0400000000000000" pitchFamily="50" charset="-128"/>
+                        <a:ea typeface="游ゴシック" panose="020B0400000000000000" pitchFamily="50" charset="-128"/>
+                      </a:endParaRPr>
+                    </a:p>
+                  </a:txBody>
+                  <a:tcPr/>
+                </a:tc>
+                <a:extLst>
+                  <a:ext uri="{0D108BD9-81ED-4DB2-BD59-A6C34878D82A}">
+                    <a16:rowId xmlns:a16="http://schemas.microsoft.com/office/drawing/2014/main" val="3718664024"/>
+                  </a:ext>
+                </a:extLst>
+              </a:tr>
+              <a:tr h="370840">
+                <a:tc>
+                  <a:txBody>
+                    <a:bodyPr/>
+                    <a:lstStyle/>
+                    <a:p>
+                      <a:pPr algn="ctr"/>
+                      <a:r>
+                        <a:rPr kumimoji="1" lang="ja-JP" altLang="en-US" sz="2000" b="1" dirty="0">
+                          <a:solidFill>
+                            <a:schemeClr val="bg1"/>
+                          </a:solidFill>
+                          <a:latin typeface="游ゴシック" panose="020B0400000000000000" pitchFamily="50" charset="-128"/>
+                          <a:ea typeface="游ゴシック" panose="020B0400000000000000" pitchFamily="50" charset="-128"/>
+                        </a:rPr>
+                        <a:t>社会的交流</a:t>
+                      </a:r>
+                    </a:p>
+                  </a:txBody>
+                  <a:tcPr>
+                    <a:solidFill>
+                      <a:schemeClr val="accent2"/>
+                    </a:solidFill>
+                  </a:tcPr>
+                </a:tc>
+                <a:tc>
+                  <a:txBody>
+                    <a:bodyPr/>
+                    <a:lstStyle/>
+                    <a:p>
+                      <a:pPr algn="ctr"/>
+                      <a:r>
+                        <a:rPr kumimoji="1" lang="en-US" altLang="ja-JP" dirty="0">
+                          <a:latin typeface="游ゴシック" panose="020B0400000000000000" pitchFamily="50" charset="-128"/>
+                          <a:ea typeface="游ゴシック" panose="020B0400000000000000" pitchFamily="50" charset="-128"/>
+                        </a:rPr>
+                        <a:t>3</a:t>
+                      </a:r>
+                      <a:endParaRPr kumimoji="1" lang="ja-JP" altLang="en-US" dirty="0">
+                        <a:latin typeface="游ゴシック" panose="020B0400000000000000" pitchFamily="50" charset="-128"/>
+                        <a:ea typeface="游ゴシック" panose="020B0400000000000000" pitchFamily="50" charset="-128"/>
+                      </a:endParaRPr>
+                    </a:p>
+                  </a:txBody>
+                  <a:tcPr/>
+                </a:tc>
+                <a:extLst>
+                  <a:ext uri="{0D108BD9-81ED-4DB2-BD59-A6C34878D82A}">
+                    <a16:rowId xmlns:a16="http://schemas.microsoft.com/office/drawing/2014/main" val="2042350072"/>
+                  </a:ext>
+                </a:extLst>
+              </a:tr>
+            </a:tbl>
+          </a:graphicData>
+        </a:graphic>
+      </p:graphicFrame>
+      <p:sp>
+        <p:nvSpPr>
+          <p:cNvPr id="7" name="テキスト ボックス 6">
+            <a:extLst>
+              <a:ext uri="{FF2B5EF4-FFF2-40B4-BE49-F238E27FC236}">
+                <a16:creationId xmlns:a16="http://schemas.microsoft.com/office/drawing/2014/main" id="{777B3C20-1D76-A59B-D7B5-FC5D354E908F}"/>
+              </a:ext>
+            </a:extLst>
+          </p:cNvPr>
+          <p:cNvSpPr txBox="1"/>
+          <p:nvPr/>
+        </p:nvSpPr>
+        <p:spPr>
+          <a:xfrm>
+            <a:off x="2480734" y="2570545"/>
+            <a:ext cx="2209800" cy="523220"/>
+          </a:xfrm>
+          <a:prstGeom prst="rect">
+            <a:avLst/>
+          </a:prstGeom>
+          <a:noFill/>
+        </p:spPr>
+        <p:txBody>
+          <a:bodyPr wrap="square" rtlCol="0">
+            <a:spAutoFit/>
+          </a:bodyPr>
+          <a:lstStyle/>
+          <a:p>
+            <a:r>
+              <a:rPr kumimoji="1" lang="ja-JP" altLang="en-US" sz="2800" b="1" dirty="0">
+                <a:solidFill>
+                  <a:srgbClr val="F64B2E"/>
+                </a:solidFill>
+              </a:rPr>
+              <a:t>箱根駅伝</a:t>
+            </a:r>
+          </a:p>
+        </p:txBody>
+      </p:sp>
+      <p:graphicFrame>
+        <p:nvGraphicFramePr>
+          <p:cNvPr id="8" name="表 7">
+            <a:extLst>
+              <a:ext uri="{FF2B5EF4-FFF2-40B4-BE49-F238E27FC236}">
+                <a16:creationId xmlns:a16="http://schemas.microsoft.com/office/drawing/2014/main" id="{251933BD-843D-5569-A95C-4B5555B27FC0}"/>
+              </a:ext>
+            </a:extLst>
+          </p:cNvPr>
+          <p:cNvGraphicFramePr>
+            <a:graphicFrameLocks noGrp="1"/>
+          </p:cNvGraphicFramePr>
+          <p:nvPr/>
+        </p:nvGraphicFramePr>
+        <p:xfrm>
+          <a:off x="6460067" y="2983699"/>
+          <a:ext cx="4953000" cy="3540760"/>
+        </p:xfrm>
+        <a:graphic>
+          <a:graphicData uri="http://schemas.openxmlformats.org/drawingml/2006/table">
+            <a:tbl>
+              <a:tblPr firstRow="1" bandRow="1">
+                <a:tableStyleId>{5C22544A-7EE6-4342-B048-85BDC9FD1C3A}</a:tableStyleId>
+              </a:tblPr>
+              <a:tblGrid>
+                <a:gridCol w="2311899">
+                  <a:extLst>
+                    <a:ext uri="{9D8B030D-6E8A-4147-A177-3AD203B41FA5}">
+                      <a16:colId xmlns:a16="http://schemas.microsoft.com/office/drawing/2014/main" val="1530089660"/>
+                    </a:ext>
+                  </a:extLst>
+                </a:gridCol>
+                <a:gridCol w="2641101">
+                  <a:extLst>
+                    <a:ext uri="{9D8B030D-6E8A-4147-A177-3AD203B41FA5}">
+                      <a16:colId xmlns:a16="http://schemas.microsoft.com/office/drawing/2014/main" val="1808594561"/>
+                    </a:ext>
+                  </a:extLst>
+                </a:gridCol>
+              </a:tblGrid>
+              <a:tr h="370840">
+                <a:tc>
+                  <a:txBody>
+                    <a:bodyPr/>
+                    <a:lstStyle/>
+                    <a:p>
+                      <a:pPr algn="ctr"/>
+                      <a:r>
+                        <a:rPr kumimoji="1" lang="ja-JP" altLang="en-US" dirty="0">
+                          <a:latin typeface="游ゴシック" panose="020B0400000000000000" pitchFamily="50" charset="-128"/>
+                          <a:ea typeface="游ゴシック" panose="020B0400000000000000" pitchFamily="50" charset="-128"/>
+                        </a:rPr>
+                        <a:t>尺度</a:t>
+                      </a:r>
+                    </a:p>
+                  </a:txBody>
+                  <a:tcPr/>
+                </a:tc>
+                <a:tc>
+                  <a:txBody>
+                    <a:bodyPr/>
+                    <a:lstStyle/>
+                    <a:p>
+                      <a:pPr algn="ctr"/>
+                      <a:r>
+                        <a:rPr kumimoji="1" lang="ja-JP" altLang="en-US" dirty="0">
+                          <a:latin typeface="游ゴシック" panose="020B0400000000000000" pitchFamily="50" charset="-128"/>
+                          <a:ea typeface="游ゴシック" panose="020B0400000000000000" pitchFamily="50" charset="-128"/>
+                        </a:rPr>
+                        <a:t>主観点数</a:t>
+                      </a:r>
+                      <a:r>
+                        <a:rPr kumimoji="1" lang="en-US" altLang="ja-JP" dirty="0">
+                          <a:latin typeface="游ゴシック" panose="020B0400000000000000" pitchFamily="50" charset="-128"/>
+                          <a:ea typeface="游ゴシック" panose="020B0400000000000000" pitchFamily="50" charset="-128"/>
+                        </a:rPr>
+                        <a:t>(1~7)</a:t>
+                      </a:r>
+                      <a:endParaRPr kumimoji="1" lang="ja-JP" altLang="en-US" dirty="0">
+                        <a:latin typeface="游ゴシック" panose="020B0400000000000000" pitchFamily="50" charset="-128"/>
+                        <a:ea typeface="游ゴシック" panose="020B0400000000000000" pitchFamily="50" charset="-128"/>
+                      </a:endParaRPr>
+                    </a:p>
+                  </a:txBody>
+                  <a:tcPr/>
+                </a:tc>
+                <a:extLst>
+                  <a:ext uri="{0D108BD9-81ED-4DB2-BD59-A6C34878D82A}">
+                    <a16:rowId xmlns:a16="http://schemas.microsoft.com/office/drawing/2014/main" val="477916111"/>
+                  </a:ext>
+                </a:extLst>
+              </a:tr>
+              <a:tr h="370840">
+                <a:tc>
+                  <a:txBody>
+                    <a:bodyPr/>
+                    <a:lstStyle/>
+                    <a:p>
+                      <a:pPr algn="ctr"/>
+                      <a:r>
+                        <a:rPr kumimoji="1" lang="ja-JP" altLang="en-US" sz="2000" b="1" dirty="0">
+                          <a:solidFill>
+                            <a:schemeClr val="bg1"/>
+                          </a:solidFill>
+                          <a:latin typeface="游ゴシック" panose="020B0400000000000000" pitchFamily="50" charset="-128"/>
+                          <a:ea typeface="游ゴシック" panose="020B0400000000000000" pitchFamily="50" charset="-128"/>
+                        </a:rPr>
+                        <a:t>代理達成感</a:t>
+                      </a:r>
+                    </a:p>
+                  </a:txBody>
+                  <a:tcPr>
+                    <a:solidFill>
+                      <a:schemeClr val="accent2"/>
+                    </a:solidFill>
+                  </a:tcPr>
+                </a:tc>
+                <a:tc>
+                  <a:txBody>
+                    <a:bodyPr/>
+                    <a:lstStyle/>
+                    <a:p>
+                      <a:pPr algn="ctr"/>
+                      <a:r>
+                        <a:rPr kumimoji="1" lang="en-US" altLang="ja-JP" dirty="0">
+                          <a:latin typeface="游ゴシック" panose="020B0400000000000000" pitchFamily="50" charset="-128"/>
+                          <a:ea typeface="游ゴシック" panose="020B0400000000000000" pitchFamily="50" charset="-128"/>
+                        </a:rPr>
+                        <a:t>5</a:t>
+                      </a:r>
+                      <a:endParaRPr kumimoji="1" lang="ja-JP" altLang="en-US" dirty="0">
+                        <a:latin typeface="游ゴシック" panose="020B0400000000000000" pitchFamily="50" charset="-128"/>
+                        <a:ea typeface="游ゴシック" panose="020B0400000000000000" pitchFamily="50" charset="-128"/>
+                      </a:endParaRPr>
+                    </a:p>
+                  </a:txBody>
+                  <a:tcPr/>
+                </a:tc>
+                <a:extLst>
+                  <a:ext uri="{0D108BD9-81ED-4DB2-BD59-A6C34878D82A}">
+                    <a16:rowId xmlns:a16="http://schemas.microsoft.com/office/drawing/2014/main" val="210031046"/>
+                  </a:ext>
+                </a:extLst>
+              </a:tr>
+              <a:tr h="370840">
+                <a:tc>
+                  <a:txBody>
+                    <a:bodyPr/>
+                    <a:lstStyle/>
+                    <a:p>
+                      <a:pPr algn="ctr"/>
+                      <a:r>
+                        <a:rPr kumimoji="1" lang="ja-JP" altLang="en-US" sz="2000" b="1" dirty="0">
+                          <a:solidFill>
+                            <a:schemeClr val="bg1"/>
+                          </a:solidFill>
+                          <a:latin typeface="游ゴシック" panose="020B0400000000000000" pitchFamily="50" charset="-128"/>
+                          <a:ea typeface="游ゴシック" panose="020B0400000000000000" pitchFamily="50" charset="-128"/>
+                        </a:rPr>
+                        <a:t>情報・知識</a:t>
+                      </a:r>
+                    </a:p>
+                  </a:txBody>
+                  <a:tcPr>
+                    <a:solidFill>
+                      <a:schemeClr val="accent2"/>
+                    </a:solidFill>
+                  </a:tcPr>
+                </a:tc>
+                <a:tc>
+                  <a:txBody>
+                    <a:bodyPr/>
+                    <a:lstStyle/>
+                    <a:p>
+                      <a:pPr algn="ctr"/>
+                      <a:r>
+                        <a:rPr kumimoji="1" lang="en-US" altLang="ja-JP" dirty="0">
+                          <a:latin typeface="游ゴシック" panose="020B0400000000000000" pitchFamily="50" charset="-128"/>
+                          <a:ea typeface="游ゴシック" panose="020B0400000000000000" pitchFamily="50" charset="-128"/>
+                        </a:rPr>
+                        <a:t>4</a:t>
+                      </a:r>
+                      <a:endParaRPr kumimoji="1" lang="ja-JP" altLang="en-US" dirty="0">
+                        <a:latin typeface="游ゴシック" panose="020B0400000000000000" pitchFamily="50" charset="-128"/>
+                        <a:ea typeface="游ゴシック" panose="020B0400000000000000" pitchFamily="50" charset="-128"/>
+                      </a:endParaRPr>
+                    </a:p>
+                  </a:txBody>
+                  <a:tcPr/>
+                </a:tc>
+                <a:extLst>
+                  <a:ext uri="{0D108BD9-81ED-4DB2-BD59-A6C34878D82A}">
+                    <a16:rowId xmlns:a16="http://schemas.microsoft.com/office/drawing/2014/main" val="2216327017"/>
+                  </a:ext>
+                </a:extLst>
+              </a:tr>
+              <a:tr h="370840">
+                <a:tc>
+                  <a:txBody>
+                    <a:bodyPr/>
+                    <a:lstStyle/>
+                    <a:p>
+                      <a:pPr algn="ctr"/>
+                      <a:r>
+                        <a:rPr kumimoji="1" lang="ja-JP" altLang="en-US" sz="2000" b="1" dirty="0">
+                          <a:solidFill>
+                            <a:schemeClr val="bg1"/>
+                          </a:solidFill>
+                          <a:latin typeface="游ゴシック" panose="020B0400000000000000" pitchFamily="50" charset="-128"/>
+                          <a:ea typeface="游ゴシック" panose="020B0400000000000000" pitchFamily="50" charset="-128"/>
+                        </a:rPr>
+                        <a:t>美的鑑賞</a:t>
+                      </a:r>
+                    </a:p>
+                  </a:txBody>
+                  <a:tcPr>
+                    <a:solidFill>
+                      <a:schemeClr val="accent2"/>
+                    </a:solidFill>
+                  </a:tcPr>
+                </a:tc>
+                <a:tc>
+                  <a:txBody>
+                    <a:bodyPr/>
+                    <a:lstStyle/>
+                    <a:p>
+                      <a:pPr algn="ctr"/>
+                      <a:r>
+                        <a:rPr kumimoji="1" lang="en-US" altLang="ja-JP" dirty="0">
+                          <a:latin typeface="游ゴシック" panose="020B0400000000000000" pitchFamily="50" charset="-128"/>
+                          <a:ea typeface="游ゴシック" panose="020B0400000000000000" pitchFamily="50" charset="-128"/>
+                        </a:rPr>
+                        <a:t>3</a:t>
+                      </a:r>
+                      <a:endParaRPr kumimoji="1" lang="ja-JP" altLang="en-US" dirty="0">
+                        <a:latin typeface="游ゴシック" panose="020B0400000000000000" pitchFamily="50" charset="-128"/>
+                        <a:ea typeface="游ゴシック" panose="020B0400000000000000" pitchFamily="50" charset="-128"/>
+                      </a:endParaRPr>
+                    </a:p>
+                  </a:txBody>
+                  <a:tcPr/>
+                </a:tc>
+                <a:extLst>
+                  <a:ext uri="{0D108BD9-81ED-4DB2-BD59-A6C34878D82A}">
+                    <a16:rowId xmlns:a16="http://schemas.microsoft.com/office/drawing/2014/main" val="3965059804"/>
+                  </a:ext>
+                </a:extLst>
+              </a:tr>
+              <a:tr h="370840">
+                <a:tc>
+                  <a:txBody>
+                    <a:bodyPr/>
+                    <a:lstStyle/>
+                    <a:p>
+                      <a:pPr algn="ctr"/>
+                      <a:r>
+                        <a:rPr kumimoji="1" lang="ja-JP" altLang="en-US" sz="2000" b="1" dirty="0">
+                          <a:solidFill>
+                            <a:schemeClr val="bg1"/>
+                          </a:solidFill>
+                          <a:latin typeface="游ゴシック" panose="020B0400000000000000" pitchFamily="50" charset="-128"/>
+                          <a:ea typeface="游ゴシック" panose="020B0400000000000000" pitchFamily="50" charset="-128"/>
+                        </a:rPr>
+                        <a:t>ドラマ性やスリル</a:t>
+                      </a:r>
+                    </a:p>
+                  </a:txBody>
+                  <a:tcPr>
+                    <a:solidFill>
+                      <a:schemeClr val="accent2"/>
+                    </a:solidFill>
+                  </a:tcPr>
+                </a:tc>
+                <a:tc>
+                  <a:txBody>
+                    <a:bodyPr/>
+                    <a:lstStyle/>
+                    <a:p>
+                      <a:pPr algn="ctr"/>
+                      <a:r>
+                        <a:rPr kumimoji="1" lang="en-US" altLang="ja-JP" dirty="0">
+                          <a:latin typeface="游ゴシック" panose="020B0400000000000000" pitchFamily="50" charset="-128"/>
+                          <a:ea typeface="游ゴシック" panose="020B0400000000000000" pitchFamily="50" charset="-128"/>
+                        </a:rPr>
+                        <a:t>7</a:t>
+                      </a:r>
+                      <a:endParaRPr kumimoji="1" lang="ja-JP" altLang="en-US" dirty="0">
+                        <a:latin typeface="游ゴシック" panose="020B0400000000000000" pitchFamily="50" charset="-128"/>
+                        <a:ea typeface="游ゴシック" panose="020B0400000000000000" pitchFamily="50" charset="-128"/>
+                      </a:endParaRPr>
+                    </a:p>
+                  </a:txBody>
+                  <a:tcPr/>
+                </a:tc>
+                <a:extLst>
+                  <a:ext uri="{0D108BD9-81ED-4DB2-BD59-A6C34878D82A}">
+                    <a16:rowId xmlns:a16="http://schemas.microsoft.com/office/drawing/2014/main" val="28863273"/>
+                  </a:ext>
+                </a:extLst>
+              </a:tr>
+              <a:tr h="370840">
+                <a:tc>
+                  <a:txBody>
+                    <a:bodyPr/>
+                    <a:lstStyle/>
+                    <a:p>
+                      <a:pPr algn="ctr"/>
+                      <a:r>
+                        <a:rPr kumimoji="1" lang="ja-JP" altLang="en-US" sz="2000" b="1" dirty="0">
+                          <a:solidFill>
+                            <a:schemeClr val="bg1"/>
+                          </a:solidFill>
+                          <a:latin typeface="游ゴシック" panose="020B0400000000000000" pitchFamily="50" charset="-128"/>
+                          <a:ea typeface="游ゴシック" panose="020B0400000000000000" pitchFamily="50" charset="-128"/>
+                        </a:rPr>
+                        <a:t>気分転換</a:t>
+                      </a:r>
+                    </a:p>
+                  </a:txBody>
+                  <a:tcPr>
+                    <a:solidFill>
+                      <a:schemeClr val="accent2"/>
+                    </a:solidFill>
+                  </a:tcPr>
+                </a:tc>
+                <a:tc>
+                  <a:txBody>
+                    <a:bodyPr/>
+                    <a:lstStyle/>
+                    <a:p>
+                      <a:pPr algn="ctr"/>
+                      <a:r>
+                        <a:rPr kumimoji="1" lang="en-US" altLang="ja-JP" dirty="0">
+                          <a:latin typeface="游ゴシック" panose="020B0400000000000000" pitchFamily="50" charset="-128"/>
+                          <a:ea typeface="游ゴシック" panose="020B0400000000000000" pitchFamily="50" charset="-128"/>
+                        </a:rPr>
+                        <a:t>3</a:t>
+                      </a:r>
+                      <a:endParaRPr kumimoji="1" lang="ja-JP" altLang="en-US" dirty="0">
+                        <a:latin typeface="游ゴシック" panose="020B0400000000000000" pitchFamily="50" charset="-128"/>
+                        <a:ea typeface="游ゴシック" panose="020B0400000000000000" pitchFamily="50" charset="-128"/>
+                      </a:endParaRPr>
+                    </a:p>
+                  </a:txBody>
+                  <a:tcPr/>
+                </a:tc>
+                <a:extLst>
+                  <a:ext uri="{0D108BD9-81ED-4DB2-BD59-A6C34878D82A}">
+                    <a16:rowId xmlns:a16="http://schemas.microsoft.com/office/drawing/2014/main" val="61839423"/>
+                  </a:ext>
+                </a:extLst>
+              </a:tr>
+              <a:tr h="370840">
+                <a:tc>
+                  <a:txBody>
+                    <a:bodyPr/>
+                    <a:lstStyle/>
+                    <a:p>
+                      <a:pPr algn="ctr"/>
+                      <a:r>
+                        <a:rPr kumimoji="1" lang="ja-JP" altLang="en-US" sz="2000" b="1" dirty="0">
+                          <a:solidFill>
+                            <a:schemeClr val="bg1"/>
+                          </a:solidFill>
+                          <a:latin typeface="游ゴシック" panose="020B0400000000000000" pitchFamily="50" charset="-128"/>
+                          <a:ea typeface="游ゴシック" panose="020B0400000000000000" pitchFamily="50" charset="-128"/>
+                        </a:rPr>
+                        <a:t>選手の外見的魅力</a:t>
+                      </a:r>
+                    </a:p>
+                  </a:txBody>
+                  <a:tcPr>
+                    <a:solidFill>
+                      <a:schemeClr val="accent2"/>
+                    </a:solidFill>
+                  </a:tcPr>
+                </a:tc>
+                <a:tc>
+                  <a:txBody>
+                    <a:bodyPr/>
+                    <a:lstStyle/>
+                    <a:p>
+                      <a:pPr algn="ctr"/>
+                      <a:r>
+                        <a:rPr kumimoji="1" lang="en-US" altLang="ja-JP" dirty="0">
+                          <a:latin typeface="游ゴシック" panose="020B0400000000000000" pitchFamily="50" charset="-128"/>
+                          <a:ea typeface="游ゴシック" panose="020B0400000000000000" pitchFamily="50" charset="-128"/>
+                        </a:rPr>
+                        <a:t>6</a:t>
+                      </a:r>
+                      <a:endParaRPr kumimoji="1" lang="ja-JP" altLang="en-US" dirty="0">
+                        <a:latin typeface="游ゴシック" panose="020B0400000000000000" pitchFamily="50" charset="-128"/>
+                        <a:ea typeface="游ゴシック" panose="020B0400000000000000" pitchFamily="50" charset="-128"/>
+                      </a:endParaRPr>
+                    </a:p>
+                  </a:txBody>
+                  <a:tcPr/>
+                </a:tc>
+                <a:extLst>
+                  <a:ext uri="{0D108BD9-81ED-4DB2-BD59-A6C34878D82A}">
+                    <a16:rowId xmlns:a16="http://schemas.microsoft.com/office/drawing/2014/main" val="2799303177"/>
+                  </a:ext>
+                </a:extLst>
+              </a:tr>
+              <a:tr h="370840">
+                <a:tc>
+                  <a:txBody>
+                    <a:bodyPr/>
+                    <a:lstStyle/>
+                    <a:p>
+                      <a:pPr algn="ctr"/>
+                      <a:r>
+                        <a:rPr kumimoji="1" lang="ja-JP" altLang="en-US" sz="2000" b="1" dirty="0">
+                          <a:solidFill>
+                            <a:schemeClr val="bg1"/>
+                          </a:solidFill>
+                          <a:latin typeface="游ゴシック" panose="020B0400000000000000" pitchFamily="50" charset="-128"/>
+                          <a:ea typeface="游ゴシック" panose="020B0400000000000000" pitchFamily="50" charset="-128"/>
+                        </a:rPr>
+                        <a:t>選手の身体能力</a:t>
+                      </a:r>
+                    </a:p>
+                  </a:txBody>
+                  <a:tcPr>
+                    <a:solidFill>
+                      <a:schemeClr val="accent2"/>
+                    </a:solidFill>
+                  </a:tcPr>
+                </a:tc>
+                <a:tc>
+                  <a:txBody>
+                    <a:bodyPr/>
+                    <a:lstStyle/>
+                    <a:p>
+                      <a:pPr algn="ctr"/>
+                      <a:r>
+                        <a:rPr kumimoji="1" lang="en-US" altLang="ja-JP" dirty="0">
+                          <a:latin typeface="游ゴシック" panose="020B0400000000000000" pitchFamily="50" charset="-128"/>
+                          <a:ea typeface="游ゴシック" panose="020B0400000000000000" pitchFamily="50" charset="-128"/>
+                        </a:rPr>
+                        <a:t>5</a:t>
+                      </a:r>
+                      <a:endParaRPr kumimoji="1" lang="ja-JP" altLang="en-US" dirty="0">
+                        <a:latin typeface="游ゴシック" panose="020B0400000000000000" pitchFamily="50" charset="-128"/>
+                        <a:ea typeface="游ゴシック" panose="020B0400000000000000" pitchFamily="50" charset="-128"/>
+                      </a:endParaRPr>
+                    </a:p>
+                  </a:txBody>
+                  <a:tcPr/>
+                </a:tc>
+                <a:extLst>
+                  <a:ext uri="{0D108BD9-81ED-4DB2-BD59-A6C34878D82A}">
+                    <a16:rowId xmlns:a16="http://schemas.microsoft.com/office/drawing/2014/main" val="3718664024"/>
+                  </a:ext>
+                </a:extLst>
+              </a:tr>
+              <a:tr h="370840">
+                <a:tc>
+                  <a:txBody>
+                    <a:bodyPr/>
+                    <a:lstStyle/>
+                    <a:p>
+                      <a:pPr algn="ctr"/>
+                      <a:r>
+                        <a:rPr kumimoji="1" lang="ja-JP" altLang="en-US" sz="2000" b="1" dirty="0">
+                          <a:solidFill>
+                            <a:schemeClr val="bg1"/>
+                          </a:solidFill>
+                          <a:latin typeface="游ゴシック" panose="020B0400000000000000" pitchFamily="50" charset="-128"/>
+                          <a:ea typeface="游ゴシック" panose="020B0400000000000000" pitchFamily="50" charset="-128"/>
+                        </a:rPr>
+                        <a:t>社会的交流</a:t>
+                      </a:r>
+                    </a:p>
+                  </a:txBody>
+                  <a:tcPr>
+                    <a:solidFill>
+                      <a:schemeClr val="accent2"/>
+                    </a:solidFill>
+                  </a:tcPr>
+                </a:tc>
+                <a:tc>
+                  <a:txBody>
+                    <a:bodyPr/>
+                    <a:lstStyle/>
+                    <a:p>
+                      <a:pPr algn="ctr"/>
+                      <a:r>
+                        <a:rPr kumimoji="1" lang="en-US" altLang="ja-JP" dirty="0">
+                          <a:latin typeface="游ゴシック" panose="020B0400000000000000" pitchFamily="50" charset="-128"/>
+                          <a:ea typeface="游ゴシック" panose="020B0400000000000000" pitchFamily="50" charset="-128"/>
+                        </a:rPr>
+                        <a:t>5</a:t>
+                      </a:r>
+                      <a:endParaRPr kumimoji="1" lang="ja-JP" altLang="en-US" dirty="0">
+                        <a:latin typeface="游ゴシック" panose="020B0400000000000000" pitchFamily="50" charset="-128"/>
+                        <a:ea typeface="游ゴシック" panose="020B0400000000000000" pitchFamily="50" charset="-128"/>
+                      </a:endParaRPr>
+                    </a:p>
+                  </a:txBody>
+                  <a:tcPr/>
+                </a:tc>
+                <a:extLst>
+                  <a:ext uri="{0D108BD9-81ED-4DB2-BD59-A6C34878D82A}">
+                    <a16:rowId xmlns:a16="http://schemas.microsoft.com/office/drawing/2014/main" val="2042350072"/>
+                  </a:ext>
+                </a:extLst>
+              </a:tr>
+            </a:tbl>
+          </a:graphicData>
+        </a:graphic>
+      </p:graphicFrame>
+      <p:sp>
+        <p:nvSpPr>
+          <p:cNvPr id="9" name="テキスト ボックス 8">
+            <a:extLst>
+              <a:ext uri="{FF2B5EF4-FFF2-40B4-BE49-F238E27FC236}">
+                <a16:creationId xmlns:a16="http://schemas.microsoft.com/office/drawing/2014/main" id="{37E571D1-1F15-71C3-C318-774EB7FFE7D4}"/>
+              </a:ext>
+            </a:extLst>
+          </p:cNvPr>
+          <p:cNvSpPr txBox="1"/>
+          <p:nvPr/>
+        </p:nvSpPr>
+        <p:spPr>
+          <a:xfrm>
+            <a:off x="8047566" y="2570545"/>
+            <a:ext cx="2209800" cy="523220"/>
+          </a:xfrm>
+          <a:prstGeom prst="rect">
+            <a:avLst/>
+          </a:prstGeom>
+          <a:noFill/>
+        </p:spPr>
+        <p:txBody>
+          <a:bodyPr wrap="square" rtlCol="0">
+            <a:spAutoFit/>
+          </a:bodyPr>
+          <a:lstStyle/>
+          <a:p>
+            <a:r>
+              <a:rPr kumimoji="1" lang="ja-JP" altLang="en-US" sz="2800" b="1" dirty="0">
+                <a:solidFill>
+                  <a:schemeClr val="accent2"/>
+                </a:solidFill>
+              </a:rPr>
+              <a:t>高校野球</a:t>
+            </a:r>
+          </a:p>
+        </p:txBody>
+      </p:sp>
+    </p:spTree>
+    <p:extLst>
+      <p:ext uri="{BB962C8B-B14F-4D97-AF65-F5344CB8AC3E}">
+        <p14:creationId xmlns:p14="http://schemas.microsoft.com/office/powerpoint/2010/main" val="1863868220"/>
       </p:ext>
     </p:extLst>
   </p:cSld>
@@ -36090,8 +37010,12 @@
           <a:lstStyle/>
           <a:p>
             <a:r>
+              <a:rPr kumimoji="1" lang="en-US" altLang="ja-JP" dirty="0"/>
+              <a:t>MSCC</a:t>
+            </a:r>
+            <a:r>
               <a:rPr kumimoji="1" lang="ja-JP" altLang="en-US" dirty="0"/>
-              <a:t>スポーツ観戦モデル</a:t>
+              <a:t>で比較</a:t>
             </a:r>
           </a:p>
         </p:txBody>
@@ -36119,9 +37043,24 @@
           <a:p>
             <a:r>
               <a:rPr lang="ja-JP" altLang="en-US" dirty="0"/>
-              <a:t>野球の場合</a:t>
+              <a:t>推測</a:t>
             </a:r>
-            <a:endParaRPr kumimoji="1" lang="ja-JP" altLang="en-US" dirty="0"/>
+            <a:endParaRPr lang="en-US" altLang="ja-JP" dirty="0"/>
+          </a:p>
+          <a:p>
+            <a:pPr lvl="1"/>
+            <a:r>
+              <a:rPr kumimoji="1" lang="ja-JP" altLang="en-US" dirty="0"/>
+              <a:t>スリルもあまりない</a:t>
+            </a:r>
+            <a:endParaRPr kumimoji="1" lang="en-US" altLang="ja-JP" dirty="0"/>
+          </a:p>
+          <a:p>
+            <a:pPr lvl="1"/>
+            <a:r>
+              <a:rPr kumimoji="1" lang="ja-JP" altLang="en-US" dirty="0"/>
+              <a:t>選手の身体能力は分からない</a:t>
+            </a:r>
           </a:p>
         </p:txBody>
       </p:sp>
@@ -36154,6 +37093,1458 @@
           </a:p>
         </p:txBody>
       </p:sp>
+      <p:graphicFrame>
+        <p:nvGraphicFramePr>
+          <p:cNvPr id="6" name="表 5">
+            <a:extLst>
+              <a:ext uri="{FF2B5EF4-FFF2-40B4-BE49-F238E27FC236}">
+                <a16:creationId xmlns:a16="http://schemas.microsoft.com/office/drawing/2014/main" id="{F2F3B622-9A92-EF09-28B1-FD606D6368A2}"/>
+              </a:ext>
+            </a:extLst>
+          </p:cNvPr>
+          <p:cNvGraphicFramePr>
+            <a:graphicFrameLocks noGrp="1"/>
+          </p:cNvGraphicFramePr>
+          <p:nvPr>
+            <p:extLst>
+              <p:ext uri="{D42A27DB-BD31-4B8C-83A1-F6EECF244321}">
+                <p14:modId xmlns:p14="http://schemas.microsoft.com/office/powerpoint/2010/main" val="4266423158"/>
+              </p:ext>
+            </p:extLst>
+          </p:nvPr>
+        </p:nvGraphicFramePr>
+        <p:xfrm>
+          <a:off x="897467" y="2983699"/>
+          <a:ext cx="4953000" cy="3540760"/>
+        </p:xfrm>
+        <a:graphic>
+          <a:graphicData uri="http://schemas.openxmlformats.org/drawingml/2006/table">
+            <a:tbl>
+              <a:tblPr firstRow="1" bandRow="1">
+                <a:tableStyleId>{5C22544A-7EE6-4342-B048-85BDC9FD1C3A}</a:tableStyleId>
+              </a:tblPr>
+              <a:tblGrid>
+                <a:gridCol w="2311899">
+                  <a:extLst>
+                    <a:ext uri="{9D8B030D-6E8A-4147-A177-3AD203B41FA5}">
+                      <a16:colId xmlns:a16="http://schemas.microsoft.com/office/drawing/2014/main" val="1530089660"/>
+                    </a:ext>
+                  </a:extLst>
+                </a:gridCol>
+                <a:gridCol w="2641101">
+                  <a:extLst>
+                    <a:ext uri="{9D8B030D-6E8A-4147-A177-3AD203B41FA5}">
+                      <a16:colId xmlns:a16="http://schemas.microsoft.com/office/drawing/2014/main" val="1808594561"/>
+                    </a:ext>
+                  </a:extLst>
+                </a:gridCol>
+              </a:tblGrid>
+              <a:tr h="370840">
+                <a:tc>
+                  <a:txBody>
+                    <a:bodyPr/>
+                    <a:lstStyle/>
+                    <a:p>
+                      <a:pPr algn="ctr"/>
+                      <a:r>
+                        <a:rPr kumimoji="1" lang="ja-JP" altLang="en-US" dirty="0">
+                          <a:latin typeface="游ゴシック" panose="020B0400000000000000" pitchFamily="50" charset="-128"/>
+                          <a:ea typeface="游ゴシック" panose="020B0400000000000000" pitchFamily="50" charset="-128"/>
+                        </a:rPr>
+                        <a:t>尺度</a:t>
+                      </a:r>
+                    </a:p>
+                  </a:txBody>
+                  <a:tcPr/>
+                </a:tc>
+                <a:tc>
+                  <a:txBody>
+                    <a:bodyPr/>
+                    <a:lstStyle/>
+                    <a:p>
+                      <a:pPr algn="ctr"/>
+                      <a:r>
+                        <a:rPr kumimoji="1" lang="ja-JP" altLang="en-US" dirty="0">
+                          <a:latin typeface="游ゴシック" panose="020B0400000000000000" pitchFamily="50" charset="-128"/>
+                          <a:ea typeface="游ゴシック" panose="020B0400000000000000" pitchFamily="50" charset="-128"/>
+                        </a:rPr>
+                        <a:t>主観点数</a:t>
+                      </a:r>
+                      <a:r>
+                        <a:rPr kumimoji="1" lang="en-US" altLang="ja-JP" dirty="0">
+                          <a:latin typeface="游ゴシック" panose="020B0400000000000000" pitchFamily="50" charset="-128"/>
+                          <a:ea typeface="游ゴシック" panose="020B0400000000000000" pitchFamily="50" charset="-128"/>
+                        </a:rPr>
+                        <a:t>(1~7)</a:t>
+                      </a:r>
+                      <a:endParaRPr kumimoji="1" lang="ja-JP" altLang="en-US" dirty="0">
+                        <a:latin typeface="游ゴシック" panose="020B0400000000000000" pitchFamily="50" charset="-128"/>
+                        <a:ea typeface="游ゴシック" panose="020B0400000000000000" pitchFamily="50" charset="-128"/>
+                      </a:endParaRPr>
+                    </a:p>
+                  </a:txBody>
+                  <a:tcPr/>
+                </a:tc>
+                <a:extLst>
+                  <a:ext uri="{0D108BD9-81ED-4DB2-BD59-A6C34878D82A}">
+                    <a16:rowId xmlns:a16="http://schemas.microsoft.com/office/drawing/2014/main" val="477916111"/>
+                  </a:ext>
+                </a:extLst>
+              </a:tr>
+              <a:tr h="370840">
+                <a:tc>
+                  <a:txBody>
+                    <a:bodyPr/>
+                    <a:lstStyle/>
+                    <a:p>
+                      <a:pPr algn="ctr"/>
+                      <a:r>
+                        <a:rPr kumimoji="1" lang="ja-JP" altLang="en-US" sz="2000" b="1" dirty="0">
+                          <a:solidFill>
+                            <a:schemeClr val="bg1"/>
+                          </a:solidFill>
+                          <a:latin typeface="游ゴシック" panose="020B0400000000000000" pitchFamily="50" charset="-128"/>
+                          <a:ea typeface="游ゴシック" panose="020B0400000000000000" pitchFamily="50" charset="-128"/>
+                        </a:rPr>
+                        <a:t>代理達成感</a:t>
+                      </a:r>
+                    </a:p>
+                  </a:txBody>
+                  <a:tcPr>
+                    <a:solidFill>
+                      <a:schemeClr val="accent2"/>
+                    </a:solidFill>
+                  </a:tcPr>
+                </a:tc>
+                <a:tc>
+                  <a:txBody>
+                    <a:bodyPr/>
+                    <a:lstStyle/>
+                    <a:p>
+                      <a:pPr algn="ctr"/>
+                      <a:r>
+                        <a:rPr kumimoji="1" lang="en-US" altLang="ja-JP" dirty="0">
+                          <a:latin typeface="游ゴシック" panose="020B0400000000000000" pitchFamily="50" charset="-128"/>
+                          <a:ea typeface="游ゴシック" panose="020B0400000000000000" pitchFamily="50" charset="-128"/>
+                        </a:rPr>
+                        <a:t>1</a:t>
+                      </a:r>
+                      <a:endParaRPr kumimoji="1" lang="ja-JP" altLang="en-US" dirty="0">
+                        <a:latin typeface="游ゴシック" panose="020B0400000000000000" pitchFamily="50" charset="-128"/>
+                        <a:ea typeface="游ゴシック" panose="020B0400000000000000" pitchFamily="50" charset="-128"/>
+                      </a:endParaRPr>
+                    </a:p>
+                  </a:txBody>
+                  <a:tcPr/>
+                </a:tc>
+                <a:extLst>
+                  <a:ext uri="{0D108BD9-81ED-4DB2-BD59-A6C34878D82A}">
+                    <a16:rowId xmlns:a16="http://schemas.microsoft.com/office/drawing/2014/main" val="210031046"/>
+                  </a:ext>
+                </a:extLst>
+              </a:tr>
+              <a:tr h="370840">
+                <a:tc>
+                  <a:txBody>
+                    <a:bodyPr/>
+                    <a:lstStyle/>
+                    <a:p>
+                      <a:pPr algn="ctr"/>
+                      <a:r>
+                        <a:rPr kumimoji="1" lang="ja-JP" altLang="en-US" sz="2000" b="1" dirty="0">
+                          <a:solidFill>
+                            <a:schemeClr val="bg1"/>
+                          </a:solidFill>
+                          <a:latin typeface="游ゴシック" panose="020B0400000000000000" pitchFamily="50" charset="-128"/>
+                          <a:ea typeface="游ゴシック" panose="020B0400000000000000" pitchFamily="50" charset="-128"/>
+                        </a:rPr>
+                        <a:t>情報・知識</a:t>
+                      </a:r>
+                    </a:p>
+                  </a:txBody>
+                  <a:tcPr>
+                    <a:solidFill>
+                      <a:schemeClr val="accent2"/>
+                    </a:solidFill>
+                  </a:tcPr>
+                </a:tc>
+                <a:tc>
+                  <a:txBody>
+                    <a:bodyPr/>
+                    <a:lstStyle/>
+                    <a:p>
+                      <a:pPr algn="ctr"/>
+                      <a:r>
+                        <a:rPr kumimoji="1" lang="en-US" altLang="ja-JP" dirty="0">
+                          <a:latin typeface="游ゴシック" panose="020B0400000000000000" pitchFamily="50" charset="-128"/>
+                          <a:ea typeface="游ゴシック" panose="020B0400000000000000" pitchFamily="50" charset="-128"/>
+                        </a:rPr>
+                        <a:t>1</a:t>
+                      </a:r>
+                      <a:endParaRPr kumimoji="1" lang="ja-JP" altLang="en-US" dirty="0">
+                        <a:latin typeface="游ゴシック" panose="020B0400000000000000" pitchFamily="50" charset="-128"/>
+                        <a:ea typeface="游ゴシック" panose="020B0400000000000000" pitchFamily="50" charset="-128"/>
+                      </a:endParaRPr>
+                    </a:p>
+                  </a:txBody>
+                  <a:tcPr/>
+                </a:tc>
+                <a:extLst>
+                  <a:ext uri="{0D108BD9-81ED-4DB2-BD59-A6C34878D82A}">
+                    <a16:rowId xmlns:a16="http://schemas.microsoft.com/office/drawing/2014/main" val="2216327017"/>
+                  </a:ext>
+                </a:extLst>
+              </a:tr>
+              <a:tr h="370840">
+                <a:tc>
+                  <a:txBody>
+                    <a:bodyPr/>
+                    <a:lstStyle/>
+                    <a:p>
+                      <a:pPr algn="ctr"/>
+                      <a:r>
+                        <a:rPr kumimoji="1" lang="ja-JP" altLang="en-US" sz="2000" b="1" dirty="0">
+                          <a:solidFill>
+                            <a:schemeClr val="bg1"/>
+                          </a:solidFill>
+                          <a:latin typeface="游ゴシック" panose="020B0400000000000000" pitchFamily="50" charset="-128"/>
+                          <a:ea typeface="游ゴシック" panose="020B0400000000000000" pitchFamily="50" charset="-128"/>
+                        </a:rPr>
+                        <a:t>美的鑑賞</a:t>
+                      </a:r>
+                    </a:p>
+                  </a:txBody>
+                  <a:tcPr>
+                    <a:solidFill>
+                      <a:schemeClr val="accent2"/>
+                    </a:solidFill>
+                  </a:tcPr>
+                </a:tc>
+                <a:tc>
+                  <a:txBody>
+                    <a:bodyPr/>
+                    <a:lstStyle/>
+                    <a:p>
+                      <a:pPr algn="ctr"/>
+                      <a:r>
+                        <a:rPr kumimoji="1" lang="en-US" altLang="ja-JP" dirty="0">
+                          <a:latin typeface="游ゴシック" panose="020B0400000000000000" pitchFamily="50" charset="-128"/>
+                          <a:ea typeface="游ゴシック" panose="020B0400000000000000" pitchFamily="50" charset="-128"/>
+                        </a:rPr>
+                        <a:t>1</a:t>
+                      </a:r>
+                      <a:endParaRPr kumimoji="1" lang="ja-JP" altLang="en-US" dirty="0">
+                        <a:latin typeface="游ゴシック" panose="020B0400000000000000" pitchFamily="50" charset="-128"/>
+                        <a:ea typeface="游ゴシック" panose="020B0400000000000000" pitchFamily="50" charset="-128"/>
+                      </a:endParaRPr>
+                    </a:p>
+                  </a:txBody>
+                  <a:tcPr/>
+                </a:tc>
+                <a:extLst>
+                  <a:ext uri="{0D108BD9-81ED-4DB2-BD59-A6C34878D82A}">
+                    <a16:rowId xmlns:a16="http://schemas.microsoft.com/office/drawing/2014/main" val="3965059804"/>
+                  </a:ext>
+                </a:extLst>
+              </a:tr>
+              <a:tr h="370840">
+                <a:tc>
+                  <a:txBody>
+                    <a:bodyPr/>
+                    <a:lstStyle/>
+                    <a:p>
+                      <a:pPr algn="ctr"/>
+                      <a:r>
+                        <a:rPr kumimoji="1" lang="ja-JP" altLang="en-US" sz="2000" b="1" dirty="0">
+                          <a:solidFill>
+                            <a:schemeClr val="bg1"/>
+                          </a:solidFill>
+                          <a:latin typeface="游ゴシック" panose="020B0400000000000000" pitchFamily="50" charset="-128"/>
+                          <a:ea typeface="游ゴシック" panose="020B0400000000000000" pitchFamily="50" charset="-128"/>
+                        </a:rPr>
+                        <a:t>ドラマ性やスリル</a:t>
+                      </a:r>
+                    </a:p>
+                  </a:txBody>
+                  <a:tcPr>
+                    <a:solidFill>
+                      <a:schemeClr val="accent2"/>
+                    </a:solidFill>
+                  </a:tcPr>
+                </a:tc>
+                <a:tc>
+                  <a:txBody>
+                    <a:bodyPr/>
+                    <a:lstStyle/>
+                    <a:p>
+                      <a:pPr algn="ctr"/>
+                      <a:r>
+                        <a:rPr kumimoji="1" lang="en-US" altLang="ja-JP" dirty="0">
+                          <a:latin typeface="游ゴシック" panose="020B0400000000000000" pitchFamily="50" charset="-128"/>
+                          <a:ea typeface="游ゴシック" panose="020B0400000000000000" pitchFamily="50" charset="-128"/>
+                        </a:rPr>
+                        <a:t>2</a:t>
+                      </a:r>
+                      <a:endParaRPr kumimoji="1" lang="ja-JP" altLang="en-US" dirty="0">
+                        <a:latin typeface="游ゴシック" panose="020B0400000000000000" pitchFamily="50" charset="-128"/>
+                        <a:ea typeface="游ゴシック" panose="020B0400000000000000" pitchFamily="50" charset="-128"/>
+                      </a:endParaRPr>
+                    </a:p>
+                  </a:txBody>
+                  <a:tcPr/>
+                </a:tc>
+                <a:extLst>
+                  <a:ext uri="{0D108BD9-81ED-4DB2-BD59-A6C34878D82A}">
+                    <a16:rowId xmlns:a16="http://schemas.microsoft.com/office/drawing/2014/main" val="28863273"/>
+                  </a:ext>
+                </a:extLst>
+              </a:tr>
+              <a:tr h="370840">
+                <a:tc>
+                  <a:txBody>
+                    <a:bodyPr/>
+                    <a:lstStyle/>
+                    <a:p>
+                      <a:pPr algn="ctr"/>
+                      <a:r>
+                        <a:rPr kumimoji="1" lang="ja-JP" altLang="en-US" sz="2000" b="1" dirty="0">
+                          <a:solidFill>
+                            <a:schemeClr val="bg1"/>
+                          </a:solidFill>
+                          <a:latin typeface="游ゴシック" panose="020B0400000000000000" pitchFamily="50" charset="-128"/>
+                          <a:ea typeface="游ゴシック" panose="020B0400000000000000" pitchFamily="50" charset="-128"/>
+                        </a:rPr>
+                        <a:t>気分転換</a:t>
+                      </a:r>
+                    </a:p>
+                  </a:txBody>
+                  <a:tcPr>
+                    <a:solidFill>
+                      <a:schemeClr val="accent2"/>
+                    </a:solidFill>
+                  </a:tcPr>
+                </a:tc>
+                <a:tc>
+                  <a:txBody>
+                    <a:bodyPr/>
+                    <a:lstStyle/>
+                    <a:p>
+                      <a:pPr algn="ctr"/>
+                      <a:r>
+                        <a:rPr kumimoji="1" lang="en-US" altLang="ja-JP" dirty="0">
+                          <a:latin typeface="游ゴシック" panose="020B0400000000000000" pitchFamily="50" charset="-128"/>
+                          <a:ea typeface="游ゴシック" panose="020B0400000000000000" pitchFamily="50" charset="-128"/>
+                        </a:rPr>
+                        <a:t>1</a:t>
+                      </a:r>
+                      <a:endParaRPr kumimoji="1" lang="ja-JP" altLang="en-US" dirty="0">
+                        <a:latin typeface="游ゴシック" panose="020B0400000000000000" pitchFamily="50" charset="-128"/>
+                        <a:ea typeface="游ゴシック" panose="020B0400000000000000" pitchFamily="50" charset="-128"/>
+                      </a:endParaRPr>
+                    </a:p>
+                  </a:txBody>
+                  <a:tcPr/>
+                </a:tc>
+                <a:extLst>
+                  <a:ext uri="{0D108BD9-81ED-4DB2-BD59-A6C34878D82A}">
+                    <a16:rowId xmlns:a16="http://schemas.microsoft.com/office/drawing/2014/main" val="61839423"/>
+                  </a:ext>
+                </a:extLst>
+              </a:tr>
+              <a:tr h="370840">
+                <a:tc>
+                  <a:txBody>
+                    <a:bodyPr/>
+                    <a:lstStyle/>
+                    <a:p>
+                      <a:pPr algn="ctr"/>
+                      <a:r>
+                        <a:rPr kumimoji="1" lang="ja-JP" altLang="en-US" sz="2000" b="1" dirty="0">
+                          <a:solidFill>
+                            <a:schemeClr val="bg1"/>
+                          </a:solidFill>
+                          <a:latin typeface="游ゴシック" panose="020B0400000000000000" pitchFamily="50" charset="-128"/>
+                          <a:ea typeface="游ゴシック" panose="020B0400000000000000" pitchFamily="50" charset="-128"/>
+                        </a:rPr>
+                        <a:t>選手の外見的魅力</a:t>
+                      </a:r>
+                    </a:p>
+                  </a:txBody>
+                  <a:tcPr>
+                    <a:solidFill>
+                      <a:schemeClr val="accent2"/>
+                    </a:solidFill>
+                  </a:tcPr>
+                </a:tc>
+                <a:tc>
+                  <a:txBody>
+                    <a:bodyPr/>
+                    <a:lstStyle/>
+                    <a:p>
+                      <a:pPr algn="ctr"/>
+                      <a:r>
+                        <a:rPr kumimoji="1" lang="en-US" altLang="ja-JP" dirty="0">
+                          <a:latin typeface="游ゴシック" panose="020B0400000000000000" pitchFamily="50" charset="-128"/>
+                          <a:ea typeface="游ゴシック" panose="020B0400000000000000" pitchFamily="50" charset="-128"/>
+                        </a:rPr>
+                        <a:t>1</a:t>
+                      </a:r>
+                      <a:endParaRPr kumimoji="1" lang="ja-JP" altLang="en-US" dirty="0">
+                        <a:latin typeface="游ゴシック" panose="020B0400000000000000" pitchFamily="50" charset="-128"/>
+                        <a:ea typeface="游ゴシック" panose="020B0400000000000000" pitchFamily="50" charset="-128"/>
+                      </a:endParaRPr>
+                    </a:p>
+                  </a:txBody>
+                  <a:tcPr/>
+                </a:tc>
+                <a:extLst>
+                  <a:ext uri="{0D108BD9-81ED-4DB2-BD59-A6C34878D82A}">
+                    <a16:rowId xmlns:a16="http://schemas.microsoft.com/office/drawing/2014/main" val="2799303177"/>
+                  </a:ext>
+                </a:extLst>
+              </a:tr>
+              <a:tr h="370840">
+                <a:tc>
+                  <a:txBody>
+                    <a:bodyPr/>
+                    <a:lstStyle/>
+                    <a:p>
+                      <a:pPr algn="ctr"/>
+                      <a:r>
+                        <a:rPr kumimoji="1" lang="ja-JP" altLang="en-US" sz="2000" b="1" dirty="0">
+                          <a:solidFill>
+                            <a:schemeClr val="bg1"/>
+                          </a:solidFill>
+                          <a:latin typeface="游ゴシック" panose="020B0400000000000000" pitchFamily="50" charset="-128"/>
+                          <a:ea typeface="游ゴシック" panose="020B0400000000000000" pitchFamily="50" charset="-128"/>
+                        </a:rPr>
+                        <a:t>選手の身体能力</a:t>
+                      </a:r>
+                    </a:p>
+                  </a:txBody>
+                  <a:tcPr>
+                    <a:solidFill>
+                      <a:schemeClr val="accent2"/>
+                    </a:solidFill>
+                  </a:tcPr>
+                </a:tc>
+                <a:tc>
+                  <a:txBody>
+                    <a:bodyPr/>
+                    <a:lstStyle/>
+                    <a:p>
+                      <a:pPr algn="ctr"/>
+                      <a:r>
+                        <a:rPr kumimoji="1" lang="en-US" altLang="ja-JP" dirty="0">
+                          <a:latin typeface="游ゴシック" panose="020B0400000000000000" pitchFamily="50" charset="-128"/>
+                          <a:ea typeface="游ゴシック" panose="020B0400000000000000" pitchFamily="50" charset="-128"/>
+                        </a:rPr>
+                        <a:t>2</a:t>
+                      </a:r>
+                      <a:endParaRPr kumimoji="1" lang="ja-JP" altLang="en-US" dirty="0">
+                        <a:latin typeface="游ゴシック" panose="020B0400000000000000" pitchFamily="50" charset="-128"/>
+                        <a:ea typeface="游ゴシック" panose="020B0400000000000000" pitchFamily="50" charset="-128"/>
+                      </a:endParaRPr>
+                    </a:p>
+                  </a:txBody>
+                  <a:tcPr/>
+                </a:tc>
+                <a:extLst>
+                  <a:ext uri="{0D108BD9-81ED-4DB2-BD59-A6C34878D82A}">
+                    <a16:rowId xmlns:a16="http://schemas.microsoft.com/office/drawing/2014/main" val="3718664024"/>
+                  </a:ext>
+                </a:extLst>
+              </a:tr>
+              <a:tr h="370840">
+                <a:tc>
+                  <a:txBody>
+                    <a:bodyPr/>
+                    <a:lstStyle/>
+                    <a:p>
+                      <a:pPr algn="ctr"/>
+                      <a:r>
+                        <a:rPr kumimoji="1" lang="ja-JP" altLang="en-US" sz="2000" b="1" dirty="0">
+                          <a:solidFill>
+                            <a:schemeClr val="bg1"/>
+                          </a:solidFill>
+                          <a:latin typeface="游ゴシック" panose="020B0400000000000000" pitchFamily="50" charset="-128"/>
+                          <a:ea typeface="游ゴシック" panose="020B0400000000000000" pitchFamily="50" charset="-128"/>
+                        </a:rPr>
+                        <a:t>社会的交流</a:t>
+                      </a:r>
+                    </a:p>
+                  </a:txBody>
+                  <a:tcPr>
+                    <a:solidFill>
+                      <a:schemeClr val="accent2"/>
+                    </a:solidFill>
+                  </a:tcPr>
+                </a:tc>
+                <a:tc>
+                  <a:txBody>
+                    <a:bodyPr/>
+                    <a:lstStyle/>
+                    <a:p>
+                      <a:pPr algn="ctr"/>
+                      <a:r>
+                        <a:rPr kumimoji="1" lang="en-US" altLang="ja-JP" dirty="0">
+                          <a:latin typeface="游ゴシック" panose="020B0400000000000000" pitchFamily="50" charset="-128"/>
+                          <a:ea typeface="游ゴシック" panose="020B0400000000000000" pitchFamily="50" charset="-128"/>
+                        </a:rPr>
+                        <a:t>3</a:t>
+                      </a:r>
+                      <a:endParaRPr kumimoji="1" lang="ja-JP" altLang="en-US" dirty="0">
+                        <a:latin typeface="游ゴシック" panose="020B0400000000000000" pitchFamily="50" charset="-128"/>
+                        <a:ea typeface="游ゴシック" panose="020B0400000000000000" pitchFamily="50" charset="-128"/>
+                      </a:endParaRPr>
+                    </a:p>
+                  </a:txBody>
+                  <a:tcPr/>
+                </a:tc>
+                <a:extLst>
+                  <a:ext uri="{0D108BD9-81ED-4DB2-BD59-A6C34878D82A}">
+                    <a16:rowId xmlns:a16="http://schemas.microsoft.com/office/drawing/2014/main" val="2042350072"/>
+                  </a:ext>
+                </a:extLst>
+              </a:tr>
+            </a:tbl>
+          </a:graphicData>
+        </a:graphic>
+      </p:graphicFrame>
+      <p:sp>
+        <p:nvSpPr>
+          <p:cNvPr id="7" name="テキスト ボックス 6">
+            <a:extLst>
+              <a:ext uri="{FF2B5EF4-FFF2-40B4-BE49-F238E27FC236}">
+                <a16:creationId xmlns:a16="http://schemas.microsoft.com/office/drawing/2014/main" id="{74775F48-B220-3605-37F9-D7197ABE03D4}"/>
+              </a:ext>
+            </a:extLst>
+          </p:cNvPr>
+          <p:cNvSpPr txBox="1"/>
+          <p:nvPr/>
+        </p:nvSpPr>
+        <p:spPr>
+          <a:xfrm>
+            <a:off x="2480734" y="2570545"/>
+            <a:ext cx="2209800" cy="523220"/>
+          </a:xfrm>
+          <a:prstGeom prst="rect">
+            <a:avLst/>
+          </a:prstGeom>
+          <a:noFill/>
+        </p:spPr>
+        <p:txBody>
+          <a:bodyPr wrap="square" rtlCol="0">
+            <a:spAutoFit/>
+          </a:bodyPr>
+          <a:lstStyle/>
+          <a:p>
+            <a:r>
+              <a:rPr kumimoji="1" lang="ja-JP" altLang="en-US" sz="2800" b="1" dirty="0">
+                <a:solidFill>
+                  <a:srgbClr val="F64B2E"/>
+                </a:solidFill>
+              </a:rPr>
+              <a:t>箱根駅伝</a:t>
+            </a:r>
+          </a:p>
+        </p:txBody>
+      </p:sp>
+      <p:graphicFrame>
+        <p:nvGraphicFramePr>
+          <p:cNvPr id="8" name="表 7">
+            <a:extLst>
+              <a:ext uri="{FF2B5EF4-FFF2-40B4-BE49-F238E27FC236}">
+                <a16:creationId xmlns:a16="http://schemas.microsoft.com/office/drawing/2014/main" id="{DA18B77D-7094-86B9-0776-A16ED6284304}"/>
+              </a:ext>
+            </a:extLst>
+          </p:cNvPr>
+          <p:cNvGraphicFramePr>
+            <a:graphicFrameLocks noGrp="1"/>
+          </p:cNvGraphicFramePr>
+          <p:nvPr>
+            <p:extLst>
+              <p:ext uri="{D42A27DB-BD31-4B8C-83A1-F6EECF244321}">
+                <p14:modId xmlns:p14="http://schemas.microsoft.com/office/powerpoint/2010/main" val="1418453223"/>
+              </p:ext>
+            </p:extLst>
+          </p:nvPr>
+        </p:nvGraphicFramePr>
+        <p:xfrm>
+          <a:off x="6460067" y="2983699"/>
+          <a:ext cx="4953000" cy="3540760"/>
+        </p:xfrm>
+        <a:graphic>
+          <a:graphicData uri="http://schemas.openxmlformats.org/drawingml/2006/table">
+            <a:tbl>
+              <a:tblPr firstRow="1" bandRow="1">
+                <a:tableStyleId>{5C22544A-7EE6-4342-B048-85BDC9FD1C3A}</a:tableStyleId>
+              </a:tblPr>
+              <a:tblGrid>
+                <a:gridCol w="2311899">
+                  <a:extLst>
+                    <a:ext uri="{9D8B030D-6E8A-4147-A177-3AD203B41FA5}">
+                      <a16:colId xmlns:a16="http://schemas.microsoft.com/office/drawing/2014/main" val="1530089660"/>
+                    </a:ext>
+                  </a:extLst>
+                </a:gridCol>
+                <a:gridCol w="2641101">
+                  <a:extLst>
+                    <a:ext uri="{9D8B030D-6E8A-4147-A177-3AD203B41FA5}">
+                      <a16:colId xmlns:a16="http://schemas.microsoft.com/office/drawing/2014/main" val="1808594561"/>
+                    </a:ext>
+                  </a:extLst>
+                </a:gridCol>
+              </a:tblGrid>
+              <a:tr h="370840">
+                <a:tc>
+                  <a:txBody>
+                    <a:bodyPr/>
+                    <a:lstStyle/>
+                    <a:p>
+                      <a:pPr algn="ctr"/>
+                      <a:r>
+                        <a:rPr kumimoji="1" lang="ja-JP" altLang="en-US" dirty="0">
+                          <a:latin typeface="游ゴシック" panose="020B0400000000000000" pitchFamily="50" charset="-128"/>
+                          <a:ea typeface="游ゴシック" panose="020B0400000000000000" pitchFamily="50" charset="-128"/>
+                        </a:rPr>
+                        <a:t>尺度</a:t>
+                      </a:r>
+                    </a:p>
+                  </a:txBody>
+                  <a:tcPr/>
+                </a:tc>
+                <a:tc>
+                  <a:txBody>
+                    <a:bodyPr/>
+                    <a:lstStyle/>
+                    <a:p>
+                      <a:pPr algn="ctr"/>
+                      <a:r>
+                        <a:rPr kumimoji="1" lang="ja-JP" altLang="en-US" dirty="0">
+                          <a:latin typeface="游ゴシック" panose="020B0400000000000000" pitchFamily="50" charset="-128"/>
+                          <a:ea typeface="游ゴシック" panose="020B0400000000000000" pitchFamily="50" charset="-128"/>
+                        </a:rPr>
+                        <a:t>主観点数</a:t>
+                      </a:r>
+                      <a:r>
+                        <a:rPr kumimoji="1" lang="en-US" altLang="ja-JP" dirty="0">
+                          <a:latin typeface="游ゴシック" panose="020B0400000000000000" pitchFamily="50" charset="-128"/>
+                          <a:ea typeface="游ゴシック" panose="020B0400000000000000" pitchFamily="50" charset="-128"/>
+                        </a:rPr>
+                        <a:t>(1~7)</a:t>
+                      </a:r>
+                      <a:endParaRPr kumimoji="1" lang="ja-JP" altLang="en-US" dirty="0">
+                        <a:latin typeface="游ゴシック" panose="020B0400000000000000" pitchFamily="50" charset="-128"/>
+                        <a:ea typeface="游ゴシック" panose="020B0400000000000000" pitchFamily="50" charset="-128"/>
+                      </a:endParaRPr>
+                    </a:p>
+                  </a:txBody>
+                  <a:tcPr/>
+                </a:tc>
+                <a:extLst>
+                  <a:ext uri="{0D108BD9-81ED-4DB2-BD59-A6C34878D82A}">
+                    <a16:rowId xmlns:a16="http://schemas.microsoft.com/office/drawing/2014/main" val="477916111"/>
+                  </a:ext>
+                </a:extLst>
+              </a:tr>
+              <a:tr h="370840">
+                <a:tc>
+                  <a:txBody>
+                    <a:bodyPr/>
+                    <a:lstStyle/>
+                    <a:p>
+                      <a:pPr algn="ctr"/>
+                      <a:r>
+                        <a:rPr kumimoji="1" lang="ja-JP" altLang="en-US" sz="2000" b="1" dirty="0">
+                          <a:solidFill>
+                            <a:schemeClr val="bg1"/>
+                          </a:solidFill>
+                          <a:latin typeface="游ゴシック" panose="020B0400000000000000" pitchFamily="50" charset="-128"/>
+                          <a:ea typeface="游ゴシック" panose="020B0400000000000000" pitchFamily="50" charset="-128"/>
+                        </a:rPr>
+                        <a:t>代理達成感</a:t>
+                      </a:r>
+                    </a:p>
+                  </a:txBody>
+                  <a:tcPr>
+                    <a:solidFill>
+                      <a:schemeClr val="accent2"/>
+                    </a:solidFill>
+                  </a:tcPr>
+                </a:tc>
+                <a:tc>
+                  <a:txBody>
+                    <a:bodyPr/>
+                    <a:lstStyle/>
+                    <a:p>
+                      <a:pPr algn="ctr"/>
+                      <a:r>
+                        <a:rPr kumimoji="1" lang="en-US" altLang="ja-JP" dirty="0">
+                          <a:latin typeface="游ゴシック" panose="020B0400000000000000" pitchFamily="50" charset="-128"/>
+                          <a:ea typeface="游ゴシック" panose="020B0400000000000000" pitchFamily="50" charset="-128"/>
+                        </a:rPr>
+                        <a:t>5</a:t>
+                      </a:r>
+                      <a:endParaRPr kumimoji="1" lang="ja-JP" altLang="en-US" dirty="0">
+                        <a:latin typeface="游ゴシック" panose="020B0400000000000000" pitchFamily="50" charset="-128"/>
+                        <a:ea typeface="游ゴシック" panose="020B0400000000000000" pitchFamily="50" charset="-128"/>
+                      </a:endParaRPr>
+                    </a:p>
+                  </a:txBody>
+                  <a:tcPr/>
+                </a:tc>
+                <a:extLst>
+                  <a:ext uri="{0D108BD9-81ED-4DB2-BD59-A6C34878D82A}">
+                    <a16:rowId xmlns:a16="http://schemas.microsoft.com/office/drawing/2014/main" val="210031046"/>
+                  </a:ext>
+                </a:extLst>
+              </a:tr>
+              <a:tr h="370840">
+                <a:tc>
+                  <a:txBody>
+                    <a:bodyPr/>
+                    <a:lstStyle/>
+                    <a:p>
+                      <a:pPr algn="ctr"/>
+                      <a:r>
+                        <a:rPr kumimoji="1" lang="ja-JP" altLang="en-US" sz="2000" b="1" dirty="0">
+                          <a:solidFill>
+                            <a:schemeClr val="bg1"/>
+                          </a:solidFill>
+                          <a:latin typeface="游ゴシック" panose="020B0400000000000000" pitchFamily="50" charset="-128"/>
+                          <a:ea typeface="游ゴシック" panose="020B0400000000000000" pitchFamily="50" charset="-128"/>
+                        </a:rPr>
+                        <a:t>情報・知識</a:t>
+                      </a:r>
+                    </a:p>
+                  </a:txBody>
+                  <a:tcPr>
+                    <a:solidFill>
+                      <a:schemeClr val="accent2"/>
+                    </a:solidFill>
+                  </a:tcPr>
+                </a:tc>
+                <a:tc>
+                  <a:txBody>
+                    <a:bodyPr/>
+                    <a:lstStyle/>
+                    <a:p>
+                      <a:pPr algn="ctr"/>
+                      <a:r>
+                        <a:rPr kumimoji="1" lang="en-US" altLang="ja-JP" dirty="0">
+                          <a:latin typeface="游ゴシック" panose="020B0400000000000000" pitchFamily="50" charset="-128"/>
+                          <a:ea typeface="游ゴシック" panose="020B0400000000000000" pitchFamily="50" charset="-128"/>
+                        </a:rPr>
+                        <a:t>4</a:t>
+                      </a:r>
+                      <a:endParaRPr kumimoji="1" lang="ja-JP" altLang="en-US" dirty="0">
+                        <a:latin typeface="游ゴシック" panose="020B0400000000000000" pitchFamily="50" charset="-128"/>
+                        <a:ea typeface="游ゴシック" panose="020B0400000000000000" pitchFamily="50" charset="-128"/>
+                      </a:endParaRPr>
+                    </a:p>
+                  </a:txBody>
+                  <a:tcPr/>
+                </a:tc>
+                <a:extLst>
+                  <a:ext uri="{0D108BD9-81ED-4DB2-BD59-A6C34878D82A}">
+                    <a16:rowId xmlns:a16="http://schemas.microsoft.com/office/drawing/2014/main" val="2216327017"/>
+                  </a:ext>
+                </a:extLst>
+              </a:tr>
+              <a:tr h="370840">
+                <a:tc>
+                  <a:txBody>
+                    <a:bodyPr/>
+                    <a:lstStyle/>
+                    <a:p>
+                      <a:pPr algn="ctr"/>
+                      <a:r>
+                        <a:rPr kumimoji="1" lang="ja-JP" altLang="en-US" sz="2000" b="1" dirty="0">
+                          <a:solidFill>
+                            <a:schemeClr val="bg1"/>
+                          </a:solidFill>
+                          <a:latin typeface="游ゴシック" panose="020B0400000000000000" pitchFamily="50" charset="-128"/>
+                          <a:ea typeface="游ゴシック" panose="020B0400000000000000" pitchFamily="50" charset="-128"/>
+                        </a:rPr>
+                        <a:t>美的鑑賞</a:t>
+                      </a:r>
+                    </a:p>
+                  </a:txBody>
+                  <a:tcPr>
+                    <a:solidFill>
+                      <a:schemeClr val="accent2"/>
+                    </a:solidFill>
+                  </a:tcPr>
+                </a:tc>
+                <a:tc>
+                  <a:txBody>
+                    <a:bodyPr/>
+                    <a:lstStyle/>
+                    <a:p>
+                      <a:pPr algn="ctr"/>
+                      <a:r>
+                        <a:rPr kumimoji="1" lang="en-US" altLang="ja-JP" dirty="0">
+                          <a:latin typeface="游ゴシック" panose="020B0400000000000000" pitchFamily="50" charset="-128"/>
+                          <a:ea typeface="游ゴシック" panose="020B0400000000000000" pitchFamily="50" charset="-128"/>
+                        </a:rPr>
+                        <a:t>3</a:t>
+                      </a:r>
+                      <a:endParaRPr kumimoji="1" lang="ja-JP" altLang="en-US" dirty="0">
+                        <a:latin typeface="游ゴシック" panose="020B0400000000000000" pitchFamily="50" charset="-128"/>
+                        <a:ea typeface="游ゴシック" panose="020B0400000000000000" pitchFamily="50" charset="-128"/>
+                      </a:endParaRPr>
+                    </a:p>
+                  </a:txBody>
+                  <a:tcPr/>
+                </a:tc>
+                <a:extLst>
+                  <a:ext uri="{0D108BD9-81ED-4DB2-BD59-A6C34878D82A}">
+                    <a16:rowId xmlns:a16="http://schemas.microsoft.com/office/drawing/2014/main" val="3965059804"/>
+                  </a:ext>
+                </a:extLst>
+              </a:tr>
+              <a:tr h="370840">
+                <a:tc>
+                  <a:txBody>
+                    <a:bodyPr/>
+                    <a:lstStyle/>
+                    <a:p>
+                      <a:pPr algn="ctr"/>
+                      <a:r>
+                        <a:rPr kumimoji="1" lang="ja-JP" altLang="en-US" sz="2000" b="1" dirty="0">
+                          <a:solidFill>
+                            <a:schemeClr val="bg1"/>
+                          </a:solidFill>
+                          <a:latin typeface="游ゴシック" panose="020B0400000000000000" pitchFamily="50" charset="-128"/>
+                          <a:ea typeface="游ゴシック" panose="020B0400000000000000" pitchFamily="50" charset="-128"/>
+                        </a:rPr>
+                        <a:t>ドラマ性やスリル</a:t>
+                      </a:r>
+                    </a:p>
+                  </a:txBody>
+                  <a:tcPr>
+                    <a:solidFill>
+                      <a:schemeClr val="accent2"/>
+                    </a:solidFill>
+                  </a:tcPr>
+                </a:tc>
+                <a:tc>
+                  <a:txBody>
+                    <a:bodyPr/>
+                    <a:lstStyle/>
+                    <a:p>
+                      <a:pPr algn="ctr"/>
+                      <a:r>
+                        <a:rPr kumimoji="1" lang="en-US" altLang="ja-JP" dirty="0">
+                          <a:latin typeface="游ゴシック" panose="020B0400000000000000" pitchFamily="50" charset="-128"/>
+                          <a:ea typeface="游ゴシック" panose="020B0400000000000000" pitchFamily="50" charset="-128"/>
+                        </a:rPr>
+                        <a:t>7</a:t>
+                      </a:r>
+                      <a:endParaRPr kumimoji="1" lang="ja-JP" altLang="en-US" dirty="0">
+                        <a:latin typeface="游ゴシック" panose="020B0400000000000000" pitchFamily="50" charset="-128"/>
+                        <a:ea typeface="游ゴシック" panose="020B0400000000000000" pitchFamily="50" charset="-128"/>
+                      </a:endParaRPr>
+                    </a:p>
+                  </a:txBody>
+                  <a:tcPr/>
+                </a:tc>
+                <a:extLst>
+                  <a:ext uri="{0D108BD9-81ED-4DB2-BD59-A6C34878D82A}">
+                    <a16:rowId xmlns:a16="http://schemas.microsoft.com/office/drawing/2014/main" val="28863273"/>
+                  </a:ext>
+                </a:extLst>
+              </a:tr>
+              <a:tr h="370840">
+                <a:tc>
+                  <a:txBody>
+                    <a:bodyPr/>
+                    <a:lstStyle/>
+                    <a:p>
+                      <a:pPr algn="ctr"/>
+                      <a:r>
+                        <a:rPr kumimoji="1" lang="ja-JP" altLang="en-US" sz="2000" b="1" dirty="0">
+                          <a:solidFill>
+                            <a:schemeClr val="bg1"/>
+                          </a:solidFill>
+                          <a:latin typeface="游ゴシック" panose="020B0400000000000000" pitchFamily="50" charset="-128"/>
+                          <a:ea typeface="游ゴシック" panose="020B0400000000000000" pitchFamily="50" charset="-128"/>
+                        </a:rPr>
+                        <a:t>気分転換</a:t>
+                      </a:r>
+                    </a:p>
+                  </a:txBody>
+                  <a:tcPr>
+                    <a:solidFill>
+                      <a:schemeClr val="accent2"/>
+                    </a:solidFill>
+                  </a:tcPr>
+                </a:tc>
+                <a:tc>
+                  <a:txBody>
+                    <a:bodyPr/>
+                    <a:lstStyle/>
+                    <a:p>
+                      <a:pPr algn="ctr"/>
+                      <a:r>
+                        <a:rPr kumimoji="1" lang="en-US" altLang="ja-JP" dirty="0">
+                          <a:latin typeface="游ゴシック" panose="020B0400000000000000" pitchFamily="50" charset="-128"/>
+                          <a:ea typeface="游ゴシック" panose="020B0400000000000000" pitchFamily="50" charset="-128"/>
+                        </a:rPr>
+                        <a:t>3</a:t>
+                      </a:r>
+                      <a:endParaRPr kumimoji="1" lang="ja-JP" altLang="en-US" dirty="0">
+                        <a:latin typeface="游ゴシック" panose="020B0400000000000000" pitchFamily="50" charset="-128"/>
+                        <a:ea typeface="游ゴシック" panose="020B0400000000000000" pitchFamily="50" charset="-128"/>
+                      </a:endParaRPr>
+                    </a:p>
+                  </a:txBody>
+                  <a:tcPr/>
+                </a:tc>
+                <a:extLst>
+                  <a:ext uri="{0D108BD9-81ED-4DB2-BD59-A6C34878D82A}">
+                    <a16:rowId xmlns:a16="http://schemas.microsoft.com/office/drawing/2014/main" val="61839423"/>
+                  </a:ext>
+                </a:extLst>
+              </a:tr>
+              <a:tr h="370840">
+                <a:tc>
+                  <a:txBody>
+                    <a:bodyPr/>
+                    <a:lstStyle/>
+                    <a:p>
+                      <a:pPr algn="ctr"/>
+                      <a:r>
+                        <a:rPr kumimoji="1" lang="ja-JP" altLang="en-US" sz="2000" b="1" dirty="0">
+                          <a:solidFill>
+                            <a:schemeClr val="bg1"/>
+                          </a:solidFill>
+                          <a:latin typeface="游ゴシック" panose="020B0400000000000000" pitchFamily="50" charset="-128"/>
+                          <a:ea typeface="游ゴシック" panose="020B0400000000000000" pitchFamily="50" charset="-128"/>
+                        </a:rPr>
+                        <a:t>選手の外見的魅力</a:t>
+                      </a:r>
+                    </a:p>
+                  </a:txBody>
+                  <a:tcPr>
+                    <a:solidFill>
+                      <a:schemeClr val="accent2"/>
+                    </a:solidFill>
+                  </a:tcPr>
+                </a:tc>
+                <a:tc>
+                  <a:txBody>
+                    <a:bodyPr/>
+                    <a:lstStyle/>
+                    <a:p>
+                      <a:pPr algn="ctr"/>
+                      <a:r>
+                        <a:rPr kumimoji="1" lang="en-US" altLang="ja-JP" dirty="0">
+                          <a:latin typeface="游ゴシック" panose="020B0400000000000000" pitchFamily="50" charset="-128"/>
+                          <a:ea typeface="游ゴシック" panose="020B0400000000000000" pitchFamily="50" charset="-128"/>
+                        </a:rPr>
+                        <a:t>6</a:t>
+                      </a:r>
+                      <a:endParaRPr kumimoji="1" lang="ja-JP" altLang="en-US" dirty="0">
+                        <a:latin typeface="游ゴシック" panose="020B0400000000000000" pitchFamily="50" charset="-128"/>
+                        <a:ea typeface="游ゴシック" panose="020B0400000000000000" pitchFamily="50" charset="-128"/>
+                      </a:endParaRPr>
+                    </a:p>
+                  </a:txBody>
+                  <a:tcPr/>
+                </a:tc>
+                <a:extLst>
+                  <a:ext uri="{0D108BD9-81ED-4DB2-BD59-A6C34878D82A}">
+                    <a16:rowId xmlns:a16="http://schemas.microsoft.com/office/drawing/2014/main" val="2799303177"/>
+                  </a:ext>
+                </a:extLst>
+              </a:tr>
+              <a:tr h="370840">
+                <a:tc>
+                  <a:txBody>
+                    <a:bodyPr/>
+                    <a:lstStyle/>
+                    <a:p>
+                      <a:pPr algn="ctr"/>
+                      <a:r>
+                        <a:rPr kumimoji="1" lang="ja-JP" altLang="en-US" sz="2000" b="1" dirty="0">
+                          <a:solidFill>
+                            <a:schemeClr val="bg1"/>
+                          </a:solidFill>
+                          <a:latin typeface="游ゴシック" panose="020B0400000000000000" pitchFamily="50" charset="-128"/>
+                          <a:ea typeface="游ゴシック" panose="020B0400000000000000" pitchFamily="50" charset="-128"/>
+                        </a:rPr>
+                        <a:t>選手の身体能力</a:t>
+                      </a:r>
+                    </a:p>
+                  </a:txBody>
+                  <a:tcPr>
+                    <a:solidFill>
+                      <a:schemeClr val="accent2"/>
+                    </a:solidFill>
+                  </a:tcPr>
+                </a:tc>
+                <a:tc>
+                  <a:txBody>
+                    <a:bodyPr/>
+                    <a:lstStyle/>
+                    <a:p>
+                      <a:pPr algn="ctr"/>
+                      <a:r>
+                        <a:rPr kumimoji="1" lang="en-US" altLang="ja-JP" dirty="0">
+                          <a:latin typeface="游ゴシック" panose="020B0400000000000000" pitchFamily="50" charset="-128"/>
+                          <a:ea typeface="游ゴシック" panose="020B0400000000000000" pitchFamily="50" charset="-128"/>
+                        </a:rPr>
+                        <a:t>5</a:t>
+                      </a:r>
+                      <a:endParaRPr kumimoji="1" lang="ja-JP" altLang="en-US" dirty="0">
+                        <a:latin typeface="游ゴシック" panose="020B0400000000000000" pitchFamily="50" charset="-128"/>
+                        <a:ea typeface="游ゴシック" panose="020B0400000000000000" pitchFamily="50" charset="-128"/>
+                      </a:endParaRPr>
+                    </a:p>
+                  </a:txBody>
+                  <a:tcPr/>
+                </a:tc>
+                <a:extLst>
+                  <a:ext uri="{0D108BD9-81ED-4DB2-BD59-A6C34878D82A}">
+                    <a16:rowId xmlns:a16="http://schemas.microsoft.com/office/drawing/2014/main" val="3718664024"/>
+                  </a:ext>
+                </a:extLst>
+              </a:tr>
+              <a:tr h="370840">
+                <a:tc>
+                  <a:txBody>
+                    <a:bodyPr/>
+                    <a:lstStyle/>
+                    <a:p>
+                      <a:pPr algn="ctr"/>
+                      <a:r>
+                        <a:rPr kumimoji="1" lang="ja-JP" altLang="en-US" sz="2000" b="1" dirty="0">
+                          <a:solidFill>
+                            <a:schemeClr val="bg1"/>
+                          </a:solidFill>
+                          <a:latin typeface="游ゴシック" panose="020B0400000000000000" pitchFamily="50" charset="-128"/>
+                          <a:ea typeface="游ゴシック" panose="020B0400000000000000" pitchFamily="50" charset="-128"/>
+                        </a:rPr>
+                        <a:t>社会的交流</a:t>
+                      </a:r>
+                    </a:p>
+                  </a:txBody>
+                  <a:tcPr>
+                    <a:solidFill>
+                      <a:schemeClr val="accent2"/>
+                    </a:solidFill>
+                  </a:tcPr>
+                </a:tc>
+                <a:tc>
+                  <a:txBody>
+                    <a:bodyPr/>
+                    <a:lstStyle/>
+                    <a:p>
+                      <a:pPr algn="ctr"/>
+                      <a:r>
+                        <a:rPr kumimoji="1" lang="en-US" altLang="ja-JP" dirty="0">
+                          <a:latin typeface="游ゴシック" panose="020B0400000000000000" pitchFamily="50" charset="-128"/>
+                          <a:ea typeface="游ゴシック" panose="020B0400000000000000" pitchFamily="50" charset="-128"/>
+                        </a:rPr>
+                        <a:t>5</a:t>
+                      </a:r>
+                      <a:endParaRPr kumimoji="1" lang="ja-JP" altLang="en-US" dirty="0">
+                        <a:latin typeface="游ゴシック" panose="020B0400000000000000" pitchFamily="50" charset="-128"/>
+                        <a:ea typeface="游ゴシック" panose="020B0400000000000000" pitchFamily="50" charset="-128"/>
+                      </a:endParaRPr>
+                    </a:p>
+                  </a:txBody>
+                  <a:tcPr/>
+                </a:tc>
+                <a:extLst>
+                  <a:ext uri="{0D108BD9-81ED-4DB2-BD59-A6C34878D82A}">
+                    <a16:rowId xmlns:a16="http://schemas.microsoft.com/office/drawing/2014/main" val="2042350072"/>
+                  </a:ext>
+                </a:extLst>
+              </a:tr>
+            </a:tbl>
+          </a:graphicData>
+        </a:graphic>
+      </p:graphicFrame>
+      <p:sp>
+        <p:nvSpPr>
+          <p:cNvPr id="9" name="テキスト ボックス 8">
+            <a:extLst>
+              <a:ext uri="{FF2B5EF4-FFF2-40B4-BE49-F238E27FC236}">
+                <a16:creationId xmlns:a16="http://schemas.microsoft.com/office/drawing/2014/main" id="{C34C53C2-357D-C183-7687-E02AF3D6753E}"/>
+              </a:ext>
+            </a:extLst>
+          </p:cNvPr>
+          <p:cNvSpPr txBox="1"/>
+          <p:nvPr/>
+        </p:nvSpPr>
+        <p:spPr>
+          <a:xfrm>
+            <a:off x="8047566" y="2570545"/>
+            <a:ext cx="2209800" cy="523220"/>
+          </a:xfrm>
+          <a:prstGeom prst="rect">
+            <a:avLst/>
+          </a:prstGeom>
+          <a:noFill/>
+        </p:spPr>
+        <p:txBody>
+          <a:bodyPr wrap="square" rtlCol="0">
+            <a:spAutoFit/>
+          </a:bodyPr>
+          <a:lstStyle/>
+          <a:p>
+            <a:r>
+              <a:rPr kumimoji="1" lang="ja-JP" altLang="en-US" sz="2800" b="1" dirty="0">
+                <a:solidFill>
+                  <a:schemeClr val="accent2"/>
+                </a:solidFill>
+              </a:rPr>
+              <a:t>高校野球</a:t>
+            </a:r>
+          </a:p>
+        </p:txBody>
+      </p:sp>
+      <p:sp>
+        <p:nvSpPr>
+          <p:cNvPr id="11" name="吹き出し: 四角形 10">
+            <a:extLst>
+              <a:ext uri="{FF2B5EF4-FFF2-40B4-BE49-F238E27FC236}">
+                <a16:creationId xmlns:a16="http://schemas.microsoft.com/office/drawing/2014/main" id="{E43325B8-50C7-19BD-D8C4-18D3AEA77F83}"/>
+              </a:ext>
+            </a:extLst>
+          </p:cNvPr>
+          <p:cNvSpPr/>
+          <p:nvPr/>
+        </p:nvSpPr>
+        <p:spPr>
+          <a:xfrm>
+            <a:off x="8890000" y="2513073"/>
+            <a:ext cx="1066800" cy="761865"/>
+          </a:xfrm>
+          <a:prstGeom prst="wedgeRectCallout">
+            <a:avLst>
+              <a:gd name="adj1" fmla="val 45834"/>
+              <a:gd name="adj2" fmla="val 79169"/>
+            </a:avLst>
+          </a:prstGeom>
+          <a:solidFill>
+            <a:schemeClr val="accent3"/>
+          </a:solidFill>
+          <a:ln>
+            <a:solidFill>
+              <a:schemeClr val="bg1"/>
+            </a:solidFill>
+          </a:ln>
+        </p:spPr>
+        <p:style>
+          <a:lnRef idx="2">
+            <a:schemeClr val="accent1">
+              <a:shade val="15000"/>
+            </a:schemeClr>
+          </a:lnRef>
+          <a:fillRef idx="1">
+            <a:schemeClr val="accent1"/>
+          </a:fillRef>
+          <a:effectRef idx="0">
+            <a:schemeClr val="accent1"/>
+          </a:effectRef>
+          <a:fontRef idx="minor">
+            <a:schemeClr val="lt1"/>
+          </a:fontRef>
+        </p:style>
+        <p:txBody>
+          <a:bodyPr rtlCol="0" anchor="ctr"/>
+          <a:lstStyle/>
+          <a:p>
+            <a:pPr algn="ctr"/>
+            <a:r>
+              <a:rPr lang="ja-JP" altLang="en-US" sz="2000" b="1" dirty="0">
+                <a:solidFill>
+                  <a:schemeClr val="bg1"/>
+                </a:solidFill>
+                <a:latin typeface="游ゴシック" panose="020B0400000000000000" pitchFamily="50" charset="-128"/>
+                <a:ea typeface="游ゴシック" panose="020B0400000000000000" pitchFamily="50" charset="-128"/>
+              </a:rPr>
+              <a:t>地元の</a:t>
+            </a:r>
+            <a:endParaRPr lang="en-US" altLang="ja-JP" sz="2000" b="1" dirty="0">
+              <a:solidFill>
+                <a:schemeClr val="bg1"/>
+              </a:solidFill>
+              <a:latin typeface="游ゴシック" panose="020B0400000000000000" pitchFamily="50" charset="-128"/>
+              <a:ea typeface="游ゴシック" panose="020B0400000000000000" pitchFamily="50" charset="-128"/>
+            </a:endParaRPr>
+          </a:p>
+          <a:p>
+            <a:pPr algn="ctr"/>
+            <a:r>
+              <a:rPr kumimoji="1" lang="ja-JP" altLang="en-US" sz="2000" b="1" dirty="0">
+                <a:solidFill>
+                  <a:schemeClr val="bg1"/>
+                </a:solidFill>
+                <a:latin typeface="游ゴシック" panose="020B0400000000000000" pitchFamily="50" charset="-128"/>
+                <a:ea typeface="游ゴシック" panose="020B0400000000000000" pitchFamily="50" charset="-128"/>
+              </a:rPr>
+              <a:t>高校</a:t>
+            </a:r>
+          </a:p>
+        </p:txBody>
+      </p:sp>
+      <p:sp>
+        <p:nvSpPr>
+          <p:cNvPr id="12" name="吹き出し: 四角形 11">
+            <a:extLst>
+              <a:ext uri="{FF2B5EF4-FFF2-40B4-BE49-F238E27FC236}">
+                <a16:creationId xmlns:a16="http://schemas.microsoft.com/office/drawing/2014/main" id="{B51724A4-5DAF-DCD9-8414-A43F96019B4E}"/>
+              </a:ext>
+            </a:extLst>
+          </p:cNvPr>
+          <p:cNvSpPr/>
+          <p:nvPr/>
+        </p:nvSpPr>
+        <p:spPr>
+          <a:xfrm>
+            <a:off x="10379603" y="4309105"/>
+            <a:ext cx="1771650" cy="626533"/>
+          </a:xfrm>
+          <a:prstGeom prst="wedgeRectCallout">
+            <a:avLst>
+              <a:gd name="adj1" fmla="val -59722"/>
+              <a:gd name="adj2" fmla="val 68056"/>
+            </a:avLst>
+          </a:prstGeom>
+          <a:solidFill>
+            <a:schemeClr val="accent3"/>
+          </a:solidFill>
+          <a:ln>
+            <a:solidFill>
+              <a:schemeClr val="bg1"/>
+            </a:solidFill>
+          </a:ln>
+        </p:spPr>
+        <p:style>
+          <a:lnRef idx="2">
+            <a:schemeClr val="accent1">
+              <a:shade val="15000"/>
+            </a:schemeClr>
+          </a:lnRef>
+          <a:fillRef idx="1">
+            <a:schemeClr val="accent1"/>
+          </a:fillRef>
+          <a:effectRef idx="0">
+            <a:schemeClr val="accent1"/>
+          </a:effectRef>
+          <a:fontRef idx="minor">
+            <a:schemeClr val="lt1"/>
+          </a:fontRef>
+        </p:style>
+        <p:txBody>
+          <a:bodyPr rtlCol="0" anchor="ctr"/>
+          <a:lstStyle/>
+          <a:p>
+            <a:pPr algn="ctr"/>
+            <a:r>
+              <a:rPr lang="ja-JP" altLang="en-US" sz="2000" b="1" dirty="0">
+                <a:solidFill>
+                  <a:schemeClr val="bg1"/>
+                </a:solidFill>
+                <a:latin typeface="游ゴシック" panose="020B0400000000000000" pitchFamily="50" charset="-128"/>
+                <a:ea typeface="游ゴシック" panose="020B0400000000000000" pitchFamily="50" charset="-128"/>
+              </a:rPr>
+              <a:t>ホームラン・</a:t>
+            </a:r>
+            <a:endParaRPr lang="en-US" altLang="ja-JP" sz="2000" b="1" dirty="0">
+              <a:solidFill>
+                <a:schemeClr val="bg1"/>
+              </a:solidFill>
+              <a:latin typeface="游ゴシック" panose="020B0400000000000000" pitchFamily="50" charset="-128"/>
+              <a:ea typeface="游ゴシック" panose="020B0400000000000000" pitchFamily="50" charset="-128"/>
+            </a:endParaRPr>
+          </a:p>
+          <a:p>
+            <a:pPr algn="ctr"/>
+            <a:r>
+              <a:rPr kumimoji="1" lang="ja-JP" altLang="en-US" sz="2000" b="1" dirty="0">
+                <a:solidFill>
+                  <a:schemeClr val="bg1"/>
+                </a:solidFill>
+                <a:latin typeface="游ゴシック" panose="020B0400000000000000" pitchFamily="50" charset="-128"/>
+                <a:ea typeface="游ゴシック" panose="020B0400000000000000" pitchFamily="50" charset="-128"/>
+              </a:rPr>
+              <a:t>サヨナラ</a:t>
+            </a:r>
+          </a:p>
+        </p:txBody>
+      </p:sp>
+      <p:sp>
+        <p:nvSpPr>
+          <p:cNvPr id="13" name="吹き出し: 四角形 12">
+            <a:extLst>
+              <a:ext uri="{FF2B5EF4-FFF2-40B4-BE49-F238E27FC236}">
+                <a16:creationId xmlns:a16="http://schemas.microsoft.com/office/drawing/2014/main" id="{5E5B6573-9C35-14C2-5966-EEA36560BE98}"/>
+              </a:ext>
+            </a:extLst>
+          </p:cNvPr>
+          <p:cNvSpPr/>
+          <p:nvPr/>
+        </p:nvSpPr>
+        <p:spPr>
+          <a:xfrm>
+            <a:off x="10476442" y="5420457"/>
+            <a:ext cx="1300691" cy="420966"/>
+          </a:xfrm>
+          <a:prstGeom prst="wedgeRectCallout">
+            <a:avLst>
+              <a:gd name="adj1" fmla="val -59722"/>
+              <a:gd name="adj2" fmla="val 68056"/>
+            </a:avLst>
+          </a:prstGeom>
+          <a:solidFill>
+            <a:schemeClr val="accent3"/>
+          </a:solidFill>
+          <a:ln>
+            <a:solidFill>
+              <a:schemeClr val="bg1"/>
+            </a:solidFill>
+          </a:ln>
+        </p:spPr>
+        <p:style>
+          <a:lnRef idx="2">
+            <a:schemeClr val="accent1">
+              <a:shade val="15000"/>
+            </a:schemeClr>
+          </a:lnRef>
+          <a:fillRef idx="1">
+            <a:schemeClr val="accent1"/>
+          </a:fillRef>
+          <a:effectRef idx="0">
+            <a:schemeClr val="accent1"/>
+          </a:effectRef>
+          <a:fontRef idx="minor">
+            <a:schemeClr val="lt1"/>
+          </a:fontRef>
+        </p:style>
+        <p:txBody>
+          <a:bodyPr rtlCol="0" anchor="ctr"/>
+          <a:lstStyle/>
+          <a:p>
+            <a:pPr algn="ctr"/>
+            <a:r>
+              <a:rPr lang="ja-JP" altLang="en-US" sz="2000" b="1" dirty="0">
+                <a:solidFill>
+                  <a:schemeClr val="bg1"/>
+                </a:solidFill>
+                <a:latin typeface="游ゴシック" panose="020B0400000000000000" pitchFamily="50" charset="-128"/>
+                <a:ea typeface="游ゴシック" panose="020B0400000000000000" pitchFamily="50" charset="-128"/>
+              </a:rPr>
+              <a:t>足が速い</a:t>
+            </a:r>
+            <a:endParaRPr kumimoji="1" lang="ja-JP" altLang="en-US" sz="2000" b="1" dirty="0">
+              <a:solidFill>
+                <a:schemeClr val="bg1"/>
+              </a:solidFill>
+              <a:latin typeface="游ゴシック" panose="020B0400000000000000" pitchFamily="50" charset="-128"/>
+              <a:ea typeface="游ゴシック" panose="020B0400000000000000" pitchFamily="50" charset="-128"/>
+            </a:endParaRPr>
+          </a:p>
+        </p:txBody>
+      </p:sp>
+      <p:sp>
+        <p:nvSpPr>
+          <p:cNvPr id="15" name="吹き出し: 四角形 14">
+            <a:extLst>
+              <a:ext uri="{FF2B5EF4-FFF2-40B4-BE49-F238E27FC236}">
+                <a16:creationId xmlns:a16="http://schemas.microsoft.com/office/drawing/2014/main" id="{CBF913BF-C347-BCE0-13B3-8CD69E0584AA}"/>
+              </a:ext>
+            </a:extLst>
+          </p:cNvPr>
+          <p:cNvSpPr/>
+          <p:nvPr/>
+        </p:nvSpPr>
+        <p:spPr>
+          <a:xfrm>
+            <a:off x="10290174" y="3274938"/>
+            <a:ext cx="1771650" cy="626533"/>
+          </a:xfrm>
+          <a:prstGeom prst="wedgeRectCallout">
+            <a:avLst>
+              <a:gd name="adj1" fmla="val -59722"/>
+              <a:gd name="adj2" fmla="val 68056"/>
+            </a:avLst>
+          </a:prstGeom>
+          <a:solidFill>
+            <a:schemeClr val="accent3"/>
+          </a:solidFill>
+          <a:ln>
+            <a:solidFill>
+              <a:schemeClr val="bg1"/>
+            </a:solidFill>
+          </a:ln>
+        </p:spPr>
+        <p:style>
+          <a:lnRef idx="2">
+            <a:schemeClr val="accent1">
+              <a:shade val="15000"/>
+            </a:schemeClr>
+          </a:lnRef>
+          <a:fillRef idx="1">
+            <a:schemeClr val="accent1"/>
+          </a:fillRef>
+          <a:effectRef idx="0">
+            <a:schemeClr val="accent1"/>
+          </a:effectRef>
+          <a:fontRef idx="minor">
+            <a:schemeClr val="lt1"/>
+          </a:fontRef>
+        </p:style>
+        <p:txBody>
+          <a:bodyPr rtlCol="0" anchor="ctr"/>
+          <a:lstStyle/>
+          <a:p>
+            <a:pPr algn="ctr"/>
+            <a:r>
+              <a:rPr lang="ja-JP" altLang="en-US" sz="2000" b="1" dirty="0">
+                <a:solidFill>
+                  <a:schemeClr val="bg1"/>
+                </a:solidFill>
+                <a:latin typeface="游ゴシック" panose="020B0400000000000000" pitchFamily="50" charset="-128"/>
+                <a:ea typeface="游ゴシック" panose="020B0400000000000000" pitchFamily="50" charset="-128"/>
+              </a:rPr>
+              <a:t>ルールは</a:t>
+            </a:r>
+            <a:endParaRPr lang="en-US" altLang="ja-JP" sz="2000" b="1" dirty="0">
+              <a:solidFill>
+                <a:schemeClr val="bg1"/>
+              </a:solidFill>
+              <a:latin typeface="游ゴシック" panose="020B0400000000000000" pitchFamily="50" charset="-128"/>
+              <a:ea typeface="游ゴシック" panose="020B0400000000000000" pitchFamily="50" charset="-128"/>
+            </a:endParaRPr>
+          </a:p>
+          <a:p>
+            <a:pPr algn="ctr"/>
+            <a:r>
+              <a:rPr lang="ja-JP" altLang="en-US" sz="2000" b="1" dirty="0">
+                <a:solidFill>
+                  <a:schemeClr val="bg1"/>
+                </a:solidFill>
+                <a:latin typeface="游ゴシック" panose="020B0400000000000000" pitchFamily="50" charset="-128"/>
+                <a:ea typeface="游ゴシック" panose="020B0400000000000000" pitchFamily="50" charset="-128"/>
+              </a:rPr>
+              <a:t>知ってる</a:t>
+            </a:r>
+            <a:endParaRPr kumimoji="1" lang="ja-JP" altLang="en-US" sz="2000" b="1" dirty="0">
+              <a:solidFill>
+                <a:schemeClr val="bg1"/>
+              </a:solidFill>
+              <a:latin typeface="游ゴシック" panose="020B0400000000000000" pitchFamily="50" charset="-128"/>
+              <a:ea typeface="游ゴシック" panose="020B0400000000000000" pitchFamily="50" charset="-128"/>
+            </a:endParaRPr>
+          </a:p>
+        </p:txBody>
+      </p:sp>
     </p:spTree>
     <p:extLst>
       <p:ext uri="{BB962C8B-B14F-4D97-AF65-F5344CB8AC3E}">
@@ -36172,7 +38563,13 @@
   <p:cSld>
     <p:spTree>
       <p:nvGrpSpPr>
-        <p:cNvPr id="1" name=""/>
+        <p:cNvPr id="1" name="">
+          <a:extLst>
+            <a:ext uri="{FF2B5EF4-FFF2-40B4-BE49-F238E27FC236}">
+              <a16:creationId xmlns:a16="http://schemas.microsoft.com/office/drawing/2014/main" id="{B6B01A1B-C382-FF68-8075-60BBADE4A09A}"/>
+            </a:ext>
+          </a:extLst>
+        </p:cNvPr>
         <p:cNvGrpSpPr/>
         <p:nvPr/>
       </p:nvGrpSpPr>
@@ -36189,7 +38586,7 @@
           <p:cNvPr id="2" name="タイトル 1">
             <a:extLst>
               <a:ext uri="{FF2B5EF4-FFF2-40B4-BE49-F238E27FC236}">
-                <a16:creationId xmlns:a16="http://schemas.microsoft.com/office/drawing/2014/main" id="{7A0FDCAF-CCF0-2561-6D98-EF420786055C}"/>
+                <a16:creationId xmlns:a16="http://schemas.microsoft.com/office/drawing/2014/main" id="{26CB5D30-54CF-601C-B1FA-04874387A58F}"/>
               </a:ext>
             </a:extLst>
           </p:cNvPr>
@@ -36206,14 +38603,13 @@
           <a:lstStyle/>
           <a:p>
             <a:r>
-              <a:rPr lang="en-US" altLang="ja-JP" dirty="0"/>
-              <a:t>1</a:t>
+              <a:rPr kumimoji="1" lang="en-US" altLang="ja-JP" dirty="0"/>
+              <a:t>MSCC</a:t>
             </a:r>
             <a:r>
-              <a:rPr lang="ja-JP" altLang="en-US" dirty="0"/>
-              <a:t>年間のスケジュール</a:t>
+              <a:rPr kumimoji="1" lang="ja-JP" altLang="en-US" dirty="0"/>
+              <a:t>で比較</a:t>
             </a:r>
-            <a:endParaRPr kumimoji="1" lang="ja-JP" altLang="en-US" dirty="0"/>
           </a:p>
         </p:txBody>
       </p:sp>
@@ -36222,7 +38618,7 @@
           <p:cNvPr id="3" name="コンテンツ プレースホルダー 2">
             <a:extLst>
               <a:ext uri="{FF2B5EF4-FFF2-40B4-BE49-F238E27FC236}">
-                <a16:creationId xmlns:a16="http://schemas.microsoft.com/office/drawing/2014/main" id="{5533649C-2D79-7CD3-F2DB-37FEC66BF219}"/>
+                <a16:creationId xmlns:a16="http://schemas.microsoft.com/office/drawing/2014/main" id="{B25588F5-D6A9-AC75-87B3-2CBB6771C935}"/>
               </a:ext>
             </a:extLst>
           </p:cNvPr>
@@ -36239,20 +38635,24 @@
           <a:lstStyle/>
           <a:p>
             <a:r>
-              <a:rPr kumimoji="1" lang="ja-JP" altLang="en-US" dirty="0"/>
-              <a:t>ファン</a:t>
+              <a:rPr lang="ja-JP" altLang="en-US" dirty="0"/>
+              <a:t>推測</a:t>
             </a:r>
-            <a:r>
-              <a:rPr kumimoji="1" lang="en-US" altLang="ja-JP" dirty="0"/>
-              <a:t>1</a:t>
-            </a:r>
-            <a:r>
-              <a:rPr lang="ja-JP" altLang="en-US" dirty="0"/>
-              <a:t>年目</a:t>
-            </a:r>
+            <a:endParaRPr lang="en-US" altLang="ja-JP" dirty="0"/>
+          </a:p>
+          <a:p>
+            <a:pPr lvl="1"/>
             <a:r>
               <a:rPr kumimoji="1" lang="ja-JP" altLang="en-US" dirty="0"/>
-              <a:t>の場合</a:t>
+              <a:t>スリルもあまりない</a:t>
+            </a:r>
+            <a:endParaRPr kumimoji="1" lang="en-US" altLang="ja-JP" dirty="0"/>
+          </a:p>
+          <a:p>
+            <a:pPr lvl="1"/>
+            <a:r>
+              <a:rPr kumimoji="1" lang="ja-JP" altLang="en-US" dirty="0"/>
+              <a:t>選手の身体能力は分からない</a:t>
             </a:r>
           </a:p>
         </p:txBody>
@@ -36262,7 +38662,7 @@
           <p:cNvPr id="4" name="スライド番号プレースホルダー 3">
             <a:extLst>
               <a:ext uri="{FF2B5EF4-FFF2-40B4-BE49-F238E27FC236}">
-                <a16:creationId xmlns:a16="http://schemas.microsoft.com/office/drawing/2014/main" id="{AB9096A6-AE71-DEDD-7A78-4B29B56BE863}"/>
+                <a16:creationId xmlns:a16="http://schemas.microsoft.com/office/drawing/2014/main" id="{D985395F-D260-F5F7-FF76-E0BA9903D598}"/>
               </a:ext>
             </a:extLst>
           </p:cNvPr>
@@ -36288,92 +38688,1400 @@
       </p:sp>
       <p:graphicFrame>
         <p:nvGraphicFramePr>
-          <p:cNvPr id="5" name="図表 4">
+          <p:cNvPr id="6" name="表 5">
             <a:extLst>
               <a:ext uri="{FF2B5EF4-FFF2-40B4-BE49-F238E27FC236}">
-                <a16:creationId xmlns:a16="http://schemas.microsoft.com/office/drawing/2014/main" id="{3A6CD266-8663-70F2-885D-2577E603071A}"/>
+                <a16:creationId xmlns:a16="http://schemas.microsoft.com/office/drawing/2014/main" id="{7B0A3DFD-8282-3EE2-CB63-526545901F9B}"/>
               </a:ext>
             </a:extLst>
           </p:cNvPr>
-          <p:cNvGraphicFramePr/>
+          <p:cNvGraphicFramePr>
+            <a:graphicFrameLocks noGrp="1"/>
+          </p:cNvGraphicFramePr>
           <p:nvPr>
             <p:extLst>
               <p:ext uri="{D42A27DB-BD31-4B8C-83A1-F6EECF244321}">
-                <p14:modId xmlns:p14="http://schemas.microsoft.com/office/powerpoint/2010/main" val="3963874931"/>
+                <p14:modId xmlns:p14="http://schemas.microsoft.com/office/powerpoint/2010/main" val="3569785376"/>
               </p:ext>
             </p:extLst>
           </p:nvPr>
         </p:nvGraphicFramePr>
         <p:xfrm>
-          <a:off x="762000" y="1921934"/>
-          <a:ext cx="3141134" cy="4692476"/>
+          <a:off x="897467" y="2983699"/>
+          <a:ext cx="4953000" cy="3540760"/>
         </p:xfrm>
         <a:graphic>
-          <a:graphicData uri="http://schemas.openxmlformats.org/drawingml/2006/diagram">
-            <dgm:relIds xmlns:dgm="http://schemas.openxmlformats.org/drawingml/2006/diagram" xmlns:r="http://schemas.openxmlformats.org/officeDocument/2006/relationships" r:dm="rId2" r:lo="rId3" r:qs="rId4" r:cs="rId5"/>
+          <a:graphicData uri="http://schemas.openxmlformats.org/drawingml/2006/table">
+            <a:tbl>
+              <a:tblPr firstRow="1" bandRow="1">
+                <a:tableStyleId>{5C22544A-7EE6-4342-B048-85BDC9FD1C3A}</a:tableStyleId>
+              </a:tblPr>
+              <a:tblGrid>
+                <a:gridCol w="2311899">
+                  <a:extLst>
+                    <a:ext uri="{9D8B030D-6E8A-4147-A177-3AD203B41FA5}">
+                      <a16:colId xmlns:a16="http://schemas.microsoft.com/office/drawing/2014/main" val="1530089660"/>
+                    </a:ext>
+                  </a:extLst>
+                </a:gridCol>
+                <a:gridCol w="2641101">
+                  <a:extLst>
+                    <a:ext uri="{9D8B030D-6E8A-4147-A177-3AD203B41FA5}">
+                      <a16:colId xmlns:a16="http://schemas.microsoft.com/office/drawing/2014/main" val="1808594561"/>
+                    </a:ext>
+                  </a:extLst>
+                </a:gridCol>
+              </a:tblGrid>
+              <a:tr h="370840">
+                <a:tc>
+                  <a:txBody>
+                    <a:bodyPr/>
+                    <a:lstStyle/>
+                    <a:p>
+                      <a:pPr algn="ctr"/>
+                      <a:r>
+                        <a:rPr kumimoji="1" lang="ja-JP" altLang="en-US" dirty="0">
+                          <a:latin typeface="游ゴシック" panose="020B0400000000000000" pitchFamily="50" charset="-128"/>
+                          <a:ea typeface="游ゴシック" panose="020B0400000000000000" pitchFamily="50" charset="-128"/>
+                        </a:rPr>
+                        <a:t>尺度</a:t>
+                      </a:r>
+                    </a:p>
+                  </a:txBody>
+                  <a:tcPr/>
+                </a:tc>
+                <a:tc>
+                  <a:txBody>
+                    <a:bodyPr/>
+                    <a:lstStyle/>
+                    <a:p>
+                      <a:pPr algn="ctr"/>
+                      <a:r>
+                        <a:rPr kumimoji="1" lang="ja-JP" altLang="en-US" dirty="0">
+                          <a:latin typeface="游ゴシック" panose="020B0400000000000000" pitchFamily="50" charset="-128"/>
+                          <a:ea typeface="游ゴシック" panose="020B0400000000000000" pitchFamily="50" charset="-128"/>
+                        </a:rPr>
+                        <a:t>主観点数</a:t>
+                      </a:r>
+                      <a:r>
+                        <a:rPr kumimoji="1" lang="en-US" altLang="ja-JP" dirty="0">
+                          <a:latin typeface="游ゴシック" panose="020B0400000000000000" pitchFamily="50" charset="-128"/>
+                          <a:ea typeface="游ゴシック" panose="020B0400000000000000" pitchFamily="50" charset="-128"/>
+                        </a:rPr>
+                        <a:t>(1~7)</a:t>
+                      </a:r>
+                      <a:endParaRPr kumimoji="1" lang="ja-JP" altLang="en-US" dirty="0">
+                        <a:latin typeface="游ゴシック" panose="020B0400000000000000" pitchFamily="50" charset="-128"/>
+                        <a:ea typeface="游ゴシック" panose="020B0400000000000000" pitchFamily="50" charset="-128"/>
+                      </a:endParaRPr>
+                    </a:p>
+                  </a:txBody>
+                  <a:tcPr/>
+                </a:tc>
+                <a:extLst>
+                  <a:ext uri="{0D108BD9-81ED-4DB2-BD59-A6C34878D82A}">
+                    <a16:rowId xmlns:a16="http://schemas.microsoft.com/office/drawing/2014/main" val="477916111"/>
+                  </a:ext>
+                </a:extLst>
+              </a:tr>
+              <a:tr h="370840">
+                <a:tc>
+                  <a:txBody>
+                    <a:bodyPr/>
+                    <a:lstStyle/>
+                    <a:p>
+                      <a:pPr algn="ctr"/>
+                      <a:r>
+                        <a:rPr kumimoji="1" lang="ja-JP" altLang="en-US" sz="2000" b="1" dirty="0">
+                          <a:solidFill>
+                            <a:schemeClr val="bg1"/>
+                          </a:solidFill>
+                          <a:latin typeface="游ゴシック" panose="020B0400000000000000" pitchFamily="50" charset="-128"/>
+                          <a:ea typeface="游ゴシック" panose="020B0400000000000000" pitchFamily="50" charset="-128"/>
+                        </a:rPr>
+                        <a:t>代理達成感</a:t>
+                      </a:r>
+                    </a:p>
+                  </a:txBody>
+                  <a:tcPr>
+                    <a:solidFill>
+                      <a:schemeClr val="accent2"/>
+                    </a:solidFill>
+                  </a:tcPr>
+                </a:tc>
+                <a:tc>
+                  <a:txBody>
+                    <a:bodyPr/>
+                    <a:lstStyle/>
+                    <a:p>
+                      <a:pPr algn="ctr"/>
+                      <a:r>
+                        <a:rPr kumimoji="1" lang="en-US" altLang="ja-JP" dirty="0">
+                          <a:latin typeface="游ゴシック" panose="020B0400000000000000" pitchFamily="50" charset="-128"/>
+                          <a:ea typeface="游ゴシック" panose="020B0400000000000000" pitchFamily="50" charset="-128"/>
+                        </a:rPr>
+                        <a:t>1</a:t>
+                      </a:r>
+                      <a:endParaRPr kumimoji="1" lang="ja-JP" altLang="en-US" dirty="0">
+                        <a:latin typeface="游ゴシック" panose="020B0400000000000000" pitchFamily="50" charset="-128"/>
+                        <a:ea typeface="游ゴシック" panose="020B0400000000000000" pitchFamily="50" charset="-128"/>
+                      </a:endParaRPr>
+                    </a:p>
+                  </a:txBody>
+                  <a:tcPr/>
+                </a:tc>
+                <a:extLst>
+                  <a:ext uri="{0D108BD9-81ED-4DB2-BD59-A6C34878D82A}">
+                    <a16:rowId xmlns:a16="http://schemas.microsoft.com/office/drawing/2014/main" val="210031046"/>
+                  </a:ext>
+                </a:extLst>
+              </a:tr>
+              <a:tr h="370840">
+                <a:tc>
+                  <a:txBody>
+                    <a:bodyPr/>
+                    <a:lstStyle/>
+                    <a:p>
+                      <a:pPr algn="ctr"/>
+                      <a:r>
+                        <a:rPr kumimoji="1" lang="ja-JP" altLang="en-US" sz="2000" b="1" dirty="0">
+                          <a:solidFill>
+                            <a:schemeClr val="bg1"/>
+                          </a:solidFill>
+                          <a:latin typeface="游ゴシック" panose="020B0400000000000000" pitchFamily="50" charset="-128"/>
+                          <a:ea typeface="游ゴシック" panose="020B0400000000000000" pitchFamily="50" charset="-128"/>
+                        </a:rPr>
+                        <a:t>情報・知識</a:t>
+                      </a:r>
+                    </a:p>
+                  </a:txBody>
+                  <a:tcPr>
+                    <a:solidFill>
+                      <a:schemeClr val="accent2"/>
+                    </a:solidFill>
+                  </a:tcPr>
+                </a:tc>
+                <a:tc>
+                  <a:txBody>
+                    <a:bodyPr/>
+                    <a:lstStyle/>
+                    <a:p>
+                      <a:pPr algn="ctr"/>
+                      <a:r>
+                        <a:rPr kumimoji="1" lang="en-US" altLang="ja-JP" dirty="0">
+                          <a:latin typeface="游ゴシック" panose="020B0400000000000000" pitchFamily="50" charset="-128"/>
+                          <a:ea typeface="游ゴシック" panose="020B0400000000000000" pitchFamily="50" charset="-128"/>
+                        </a:rPr>
+                        <a:t>1</a:t>
+                      </a:r>
+                      <a:endParaRPr kumimoji="1" lang="ja-JP" altLang="en-US" dirty="0">
+                        <a:latin typeface="游ゴシック" panose="020B0400000000000000" pitchFamily="50" charset="-128"/>
+                        <a:ea typeface="游ゴシック" panose="020B0400000000000000" pitchFamily="50" charset="-128"/>
+                      </a:endParaRPr>
+                    </a:p>
+                  </a:txBody>
+                  <a:tcPr/>
+                </a:tc>
+                <a:extLst>
+                  <a:ext uri="{0D108BD9-81ED-4DB2-BD59-A6C34878D82A}">
+                    <a16:rowId xmlns:a16="http://schemas.microsoft.com/office/drawing/2014/main" val="2216327017"/>
+                  </a:ext>
+                </a:extLst>
+              </a:tr>
+              <a:tr h="370840">
+                <a:tc>
+                  <a:txBody>
+                    <a:bodyPr/>
+                    <a:lstStyle/>
+                    <a:p>
+                      <a:pPr algn="ctr"/>
+                      <a:r>
+                        <a:rPr kumimoji="1" lang="ja-JP" altLang="en-US" sz="2000" b="1" dirty="0">
+                          <a:solidFill>
+                            <a:schemeClr val="bg1"/>
+                          </a:solidFill>
+                          <a:latin typeface="游ゴシック" panose="020B0400000000000000" pitchFamily="50" charset="-128"/>
+                          <a:ea typeface="游ゴシック" panose="020B0400000000000000" pitchFamily="50" charset="-128"/>
+                        </a:rPr>
+                        <a:t>美的鑑賞</a:t>
+                      </a:r>
+                    </a:p>
+                  </a:txBody>
+                  <a:tcPr>
+                    <a:solidFill>
+                      <a:schemeClr val="accent2"/>
+                    </a:solidFill>
+                  </a:tcPr>
+                </a:tc>
+                <a:tc>
+                  <a:txBody>
+                    <a:bodyPr/>
+                    <a:lstStyle/>
+                    <a:p>
+                      <a:pPr algn="ctr"/>
+                      <a:r>
+                        <a:rPr kumimoji="1" lang="en-US" altLang="ja-JP" dirty="0">
+                          <a:latin typeface="游ゴシック" panose="020B0400000000000000" pitchFamily="50" charset="-128"/>
+                          <a:ea typeface="游ゴシック" panose="020B0400000000000000" pitchFamily="50" charset="-128"/>
+                        </a:rPr>
+                        <a:t>1</a:t>
+                      </a:r>
+                      <a:endParaRPr kumimoji="1" lang="ja-JP" altLang="en-US" dirty="0">
+                        <a:latin typeface="游ゴシック" panose="020B0400000000000000" pitchFamily="50" charset="-128"/>
+                        <a:ea typeface="游ゴシック" panose="020B0400000000000000" pitchFamily="50" charset="-128"/>
+                      </a:endParaRPr>
+                    </a:p>
+                  </a:txBody>
+                  <a:tcPr/>
+                </a:tc>
+                <a:extLst>
+                  <a:ext uri="{0D108BD9-81ED-4DB2-BD59-A6C34878D82A}">
+                    <a16:rowId xmlns:a16="http://schemas.microsoft.com/office/drawing/2014/main" val="3965059804"/>
+                  </a:ext>
+                </a:extLst>
+              </a:tr>
+              <a:tr h="370840">
+                <a:tc>
+                  <a:txBody>
+                    <a:bodyPr/>
+                    <a:lstStyle/>
+                    <a:p>
+                      <a:pPr algn="ctr"/>
+                      <a:r>
+                        <a:rPr kumimoji="1" lang="ja-JP" altLang="en-US" sz="2000" b="1" dirty="0">
+                          <a:solidFill>
+                            <a:schemeClr val="bg1"/>
+                          </a:solidFill>
+                          <a:latin typeface="游ゴシック" panose="020B0400000000000000" pitchFamily="50" charset="-128"/>
+                          <a:ea typeface="游ゴシック" panose="020B0400000000000000" pitchFamily="50" charset="-128"/>
+                        </a:rPr>
+                        <a:t>ドラマ性やスリル</a:t>
+                      </a:r>
+                    </a:p>
+                  </a:txBody>
+                  <a:tcPr>
+                    <a:solidFill>
+                      <a:schemeClr val="accent2"/>
+                    </a:solidFill>
+                  </a:tcPr>
+                </a:tc>
+                <a:tc>
+                  <a:txBody>
+                    <a:bodyPr/>
+                    <a:lstStyle/>
+                    <a:p>
+                      <a:pPr algn="ctr"/>
+                      <a:r>
+                        <a:rPr kumimoji="1" lang="en-US" altLang="ja-JP" dirty="0">
+                          <a:latin typeface="游ゴシック" panose="020B0400000000000000" pitchFamily="50" charset="-128"/>
+                          <a:ea typeface="游ゴシック" panose="020B0400000000000000" pitchFamily="50" charset="-128"/>
+                        </a:rPr>
+                        <a:t>2</a:t>
+                      </a:r>
+                      <a:endParaRPr kumimoji="1" lang="ja-JP" altLang="en-US" dirty="0">
+                        <a:latin typeface="游ゴシック" panose="020B0400000000000000" pitchFamily="50" charset="-128"/>
+                        <a:ea typeface="游ゴシック" panose="020B0400000000000000" pitchFamily="50" charset="-128"/>
+                      </a:endParaRPr>
+                    </a:p>
+                  </a:txBody>
+                  <a:tcPr/>
+                </a:tc>
+                <a:extLst>
+                  <a:ext uri="{0D108BD9-81ED-4DB2-BD59-A6C34878D82A}">
+                    <a16:rowId xmlns:a16="http://schemas.microsoft.com/office/drawing/2014/main" val="28863273"/>
+                  </a:ext>
+                </a:extLst>
+              </a:tr>
+              <a:tr h="370840">
+                <a:tc>
+                  <a:txBody>
+                    <a:bodyPr/>
+                    <a:lstStyle/>
+                    <a:p>
+                      <a:pPr algn="ctr"/>
+                      <a:r>
+                        <a:rPr kumimoji="1" lang="ja-JP" altLang="en-US" sz="2000" b="1" dirty="0">
+                          <a:solidFill>
+                            <a:schemeClr val="bg1"/>
+                          </a:solidFill>
+                          <a:latin typeface="游ゴシック" panose="020B0400000000000000" pitchFamily="50" charset="-128"/>
+                          <a:ea typeface="游ゴシック" panose="020B0400000000000000" pitchFamily="50" charset="-128"/>
+                        </a:rPr>
+                        <a:t>気分転換</a:t>
+                      </a:r>
+                    </a:p>
+                  </a:txBody>
+                  <a:tcPr>
+                    <a:solidFill>
+                      <a:schemeClr val="accent2"/>
+                    </a:solidFill>
+                  </a:tcPr>
+                </a:tc>
+                <a:tc>
+                  <a:txBody>
+                    <a:bodyPr/>
+                    <a:lstStyle/>
+                    <a:p>
+                      <a:pPr algn="ctr"/>
+                      <a:r>
+                        <a:rPr kumimoji="1" lang="en-US" altLang="ja-JP" dirty="0">
+                          <a:latin typeface="游ゴシック" panose="020B0400000000000000" pitchFamily="50" charset="-128"/>
+                          <a:ea typeface="游ゴシック" panose="020B0400000000000000" pitchFamily="50" charset="-128"/>
+                        </a:rPr>
+                        <a:t>1</a:t>
+                      </a:r>
+                      <a:endParaRPr kumimoji="1" lang="ja-JP" altLang="en-US" dirty="0">
+                        <a:latin typeface="游ゴシック" panose="020B0400000000000000" pitchFamily="50" charset="-128"/>
+                        <a:ea typeface="游ゴシック" panose="020B0400000000000000" pitchFamily="50" charset="-128"/>
+                      </a:endParaRPr>
+                    </a:p>
+                  </a:txBody>
+                  <a:tcPr/>
+                </a:tc>
+                <a:extLst>
+                  <a:ext uri="{0D108BD9-81ED-4DB2-BD59-A6C34878D82A}">
+                    <a16:rowId xmlns:a16="http://schemas.microsoft.com/office/drawing/2014/main" val="61839423"/>
+                  </a:ext>
+                </a:extLst>
+              </a:tr>
+              <a:tr h="370840">
+                <a:tc>
+                  <a:txBody>
+                    <a:bodyPr/>
+                    <a:lstStyle/>
+                    <a:p>
+                      <a:pPr algn="ctr"/>
+                      <a:r>
+                        <a:rPr kumimoji="1" lang="ja-JP" altLang="en-US" sz="2000" b="1" dirty="0">
+                          <a:solidFill>
+                            <a:schemeClr val="bg1"/>
+                          </a:solidFill>
+                          <a:latin typeface="游ゴシック" panose="020B0400000000000000" pitchFamily="50" charset="-128"/>
+                          <a:ea typeface="游ゴシック" panose="020B0400000000000000" pitchFamily="50" charset="-128"/>
+                        </a:rPr>
+                        <a:t>選手の外見的魅力</a:t>
+                      </a:r>
+                    </a:p>
+                  </a:txBody>
+                  <a:tcPr>
+                    <a:solidFill>
+                      <a:schemeClr val="accent2"/>
+                    </a:solidFill>
+                  </a:tcPr>
+                </a:tc>
+                <a:tc>
+                  <a:txBody>
+                    <a:bodyPr/>
+                    <a:lstStyle/>
+                    <a:p>
+                      <a:pPr algn="ctr"/>
+                      <a:r>
+                        <a:rPr kumimoji="1" lang="en-US" altLang="ja-JP" dirty="0">
+                          <a:latin typeface="游ゴシック" panose="020B0400000000000000" pitchFamily="50" charset="-128"/>
+                          <a:ea typeface="游ゴシック" panose="020B0400000000000000" pitchFamily="50" charset="-128"/>
+                        </a:rPr>
+                        <a:t>1</a:t>
+                      </a:r>
+                      <a:endParaRPr kumimoji="1" lang="ja-JP" altLang="en-US" dirty="0">
+                        <a:latin typeface="游ゴシック" panose="020B0400000000000000" pitchFamily="50" charset="-128"/>
+                        <a:ea typeface="游ゴシック" panose="020B0400000000000000" pitchFamily="50" charset="-128"/>
+                      </a:endParaRPr>
+                    </a:p>
+                  </a:txBody>
+                  <a:tcPr/>
+                </a:tc>
+                <a:extLst>
+                  <a:ext uri="{0D108BD9-81ED-4DB2-BD59-A6C34878D82A}">
+                    <a16:rowId xmlns:a16="http://schemas.microsoft.com/office/drawing/2014/main" val="2799303177"/>
+                  </a:ext>
+                </a:extLst>
+              </a:tr>
+              <a:tr h="370840">
+                <a:tc>
+                  <a:txBody>
+                    <a:bodyPr/>
+                    <a:lstStyle/>
+                    <a:p>
+                      <a:pPr algn="ctr"/>
+                      <a:r>
+                        <a:rPr kumimoji="1" lang="ja-JP" altLang="en-US" sz="2000" b="1" dirty="0">
+                          <a:solidFill>
+                            <a:schemeClr val="bg1"/>
+                          </a:solidFill>
+                          <a:latin typeface="游ゴシック" panose="020B0400000000000000" pitchFamily="50" charset="-128"/>
+                          <a:ea typeface="游ゴシック" panose="020B0400000000000000" pitchFamily="50" charset="-128"/>
+                        </a:rPr>
+                        <a:t>選手の身体能力</a:t>
+                      </a:r>
+                    </a:p>
+                  </a:txBody>
+                  <a:tcPr>
+                    <a:solidFill>
+                      <a:schemeClr val="accent2"/>
+                    </a:solidFill>
+                  </a:tcPr>
+                </a:tc>
+                <a:tc>
+                  <a:txBody>
+                    <a:bodyPr/>
+                    <a:lstStyle/>
+                    <a:p>
+                      <a:pPr algn="ctr"/>
+                      <a:r>
+                        <a:rPr kumimoji="1" lang="en-US" altLang="ja-JP" dirty="0">
+                          <a:latin typeface="游ゴシック" panose="020B0400000000000000" pitchFamily="50" charset="-128"/>
+                          <a:ea typeface="游ゴシック" panose="020B0400000000000000" pitchFamily="50" charset="-128"/>
+                        </a:rPr>
+                        <a:t>2</a:t>
+                      </a:r>
+                      <a:endParaRPr kumimoji="1" lang="ja-JP" altLang="en-US" dirty="0">
+                        <a:latin typeface="游ゴシック" panose="020B0400000000000000" pitchFamily="50" charset="-128"/>
+                        <a:ea typeface="游ゴシック" panose="020B0400000000000000" pitchFamily="50" charset="-128"/>
+                      </a:endParaRPr>
+                    </a:p>
+                  </a:txBody>
+                  <a:tcPr/>
+                </a:tc>
+                <a:extLst>
+                  <a:ext uri="{0D108BD9-81ED-4DB2-BD59-A6C34878D82A}">
+                    <a16:rowId xmlns:a16="http://schemas.microsoft.com/office/drawing/2014/main" val="3718664024"/>
+                  </a:ext>
+                </a:extLst>
+              </a:tr>
+              <a:tr h="370840">
+                <a:tc>
+                  <a:txBody>
+                    <a:bodyPr/>
+                    <a:lstStyle/>
+                    <a:p>
+                      <a:pPr algn="ctr"/>
+                      <a:r>
+                        <a:rPr kumimoji="1" lang="ja-JP" altLang="en-US" sz="2000" b="1" dirty="0">
+                          <a:solidFill>
+                            <a:schemeClr val="bg1"/>
+                          </a:solidFill>
+                          <a:latin typeface="游ゴシック" panose="020B0400000000000000" pitchFamily="50" charset="-128"/>
+                          <a:ea typeface="游ゴシック" panose="020B0400000000000000" pitchFamily="50" charset="-128"/>
+                        </a:rPr>
+                        <a:t>社会的交流</a:t>
+                      </a:r>
+                    </a:p>
+                  </a:txBody>
+                  <a:tcPr>
+                    <a:solidFill>
+                      <a:schemeClr val="accent2"/>
+                    </a:solidFill>
+                  </a:tcPr>
+                </a:tc>
+                <a:tc>
+                  <a:txBody>
+                    <a:bodyPr/>
+                    <a:lstStyle/>
+                    <a:p>
+                      <a:pPr algn="ctr"/>
+                      <a:r>
+                        <a:rPr kumimoji="1" lang="en-US" altLang="ja-JP" dirty="0">
+                          <a:latin typeface="游ゴシック" panose="020B0400000000000000" pitchFamily="50" charset="-128"/>
+                          <a:ea typeface="游ゴシック" panose="020B0400000000000000" pitchFamily="50" charset="-128"/>
+                        </a:rPr>
+                        <a:t>1</a:t>
+                      </a:r>
+                      <a:endParaRPr kumimoji="1" lang="ja-JP" altLang="en-US" dirty="0">
+                        <a:latin typeface="游ゴシック" panose="020B0400000000000000" pitchFamily="50" charset="-128"/>
+                        <a:ea typeface="游ゴシック" panose="020B0400000000000000" pitchFamily="50" charset="-128"/>
+                      </a:endParaRPr>
+                    </a:p>
+                  </a:txBody>
+                  <a:tcPr/>
+                </a:tc>
+                <a:extLst>
+                  <a:ext uri="{0D108BD9-81ED-4DB2-BD59-A6C34878D82A}">
+                    <a16:rowId xmlns:a16="http://schemas.microsoft.com/office/drawing/2014/main" val="2042350072"/>
+                  </a:ext>
+                </a:extLst>
+              </a:tr>
+            </a:tbl>
           </a:graphicData>
         </a:graphic>
       </p:graphicFrame>
-      <p:graphicFrame>
-        <p:nvGraphicFramePr>
-          <p:cNvPr id="6" name="図表 5">
+      <p:sp>
+        <p:nvSpPr>
+          <p:cNvPr id="7" name="テキスト ボックス 6">
             <a:extLst>
               <a:ext uri="{FF2B5EF4-FFF2-40B4-BE49-F238E27FC236}">
-                <a16:creationId xmlns:a16="http://schemas.microsoft.com/office/drawing/2014/main" id="{91367CF0-BD92-A124-C97F-029FF717D3D0}"/>
+                <a16:creationId xmlns:a16="http://schemas.microsoft.com/office/drawing/2014/main" id="{6CCF47A4-3184-44D9-17EA-F5234E9F4DEA}"/>
               </a:ext>
             </a:extLst>
           </p:cNvPr>
-          <p:cNvGraphicFramePr/>
-          <p:nvPr>
-            <p:extLst>
-              <p:ext uri="{D42A27DB-BD31-4B8C-83A1-F6EECF244321}">
-                <p14:modId xmlns:p14="http://schemas.microsoft.com/office/powerpoint/2010/main" val="1980920515"/>
-              </p:ext>
-            </p:extLst>
-          </p:nvPr>
+          <p:cNvSpPr txBox="1"/>
+          <p:nvPr/>
+        </p:nvSpPr>
+        <p:spPr>
+          <a:xfrm>
+            <a:off x="2480734" y="2570545"/>
+            <a:ext cx="2209800" cy="523220"/>
+          </a:xfrm>
+          <a:prstGeom prst="rect">
+            <a:avLst/>
+          </a:prstGeom>
+          <a:noFill/>
+        </p:spPr>
+        <p:txBody>
+          <a:bodyPr wrap="square" rtlCol="0">
+            <a:spAutoFit/>
+          </a:bodyPr>
+          <a:lstStyle/>
+          <a:p>
+            <a:r>
+              <a:rPr kumimoji="1" lang="ja-JP" altLang="en-US" sz="2800" b="1" dirty="0">
+                <a:solidFill>
+                  <a:srgbClr val="F64B2E"/>
+                </a:solidFill>
+              </a:rPr>
+              <a:t>箱根駅伝</a:t>
+            </a:r>
+          </a:p>
+        </p:txBody>
+      </p:sp>
+      <p:graphicFrame>
+        <p:nvGraphicFramePr>
+          <p:cNvPr id="8" name="表 7">
+            <a:extLst>
+              <a:ext uri="{FF2B5EF4-FFF2-40B4-BE49-F238E27FC236}">
+                <a16:creationId xmlns:a16="http://schemas.microsoft.com/office/drawing/2014/main" id="{20CD22AE-0BDA-9250-1C6A-9B9D7AEA6F76}"/>
+              </a:ext>
+            </a:extLst>
+          </p:cNvPr>
+          <p:cNvGraphicFramePr>
+            <a:graphicFrameLocks noGrp="1"/>
+          </p:cNvGraphicFramePr>
+          <p:nvPr/>
         </p:nvGraphicFramePr>
         <p:xfrm>
-          <a:off x="4614333" y="1921934"/>
-          <a:ext cx="3141134" cy="4692476"/>
+          <a:off x="6460067" y="2983699"/>
+          <a:ext cx="4953000" cy="3540760"/>
         </p:xfrm>
         <a:graphic>
-          <a:graphicData uri="http://schemas.openxmlformats.org/drawingml/2006/diagram">
-            <dgm:relIds xmlns:dgm="http://schemas.openxmlformats.org/drawingml/2006/diagram" xmlns:r="http://schemas.openxmlformats.org/officeDocument/2006/relationships" r:dm="rId7" r:lo="rId8" r:qs="rId9" r:cs="rId10"/>
+          <a:graphicData uri="http://schemas.openxmlformats.org/drawingml/2006/table">
+            <a:tbl>
+              <a:tblPr firstRow="1" bandRow="1">
+                <a:tableStyleId>{5C22544A-7EE6-4342-B048-85BDC9FD1C3A}</a:tableStyleId>
+              </a:tblPr>
+              <a:tblGrid>
+                <a:gridCol w="2311899">
+                  <a:extLst>
+                    <a:ext uri="{9D8B030D-6E8A-4147-A177-3AD203B41FA5}">
+                      <a16:colId xmlns:a16="http://schemas.microsoft.com/office/drawing/2014/main" val="1530089660"/>
+                    </a:ext>
+                  </a:extLst>
+                </a:gridCol>
+                <a:gridCol w="2641101">
+                  <a:extLst>
+                    <a:ext uri="{9D8B030D-6E8A-4147-A177-3AD203B41FA5}">
+                      <a16:colId xmlns:a16="http://schemas.microsoft.com/office/drawing/2014/main" val="1808594561"/>
+                    </a:ext>
+                  </a:extLst>
+                </a:gridCol>
+              </a:tblGrid>
+              <a:tr h="370840">
+                <a:tc>
+                  <a:txBody>
+                    <a:bodyPr/>
+                    <a:lstStyle/>
+                    <a:p>
+                      <a:pPr algn="ctr"/>
+                      <a:r>
+                        <a:rPr kumimoji="1" lang="ja-JP" altLang="en-US" dirty="0">
+                          <a:latin typeface="游ゴシック" panose="020B0400000000000000" pitchFamily="50" charset="-128"/>
+                          <a:ea typeface="游ゴシック" panose="020B0400000000000000" pitchFamily="50" charset="-128"/>
+                        </a:rPr>
+                        <a:t>尺度</a:t>
+                      </a:r>
+                    </a:p>
+                  </a:txBody>
+                  <a:tcPr/>
+                </a:tc>
+                <a:tc>
+                  <a:txBody>
+                    <a:bodyPr/>
+                    <a:lstStyle/>
+                    <a:p>
+                      <a:pPr algn="ctr"/>
+                      <a:r>
+                        <a:rPr kumimoji="1" lang="ja-JP" altLang="en-US" dirty="0">
+                          <a:latin typeface="游ゴシック" panose="020B0400000000000000" pitchFamily="50" charset="-128"/>
+                          <a:ea typeface="游ゴシック" panose="020B0400000000000000" pitchFamily="50" charset="-128"/>
+                        </a:rPr>
+                        <a:t>主観点数</a:t>
+                      </a:r>
+                      <a:r>
+                        <a:rPr kumimoji="1" lang="en-US" altLang="ja-JP" dirty="0">
+                          <a:latin typeface="游ゴシック" panose="020B0400000000000000" pitchFamily="50" charset="-128"/>
+                          <a:ea typeface="游ゴシック" panose="020B0400000000000000" pitchFamily="50" charset="-128"/>
+                        </a:rPr>
+                        <a:t>(1~7)</a:t>
+                      </a:r>
+                      <a:endParaRPr kumimoji="1" lang="ja-JP" altLang="en-US" dirty="0">
+                        <a:latin typeface="游ゴシック" panose="020B0400000000000000" pitchFamily="50" charset="-128"/>
+                        <a:ea typeface="游ゴシック" panose="020B0400000000000000" pitchFamily="50" charset="-128"/>
+                      </a:endParaRPr>
+                    </a:p>
+                  </a:txBody>
+                  <a:tcPr/>
+                </a:tc>
+                <a:extLst>
+                  <a:ext uri="{0D108BD9-81ED-4DB2-BD59-A6C34878D82A}">
+                    <a16:rowId xmlns:a16="http://schemas.microsoft.com/office/drawing/2014/main" val="477916111"/>
+                  </a:ext>
+                </a:extLst>
+              </a:tr>
+              <a:tr h="370840">
+                <a:tc>
+                  <a:txBody>
+                    <a:bodyPr/>
+                    <a:lstStyle/>
+                    <a:p>
+                      <a:pPr algn="ctr"/>
+                      <a:r>
+                        <a:rPr kumimoji="1" lang="ja-JP" altLang="en-US" sz="2000" b="1" dirty="0">
+                          <a:solidFill>
+                            <a:schemeClr val="bg1"/>
+                          </a:solidFill>
+                          <a:latin typeface="游ゴシック" panose="020B0400000000000000" pitchFamily="50" charset="-128"/>
+                          <a:ea typeface="游ゴシック" panose="020B0400000000000000" pitchFamily="50" charset="-128"/>
+                        </a:rPr>
+                        <a:t>代理達成感</a:t>
+                      </a:r>
+                    </a:p>
+                  </a:txBody>
+                  <a:tcPr>
+                    <a:solidFill>
+                      <a:schemeClr val="accent2"/>
+                    </a:solidFill>
+                  </a:tcPr>
+                </a:tc>
+                <a:tc>
+                  <a:txBody>
+                    <a:bodyPr/>
+                    <a:lstStyle/>
+                    <a:p>
+                      <a:pPr algn="ctr"/>
+                      <a:r>
+                        <a:rPr kumimoji="1" lang="en-US" altLang="ja-JP" dirty="0">
+                          <a:latin typeface="游ゴシック" panose="020B0400000000000000" pitchFamily="50" charset="-128"/>
+                          <a:ea typeface="游ゴシック" panose="020B0400000000000000" pitchFamily="50" charset="-128"/>
+                        </a:rPr>
+                        <a:t>5</a:t>
+                      </a:r>
+                      <a:endParaRPr kumimoji="1" lang="ja-JP" altLang="en-US" dirty="0">
+                        <a:latin typeface="游ゴシック" panose="020B0400000000000000" pitchFamily="50" charset="-128"/>
+                        <a:ea typeface="游ゴシック" panose="020B0400000000000000" pitchFamily="50" charset="-128"/>
+                      </a:endParaRPr>
+                    </a:p>
+                  </a:txBody>
+                  <a:tcPr/>
+                </a:tc>
+                <a:extLst>
+                  <a:ext uri="{0D108BD9-81ED-4DB2-BD59-A6C34878D82A}">
+                    <a16:rowId xmlns:a16="http://schemas.microsoft.com/office/drawing/2014/main" val="210031046"/>
+                  </a:ext>
+                </a:extLst>
+              </a:tr>
+              <a:tr h="370840">
+                <a:tc>
+                  <a:txBody>
+                    <a:bodyPr/>
+                    <a:lstStyle/>
+                    <a:p>
+                      <a:pPr algn="ctr"/>
+                      <a:r>
+                        <a:rPr kumimoji="1" lang="ja-JP" altLang="en-US" sz="2000" b="1" dirty="0">
+                          <a:solidFill>
+                            <a:schemeClr val="bg1"/>
+                          </a:solidFill>
+                          <a:latin typeface="游ゴシック" panose="020B0400000000000000" pitchFamily="50" charset="-128"/>
+                          <a:ea typeface="游ゴシック" panose="020B0400000000000000" pitchFamily="50" charset="-128"/>
+                        </a:rPr>
+                        <a:t>情報・知識</a:t>
+                      </a:r>
+                    </a:p>
+                  </a:txBody>
+                  <a:tcPr>
+                    <a:solidFill>
+                      <a:schemeClr val="accent2"/>
+                    </a:solidFill>
+                  </a:tcPr>
+                </a:tc>
+                <a:tc>
+                  <a:txBody>
+                    <a:bodyPr/>
+                    <a:lstStyle/>
+                    <a:p>
+                      <a:pPr algn="ctr"/>
+                      <a:r>
+                        <a:rPr kumimoji="1" lang="en-US" altLang="ja-JP" dirty="0">
+                          <a:latin typeface="游ゴシック" panose="020B0400000000000000" pitchFamily="50" charset="-128"/>
+                          <a:ea typeface="游ゴシック" panose="020B0400000000000000" pitchFamily="50" charset="-128"/>
+                        </a:rPr>
+                        <a:t>4</a:t>
+                      </a:r>
+                      <a:endParaRPr kumimoji="1" lang="ja-JP" altLang="en-US" dirty="0">
+                        <a:latin typeface="游ゴシック" panose="020B0400000000000000" pitchFamily="50" charset="-128"/>
+                        <a:ea typeface="游ゴシック" panose="020B0400000000000000" pitchFamily="50" charset="-128"/>
+                      </a:endParaRPr>
+                    </a:p>
+                  </a:txBody>
+                  <a:tcPr/>
+                </a:tc>
+                <a:extLst>
+                  <a:ext uri="{0D108BD9-81ED-4DB2-BD59-A6C34878D82A}">
+                    <a16:rowId xmlns:a16="http://schemas.microsoft.com/office/drawing/2014/main" val="2216327017"/>
+                  </a:ext>
+                </a:extLst>
+              </a:tr>
+              <a:tr h="370840">
+                <a:tc>
+                  <a:txBody>
+                    <a:bodyPr/>
+                    <a:lstStyle/>
+                    <a:p>
+                      <a:pPr algn="ctr"/>
+                      <a:r>
+                        <a:rPr kumimoji="1" lang="ja-JP" altLang="en-US" sz="2000" b="1" dirty="0">
+                          <a:solidFill>
+                            <a:schemeClr val="bg1"/>
+                          </a:solidFill>
+                          <a:latin typeface="游ゴシック" panose="020B0400000000000000" pitchFamily="50" charset="-128"/>
+                          <a:ea typeface="游ゴシック" panose="020B0400000000000000" pitchFamily="50" charset="-128"/>
+                        </a:rPr>
+                        <a:t>美的鑑賞</a:t>
+                      </a:r>
+                    </a:p>
+                  </a:txBody>
+                  <a:tcPr>
+                    <a:solidFill>
+                      <a:schemeClr val="accent2"/>
+                    </a:solidFill>
+                  </a:tcPr>
+                </a:tc>
+                <a:tc>
+                  <a:txBody>
+                    <a:bodyPr/>
+                    <a:lstStyle/>
+                    <a:p>
+                      <a:pPr algn="ctr"/>
+                      <a:r>
+                        <a:rPr kumimoji="1" lang="en-US" altLang="ja-JP" dirty="0">
+                          <a:latin typeface="游ゴシック" panose="020B0400000000000000" pitchFamily="50" charset="-128"/>
+                          <a:ea typeface="游ゴシック" panose="020B0400000000000000" pitchFamily="50" charset="-128"/>
+                        </a:rPr>
+                        <a:t>3</a:t>
+                      </a:r>
+                      <a:endParaRPr kumimoji="1" lang="ja-JP" altLang="en-US" dirty="0">
+                        <a:latin typeface="游ゴシック" panose="020B0400000000000000" pitchFamily="50" charset="-128"/>
+                        <a:ea typeface="游ゴシック" panose="020B0400000000000000" pitchFamily="50" charset="-128"/>
+                      </a:endParaRPr>
+                    </a:p>
+                  </a:txBody>
+                  <a:tcPr/>
+                </a:tc>
+                <a:extLst>
+                  <a:ext uri="{0D108BD9-81ED-4DB2-BD59-A6C34878D82A}">
+                    <a16:rowId xmlns:a16="http://schemas.microsoft.com/office/drawing/2014/main" val="3965059804"/>
+                  </a:ext>
+                </a:extLst>
+              </a:tr>
+              <a:tr h="370840">
+                <a:tc>
+                  <a:txBody>
+                    <a:bodyPr/>
+                    <a:lstStyle/>
+                    <a:p>
+                      <a:pPr algn="ctr"/>
+                      <a:r>
+                        <a:rPr kumimoji="1" lang="ja-JP" altLang="en-US" sz="2000" b="1" dirty="0">
+                          <a:solidFill>
+                            <a:schemeClr val="bg1"/>
+                          </a:solidFill>
+                          <a:latin typeface="游ゴシック" panose="020B0400000000000000" pitchFamily="50" charset="-128"/>
+                          <a:ea typeface="游ゴシック" panose="020B0400000000000000" pitchFamily="50" charset="-128"/>
+                        </a:rPr>
+                        <a:t>ドラマ性やスリル</a:t>
+                      </a:r>
+                    </a:p>
+                  </a:txBody>
+                  <a:tcPr>
+                    <a:solidFill>
+                      <a:schemeClr val="accent2"/>
+                    </a:solidFill>
+                  </a:tcPr>
+                </a:tc>
+                <a:tc>
+                  <a:txBody>
+                    <a:bodyPr/>
+                    <a:lstStyle/>
+                    <a:p>
+                      <a:pPr algn="ctr"/>
+                      <a:r>
+                        <a:rPr kumimoji="1" lang="en-US" altLang="ja-JP" dirty="0">
+                          <a:latin typeface="游ゴシック" panose="020B0400000000000000" pitchFamily="50" charset="-128"/>
+                          <a:ea typeface="游ゴシック" panose="020B0400000000000000" pitchFamily="50" charset="-128"/>
+                        </a:rPr>
+                        <a:t>7</a:t>
+                      </a:r>
+                      <a:endParaRPr kumimoji="1" lang="ja-JP" altLang="en-US" dirty="0">
+                        <a:latin typeface="游ゴシック" panose="020B0400000000000000" pitchFamily="50" charset="-128"/>
+                        <a:ea typeface="游ゴシック" panose="020B0400000000000000" pitchFamily="50" charset="-128"/>
+                      </a:endParaRPr>
+                    </a:p>
+                  </a:txBody>
+                  <a:tcPr/>
+                </a:tc>
+                <a:extLst>
+                  <a:ext uri="{0D108BD9-81ED-4DB2-BD59-A6C34878D82A}">
+                    <a16:rowId xmlns:a16="http://schemas.microsoft.com/office/drawing/2014/main" val="28863273"/>
+                  </a:ext>
+                </a:extLst>
+              </a:tr>
+              <a:tr h="370840">
+                <a:tc>
+                  <a:txBody>
+                    <a:bodyPr/>
+                    <a:lstStyle/>
+                    <a:p>
+                      <a:pPr algn="ctr"/>
+                      <a:r>
+                        <a:rPr kumimoji="1" lang="ja-JP" altLang="en-US" sz="2000" b="1" dirty="0">
+                          <a:solidFill>
+                            <a:schemeClr val="bg1"/>
+                          </a:solidFill>
+                          <a:latin typeface="游ゴシック" panose="020B0400000000000000" pitchFamily="50" charset="-128"/>
+                          <a:ea typeface="游ゴシック" panose="020B0400000000000000" pitchFamily="50" charset="-128"/>
+                        </a:rPr>
+                        <a:t>気分転換</a:t>
+                      </a:r>
+                    </a:p>
+                  </a:txBody>
+                  <a:tcPr>
+                    <a:solidFill>
+                      <a:schemeClr val="accent2"/>
+                    </a:solidFill>
+                  </a:tcPr>
+                </a:tc>
+                <a:tc>
+                  <a:txBody>
+                    <a:bodyPr/>
+                    <a:lstStyle/>
+                    <a:p>
+                      <a:pPr algn="ctr"/>
+                      <a:r>
+                        <a:rPr kumimoji="1" lang="en-US" altLang="ja-JP" dirty="0">
+                          <a:latin typeface="游ゴシック" panose="020B0400000000000000" pitchFamily="50" charset="-128"/>
+                          <a:ea typeface="游ゴシック" panose="020B0400000000000000" pitchFamily="50" charset="-128"/>
+                        </a:rPr>
+                        <a:t>3</a:t>
+                      </a:r>
+                      <a:endParaRPr kumimoji="1" lang="ja-JP" altLang="en-US" dirty="0">
+                        <a:latin typeface="游ゴシック" panose="020B0400000000000000" pitchFamily="50" charset="-128"/>
+                        <a:ea typeface="游ゴシック" panose="020B0400000000000000" pitchFamily="50" charset="-128"/>
+                      </a:endParaRPr>
+                    </a:p>
+                  </a:txBody>
+                  <a:tcPr/>
+                </a:tc>
+                <a:extLst>
+                  <a:ext uri="{0D108BD9-81ED-4DB2-BD59-A6C34878D82A}">
+                    <a16:rowId xmlns:a16="http://schemas.microsoft.com/office/drawing/2014/main" val="61839423"/>
+                  </a:ext>
+                </a:extLst>
+              </a:tr>
+              <a:tr h="370840">
+                <a:tc>
+                  <a:txBody>
+                    <a:bodyPr/>
+                    <a:lstStyle/>
+                    <a:p>
+                      <a:pPr algn="ctr"/>
+                      <a:r>
+                        <a:rPr kumimoji="1" lang="ja-JP" altLang="en-US" sz="2000" b="1" dirty="0">
+                          <a:solidFill>
+                            <a:schemeClr val="bg1"/>
+                          </a:solidFill>
+                          <a:latin typeface="游ゴシック" panose="020B0400000000000000" pitchFamily="50" charset="-128"/>
+                          <a:ea typeface="游ゴシック" panose="020B0400000000000000" pitchFamily="50" charset="-128"/>
+                        </a:rPr>
+                        <a:t>選手の外見的魅力</a:t>
+                      </a:r>
+                    </a:p>
+                  </a:txBody>
+                  <a:tcPr>
+                    <a:solidFill>
+                      <a:schemeClr val="accent2"/>
+                    </a:solidFill>
+                  </a:tcPr>
+                </a:tc>
+                <a:tc>
+                  <a:txBody>
+                    <a:bodyPr/>
+                    <a:lstStyle/>
+                    <a:p>
+                      <a:pPr algn="ctr"/>
+                      <a:r>
+                        <a:rPr kumimoji="1" lang="en-US" altLang="ja-JP" dirty="0">
+                          <a:latin typeface="游ゴシック" panose="020B0400000000000000" pitchFamily="50" charset="-128"/>
+                          <a:ea typeface="游ゴシック" panose="020B0400000000000000" pitchFamily="50" charset="-128"/>
+                        </a:rPr>
+                        <a:t>6</a:t>
+                      </a:r>
+                      <a:endParaRPr kumimoji="1" lang="ja-JP" altLang="en-US" dirty="0">
+                        <a:latin typeface="游ゴシック" panose="020B0400000000000000" pitchFamily="50" charset="-128"/>
+                        <a:ea typeface="游ゴシック" panose="020B0400000000000000" pitchFamily="50" charset="-128"/>
+                      </a:endParaRPr>
+                    </a:p>
+                  </a:txBody>
+                  <a:tcPr/>
+                </a:tc>
+                <a:extLst>
+                  <a:ext uri="{0D108BD9-81ED-4DB2-BD59-A6C34878D82A}">
+                    <a16:rowId xmlns:a16="http://schemas.microsoft.com/office/drawing/2014/main" val="2799303177"/>
+                  </a:ext>
+                </a:extLst>
+              </a:tr>
+              <a:tr h="370840">
+                <a:tc>
+                  <a:txBody>
+                    <a:bodyPr/>
+                    <a:lstStyle/>
+                    <a:p>
+                      <a:pPr algn="ctr"/>
+                      <a:r>
+                        <a:rPr kumimoji="1" lang="ja-JP" altLang="en-US" sz="2000" b="1" dirty="0">
+                          <a:solidFill>
+                            <a:schemeClr val="bg1"/>
+                          </a:solidFill>
+                          <a:latin typeface="游ゴシック" panose="020B0400000000000000" pitchFamily="50" charset="-128"/>
+                          <a:ea typeface="游ゴシック" panose="020B0400000000000000" pitchFamily="50" charset="-128"/>
+                        </a:rPr>
+                        <a:t>選手の身体能力</a:t>
+                      </a:r>
+                    </a:p>
+                  </a:txBody>
+                  <a:tcPr>
+                    <a:solidFill>
+                      <a:schemeClr val="accent2"/>
+                    </a:solidFill>
+                  </a:tcPr>
+                </a:tc>
+                <a:tc>
+                  <a:txBody>
+                    <a:bodyPr/>
+                    <a:lstStyle/>
+                    <a:p>
+                      <a:pPr algn="ctr"/>
+                      <a:r>
+                        <a:rPr kumimoji="1" lang="en-US" altLang="ja-JP" dirty="0">
+                          <a:latin typeface="游ゴシック" panose="020B0400000000000000" pitchFamily="50" charset="-128"/>
+                          <a:ea typeface="游ゴシック" panose="020B0400000000000000" pitchFamily="50" charset="-128"/>
+                        </a:rPr>
+                        <a:t>5</a:t>
+                      </a:r>
+                      <a:endParaRPr kumimoji="1" lang="ja-JP" altLang="en-US" dirty="0">
+                        <a:latin typeface="游ゴシック" panose="020B0400000000000000" pitchFamily="50" charset="-128"/>
+                        <a:ea typeface="游ゴシック" panose="020B0400000000000000" pitchFamily="50" charset="-128"/>
+                      </a:endParaRPr>
+                    </a:p>
+                  </a:txBody>
+                  <a:tcPr/>
+                </a:tc>
+                <a:extLst>
+                  <a:ext uri="{0D108BD9-81ED-4DB2-BD59-A6C34878D82A}">
+                    <a16:rowId xmlns:a16="http://schemas.microsoft.com/office/drawing/2014/main" val="3718664024"/>
+                  </a:ext>
+                </a:extLst>
+              </a:tr>
+              <a:tr h="370840">
+                <a:tc>
+                  <a:txBody>
+                    <a:bodyPr/>
+                    <a:lstStyle/>
+                    <a:p>
+                      <a:pPr algn="ctr"/>
+                      <a:r>
+                        <a:rPr kumimoji="1" lang="ja-JP" altLang="en-US" sz="2000" b="1" dirty="0">
+                          <a:solidFill>
+                            <a:schemeClr val="bg1"/>
+                          </a:solidFill>
+                          <a:latin typeface="游ゴシック" panose="020B0400000000000000" pitchFamily="50" charset="-128"/>
+                          <a:ea typeface="游ゴシック" panose="020B0400000000000000" pitchFamily="50" charset="-128"/>
+                        </a:rPr>
+                        <a:t>社会的交流</a:t>
+                      </a:r>
+                    </a:p>
+                  </a:txBody>
+                  <a:tcPr>
+                    <a:solidFill>
+                      <a:schemeClr val="accent2"/>
+                    </a:solidFill>
+                  </a:tcPr>
+                </a:tc>
+                <a:tc>
+                  <a:txBody>
+                    <a:bodyPr/>
+                    <a:lstStyle/>
+                    <a:p>
+                      <a:pPr algn="ctr"/>
+                      <a:r>
+                        <a:rPr kumimoji="1" lang="en-US" altLang="ja-JP" dirty="0">
+                          <a:latin typeface="游ゴシック" panose="020B0400000000000000" pitchFamily="50" charset="-128"/>
+                          <a:ea typeface="游ゴシック" panose="020B0400000000000000" pitchFamily="50" charset="-128"/>
+                        </a:rPr>
+                        <a:t>5</a:t>
+                      </a:r>
+                      <a:endParaRPr kumimoji="1" lang="ja-JP" altLang="en-US" dirty="0">
+                        <a:latin typeface="游ゴシック" panose="020B0400000000000000" pitchFamily="50" charset="-128"/>
+                        <a:ea typeface="游ゴシック" panose="020B0400000000000000" pitchFamily="50" charset="-128"/>
+                      </a:endParaRPr>
+                    </a:p>
+                  </a:txBody>
+                  <a:tcPr/>
+                </a:tc>
+                <a:extLst>
+                  <a:ext uri="{0D108BD9-81ED-4DB2-BD59-A6C34878D82A}">
+                    <a16:rowId xmlns:a16="http://schemas.microsoft.com/office/drawing/2014/main" val="2042350072"/>
+                  </a:ext>
+                </a:extLst>
+              </a:tr>
+            </a:tbl>
           </a:graphicData>
         </a:graphic>
       </p:graphicFrame>
-      <p:graphicFrame>
-        <p:nvGraphicFramePr>
-          <p:cNvPr id="7" name="図表 6">
+      <p:sp>
+        <p:nvSpPr>
+          <p:cNvPr id="9" name="テキスト ボックス 8">
             <a:extLst>
               <a:ext uri="{FF2B5EF4-FFF2-40B4-BE49-F238E27FC236}">
-                <a16:creationId xmlns:a16="http://schemas.microsoft.com/office/drawing/2014/main" id="{29F6C4CB-4479-34D7-B4FB-1F9C5CE0E1C3}"/>
+                <a16:creationId xmlns:a16="http://schemas.microsoft.com/office/drawing/2014/main" id="{B51DCDF0-B989-3992-66FE-B2B00B01CEC6}"/>
               </a:ext>
             </a:extLst>
           </p:cNvPr>
-          <p:cNvGraphicFramePr/>
-          <p:nvPr>
-            <p:extLst>
-              <p:ext uri="{D42A27DB-BD31-4B8C-83A1-F6EECF244321}">
-                <p14:modId xmlns:p14="http://schemas.microsoft.com/office/powerpoint/2010/main" val="1908899737"/>
-              </p:ext>
-            </p:extLst>
-          </p:nvPr>
-        </p:nvGraphicFramePr>
-        <p:xfrm>
-          <a:off x="8212666" y="1921934"/>
-          <a:ext cx="3141134" cy="4692476"/>
-        </p:xfrm>
-        <a:graphic>
-          <a:graphicData uri="http://schemas.openxmlformats.org/drawingml/2006/diagram">
-            <dgm:relIds xmlns:dgm="http://schemas.openxmlformats.org/drawingml/2006/diagram" xmlns:r="http://schemas.openxmlformats.org/officeDocument/2006/relationships" r:dm="rId12" r:lo="rId13" r:qs="rId14" r:cs="rId15"/>
-          </a:graphicData>
-        </a:graphic>
-      </p:graphicFrame>
+          <p:cNvSpPr txBox="1"/>
+          <p:nvPr/>
+        </p:nvSpPr>
+        <p:spPr>
+          <a:xfrm>
+            <a:off x="8047566" y="2570545"/>
+            <a:ext cx="2209800" cy="523220"/>
+          </a:xfrm>
+          <a:prstGeom prst="rect">
+            <a:avLst/>
+          </a:prstGeom>
+          <a:noFill/>
+        </p:spPr>
+        <p:txBody>
+          <a:bodyPr wrap="square" rtlCol="0">
+            <a:spAutoFit/>
+          </a:bodyPr>
+          <a:lstStyle/>
+          <a:p>
+            <a:r>
+              <a:rPr kumimoji="1" lang="ja-JP" altLang="en-US" sz="2800" b="1" dirty="0">
+                <a:solidFill>
+                  <a:schemeClr val="accent2"/>
+                </a:solidFill>
+              </a:rPr>
+              <a:t>高校野球</a:t>
+            </a:r>
+          </a:p>
+        </p:txBody>
+      </p:sp>
+      <p:sp>
+        <p:nvSpPr>
+          <p:cNvPr id="5" name="吹き出し: 四角形 4">
+            <a:extLst>
+              <a:ext uri="{FF2B5EF4-FFF2-40B4-BE49-F238E27FC236}">
+                <a16:creationId xmlns:a16="http://schemas.microsoft.com/office/drawing/2014/main" id="{8F6C268D-18B3-6D7B-DD50-7F60CEABACAF}"/>
+              </a:ext>
+            </a:extLst>
+          </p:cNvPr>
+          <p:cNvSpPr/>
+          <p:nvPr/>
+        </p:nvSpPr>
+        <p:spPr>
+          <a:xfrm>
+            <a:off x="4690534" y="3093765"/>
+            <a:ext cx="1710266" cy="623051"/>
+          </a:xfrm>
+          <a:prstGeom prst="wedgeRectCallout">
+            <a:avLst>
+              <a:gd name="adj1" fmla="val -36706"/>
+              <a:gd name="adj2" fmla="val 93616"/>
+            </a:avLst>
+          </a:prstGeom>
+          <a:solidFill>
+            <a:srgbClr val="F64B2E"/>
+          </a:solidFill>
+          <a:ln>
+            <a:solidFill>
+              <a:schemeClr val="bg1"/>
+            </a:solidFill>
+          </a:ln>
+        </p:spPr>
+        <p:style>
+          <a:lnRef idx="2">
+            <a:schemeClr val="accent1">
+              <a:shade val="15000"/>
+            </a:schemeClr>
+          </a:lnRef>
+          <a:fillRef idx="1">
+            <a:schemeClr val="accent1"/>
+          </a:fillRef>
+          <a:effectRef idx="0">
+            <a:schemeClr val="accent1"/>
+          </a:effectRef>
+          <a:fontRef idx="minor">
+            <a:schemeClr val="lt1"/>
+          </a:fontRef>
+        </p:style>
+        <p:txBody>
+          <a:bodyPr rtlCol="0" anchor="ctr"/>
+          <a:lstStyle/>
+          <a:p>
+            <a:pPr algn="ctr"/>
+            <a:r>
+              <a:rPr lang="ja-JP" altLang="en-US" sz="2000" b="1" dirty="0">
+                <a:solidFill>
+                  <a:schemeClr val="bg1"/>
+                </a:solidFill>
+                <a:latin typeface="游ゴシック" panose="020B0400000000000000" pitchFamily="50" charset="-128"/>
+                <a:ea typeface="游ゴシック" panose="020B0400000000000000" pitchFamily="50" charset="-128"/>
+              </a:rPr>
+              <a:t>誰？</a:t>
+            </a:r>
+            <a:endParaRPr lang="en-US" altLang="ja-JP" sz="2000" b="1" dirty="0">
+              <a:solidFill>
+                <a:schemeClr val="bg1"/>
+              </a:solidFill>
+              <a:latin typeface="游ゴシック" panose="020B0400000000000000" pitchFamily="50" charset="-128"/>
+              <a:ea typeface="游ゴシック" panose="020B0400000000000000" pitchFamily="50" charset="-128"/>
+            </a:endParaRPr>
+          </a:p>
+          <a:p>
+            <a:pPr algn="ctr"/>
+            <a:r>
+              <a:rPr kumimoji="1" lang="ja-JP" altLang="en-US" sz="2000" b="1" dirty="0">
+                <a:solidFill>
+                  <a:schemeClr val="bg1"/>
+                </a:solidFill>
+                <a:latin typeface="游ゴシック" panose="020B0400000000000000" pitchFamily="50" charset="-128"/>
+                <a:ea typeface="游ゴシック" panose="020B0400000000000000" pitchFamily="50" charset="-128"/>
+              </a:rPr>
+              <a:t>どこが出てる</a:t>
+            </a:r>
+          </a:p>
+        </p:txBody>
+      </p:sp>
+      <p:sp>
+        <p:nvSpPr>
+          <p:cNvPr id="10" name="吹き出し: 四角形 9">
+            <a:extLst>
+              <a:ext uri="{FF2B5EF4-FFF2-40B4-BE49-F238E27FC236}">
+                <a16:creationId xmlns:a16="http://schemas.microsoft.com/office/drawing/2014/main" id="{3A67DFA1-03D4-F007-3C45-69564B1FC42B}"/>
+              </a:ext>
+            </a:extLst>
+          </p:cNvPr>
+          <p:cNvSpPr/>
+          <p:nvPr/>
+        </p:nvSpPr>
+        <p:spPr>
+          <a:xfrm>
+            <a:off x="4749800" y="4199466"/>
+            <a:ext cx="1549402" cy="363857"/>
+          </a:xfrm>
+          <a:prstGeom prst="wedgeRectCallout">
+            <a:avLst>
+              <a:gd name="adj1" fmla="val -36706"/>
+              <a:gd name="adj2" fmla="val 93616"/>
+            </a:avLst>
+          </a:prstGeom>
+          <a:solidFill>
+            <a:srgbClr val="F64B2E"/>
+          </a:solidFill>
+          <a:ln>
+            <a:solidFill>
+              <a:schemeClr val="bg1"/>
+            </a:solidFill>
+          </a:ln>
+        </p:spPr>
+        <p:style>
+          <a:lnRef idx="2">
+            <a:schemeClr val="accent1">
+              <a:shade val="15000"/>
+            </a:schemeClr>
+          </a:lnRef>
+          <a:fillRef idx="1">
+            <a:schemeClr val="accent1"/>
+          </a:fillRef>
+          <a:effectRef idx="0">
+            <a:schemeClr val="accent1"/>
+          </a:effectRef>
+          <a:fontRef idx="minor">
+            <a:schemeClr val="lt1"/>
+          </a:fontRef>
+        </p:style>
+        <p:txBody>
+          <a:bodyPr rtlCol="0" anchor="ctr"/>
+          <a:lstStyle/>
+          <a:p>
+            <a:pPr algn="ctr"/>
+            <a:r>
+              <a:rPr kumimoji="1" lang="ja-JP" altLang="en-US" sz="2000" b="1" dirty="0">
+                <a:solidFill>
+                  <a:schemeClr val="bg1"/>
+                </a:solidFill>
+                <a:latin typeface="游ゴシック" panose="020B0400000000000000" pitchFamily="50" charset="-128"/>
+                <a:ea typeface="游ゴシック" panose="020B0400000000000000" pitchFamily="50" charset="-128"/>
+              </a:rPr>
+              <a:t>何が面白い</a:t>
+            </a:r>
+          </a:p>
+        </p:txBody>
+      </p:sp>
+      <p:sp>
+        <p:nvSpPr>
+          <p:cNvPr id="11" name="吹き出し: 四角形 10">
+            <a:extLst>
+              <a:ext uri="{FF2B5EF4-FFF2-40B4-BE49-F238E27FC236}">
+                <a16:creationId xmlns:a16="http://schemas.microsoft.com/office/drawing/2014/main" id="{2B024F34-9E75-CD0E-D957-23D0715D8BC5}"/>
+              </a:ext>
+            </a:extLst>
+          </p:cNvPr>
+          <p:cNvSpPr/>
+          <p:nvPr/>
+        </p:nvSpPr>
+        <p:spPr>
+          <a:xfrm>
+            <a:off x="4690534" y="5333999"/>
+            <a:ext cx="1549402" cy="363857"/>
+          </a:xfrm>
+          <a:prstGeom prst="wedgeRectCallout">
+            <a:avLst>
+              <a:gd name="adj1" fmla="val -36706"/>
+              <a:gd name="adj2" fmla="val 93616"/>
+            </a:avLst>
+          </a:prstGeom>
+          <a:solidFill>
+            <a:srgbClr val="F64B2E"/>
+          </a:solidFill>
+          <a:ln>
+            <a:solidFill>
+              <a:schemeClr val="bg1"/>
+            </a:solidFill>
+          </a:ln>
+        </p:spPr>
+        <p:style>
+          <a:lnRef idx="2">
+            <a:schemeClr val="accent1">
+              <a:shade val="15000"/>
+            </a:schemeClr>
+          </a:lnRef>
+          <a:fillRef idx="1">
+            <a:schemeClr val="accent1"/>
+          </a:fillRef>
+          <a:effectRef idx="0">
+            <a:schemeClr val="accent1"/>
+          </a:effectRef>
+          <a:fontRef idx="minor">
+            <a:schemeClr val="lt1"/>
+          </a:fontRef>
+        </p:style>
+        <p:txBody>
+          <a:bodyPr rtlCol="0" anchor="ctr"/>
+          <a:lstStyle/>
+          <a:p>
+            <a:pPr algn="ctr"/>
+            <a:r>
+              <a:rPr kumimoji="1" lang="ja-JP" altLang="en-US" sz="2000" b="1" dirty="0">
+                <a:solidFill>
+                  <a:schemeClr val="bg1"/>
+                </a:solidFill>
+                <a:latin typeface="游ゴシック" panose="020B0400000000000000" pitchFamily="50" charset="-128"/>
+                <a:ea typeface="游ゴシック" panose="020B0400000000000000" pitchFamily="50" charset="-128"/>
+              </a:rPr>
+              <a:t>どうすごい</a:t>
+            </a:r>
+          </a:p>
+        </p:txBody>
+      </p:sp>
+      <p:sp>
+        <p:nvSpPr>
+          <p:cNvPr id="12" name="吹き出し: 四角形 11">
+            <a:extLst>
+              <a:ext uri="{FF2B5EF4-FFF2-40B4-BE49-F238E27FC236}">
+                <a16:creationId xmlns:a16="http://schemas.microsoft.com/office/drawing/2014/main" id="{ED1DDC46-571E-AA87-AA53-34667AEDF9CF}"/>
+              </a:ext>
+            </a:extLst>
+          </p:cNvPr>
+          <p:cNvSpPr/>
+          <p:nvPr/>
+        </p:nvSpPr>
+        <p:spPr>
+          <a:xfrm>
+            <a:off x="4787900" y="6198444"/>
+            <a:ext cx="1765300" cy="363857"/>
+          </a:xfrm>
+          <a:prstGeom prst="wedgeRectCallout">
+            <a:avLst>
+              <a:gd name="adj1" fmla="val -59657"/>
+              <a:gd name="adj2" fmla="val -29711"/>
+            </a:avLst>
+          </a:prstGeom>
+          <a:solidFill>
+            <a:srgbClr val="F64B2E"/>
+          </a:solidFill>
+          <a:ln>
+            <a:solidFill>
+              <a:schemeClr val="bg1"/>
+            </a:solidFill>
+          </a:ln>
+        </p:spPr>
+        <p:style>
+          <a:lnRef idx="2">
+            <a:schemeClr val="accent1">
+              <a:shade val="15000"/>
+            </a:schemeClr>
+          </a:lnRef>
+          <a:fillRef idx="1">
+            <a:schemeClr val="accent1"/>
+          </a:fillRef>
+          <a:effectRef idx="0">
+            <a:schemeClr val="accent1"/>
+          </a:effectRef>
+          <a:fontRef idx="minor">
+            <a:schemeClr val="lt1"/>
+          </a:fontRef>
+        </p:style>
+        <p:txBody>
+          <a:bodyPr rtlCol="0" anchor="ctr"/>
+          <a:lstStyle/>
+          <a:p>
+            <a:pPr algn="ctr"/>
+            <a:r>
+              <a:rPr kumimoji="1" lang="ja-JP" altLang="en-US" sz="2000" b="1" dirty="0">
+                <a:solidFill>
+                  <a:schemeClr val="bg1"/>
+                </a:solidFill>
+                <a:latin typeface="游ゴシック" panose="020B0400000000000000" pitchFamily="50" charset="-128"/>
+                <a:ea typeface="游ゴシック" panose="020B0400000000000000" pitchFamily="50" charset="-128"/>
+              </a:rPr>
+              <a:t>誰も見てない</a:t>
+            </a:r>
+          </a:p>
+        </p:txBody>
+      </p:sp>
     </p:spTree>
     <p:extLst>
       <p:ext uri="{BB962C8B-B14F-4D97-AF65-F5344CB8AC3E}">
-        <p14:creationId xmlns:p14="http://schemas.microsoft.com/office/powerpoint/2010/main" val="1036291007"/>
+        <p14:creationId xmlns:p14="http://schemas.microsoft.com/office/powerpoint/2010/main" val="2116623513"/>
       </p:ext>
     </p:extLst>
   </p:cSld>
@@ -36391,7 +40099,7 @@
         <p:cNvPr id="1" name="">
           <a:extLst>
             <a:ext uri="{FF2B5EF4-FFF2-40B4-BE49-F238E27FC236}">
-              <a16:creationId xmlns:a16="http://schemas.microsoft.com/office/drawing/2014/main" id="{A8298E47-346A-49E8-FA56-78A8435FDEF1}"/>
+              <a16:creationId xmlns:a16="http://schemas.microsoft.com/office/drawing/2014/main" id="{6D3DFD06-5C71-D430-4779-C2E3DBC1D04D}"/>
             </a:ext>
           </a:extLst>
         </p:cNvPr>
@@ -36408,88 +40116,10 @@
       </p:grpSpPr>
       <p:sp>
         <p:nvSpPr>
-          <p:cNvPr id="2" name="タイトル 1">
+          <p:cNvPr id="2" name="スライド番号プレースホルダー 1">
             <a:extLst>
               <a:ext uri="{FF2B5EF4-FFF2-40B4-BE49-F238E27FC236}">
-                <a16:creationId xmlns:a16="http://schemas.microsoft.com/office/drawing/2014/main" id="{2441BD4A-3FDD-98F4-22FA-3112C9E7C0D4}"/>
-              </a:ext>
-            </a:extLst>
-          </p:cNvPr>
-          <p:cNvSpPr>
-            <a:spLocks noGrp="1"/>
-          </p:cNvSpPr>
-          <p:nvPr>
-            <p:ph type="title"/>
-          </p:nvPr>
-        </p:nvSpPr>
-        <p:spPr/>
-        <p:txBody>
-          <a:bodyPr/>
-          <a:lstStyle/>
-          <a:p>
-            <a:r>
-              <a:rPr lang="en-US" altLang="ja-JP" dirty="0"/>
-              <a:t>1</a:t>
-            </a:r>
-            <a:r>
-              <a:rPr lang="ja-JP" altLang="en-US" dirty="0"/>
-              <a:t>年間のスケジュール</a:t>
-            </a:r>
-            <a:endParaRPr kumimoji="1" lang="ja-JP" altLang="en-US" dirty="0"/>
-          </a:p>
-        </p:txBody>
-      </p:sp>
-      <p:sp>
-        <p:nvSpPr>
-          <p:cNvPr id="3" name="コンテンツ プレースホルダー 2">
-            <a:extLst>
-              <a:ext uri="{FF2B5EF4-FFF2-40B4-BE49-F238E27FC236}">
-                <a16:creationId xmlns:a16="http://schemas.microsoft.com/office/drawing/2014/main" id="{EDF4C33D-19F7-9CF8-9BE6-8BE3C197E054}"/>
-              </a:ext>
-            </a:extLst>
-          </p:cNvPr>
-          <p:cNvSpPr>
-            <a:spLocks noGrp="1"/>
-          </p:cNvSpPr>
-          <p:nvPr>
-            <p:ph idx="1"/>
-          </p:nvPr>
-        </p:nvSpPr>
-        <p:spPr/>
-        <p:txBody>
-          <a:bodyPr/>
-          <a:lstStyle/>
-          <a:p>
-            <a:r>
-              <a:rPr lang="ja-JP" altLang="en-US" dirty="0"/>
-              <a:t>私</a:t>
-            </a:r>
-            <a:r>
-              <a:rPr kumimoji="1" lang="ja-JP" altLang="en-US" dirty="0"/>
-              <a:t>の場合</a:t>
-            </a:r>
-            <a:r>
-              <a:rPr kumimoji="1" lang="en-US" altLang="ja-JP" dirty="0"/>
-              <a:t>(</a:t>
-            </a:r>
-            <a:r>
-              <a:rPr kumimoji="1" lang="ja-JP" altLang="en-US" dirty="0"/>
-              <a:t>一部のみ</a:t>
-            </a:r>
-            <a:r>
-              <a:rPr kumimoji="1" lang="en-US" altLang="ja-JP" dirty="0"/>
-              <a:t>) </a:t>
-            </a:r>
-            <a:endParaRPr kumimoji="1" lang="ja-JP" altLang="en-US" dirty="0"/>
-          </a:p>
-        </p:txBody>
-      </p:sp>
-      <p:sp>
-        <p:nvSpPr>
-          <p:cNvPr id="4" name="スライド番号プレースホルダー 3">
-            <a:extLst>
-              <a:ext uri="{FF2B5EF4-FFF2-40B4-BE49-F238E27FC236}">
-                <a16:creationId xmlns:a16="http://schemas.microsoft.com/office/drawing/2014/main" id="{B2C4452E-E42B-697A-6F2A-44FEC77F393E}"/>
+                <a16:creationId xmlns:a16="http://schemas.microsoft.com/office/drawing/2014/main" id="{F191BD94-7D6A-0A26-A23D-3FE3B594E9BA}"/>
               </a:ext>
             </a:extLst>
           </p:cNvPr>
@@ -36509,327 +40139,150 @@
               <a:rPr kumimoji="1" lang="ja-JP" altLang="en-US" smtClean="0"/>
               <a:t>16</a:t>
             </a:fld>
-            <a:endParaRPr kumimoji="1" lang="ja-JP" altLang="en-US" dirty="0"/>
-          </a:p>
-        </p:txBody>
-      </p:sp>
-      <p:graphicFrame>
-        <p:nvGraphicFramePr>
-          <p:cNvPr id="5" name="図表 4">
-            <a:extLst>
-              <a:ext uri="{FF2B5EF4-FFF2-40B4-BE49-F238E27FC236}">
-                <a16:creationId xmlns:a16="http://schemas.microsoft.com/office/drawing/2014/main" id="{FF7BB117-EE04-E884-E785-E01B82F4A66F}"/>
-              </a:ext>
-            </a:extLst>
-          </p:cNvPr>
-          <p:cNvGraphicFramePr/>
-          <p:nvPr>
-            <p:extLst>
-              <p:ext uri="{D42A27DB-BD31-4B8C-83A1-F6EECF244321}">
-                <p14:modId xmlns:p14="http://schemas.microsoft.com/office/powerpoint/2010/main" val="160734150"/>
-              </p:ext>
-            </p:extLst>
-          </p:nvPr>
-        </p:nvGraphicFramePr>
-        <p:xfrm>
-          <a:off x="762000" y="1921934"/>
-          <a:ext cx="3141134" cy="4692476"/>
-        </p:xfrm>
-        <a:graphic>
-          <a:graphicData uri="http://schemas.openxmlformats.org/drawingml/2006/diagram">
-            <dgm:relIds xmlns:dgm="http://schemas.openxmlformats.org/drawingml/2006/diagram" xmlns:r="http://schemas.openxmlformats.org/officeDocument/2006/relationships" r:dm="rId2" r:lo="rId3" r:qs="rId4" r:cs="rId5"/>
-          </a:graphicData>
-        </a:graphic>
-      </p:graphicFrame>
-      <p:graphicFrame>
-        <p:nvGraphicFramePr>
-          <p:cNvPr id="6" name="図表 5">
-            <a:extLst>
-              <a:ext uri="{FF2B5EF4-FFF2-40B4-BE49-F238E27FC236}">
-                <a16:creationId xmlns:a16="http://schemas.microsoft.com/office/drawing/2014/main" id="{FF8C90AA-4B40-8A25-F466-DB4993080CDC}"/>
-              </a:ext>
-            </a:extLst>
-          </p:cNvPr>
-          <p:cNvGraphicFramePr/>
-          <p:nvPr>
-            <p:extLst>
-              <p:ext uri="{D42A27DB-BD31-4B8C-83A1-F6EECF244321}">
-                <p14:modId xmlns:p14="http://schemas.microsoft.com/office/powerpoint/2010/main" val="2078446640"/>
-              </p:ext>
-            </p:extLst>
-          </p:nvPr>
-        </p:nvGraphicFramePr>
-        <p:xfrm>
-          <a:off x="4614333" y="1921934"/>
-          <a:ext cx="3141134" cy="4692476"/>
-        </p:xfrm>
-        <a:graphic>
-          <a:graphicData uri="http://schemas.openxmlformats.org/drawingml/2006/diagram">
-            <dgm:relIds xmlns:dgm="http://schemas.openxmlformats.org/drawingml/2006/diagram" xmlns:r="http://schemas.openxmlformats.org/officeDocument/2006/relationships" r:dm="rId7" r:lo="rId8" r:qs="rId9" r:cs="rId10"/>
-          </a:graphicData>
-        </a:graphic>
-      </p:graphicFrame>
-      <p:graphicFrame>
-        <p:nvGraphicFramePr>
-          <p:cNvPr id="7" name="図表 6">
-            <a:extLst>
-              <a:ext uri="{FF2B5EF4-FFF2-40B4-BE49-F238E27FC236}">
-                <a16:creationId xmlns:a16="http://schemas.microsoft.com/office/drawing/2014/main" id="{2A431EA5-36CC-6D8B-CBF8-CF633BA335EB}"/>
-              </a:ext>
-            </a:extLst>
-          </p:cNvPr>
-          <p:cNvGraphicFramePr/>
-          <p:nvPr>
-            <p:extLst>
-              <p:ext uri="{D42A27DB-BD31-4B8C-83A1-F6EECF244321}">
-                <p14:modId xmlns:p14="http://schemas.microsoft.com/office/powerpoint/2010/main" val="2481040813"/>
-              </p:ext>
-            </p:extLst>
-          </p:nvPr>
-        </p:nvGraphicFramePr>
-        <p:xfrm>
-          <a:off x="8212666" y="1921934"/>
-          <a:ext cx="3141134" cy="4692476"/>
-        </p:xfrm>
-        <a:graphic>
-          <a:graphicData uri="http://schemas.openxmlformats.org/drawingml/2006/diagram">
-            <dgm:relIds xmlns:dgm="http://schemas.openxmlformats.org/drawingml/2006/diagram" xmlns:r="http://schemas.openxmlformats.org/officeDocument/2006/relationships" r:dm="rId12" r:lo="rId13" r:qs="rId14" r:cs="rId15"/>
-          </a:graphicData>
-        </a:graphic>
-      </p:graphicFrame>
-    </p:spTree>
-    <p:extLst>
-      <p:ext uri="{BB962C8B-B14F-4D97-AF65-F5344CB8AC3E}">
-        <p14:creationId xmlns:p14="http://schemas.microsoft.com/office/powerpoint/2010/main" val="1017150188"/>
-      </p:ext>
-    </p:extLst>
-  </p:cSld>
-  <p:clrMapOvr>
-    <a:masterClrMapping/>
-  </p:clrMapOvr>
-</p:sld>
-</file>
-
-<file path=ppt/slides/slide17.xml><?xml version="1.0" encoding="utf-8"?>
-<p:sld xmlns:a="http://schemas.openxmlformats.org/drawingml/2006/main" xmlns:r="http://schemas.openxmlformats.org/officeDocument/2006/relationships" xmlns:p="http://schemas.openxmlformats.org/presentationml/2006/main">
-  <p:cSld>
-    <p:spTree>
-      <p:nvGrpSpPr>
-        <p:cNvPr id="1" name="">
-          <a:extLst>
-            <a:ext uri="{FF2B5EF4-FFF2-40B4-BE49-F238E27FC236}">
-              <a16:creationId xmlns:a16="http://schemas.microsoft.com/office/drawing/2014/main" id="{C35E332C-3DC7-8BE4-CD59-B02C9CD5B623}"/>
-            </a:ext>
-          </a:extLst>
-        </p:cNvPr>
-        <p:cNvGrpSpPr/>
-        <p:nvPr/>
-      </p:nvGrpSpPr>
-      <p:grpSpPr>
-        <a:xfrm>
-          <a:off x="0" y="0"/>
-          <a:ext cx="0" cy="0"/>
-          <a:chOff x="0" y="0"/>
-          <a:chExt cx="0" cy="0"/>
-        </a:xfrm>
-      </p:grpSpPr>
-      <p:sp>
-        <p:nvSpPr>
-          <p:cNvPr id="2" name="タイトル 1">
-            <a:extLst>
-              <a:ext uri="{FF2B5EF4-FFF2-40B4-BE49-F238E27FC236}">
-                <a16:creationId xmlns:a16="http://schemas.microsoft.com/office/drawing/2014/main" id="{230D3196-56B5-3798-1036-33CA3C3B130F}"/>
-              </a:ext>
-            </a:extLst>
-          </p:cNvPr>
-          <p:cNvSpPr>
-            <a:spLocks noGrp="1"/>
-          </p:cNvSpPr>
-          <p:nvPr>
-            <p:ph type="title"/>
-          </p:nvPr>
-        </p:nvSpPr>
-        <p:spPr/>
-        <p:txBody>
-          <a:bodyPr/>
-          <a:lstStyle/>
-          <a:p>
-            <a:r>
-              <a:rPr lang="en-US" altLang="ja-JP" dirty="0"/>
-              <a:t>1</a:t>
-            </a:r>
-            <a:r>
-              <a:rPr lang="ja-JP" altLang="en-US" dirty="0"/>
-              <a:t>年間のスケジュール</a:t>
-            </a:r>
-            <a:endParaRPr kumimoji="1" lang="ja-JP" altLang="en-US" dirty="0"/>
+            <a:endParaRPr kumimoji="1" lang="ja-JP" altLang="en-US"/>
           </a:p>
         </p:txBody>
       </p:sp>
       <p:sp>
         <p:nvSpPr>
-          <p:cNvPr id="3" name="コンテンツ プレースホルダー 2">
+          <p:cNvPr id="6" name="吹き出し: 角を丸めた四角形 5">
             <a:extLst>
               <a:ext uri="{FF2B5EF4-FFF2-40B4-BE49-F238E27FC236}">
-                <a16:creationId xmlns:a16="http://schemas.microsoft.com/office/drawing/2014/main" id="{ACB05339-71E6-F491-709E-088964DECCDE}"/>
+                <a16:creationId xmlns:a16="http://schemas.microsoft.com/office/drawing/2014/main" id="{E8813E4F-3E9B-04E7-E152-8E26926D1C9A}"/>
               </a:ext>
             </a:extLst>
           </p:cNvPr>
-          <p:cNvSpPr>
-            <a:spLocks noGrp="1"/>
-          </p:cNvSpPr>
-          <p:nvPr>
-            <p:ph idx="1"/>
-          </p:nvPr>
+          <p:cNvSpPr/>
+          <p:nvPr/>
         </p:nvSpPr>
-        <p:spPr/>
+        <p:spPr>
+          <a:xfrm>
+            <a:off x="3098801" y="482600"/>
+            <a:ext cx="8356599" cy="3398308"/>
+          </a:xfrm>
+          <a:prstGeom prst="wedgeRoundRectCallout">
+            <a:avLst>
+              <a:gd name="adj1" fmla="val -54234"/>
+              <a:gd name="adj2" fmla="val 60261"/>
+              <a:gd name="adj3" fmla="val 16667"/>
+            </a:avLst>
+          </a:prstGeom>
+          <a:solidFill>
+            <a:schemeClr val="bg1">
+              <a:lumMod val="85000"/>
+            </a:schemeClr>
+          </a:solidFill>
+          <a:ln>
+            <a:noFill/>
+          </a:ln>
+        </p:spPr>
+        <p:style>
+          <a:lnRef idx="2">
+            <a:schemeClr val="accent1">
+              <a:shade val="15000"/>
+            </a:schemeClr>
+          </a:lnRef>
+          <a:fillRef idx="1">
+            <a:schemeClr val="accent1"/>
+          </a:fillRef>
+          <a:effectRef idx="0">
+            <a:schemeClr val="accent1"/>
+          </a:effectRef>
+          <a:fontRef idx="minor">
+            <a:schemeClr val="lt1"/>
+          </a:fontRef>
+        </p:style>
         <p:txBody>
-          <a:bodyPr/>
+          <a:bodyPr rtlCol="0" anchor="ctr"/>
           <a:lstStyle/>
           <a:p>
+            <a:pPr algn="ctr"/>
             <a:r>
-              <a:rPr lang="ja-JP" altLang="en-US" dirty="0"/>
-              <a:t>私</a:t>
+              <a:rPr lang="ja-JP" altLang="en-US" sz="6000" b="1" dirty="0">
+                <a:solidFill>
+                  <a:schemeClr val="tx1">
+                    <a:lumMod val="85000"/>
+                    <a:lumOff val="15000"/>
+                  </a:schemeClr>
+                </a:solidFill>
+              </a:rPr>
+              <a:t>結局</a:t>
             </a:r>
             <a:r>
-              <a:rPr kumimoji="1" lang="ja-JP" altLang="en-US" dirty="0"/>
-              <a:t>の場合</a:t>
+              <a:rPr lang="ja-JP" altLang="en-US" sz="8000" b="1" dirty="0">
+                <a:solidFill>
+                  <a:schemeClr val="tx1">
+                    <a:lumMod val="85000"/>
+                    <a:lumOff val="15000"/>
+                  </a:schemeClr>
+                </a:solidFill>
+              </a:rPr>
+              <a:t>知識</a:t>
             </a:r>
             <a:r>
-              <a:rPr kumimoji="1" lang="en-US" altLang="ja-JP" dirty="0"/>
-              <a:t>(</a:t>
+              <a:rPr lang="ja-JP" altLang="en-US" sz="6000" b="1" dirty="0">
+                <a:solidFill>
+                  <a:schemeClr val="tx1">
+                    <a:lumMod val="85000"/>
+                    <a:lumOff val="15000"/>
+                  </a:schemeClr>
+                </a:solidFill>
+              </a:rPr>
+              <a:t>が必要</a:t>
             </a:r>
-            <a:r>
-              <a:rPr kumimoji="1" lang="ja-JP" altLang="en-US" dirty="0"/>
-              <a:t>一部のみ</a:t>
-            </a:r>
-            <a:r>
-              <a:rPr kumimoji="1" lang="en-US" altLang="ja-JP" dirty="0"/>
-              <a:t>)</a:t>
-            </a:r>
-          </a:p>
-          <a:p>
-            <a:r>
-              <a:rPr kumimoji="1" lang="en-US" altLang="ja-JP" dirty="0"/>
-              <a:t> </a:t>
-            </a:r>
-            <a:endParaRPr kumimoji="1" lang="ja-JP" altLang="en-US" dirty="0"/>
+            <a:endParaRPr kumimoji="1" lang="ja-JP" altLang="en-US" sz="4400" dirty="0">
+              <a:solidFill>
+                <a:schemeClr val="tx1">
+                  <a:lumMod val="85000"/>
+                  <a:lumOff val="15000"/>
+                </a:schemeClr>
+              </a:solidFill>
+            </a:endParaRPr>
           </a:p>
         </p:txBody>
       </p:sp>
-      <p:sp>
-        <p:nvSpPr>
-          <p:cNvPr id="4" name="スライド番号プレースホルダー 3">
+      <p:pic>
+        <p:nvPicPr>
+          <p:cNvPr id="8" name="グラフィックス 7" descr="講演者">
             <a:extLst>
               <a:ext uri="{FF2B5EF4-FFF2-40B4-BE49-F238E27FC236}">
-                <a16:creationId xmlns:a16="http://schemas.microsoft.com/office/drawing/2014/main" id="{D7C04344-DF58-A9AF-6C5A-6D34A28C4A7B}"/>
+                <a16:creationId xmlns:a16="http://schemas.microsoft.com/office/drawing/2014/main" id="{015B3099-7A31-BA0F-8B0D-1791337D2091}"/>
               </a:ext>
             </a:extLst>
           </p:cNvPr>
-          <p:cNvSpPr>
-            <a:spLocks noGrp="1"/>
-          </p:cNvSpPr>
-          <p:nvPr>
-            <p:ph type="sldNum" sz="quarter" idx="12"/>
-          </p:nvPr>
-        </p:nvSpPr>
-        <p:spPr/>
-        <p:txBody>
-          <a:bodyPr/>
-          <a:lstStyle/>
-          <a:p>
-            <a:fld id="{6936ACCC-3D31-4082-AC7F-B879362E8272}" type="slidenum">
-              <a:rPr kumimoji="1" lang="ja-JP" altLang="en-US" smtClean="0"/>
-              <a:t>17</a:t>
-            </a:fld>
-            <a:endParaRPr kumimoji="1" lang="ja-JP" altLang="en-US" dirty="0"/>
-          </a:p>
-        </p:txBody>
-      </p:sp>
-      <p:graphicFrame>
-        <p:nvGraphicFramePr>
-          <p:cNvPr id="5" name="図表 4">
+          <p:cNvPicPr>
+            <a:picLocks noChangeAspect="1"/>
+          </p:cNvPicPr>
+          <p:nvPr/>
+        </p:nvPicPr>
+        <p:blipFill>
+          <a:blip r:embed="rId2">
+            <a:extLst>
+              <a:ext uri="{96DAC541-7B7A-43D3-8B79-37D633B846F1}">
+                <asvg:svgBlip xmlns:asvg="http://schemas.microsoft.com/office/drawing/2016/SVG/main" r:embed="rId3"/>
+              </a:ext>
+            </a:extLst>
+          </a:blip>
+          <a:stretch>
+            <a:fillRect/>
+          </a:stretch>
+        </p:blipFill>
+        <p:spPr>
+          <a:xfrm>
+            <a:off x="540000" y="3600000"/>
+            <a:ext cx="2946400" cy="2946400"/>
+          </a:xfrm>
+          <a:prstGeom prst="rect">
+            <a:avLst/>
+          </a:prstGeom>
+        </p:spPr>
+      </p:pic>
+      <p:sp>
+        <p:nvSpPr>
+          <p:cNvPr id="9" name="テキスト ボックス 8">
             <a:extLst>
               <a:ext uri="{FF2B5EF4-FFF2-40B4-BE49-F238E27FC236}">
-                <a16:creationId xmlns:a16="http://schemas.microsoft.com/office/drawing/2014/main" id="{91B51FDA-8C8E-675A-F375-6D4B7F239ECB}"/>
-              </a:ext>
-            </a:extLst>
-          </p:cNvPr>
-          <p:cNvGraphicFramePr/>
-          <p:nvPr>
-            <p:extLst>
-              <p:ext uri="{D42A27DB-BD31-4B8C-83A1-F6EECF244321}">
-                <p14:modId xmlns:p14="http://schemas.microsoft.com/office/powerpoint/2010/main" val="3804565047"/>
-              </p:ext>
-            </p:extLst>
-          </p:nvPr>
-        </p:nvGraphicFramePr>
-        <p:xfrm>
-          <a:off x="762000" y="1921934"/>
-          <a:ext cx="3141134" cy="4692476"/>
-        </p:xfrm>
-        <a:graphic>
-          <a:graphicData uri="http://schemas.openxmlformats.org/drawingml/2006/diagram">
-            <dgm:relIds xmlns:dgm="http://schemas.openxmlformats.org/drawingml/2006/diagram" xmlns:r="http://schemas.openxmlformats.org/officeDocument/2006/relationships" r:dm="rId2" r:lo="rId3" r:qs="rId4" r:cs="rId5"/>
-          </a:graphicData>
-        </a:graphic>
-      </p:graphicFrame>
-      <p:graphicFrame>
-        <p:nvGraphicFramePr>
-          <p:cNvPr id="6" name="図表 5">
-            <a:extLst>
-              <a:ext uri="{FF2B5EF4-FFF2-40B4-BE49-F238E27FC236}">
-                <a16:creationId xmlns:a16="http://schemas.microsoft.com/office/drawing/2014/main" id="{B4CFC8BD-598E-3392-DA3A-CB7ED97720E8}"/>
-              </a:ext>
-            </a:extLst>
-          </p:cNvPr>
-          <p:cNvGraphicFramePr/>
-          <p:nvPr/>
-        </p:nvGraphicFramePr>
-        <p:xfrm>
-          <a:off x="4614333" y="1921934"/>
-          <a:ext cx="3141134" cy="4692476"/>
-        </p:xfrm>
-        <a:graphic>
-          <a:graphicData uri="http://schemas.openxmlformats.org/drawingml/2006/diagram">
-            <dgm:relIds xmlns:dgm="http://schemas.openxmlformats.org/drawingml/2006/diagram" xmlns:r="http://schemas.openxmlformats.org/officeDocument/2006/relationships" r:dm="rId7" r:lo="rId8" r:qs="rId9" r:cs="rId10"/>
-          </a:graphicData>
-        </a:graphic>
-      </p:graphicFrame>
-      <p:graphicFrame>
-        <p:nvGraphicFramePr>
-          <p:cNvPr id="7" name="図表 6">
-            <a:extLst>
-              <a:ext uri="{FF2B5EF4-FFF2-40B4-BE49-F238E27FC236}">
-                <a16:creationId xmlns:a16="http://schemas.microsoft.com/office/drawing/2014/main" id="{8FFA3A00-2037-7039-2F55-484516D49FE2}"/>
-              </a:ext>
-            </a:extLst>
-          </p:cNvPr>
-          <p:cNvGraphicFramePr/>
-          <p:nvPr>
-            <p:extLst>
-              <p:ext uri="{D42A27DB-BD31-4B8C-83A1-F6EECF244321}">
-                <p14:modId xmlns:p14="http://schemas.microsoft.com/office/powerpoint/2010/main" val="1837762312"/>
-              </p:ext>
-            </p:extLst>
-          </p:nvPr>
-        </p:nvGraphicFramePr>
-        <p:xfrm>
-          <a:off x="8212666" y="1921934"/>
-          <a:ext cx="3141134" cy="4692476"/>
-        </p:xfrm>
-        <a:graphic>
-          <a:graphicData uri="http://schemas.openxmlformats.org/drawingml/2006/diagram">
-            <dgm:relIds xmlns:dgm="http://schemas.openxmlformats.org/drawingml/2006/diagram" xmlns:r="http://schemas.openxmlformats.org/officeDocument/2006/relationships" r:dm="rId12" r:lo="rId13" r:qs="rId14" r:cs="rId15"/>
-          </a:graphicData>
-        </a:graphic>
-      </p:graphicFrame>
-      <p:sp>
-        <p:nvSpPr>
-          <p:cNvPr id="8" name="テキスト ボックス 7">
-            <a:extLst>
-              <a:ext uri="{FF2B5EF4-FFF2-40B4-BE49-F238E27FC236}">
-                <a16:creationId xmlns:a16="http://schemas.microsoft.com/office/drawing/2014/main" id="{7F030F13-C56C-0E5D-9F83-5F2648AF59BA}"/>
+                <a16:creationId xmlns:a16="http://schemas.microsoft.com/office/drawing/2014/main" id="{50D25CDA-FFDD-C91A-19A8-AFF3E31DD842}"/>
               </a:ext>
             </a:extLst>
           </p:cNvPr>
@@ -36838,8 +40291,8 @@
         </p:nvSpPr>
         <p:spPr>
           <a:xfrm>
-            <a:off x="3200399" y="2626956"/>
-            <a:ext cx="1058333" cy="369332"/>
+            <a:off x="1272366" y="3324067"/>
+            <a:ext cx="1481667" cy="369332"/>
           </a:xfrm>
           <a:prstGeom prst="rect">
             <a:avLst/>
@@ -36852,642 +40305,18 @@
           </a:bodyPr>
           <a:lstStyle/>
           <a:p>
+            <a:pPr algn="ctr"/>
             <a:r>
-              <a:rPr kumimoji="1" lang="en-US" altLang="ja-JP" b="1" dirty="0">
-                <a:solidFill>
-                  <a:srgbClr val="F64B2E"/>
-                </a:solidFill>
-                <a:latin typeface="游ゴシック" panose="020B0400000000000000" pitchFamily="50" charset="-128"/>
-                <a:ea typeface="游ゴシック" panose="020B0400000000000000" pitchFamily="50" charset="-128"/>
-              </a:rPr>
-              <a:t>+</a:t>
+              <a:rPr kumimoji="1" lang="ja-JP" altLang="en-US" dirty="0"/>
+              <a:t>私</a:t>
             </a:r>
-            <a:r>
-              <a:rPr kumimoji="1" lang="ja-JP" altLang="en-US" b="1" dirty="0">
-                <a:solidFill>
-                  <a:srgbClr val="F64B2E"/>
-                </a:solidFill>
-                <a:latin typeface="游ゴシック" panose="020B0400000000000000" pitchFamily="50" charset="-128"/>
-                <a:ea typeface="游ゴシック" panose="020B0400000000000000" pitchFamily="50" charset="-128"/>
-              </a:rPr>
-              <a:t>記録会</a:t>
-            </a:r>
-          </a:p>
-        </p:txBody>
-      </p:sp>
-      <p:sp>
-        <p:nvSpPr>
-          <p:cNvPr id="9" name="テキスト ボックス 8">
-            <a:extLst>
-              <a:ext uri="{FF2B5EF4-FFF2-40B4-BE49-F238E27FC236}">
-                <a16:creationId xmlns:a16="http://schemas.microsoft.com/office/drawing/2014/main" id="{BE0340CE-43F9-F053-8848-C1783A9708E4}"/>
-              </a:ext>
-            </a:extLst>
-          </p:cNvPr>
-          <p:cNvSpPr txBox="1"/>
-          <p:nvPr/>
-        </p:nvSpPr>
-        <p:spPr>
-          <a:xfrm>
-            <a:off x="3200399" y="3861712"/>
-            <a:ext cx="1058333" cy="369332"/>
-          </a:xfrm>
-          <a:prstGeom prst="rect">
-            <a:avLst/>
-          </a:prstGeom>
-          <a:noFill/>
-        </p:spPr>
-        <p:txBody>
-          <a:bodyPr wrap="square" rtlCol="0">
-            <a:spAutoFit/>
-          </a:bodyPr>
-          <a:lstStyle/>
-          <a:p>
-            <a:r>
-              <a:rPr kumimoji="1" lang="en-US" altLang="ja-JP" b="1" dirty="0">
-                <a:solidFill>
-                  <a:srgbClr val="F64B2E"/>
-                </a:solidFill>
-                <a:latin typeface="游ゴシック" panose="020B0400000000000000" pitchFamily="50" charset="-128"/>
-                <a:ea typeface="游ゴシック" panose="020B0400000000000000" pitchFamily="50" charset="-128"/>
-              </a:rPr>
-              <a:t>+</a:t>
-            </a:r>
-            <a:r>
-              <a:rPr kumimoji="1" lang="ja-JP" altLang="en-US" b="1" dirty="0">
-                <a:solidFill>
-                  <a:srgbClr val="F64B2E"/>
-                </a:solidFill>
-                <a:latin typeface="游ゴシック" panose="020B0400000000000000" pitchFamily="50" charset="-128"/>
-                <a:ea typeface="游ゴシック" panose="020B0400000000000000" pitchFamily="50" charset="-128"/>
-              </a:rPr>
-              <a:t>記録会</a:t>
-            </a:r>
-          </a:p>
-        </p:txBody>
-      </p:sp>
-      <p:sp>
-        <p:nvSpPr>
-          <p:cNvPr id="10" name="テキスト ボックス 9">
-            <a:extLst>
-              <a:ext uri="{FF2B5EF4-FFF2-40B4-BE49-F238E27FC236}">
-                <a16:creationId xmlns:a16="http://schemas.microsoft.com/office/drawing/2014/main" id="{B0B73302-2258-ACD0-B462-503B57B27102}"/>
-              </a:ext>
-            </a:extLst>
-          </p:cNvPr>
-          <p:cNvSpPr txBox="1"/>
-          <p:nvPr/>
-        </p:nvSpPr>
-        <p:spPr>
-          <a:xfrm>
-            <a:off x="3251200" y="5096467"/>
-            <a:ext cx="1058333" cy="369332"/>
-          </a:xfrm>
-          <a:prstGeom prst="rect">
-            <a:avLst/>
-          </a:prstGeom>
-          <a:noFill/>
-        </p:spPr>
-        <p:txBody>
-          <a:bodyPr wrap="square" rtlCol="0">
-            <a:spAutoFit/>
-          </a:bodyPr>
-          <a:lstStyle/>
-          <a:p>
-            <a:r>
-              <a:rPr kumimoji="1" lang="en-US" altLang="ja-JP" b="1" dirty="0">
-                <a:solidFill>
-                  <a:srgbClr val="F64B2E"/>
-                </a:solidFill>
-                <a:latin typeface="游ゴシック" panose="020B0400000000000000" pitchFamily="50" charset="-128"/>
-                <a:ea typeface="游ゴシック" panose="020B0400000000000000" pitchFamily="50" charset="-128"/>
-              </a:rPr>
-              <a:t>+</a:t>
-            </a:r>
-            <a:r>
-              <a:rPr kumimoji="1" lang="ja-JP" altLang="en-US" b="1" dirty="0">
-                <a:solidFill>
-                  <a:srgbClr val="F64B2E"/>
-                </a:solidFill>
-                <a:latin typeface="游ゴシック" panose="020B0400000000000000" pitchFamily="50" charset="-128"/>
-                <a:ea typeface="游ゴシック" panose="020B0400000000000000" pitchFamily="50" charset="-128"/>
-              </a:rPr>
-              <a:t>記録会</a:t>
-            </a:r>
-          </a:p>
-        </p:txBody>
-      </p:sp>
-      <p:sp>
-        <p:nvSpPr>
-          <p:cNvPr id="11" name="テキスト ボックス 10">
-            <a:extLst>
-              <a:ext uri="{FF2B5EF4-FFF2-40B4-BE49-F238E27FC236}">
-                <a16:creationId xmlns:a16="http://schemas.microsoft.com/office/drawing/2014/main" id="{2641825A-0EA5-195C-19F3-B5B8BC4B3F67}"/>
-              </a:ext>
-            </a:extLst>
-          </p:cNvPr>
-          <p:cNvSpPr txBox="1"/>
-          <p:nvPr/>
-        </p:nvSpPr>
-        <p:spPr>
-          <a:xfrm>
-            <a:off x="3251200" y="6171684"/>
-            <a:ext cx="1058333" cy="369332"/>
-          </a:xfrm>
-          <a:prstGeom prst="rect">
-            <a:avLst/>
-          </a:prstGeom>
-          <a:noFill/>
-        </p:spPr>
-        <p:txBody>
-          <a:bodyPr wrap="square" rtlCol="0">
-            <a:spAutoFit/>
-          </a:bodyPr>
-          <a:lstStyle/>
-          <a:p>
-            <a:r>
-              <a:rPr kumimoji="1" lang="en-US" altLang="ja-JP" b="1" dirty="0">
-                <a:solidFill>
-                  <a:srgbClr val="F64B2E"/>
-                </a:solidFill>
-                <a:latin typeface="游ゴシック" panose="020B0400000000000000" pitchFamily="50" charset="-128"/>
-                <a:ea typeface="游ゴシック" panose="020B0400000000000000" pitchFamily="50" charset="-128"/>
-              </a:rPr>
-              <a:t>+</a:t>
-            </a:r>
-            <a:r>
-              <a:rPr kumimoji="1" lang="ja-JP" altLang="en-US" b="1" dirty="0">
-                <a:solidFill>
-                  <a:srgbClr val="F64B2E"/>
-                </a:solidFill>
-                <a:latin typeface="游ゴシック" panose="020B0400000000000000" pitchFamily="50" charset="-128"/>
-                <a:ea typeface="游ゴシック" panose="020B0400000000000000" pitchFamily="50" charset="-128"/>
-              </a:rPr>
-              <a:t>記録会</a:t>
-            </a:r>
-          </a:p>
-        </p:txBody>
-      </p:sp>
-      <p:sp>
-        <p:nvSpPr>
-          <p:cNvPr id="12" name="テキスト ボックス 11">
-            <a:extLst>
-              <a:ext uri="{FF2B5EF4-FFF2-40B4-BE49-F238E27FC236}">
-                <a16:creationId xmlns:a16="http://schemas.microsoft.com/office/drawing/2014/main" id="{18CBFCB2-B6C7-EDAE-4B0A-8B68E226F514}"/>
-              </a:ext>
-            </a:extLst>
-          </p:cNvPr>
-          <p:cNvSpPr txBox="1"/>
-          <p:nvPr/>
-        </p:nvSpPr>
-        <p:spPr>
-          <a:xfrm>
-            <a:off x="6815668" y="2542290"/>
-            <a:ext cx="1058333" cy="369332"/>
-          </a:xfrm>
-          <a:prstGeom prst="rect">
-            <a:avLst/>
-          </a:prstGeom>
-          <a:noFill/>
-        </p:spPr>
-        <p:txBody>
-          <a:bodyPr wrap="square" rtlCol="0">
-            <a:spAutoFit/>
-          </a:bodyPr>
-          <a:lstStyle/>
-          <a:p>
-            <a:r>
-              <a:rPr kumimoji="1" lang="en-US" altLang="ja-JP" b="1" dirty="0">
-                <a:solidFill>
-                  <a:srgbClr val="F64B2E"/>
-                </a:solidFill>
-                <a:latin typeface="游ゴシック" panose="020B0400000000000000" pitchFamily="50" charset="-128"/>
-                <a:ea typeface="游ゴシック" panose="020B0400000000000000" pitchFamily="50" charset="-128"/>
-              </a:rPr>
-              <a:t>+</a:t>
-            </a:r>
-            <a:r>
-              <a:rPr kumimoji="1" lang="ja-JP" altLang="en-US" b="1" dirty="0">
-                <a:solidFill>
-                  <a:srgbClr val="F64B2E"/>
-                </a:solidFill>
-                <a:latin typeface="游ゴシック" panose="020B0400000000000000" pitchFamily="50" charset="-128"/>
-                <a:ea typeface="游ゴシック" panose="020B0400000000000000" pitchFamily="50" charset="-128"/>
-              </a:rPr>
-              <a:t>記録会</a:t>
-            </a:r>
-          </a:p>
-        </p:txBody>
-      </p:sp>
-      <p:sp>
-        <p:nvSpPr>
-          <p:cNvPr id="13" name="テキスト ボックス 12">
-            <a:extLst>
-              <a:ext uri="{FF2B5EF4-FFF2-40B4-BE49-F238E27FC236}">
-                <a16:creationId xmlns:a16="http://schemas.microsoft.com/office/drawing/2014/main" id="{180BD999-A00D-1B0E-9429-AB4E8256550B}"/>
-              </a:ext>
-            </a:extLst>
-          </p:cNvPr>
-          <p:cNvSpPr txBox="1"/>
-          <p:nvPr/>
-        </p:nvSpPr>
-        <p:spPr>
-          <a:xfrm>
-            <a:off x="6815667" y="3777045"/>
-            <a:ext cx="1058333" cy="369332"/>
-          </a:xfrm>
-          <a:prstGeom prst="rect">
-            <a:avLst/>
-          </a:prstGeom>
-          <a:noFill/>
-        </p:spPr>
-        <p:txBody>
-          <a:bodyPr wrap="square" rtlCol="0">
-            <a:spAutoFit/>
-          </a:bodyPr>
-          <a:lstStyle/>
-          <a:p>
-            <a:r>
-              <a:rPr kumimoji="1" lang="en-US" altLang="ja-JP" b="1" dirty="0">
-                <a:solidFill>
-                  <a:srgbClr val="F64B2E"/>
-                </a:solidFill>
-                <a:latin typeface="游ゴシック" panose="020B0400000000000000" pitchFamily="50" charset="-128"/>
-                <a:ea typeface="游ゴシック" panose="020B0400000000000000" pitchFamily="50" charset="-128"/>
-              </a:rPr>
-              <a:t>+</a:t>
-            </a:r>
-            <a:r>
-              <a:rPr kumimoji="1" lang="ja-JP" altLang="en-US" b="1" dirty="0">
-                <a:solidFill>
-                  <a:srgbClr val="F64B2E"/>
-                </a:solidFill>
-                <a:latin typeface="游ゴシック" panose="020B0400000000000000" pitchFamily="50" charset="-128"/>
-                <a:ea typeface="游ゴシック" panose="020B0400000000000000" pitchFamily="50" charset="-128"/>
-              </a:rPr>
-              <a:t>記録会</a:t>
-            </a:r>
-          </a:p>
-        </p:txBody>
-      </p:sp>
-      <p:sp>
-        <p:nvSpPr>
-          <p:cNvPr id="14" name="テキスト ボックス 13">
-            <a:extLst>
-              <a:ext uri="{FF2B5EF4-FFF2-40B4-BE49-F238E27FC236}">
-                <a16:creationId xmlns:a16="http://schemas.microsoft.com/office/drawing/2014/main" id="{2899693C-F4FC-3FE7-4B87-C90EA4EE8CCD}"/>
-              </a:ext>
-            </a:extLst>
-          </p:cNvPr>
-          <p:cNvSpPr txBox="1"/>
-          <p:nvPr/>
-        </p:nvSpPr>
-        <p:spPr>
-          <a:xfrm>
-            <a:off x="6866468" y="5011800"/>
-            <a:ext cx="1058333" cy="369332"/>
-          </a:xfrm>
-          <a:prstGeom prst="rect">
-            <a:avLst/>
-          </a:prstGeom>
-          <a:noFill/>
-        </p:spPr>
-        <p:txBody>
-          <a:bodyPr wrap="square" rtlCol="0">
-            <a:spAutoFit/>
-          </a:bodyPr>
-          <a:lstStyle/>
-          <a:p>
-            <a:r>
-              <a:rPr kumimoji="1" lang="en-US" altLang="ja-JP" b="1" dirty="0">
-                <a:solidFill>
-                  <a:srgbClr val="F64B2E"/>
-                </a:solidFill>
-                <a:latin typeface="游ゴシック" panose="020B0400000000000000" pitchFamily="50" charset="-128"/>
-                <a:ea typeface="游ゴシック" panose="020B0400000000000000" pitchFamily="50" charset="-128"/>
-              </a:rPr>
-              <a:t>+</a:t>
-            </a:r>
-            <a:r>
-              <a:rPr kumimoji="1" lang="ja-JP" altLang="en-US" b="1" dirty="0">
-                <a:solidFill>
-                  <a:srgbClr val="F64B2E"/>
-                </a:solidFill>
-                <a:latin typeface="游ゴシック" panose="020B0400000000000000" pitchFamily="50" charset="-128"/>
-                <a:ea typeface="游ゴシック" panose="020B0400000000000000" pitchFamily="50" charset="-128"/>
-              </a:rPr>
-              <a:t>記録会</a:t>
-            </a:r>
-          </a:p>
-        </p:txBody>
-      </p:sp>
-      <p:sp>
-        <p:nvSpPr>
-          <p:cNvPr id="15" name="テキスト ボックス 14">
-            <a:extLst>
-              <a:ext uri="{FF2B5EF4-FFF2-40B4-BE49-F238E27FC236}">
-                <a16:creationId xmlns:a16="http://schemas.microsoft.com/office/drawing/2014/main" id="{34D1DBCF-7164-8C96-C462-00AAF9157A14}"/>
-              </a:ext>
-            </a:extLst>
-          </p:cNvPr>
-          <p:cNvSpPr txBox="1"/>
-          <p:nvPr/>
-        </p:nvSpPr>
-        <p:spPr>
-          <a:xfrm>
-            <a:off x="6866468" y="6087017"/>
-            <a:ext cx="1058333" cy="369332"/>
-          </a:xfrm>
-          <a:prstGeom prst="rect">
-            <a:avLst/>
-          </a:prstGeom>
-          <a:noFill/>
-        </p:spPr>
-        <p:txBody>
-          <a:bodyPr wrap="square" rtlCol="0">
-            <a:spAutoFit/>
-          </a:bodyPr>
-          <a:lstStyle/>
-          <a:p>
-            <a:r>
-              <a:rPr kumimoji="1" lang="en-US" altLang="ja-JP" b="1" dirty="0">
-                <a:solidFill>
-                  <a:srgbClr val="F64B2E"/>
-                </a:solidFill>
-                <a:latin typeface="游ゴシック" panose="020B0400000000000000" pitchFamily="50" charset="-128"/>
-                <a:ea typeface="游ゴシック" panose="020B0400000000000000" pitchFamily="50" charset="-128"/>
-              </a:rPr>
-              <a:t>+</a:t>
-            </a:r>
-            <a:r>
-              <a:rPr kumimoji="1" lang="ja-JP" altLang="en-US" b="1" dirty="0">
-                <a:solidFill>
-                  <a:srgbClr val="F64B2E"/>
-                </a:solidFill>
-                <a:latin typeface="游ゴシック" panose="020B0400000000000000" pitchFamily="50" charset="-128"/>
-                <a:ea typeface="游ゴシック" panose="020B0400000000000000" pitchFamily="50" charset="-128"/>
-              </a:rPr>
-              <a:t>記録会</a:t>
-            </a:r>
-          </a:p>
-        </p:txBody>
-      </p:sp>
-      <p:sp>
-        <p:nvSpPr>
-          <p:cNvPr id="16" name="テキスト ボックス 15">
-            <a:extLst>
-              <a:ext uri="{FF2B5EF4-FFF2-40B4-BE49-F238E27FC236}">
-                <a16:creationId xmlns:a16="http://schemas.microsoft.com/office/drawing/2014/main" id="{AB62B6DB-7895-5F2E-C44F-6B71E29C129F}"/>
-              </a:ext>
-            </a:extLst>
-          </p:cNvPr>
-          <p:cNvSpPr txBox="1"/>
-          <p:nvPr/>
-        </p:nvSpPr>
-        <p:spPr>
-          <a:xfrm>
-            <a:off x="10574866" y="2542290"/>
-            <a:ext cx="1058333" cy="369332"/>
-          </a:xfrm>
-          <a:prstGeom prst="rect">
-            <a:avLst/>
-          </a:prstGeom>
-          <a:noFill/>
-        </p:spPr>
-        <p:txBody>
-          <a:bodyPr wrap="square" rtlCol="0">
-            <a:spAutoFit/>
-          </a:bodyPr>
-          <a:lstStyle/>
-          <a:p>
-            <a:r>
-              <a:rPr kumimoji="1" lang="en-US" altLang="ja-JP" b="1" dirty="0">
-                <a:solidFill>
-                  <a:srgbClr val="F64B2E"/>
-                </a:solidFill>
-                <a:latin typeface="游ゴシック" panose="020B0400000000000000" pitchFamily="50" charset="-128"/>
-                <a:ea typeface="游ゴシック" panose="020B0400000000000000" pitchFamily="50" charset="-128"/>
-              </a:rPr>
-              <a:t>+</a:t>
-            </a:r>
-            <a:r>
-              <a:rPr kumimoji="1" lang="ja-JP" altLang="en-US" b="1" dirty="0">
-                <a:solidFill>
-                  <a:srgbClr val="F64B2E"/>
-                </a:solidFill>
-                <a:latin typeface="游ゴシック" panose="020B0400000000000000" pitchFamily="50" charset="-128"/>
-                <a:ea typeface="游ゴシック" panose="020B0400000000000000" pitchFamily="50" charset="-128"/>
-              </a:rPr>
-              <a:t>記録会</a:t>
-            </a:r>
-          </a:p>
-        </p:txBody>
-      </p:sp>
-      <p:sp>
-        <p:nvSpPr>
-          <p:cNvPr id="17" name="テキスト ボックス 16">
-            <a:extLst>
-              <a:ext uri="{FF2B5EF4-FFF2-40B4-BE49-F238E27FC236}">
-                <a16:creationId xmlns:a16="http://schemas.microsoft.com/office/drawing/2014/main" id="{D142B3FC-8AA8-3D92-B76F-552ACC6D71D1}"/>
-              </a:ext>
-            </a:extLst>
-          </p:cNvPr>
-          <p:cNvSpPr txBox="1"/>
-          <p:nvPr/>
-        </p:nvSpPr>
-        <p:spPr>
-          <a:xfrm>
-            <a:off x="10574865" y="3777045"/>
-            <a:ext cx="1058333" cy="369332"/>
-          </a:xfrm>
-          <a:prstGeom prst="rect">
-            <a:avLst/>
-          </a:prstGeom>
-          <a:noFill/>
-        </p:spPr>
-        <p:txBody>
-          <a:bodyPr wrap="square" rtlCol="0">
-            <a:spAutoFit/>
-          </a:bodyPr>
-          <a:lstStyle/>
-          <a:p>
-            <a:r>
-              <a:rPr kumimoji="1" lang="en-US" altLang="ja-JP" b="1" dirty="0">
-                <a:solidFill>
-                  <a:srgbClr val="F64B2E"/>
-                </a:solidFill>
-                <a:latin typeface="游ゴシック" panose="020B0400000000000000" pitchFamily="50" charset="-128"/>
-                <a:ea typeface="游ゴシック" panose="020B0400000000000000" pitchFamily="50" charset="-128"/>
-              </a:rPr>
-              <a:t>+</a:t>
-            </a:r>
-            <a:r>
-              <a:rPr kumimoji="1" lang="ja-JP" altLang="en-US" b="1" dirty="0">
-                <a:solidFill>
-                  <a:srgbClr val="F64B2E"/>
-                </a:solidFill>
-                <a:latin typeface="游ゴシック" panose="020B0400000000000000" pitchFamily="50" charset="-128"/>
-                <a:ea typeface="游ゴシック" panose="020B0400000000000000" pitchFamily="50" charset="-128"/>
-              </a:rPr>
-              <a:t>記録会</a:t>
-            </a:r>
-          </a:p>
-        </p:txBody>
-      </p:sp>
-      <p:sp>
-        <p:nvSpPr>
-          <p:cNvPr id="18" name="テキスト ボックス 17">
-            <a:extLst>
-              <a:ext uri="{FF2B5EF4-FFF2-40B4-BE49-F238E27FC236}">
-                <a16:creationId xmlns:a16="http://schemas.microsoft.com/office/drawing/2014/main" id="{212EB5BB-0A8B-3293-7E93-BA6BC7D62BED}"/>
-              </a:ext>
-            </a:extLst>
-          </p:cNvPr>
-          <p:cNvSpPr txBox="1"/>
-          <p:nvPr/>
-        </p:nvSpPr>
-        <p:spPr>
-          <a:xfrm>
-            <a:off x="10625666" y="5011800"/>
-            <a:ext cx="1058333" cy="369332"/>
-          </a:xfrm>
-          <a:prstGeom prst="rect">
-            <a:avLst/>
-          </a:prstGeom>
-          <a:noFill/>
-        </p:spPr>
-        <p:txBody>
-          <a:bodyPr wrap="square" rtlCol="0">
-            <a:spAutoFit/>
-          </a:bodyPr>
-          <a:lstStyle/>
-          <a:p>
-            <a:r>
-              <a:rPr kumimoji="1" lang="en-US" altLang="ja-JP" b="1" dirty="0">
-                <a:solidFill>
-                  <a:srgbClr val="F64B2E"/>
-                </a:solidFill>
-                <a:latin typeface="游ゴシック" panose="020B0400000000000000" pitchFamily="50" charset="-128"/>
-                <a:ea typeface="游ゴシック" panose="020B0400000000000000" pitchFamily="50" charset="-128"/>
-              </a:rPr>
-              <a:t>+</a:t>
-            </a:r>
-            <a:r>
-              <a:rPr kumimoji="1" lang="ja-JP" altLang="en-US" b="1" dirty="0">
-                <a:solidFill>
-                  <a:srgbClr val="F64B2E"/>
-                </a:solidFill>
-                <a:latin typeface="游ゴシック" panose="020B0400000000000000" pitchFamily="50" charset="-128"/>
-                <a:ea typeface="游ゴシック" panose="020B0400000000000000" pitchFamily="50" charset="-128"/>
-              </a:rPr>
-              <a:t>記録会</a:t>
-            </a:r>
-          </a:p>
-        </p:txBody>
-      </p:sp>
-      <p:sp>
-        <p:nvSpPr>
-          <p:cNvPr id="19" name="テキスト ボックス 18">
-            <a:extLst>
-              <a:ext uri="{FF2B5EF4-FFF2-40B4-BE49-F238E27FC236}">
-                <a16:creationId xmlns:a16="http://schemas.microsoft.com/office/drawing/2014/main" id="{DEC4DD4D-7DAF-BFDC-B85E-12361C729AD8}"/>
-              </a:ext>
-            </a:extLst>
-          </p:cNvPr>
-          <p:cNvSpPr txBox="1"/>
-          <p:nvPr/>
-        </p:nvSpPr>
-        <p:spPr>
-          <a:xfrm>
-            <a:off x="10625666" y="6087017"/>
-            <a:ext cx="1058333" cy="369332"/>
-          </a:xfrm>
-          <a:prstGeom prst="rect">
-            <a:avLst/>
-          </a:prstGeom>
-          <a:noFill/>
-        </p:spPr>
-        <p:txBody>
-          <a:bodyPr wrap="square" rtlCol="0">
-            <a:spAutoFit/>
-          </a:bodyPr>
-          <a:lstStyle/>
-          <a:p>
-            <a:r>
-              <a:rPr kumimoji="1" lang="en-US" altLang="ja-JP" b="1" dirty="0">
-                <a:solidFill>
-                  <a:srgbClr val="F64B2E"/>
-                </a:solidFill>
-                <a:latin typeface="游ゴシック" panose="020B0400000000000000" pitchFamily="50" charset="-128"/>
-                <a:ea typeface="游ゴシック" panose="020B0400000000000000" pitchFamily="50" charset="-128"/>
-              </a:rPr>
-              <a:t>+</a:t>
-            </a:r>
-            <a:r>
-              <a:rPr kumimoji="1" lang="ja-JP" altLang="en-US" b="1" dirty="0">
-                <a:solidFill>
-                  <a:srgbClr val="F64B2E"/>
-                </a:solidFill>
-                <a:latin typeface="游ゴシック" panose="020B0400000000000000" pitchFamily="50" charset="-128"/>
-                <a:ea typeface="游ゴシック" panose="020B0400000000000000" pitchFamily="50" charset="-128"/>
-              </a:rPr>
-              <a:t>記録会</a:t>
-            </a:r>
-          </a:p>
-        </p:txBody>
-      </p:sp>
-      <p:sp>
-        <p:nvSpPr>
-          <p:cNvPr id="20" name="テキスト ボックス 19">
-            <a:extLst>
-              <a:ext uri="{FF2B5EF4-FFF2-40B4-BE49-F238E27FC236}">
-                <a16:creationId xmlns:a16="http://schemas.microsoft.com/office/drawing/2014/main" id="{6C813F7D-ABCA-F54C-A93B-C6206DD2353E}"/>
-              </a:ext>
-            </a:extLst>
-          </p:cNvPr>
-          <p:cNvSpPr txBox="1"/>
-          <p:nvPr/>
-        </p:nvSpPr>
-        <p:spPr>
-          <a:xfrm>
-            <a:off x="8153403" y="1121008"/>
-            <a:ext cx="3911596" cy="830997"/>
-          </a:xfrm>
-          <a:prstGeom prst="rect">
-            <a:avLst/>
-          </a:prstGeom>
-          <a:noFill/>
-        </p:spPr>
-        <p:txBody>
-          <a:bodyPr wrap="square" rtlCol="0">
-            <a:spAutoFit/>
-          </a:bodyPr>
-          <a:lstStyle/>
-          <a:p>
-            <a:r>
-              <a:rPr lang="ja-JP" altLang="en-US" sz="4800" b="1" dirty="0">
-                <a:solidFill>
-                  <a:srgbClr val="F64B2E"/>
-                </a:solidFill>
-                <a:latin typeface="游ゴシック" panose="020B0400000000000000" pitchFamily="50" charset="-128"/>
-                <a:ea typeface="游ゴシック" panose="020B0400000000000000" pitchFamily="50" charset="-128"/>
-              </a:rPr>
-              <a:t>逆に暇がない</a:t>
-            </a:r>
-            <a:endParaRPr kumimoji="1" lang="ja-JP" altLang="en-US" sz="4800" b="1" dirty="0">
-              <a:solidFill>
-                <a:srgbClr val="F64B2E"/>
-              </a:solidFill>
-              <a:latin typeface="游ゴシック" panose="020B0400000000000000" pitchFamily="50" charset="-128"/>
-              <a:ea typeface="游ゴシック" panose="020B0400000000000000" pitchFamily="50" charset="-128"/>
-            </a:endParaRPr>
           </a:p>
         </p:txBody>
       </p:sp>
     </p:spTree>
     <p:extLst>
       <p:ext uri="{BB962C8B-B14F-4D97-AF65-F5344CB8AC3E}">
-        <p14:creationId xmlns:p14="http://schemas.microsoft.com/office/powerpoint/2010/main" val="575119798"/>
+        <p14:creationId xmlns:p14="http://schemas.microsoft.com/office/powerpoint/2010/main" val="2618981517"/>
       </p:ext>
     </p:extLst>
   </p:cSld>
@@ -37497,7 +40326,7 @@
 </p:sld>
 </file>
 
-<file path=ppt/slides/slide18.xml><?xml version="1.0" encoding="utf-8"?>
+<file path=ppt/slides/slide17.xml><?xml version="1.0" encoding="utf-8"?>
 <p:sld xmlns:a="http://schemas.openxmlformats.org/drawingml/2006/main" xmlns:r="http://schemas.openxmlformats.org/officeDocument/2006/relationships" xmlns:p="http://schemas.openxmlformats.org/presentationml/2006/main">
   <p:cSld>
     <p:spTree>
@@ -37543,7 +40372,7 @@
           <a:p>
             <a:fld id="{6936ACCC-3D31-4082-AC7F-B879362E8272}" type="slidenum">
               <a:rPr kumimoji="1" lang="ja-JP" altLang="en-US" smtClean="0"/>
-              <a:t>18</a:t>
+              <a:t>17</a:t>
             </a:fld>
             <a:endParaRPr kumimoji="1" lang="ja-JP" altLang="en-US"/>
           </a:p>
@@ -37754,7 +40583,7 @@
 </p:sld>
 </file>
 
-<file path=ppt/slides/slide19.xml><?xml version="1.0" encoding="utf-8"?>
+<file path=ppt/slides/slide18.xml><?xml version="1.0" encoding="utf-8"?>
 <p:sld xmlns:a="http://schemas.openxmlformats.org/drawingml/2006/main" xmlns:r="http://schemas.openxmlformats.org/officeDocument/2006/relationships" xmlns:p="http://schemas.openxmlformats.org/presentationml/2006/main">
   <p:cSld>
     <p:spTree>
@@ -38146,7 +40975,7 @@
           <a:p>
             <a:fld id="{6936ACCC-3D31-4082-AC7F-B879362E8272}" type="slidenum">
               <a:rPr kumimoji="1" lang="ja-JP" altLang="en-US" smtClean="0"/>
-              <a:t>19</a:t>
+              <a:t>18</a:t>
             </a:fld>
             <a:endParaRPr kumimoji="1" lang="ja-JP" altLang="en-US" dirty="0"/>
           </a:p>
@@ -38258,119 +41087,7 @@
 </p:sld>
 </file>
 
-<file path=ppt/slides/slide2.xml><?xml version="1.0" encoding="utf-8"?>
-<p:sld xmlns:a="http://schemas.openxmlformats.org/drawingml/2006/main" xmlns:r="http://schemas.openxmlformats.org/officeDocument/2006/relationships" xmlns:p="http://schemas.openxmlformats.org/presentationml/2006/main">
-  <p:cSld>
-    <p:spTree>
-      <p:nvGrpSpPr>
-        <p:cNvPr id="1" name=""/>
-        <p:cNvGrpSpPr/>
-        <p:nvPr/>
-      </p:nvGrpSpPr>
-      <p:grpSpPr>
-        <a:xfrm>
-          <a:off x="0" y="0"/>
-          <a:ext cx="0" cy="0"/>
-          <a:chOff x="0" y="0"/>
-          <a:chExt cx="0" cy="0"/>
-        </a:xfrm>
-      </p:grpSpPr>
-      <p:sp>
-        <p:nvSpPr>
-          <p:cNvPr id="2" name="タイトル 1">
-            <a:extLst>
-              <a:ext uri="{FF2B5EF4-FFF2-40B4-BE49-F238E27FC236}">
-                <a16:creationId xmlns:a16="http://schemas.microsoft.com/office/drawing/2014/main" id="{4F114BF2-3B9F-C2AE-528C-C81E75EFC462}"/>
-              </a:ext>
-            </a:extLst>
-          </p:cNvPr>
-          <p:cNvSpPr>
-            <a:spLocks noGrp="1"/>
-          </p:cNvSpPr>
-          <p:nvPr>
-            <p:ph type="title"/>
-          </p:nvPr>
-        </p:nvSpPr>
-        <p:spPr/>
-        <p:txBody>
-          <a:bodyPr/>
-          <a:lstStyle/>
-          <a:p>
-            <a:r>
-              <a:rPr kumimoji="1" lang="ja-JP" altLang="en-US" dirty="0"/>
-              <a:t>自己紹介</a:t>
-            </a:r>
-          </a:p>
-        </p:txBody>
-      </p:sp>
-      <p:sp>
-        <p:nvSpPr>
-          <p:cNvPr id="3" name="コンテンツ プレースホルダー 2">
-            <a:extLst>
-              <a:ext uri="{FF2B5EF4-FFF2-40B4-BE49-F238E27FC236}">
-                <a16:creationId xmlns:a16="http://schemas.microsoft.com/office/drawing/2014/main" id="{A92133A7-4083-C151-B248-9276BE309BD2}"/>
-              </a:ext>
-            </a:extLst>
-          </p:cNvPr>
-          <p:cNvSpPr>
-            <a:spLocks noGrp="1"/>
-          </p:cNvSpPr>
-          <p:nvPr>
-            <p:ph idx="1"/>
-          </p:nvPr>
-        </p:nvSpPr>
-        <p:spPr/>
-        <p:txBody>
-          <a:bodyPr/>
-          <a:lstStyle/>
-          <a:p>
-            <a:endParaRPr kumimoji="1" lang="ja-JP" altLang="en-US"/>
-          </a:p>
-        </p:txBody>
-      </p:sp>
-      <p:sp>
-        <p:nvSpPr>
-          <p:cNvPr id="4" name="スライド番号プレースホルダー 3">
-            <a:extLst>
-              <a:ext uri="{FF2B5EF4-FFF2-40B4-BE49-F238E27FC236}">
-                <a16:creationId xmlns:a16="http://schemas.microsoft.com/office/drawing/2014/main" id="{F206CDAA-CAAE-E7D4-A613-27A8654BBC0F}"/>
-              </a:ext>
-            </a:extLst>
-          </p:cNvPr>
-          <p:cNvSpPr>
-            <a:spLocks noGrp="1"/>
-          </p:cNvSpPr>
-          <p:nvPr>
-            <p:ph type="sldNum" sz="quarter" idx="12"/>
-          </p:nvPr>
-        </p:nvSpPr>
-        <p:spPr/>
-        <p:txBody>
-          <a:bodyPr/>
-          <a:lstStyle/>
-          <a:p>
-            <a:fld id="{6936ACCC-3D31-4082-AC7F-B879362E8272}" type="slidenum">
-              <a:rPr kumimoji="1" lang="ja-JP" altLang="en-US" smtClean="0"/>
-              <a:t>2</a:t>
-            </a:fld>
-            <a:endParaRPr kumimoji="1" lang="ja-JP" altLang="en-US" dirty="0"/>
-          </a:p>
-        </p:txBody>
-      </p:sp>
-    </p:spTree>
-    <p:extLst>
-      <p:ext uri="{BB962C8B-B14F-4D97-AF65-F5344CB8AC3E}">
-        <p14:creationId xmlns:p14="http://schemas.microsoft.com/office/powerpoint/2010/main" val="3658146741"/>
-      </p:ext>
-    </p:extLst>
-  </p:cSld>
-  <p:clrMapOvr>
-    <a:masterClrMapping/>
-  </p:clrMapOvr>
-</p:sld>
-</file>
-
-<file path=ppt/slides/slide20.xml><?xml version="1.0" encoding="utf-8"?>
+<file path=ppt/slides/slide19.xml><?xml version="1.0" encoding="utf-8"?>
 <p:sld xmlns:a="http://schemas.openxmlformats.org/drawingml/2006/main" xmlns:r="http://schemas.openxmlformats.org/officeDocument/2006/relationships" xmlns:p="http://schemas.openxmlformats.org/presentationml/2006/main">
   <p:cSld>
     <p:spTree>
@@ -38492,7 +41209,7 @@
           <a:p>
             <a:fld id="{6936ACCC-3D31-4082-AC7F-B879362E8272}" type="slidenum">
               <a:rPr kumimoji="1" lang="ja-JP" altLang="en-US" smtClean="0"/>
-              <a:t>20</a:t>
+              <a:t>19</a:t>
             </a:fld>
             <a:endParaRPr kumimoji="1" lang="ja-JP" altLang="en-US" dirty="0"/>
           </a:p>
@@ -39471,7 +42188,119 @@
 </p:sld>
 </file>
 
-<file path=ppt/slides/slide21.xml><?xml version="1.0" encoding="utf-8"?>
+<file path=ppt/slides/slide2.xml><?xml version="1.0" encoding="utf-8"?>
+<p:sld xmlns:a="http://schemas.openxmlformats.org/drawingml/2006/main" xmlns:r="http://schemas.openxmlformats.org/officeDocument/2006/relationships" xmlns:p="http://schemas.openxmlformats.org/presentationml/2006/main">
+  <p:cSld>
+    <p:spTree>
+      <p:nvGrpSpPr>
+        <p:cNvPr id="1" name=""/>
+        <p:cNvGrpSpPr/>
+        <p:nvPr/>
+      </p:nvGrpSpPr>
+      <p:grpSpPr>
+        <a:xfrm>
+          <a:off x="0" y="0"/>
+          <a:ext cx="0" cy="0"/>
+          <a:chOff x="0" y="0"/>
+          <a:chExt cx="0" cy="0"/>
+        </a:xfrm>
+      </p:grpSpPr>
+      <p:sp>
+        <p:nvSpPr>
+          <p:cNvPr id="2" name="タイトル 1">
+            <a:extLst>
+              <a:ext uri="{FF2B5EF4-FFF2-40B4-BE49-F238E27FC236}">
+                <a16:creationId xmlns:a16="http://schemas.microsoft.com/office/drawing/2014/main" id="{4F114BF2-3B9F-C2AE-528C-C81E75EFC462}"/>
+              </a:ext>
+            </a:extLst>
+          </p:cNvPr>
+          <p:cNvSpPr>
+            <a:spLocks noGrp="1"/>
+          </p:cNvSpPr>
+          <p:nvPr>
+            <p:ph type="title"/>
+          </p:nvPr>
+        </p:nvSpPr>
+        <p:spPr/>
+        <p:txBody>
+          <a:bodyPr/>
+          <a:lstStyle/>
+          <a:p>
+            <a:r>
+              <a:rPr kumimoji="1" lang="ja-JP" altLang="en-US" dirty="0"/>
+              <a:t>自己紹介</a:t>
+            </a:r>
+          </a:p>
+        </p:txBody>
+      </p:sp>
+      <p:sp>
+        <p:nvSpPr>
+          <p:cNvPr id="3" name="コンテンツ プレースホルダー 2">
+            <a:extLst>
+              <a:ext uri="{FF2B5EF4-FFF2-40B4-BE49-F238E27FC236}">
+                <a16:creationId xmlns:a16="http://schemas.microsoft.com/office/drawing/2014/main" id="{A92133A7-4083-C151-B248-9276BE309BD2}"/>
+              </a:ext>
+            </a:extLst>
+          </p:cNvPr>
+          <p:cNvSpPr>
+            <a:spLocks noGrp="1"/>
+          </p:cNvSpPr>
+          <p:nvPr>
+            <p:ph idx="1"/>
+          </p:nvPr>
+        </p:nvSpPr>
+        <p:spPr/>
+        <p:txBody>
+          <a:bodyPr/>
+          <a:lstStyle/>
+          <a:p>
+            <a:endParaRPr kumimoji="1" lang="ja-JP" altLang="en-US"/>
+          </a:p>
+        </p:txBody>
+      </p:sp>
+      <p:sp>
+        <p:nvSpPr>
+          <p:cNvPr id="4" name="スライド番号プレースホルダー 3">
+            <a:extLst>
+              <a:ext uri="{FF2B5EF4-FFF2-40B4-BE49-F238E27FC236}">
+                <a16:creationId xmlns:a16="http://schemas.microsoft.com/office/drawing/2014/main" id="{F206CDAA-CAAE-E7D4-A613-27A8654BBC0F}"/>
+              </a:ext>
+            </a:extLst>
+          </p:cNvPr>
+          <p:cNvSpPr>
+            <a:spLocks noGrp="1"/>
+          </p:cNvSpPr>
+          <p:nvPr>
+            <p:ph type="sldNum" sz="quarter" idx="12"/>
+          </p:nvPr>
+        </p:nvSpPr>
+        <p:spPr/>
+        <p:txBody>
+          <a:bodyPr/>
+          <a:lstStyle/>
+          <a:p>
+            <a:fld id="{6936ACCC-3D31-4082-AC7F-B879362E8272}" type="slidenum">
+              <a:rPr kumimoji="1" lang="ja-JP" altLang="en-US" smtClean="0"/>
+              <a:t>2</a:t>
+            </a:fld>
+            <a:endParaRPr kumimoji="1" lang="ja-JP" altLang="en-US" dirty="0"/>
+          </a:p>
+        </p:txBody>
+      </p:sp>
+    </p:spTree>
+    <p:extLst>
+      <p:ext uri="{BB962C8B-B14F-4D97-AF65-F5344CB8AC3E}">
+        <p14:creationId xmlns:p14="http://schemas.microsoft.com/office/powerpoint/2010/main" val="3658146741"/>
+      </p:ext>
+    </p:extLst>
+  </p:cSld>
+  <p:clrMapOvr>
+    <a:masterClrMapping/>
+  </p:clrMapOvr>
+</p:sld>
+</file>
+
+<file path=ppt/slides/slide20.xml><?xml version="1.0" encoding="utf-8"?>
 <p:sld xmlns:a="http://schemas.openxmlformats.org/drawingml/2006/main" xmlns:r="http://schemas.openxmlformats.org/officeDocument/2006/relationships" xmlns:p="http://schemas.openxmlformats.org/presentationml/2006/main">
   <p:cSld>
     <p:spTree>
@@ -39532,7 +42361,12 @@
             <p:ph idx="1"/>
           </p:nvPr>
         </p:nvSpPr>
-        <p:spPr/>
+        <p:spPr>
+          <a:xfrm>
+            <a:off x="838200" y="1266737"/>
+            <a:ext cx="10515600" cy="5257721"/>
+          </a:xfrm>
+        </p:spPr>
         <p:txBody>
           <a:bodyPr/>
           <a:lstStyle/>
@@ -39578,6 +42412,7 @@
             <a:endParaRPr lang="en-US" altLang="ja-JP" dirty="0"/>
           </a:p>
           <a:p>
+            <a:pPr lvl="1"/>
             <a:endParaRPr lang="en-US" altLang="ja-JP" dirty="0"/>
           </a:p>
           <a:p>
@@ -39591,7 +42426,7 @@
             </a:r>
             <a:r>
               <a:rPr lang="ja-JP" altLang="en-US" dirty="0"/>
-              <a:t>速さ</a:t>
+              <a:t>速さ と知る</a:t>
             </a:r>
             <a:endParaRPr lang="en-US" altLang="ja-JP" dirty="0"/>
           </a:p>
@@ -39599,8 +42434,55 @@
             <a:pPr lvl="1"/>
             <a:r>
               <a:rPr lang="ja-JP" altLang="en-US" dirty="0"/>
-              <a:t>結局</a:t>
+              <a:t>速い選手よりも，強い選手</a:t>
             </a:r>
+            <a:endParaRPr lang="en-US" altLang="ja-JP" dirty="0"/>
+          </a:p>
+          <a:p>
+            <a:pPr lvl="2"/>
+            <a:r>
+              <a:rPr lang="ja-JP" altLang="en-US" dirty="0"/>
+              <a:t>一人でもハイペースで押せる</a:t>
+            </a:r>
+            <a:r>
+              <a:rPr lang="en-US" altLang="ja-JP" dirty="0"/>
+              <a:t>(</a:t>
+            </a:r>
+            <a:r>
+              <a:rPr lang="ja-JP" altLang="en-US" dirty="0"/>
+              <a:t>盤面をひっくり返せる</a:t>
+            </a:r>
+            <a:r>
+              <a:rPr lang="en-US" altLang="ja-JP" dirty="0"/>
+              <a:t>)</a:t>
+            </a:r>
+          </a:p>
+          <a:p>
+            <a:pPr lvl="2"/>
+            <a:r>
+              <a:rPr lang="ja-JP" altLang="en-US" dirty="0"/>
+              <a:t>あらゆる状況で</a:t>
+            </a:r>
+            <a:r>
+              <a:rPr lang="ja-JP" altLang="en-US" b="1" dirty="0"/>
+              <a:t>常に</a:t>
+            </a:r>
+            <a:r>
+              <a:rPr lang="ja-JP" altLang="en-US" dirty="0"/>
+              <a:t>良い結果を残す</a:t>
+            </a:r>
+            <a:endParaRPr lang="en-US" altLang="ja-JP" dirty="0"/>
+          </a:p>
+          <a:p>
+            <a:pPr lvl="2"/>
+            <a:endParaRPr lang="en-US" altLang="ja-JP" dirty="0"/>
+          </a:p>
+          <a:p>
+            <a:pPr lvl="2"/>
+            <a:endParaRPr lang="en-US" altLang="ja-JP" dirty="0"/>
+          </a:p>
+          <a:p>
+            <a:pPr lvl="2"/>
             <a:endParaRPr lang="en-US" altLang="ja-JP" dirty="0"/>
           </a:p>
           <a:p>
@@ -39635,7 +42517,7 @@
           <a:p>
             <a:fld id="{6936ACCC-3D31-4082-AC7F-B879362E8272}" type="slidenum">
               <a:rPr kumimoji="1" lang="ja-JP" altLang="en-US" smtClean="0"/>
-              <a:t>21</a:t>
+              <a:t>20</a:t>
             </a:fld>
             <a:endParaRPr kumimoji="1" lang="ja-JP" altLang="en-US" dirty="0"/>
           </a:p>
@@ -39654,7 +42536,7 @@
 </p:sld>
 </file>
 
-<file path=ppt/slides/slide22.xml><?xml version="1.0" encoding="utf-8"?>
+<file path=ppt/slides/slide21.xml><?xml version="1.0" encoding="utf-8"?>
 <p:sld xmlns:a="http://schemas.openxmlformats.org/drawingml/2006/main" xmlns:r="http://schemas.openxmlformats.org/officeDocument/2006/relationships" xmlns:p="http://schemas.openxmlformats.org/presentationml/2006/main">
   <p:cSld>
     <p:spTree>
@@ -39904,7 +42786,7 @@
           <a:p>
             <a:fld id="{6936ACCC-3D31-4082-AC7F-B879362E8272}" type="slidenum">
               <a:rPr kumimoji="1" lang="ja-JP" altLang="en-US" smtClean="0"/>
-              <a:t>22</a:t>
+              <a:t>21</a:t>
             </a:fld>
             <a:endParaRPr kumimoji="1" lang="ja-JP" altLang="en-US" dirty="0"/>
           </a:p>
@@ -39961,6 +42843,1587 @@
     <p:extLst>
       <p:ext uri="{BB962C8B-B14F-4D97-AF65-F5344CB8AC3E}">
         <p14:creationId xmlns:p14="http://schemas.microsoft.com/office/powerpoint/2010/main" val="1079957342"/>
+      </p:ext>
+    </p:extLst>
+  </p:cSld>
+  <p:clrMapOvr>
+    <a:masterClrMapping/>
+  </p:clrMapOvr>
+</p:sld>
+</file>
+
+<file path=ppt/slides/slide22.xml><?xml version="1.0" encoding="utf-8"?>
+<p:sld xmlns:a="http://schemas.openxmlformats.org/drawingml/2006/main" xmlns:r="http://schemas.openxmlformats.org/officeDocument/2006/relationships" xmlns:p="http://schemas.openxmlformats.org/presentationml/2006/main">
+  <p:cSld>
+    <p:spTree>
+      <p:nvGrpSpPr>
+        <p:cNvPr id="1" name=""/>
+        <p:cNvGrpSpPr/>
+        <p:nvPr/>
+      </p:nvGrpSpPr>
+      <p:grpSpPr>
+        <a:xfrm>
+          <a:off x="0" y="0"/>
+          <a:ext cx="0" cy="0"/>
+          <a:chOff x="0" y="0"/>
+          <a:chExt cx="0" cy="0"/>
+        </a:xfrm>
+      </p:grpSpPr>
+      <p:sp>
+        <p:nvSpPr>
+          <p:cNvPr id="2" name="タイトル 1">
+            <a:extLst>
+              <a:ext uri="{FF2B5EF4-FFF2-40B4-BE49-F238E27FC236}">
+                <a16:creationId xmlns:a16="http://schemas.microsoft.com/office/drawing/2014/main" id="{7A0FDCAF-CCF0-2561-6D98-EF420786055C}"/>
+              </a:ext>
+            </a:extLst>
+          </p:cNvPr>
+          <p:cNvSpPr>
+            <a:spLocks noGrp="1"/>
+          </p:cNvSpPr>
+          <p:nvPr>
+            <p:ph type="title"/>
+          </p:nvPr>
+        </p:nvSpPr>
+        <p:spPr/>
+        <p:txBody>
+          <a:bodyPr/>
+          <a:lstStyle/>
+          <a:p>
+            <a:r>
+              <a:rPr lang="en-US" altLang="ja-JP" dirty="0"/>
+              <a:t>1</a:t>
+            </a:r>
+            <a:r>
+              <a:rPr lang="ja-JP" altLang="en-US" dirty="0"/>
+              <a:t>年間のスケジュール</a:t>
+            </a:r>
+            <a:endParaRPr kumimoji="1" lang="ja-JP" altLang="en-US" dirty="0"/>
+          </a:p>
+        </p:txBody>
+      </p:sp>
+      <p:sp>
+        <p:nvSpPr>
+          <p:cNvPr id="3" name="コンテンツ プレースホルダー 2">
+            <a:extLst>
+              <a:ext uri="{FF2B5EF4-FFF2-40B4-BE49-F238E27FC236}">
+                <a16:creationId xmlns:a16="http://schemas.microsoft.com/office/drawing/2014/main" id="{5533649C-2D79-7CD3-F2DB-37FEC66BF219}"/>
+              </a:ext>
+            </a:extLst>
+          </p:cNvPr>
+          <p:cNvSpPr>
+            <a:spLocks noGrp="1"/>
+          </p:cNvSpPr>
+          <p:nvPr>
+            <p:ph idx="1"/>
+          </p:nvPr>
+        </p:nvSpPr>
+        <p:spPr/>
+        <p:txBody>
+          <a:bodyPr/>
+          <a:lstStyle/>
+          <a:p>
+            <a:r>
+              <a:rPr kumimoji="1" lang="ja-JP" altLang="en-US" dirty="0"/>
+              <a:t>ファン</a:t>
+            </a:r>
+            <a:r>
+              <a:rPr kumimoji="1" lang="en-US" altLang="ja-JP" dirty="0"/>
+              <a:t>1</a:t>
+            </a:r>
+            <a:r>
+              <a:rPr lang="ja-JP" altLang="en-US" dirty="0"/>
+              <a:t>年目</a:t>
+            </a:r>
+            <a:r>
+              <a:rPr kumimoji="1" lang="ja-JP" altLang="en-US" dirty="0"/>
+              <a:t>の場合</a:t>
+            </a:r>
+          </a:p>
+        </p:txBody>
+      </p:sp>
+      <p:sp>
+        <p:nvSpPr>
+          <p:cNvPr id="4" name="スライド番号プレースホルダー 3">
+            <a:extLst>
+              <a:ext uri="{FF2B5EF4-FFF2-40B4-BE49-F238E27FC236}">
+                <a16:creationId xmlns:a16="http://schemas.microsoft.com/office/drawing/2014/main" id="{AB9096A6-AE71-DEDD-7A78-4B29B56BE863}"/>
+              </a:ext>
+            </a:extLst>
+          </p:cNvPr>
+          <p:cNvSpPr>
+            <a:spLocks noGrp="1"/>
+          </p:cNvSpPr>
+          <p:nvPr>
+            <p:ph type="sldNum" sz="quarter" idx="12"/>
+          </p:nvPr>
+        </p:nvSpPr>
+        <p:spPr/>
+        <p:txBody>
+          <a:bodyPr/>
+          <a:lstStyle/>
+          <a:p>
+            <a:fld id="{6936ACCC-3D31-4082-AC7F-B879362E8272}" type="slidenum">
+              <a:rPr kumimoji="1" lang="ja-JP" altLang="en-US" smtClean="0"/>
+              <a:t>22</a:t>
+            </a:fld>
+            <a:endParaRPr kumimoji="1" lang="ja-JP" altLang="en-US" dirty="0"/>
+          </a:p>
+        </p:txBody>
+      </p:sp>
+      <p:graphicFrame>
+        <p:nvGraphicFramePr>
+          <p:cNvPr id="5" name="図表 4">
+            <a:extLst>
+              <a:ext uri="{FF2B5EF4-FFF2-40B4-BE49-F238E27FC236}">
+                <a16:creationId xmlns:a16="http://schemas.microsoft.com/office/drawing/2014/main" id="{3A6CD266-8663-70F2-885D-2577E603071A}"/>
+              </a:ext>
+            </a:extLst>
+          </p:cNvPr>
+          <p:cNvGraphicFramePr/>
+          <p:nvPr>
+            <p:extLst>
+              <p:ext uri="{D42A27DB-BD31-4B8C-83A1-F6EECF244321}">
+                <p14:modId xmlns:p14="http://schemas.microsoft.com/office/powerpoint/2010/main" val="3963874931"/>
+              </p:ext>
+            </p:extLst>
+          </p:nvPr>
+        </p:nvGraphicFramePr>
+        <p:xfrm>
+          <a:off x="762000" y="1921934"/>
+          <a:ext cx="3141134" cy="4692476"/>
+        </p:xfrm>
+        <a:graphic>
+          <a:graphicData uri="http://schemas.openxmlformats.org/drawingml/2006/diagram">
+            <dgm:relIds xmlns:dgm="http://schemas.openxmlformats.org/drawingml/2006/diagram" xmlns:r="http://schemas.openxmlformats.org/officeDocument/2006/relationships" r:dm="rId2" r:lo="rId3" r:qs="rId4" r:cs="rId5"/>
+          </a:graphicData>
+        </a:graphic>
+      </p:graphicFrame>
+      <p:graphicFrame>
+        <p:nvGraphicFramePr>
+          <p:cNvPr id="6" name="図表 5">
+            <a:extLst>
+              <a:ext uri="{FF2B5EF4-FFF2-40B4-BE49-F238E27FC236}">
+                <a16:creationId xmlns:a16="http://schemas.microsoft.com/office/drawing/2014/main" id="{91367CF0-BD92-A124-C97F-029FF717D3D0}"/>
+              </a:ext>
+            </a:extLst>
+          </p:cNvPr>
+          <p:cNvGraphicFramePr/>
+          <p:nvPr>
+            <p:extLst>
+              <p:ext uri="{D42A27DB-BD31-4B8C-83A1-F6EECF244321}">
+                <p14:modId xmlns:p14="http://schemas.microsoft.com/office/powerpoint/2010/main" val="1980920515"/>
+              </p:ext>
+            </p:extLst>
+          </p:nvPr>
+        </p:nvGraphicFramePr>
+        <p:xfrm>
+          <a:off x="4614333" y="1921934"/>
+          <a:ext cx="3141134" cy="4692476"/>
+        </p:xfrm>
+        <a:graphic>
+          <a:graphicData uri="http://schemas.openxmlformats.org/drawingml/2006/diagram">
+            <dgm:relIds xmlns:dgm="http://schemas.openxmlformats.org/drawingml/2006/diagram" xmlns:r="http://schemas.openxmlformats.org/officeDocument/2006/relationships" r:dm="rId7" r:lo="rId8" r:qs="rId9" r:cs="rId10"/>
+          </a:graphicData>
+        </a:graphic>
+      </p:graphicFrame>
+      <p:graphicFrame>
+        <p:nvGraphicFramePr>
+          <p:cNvPr id="7" name="図表 6">
+            <a:extLst>
+              <a:ext uri="{FF2B5EF4-FFF2-40B4-BE49-F238E27FC236}">
+                <a16:creationId xmlns:a16="http://schemas.microsoft.com/office/drawing/2014/main" id="{29F6C4CB-4479-34D7-B4FB-1F9C5CE0E1C3}"/>
+              </a:ext>
+            </a:extLst>
+          </p:cNvPr>
+          <p:cNvGraphicFramePr/>
+          <p:nvPr>
+            <p:extLst>
+              <p:ext uri="{D42A27DB-BD31-4B8C-83A1-F6EECF244321}">
+                <p14:modId xmlns:p14="http://schemas.microsoft.com/office/powerpoint/2010/main" val="1908899737"/>
+              </p:ext>
+            </p:extLst>
+          </p:nvPr>
+        </p:nvGraphicFramePr>
+        <p:xfrm>
+          <a:off x="8212666" y="1921934"/>
+          <a:ext cx="3141134" cy="4692476"/>
+        </p:xfrm>
+        <a:graphic>
+          <a:graphicData uri="http://schemas.openxmlformats.org/drawingml/2006/diagram">
+            <dgm:relIds xmlns:dgm="http://schemas.openxmlformats.org/drawingml/2006/diagram" xmlns:r="http://schemas.openxmlformats.org/officeDocument/2006/relationships" r:dm="rId12" r:lo="rId13" r:qs="rId14" r:cs="rId15"/>
+          </a:graphicData>
+        </a:graphic>
+      </p:graphicFrame>
+    </p:spTree>
+    <p:extLst>
+      <p:ext uri="{BB962C8B-B14F-4D97-AF65-F5344CB8AC3E}">
+        <p14:creationId xmlns:p14="http://schemas.microsoft.com/office/powerpoint/2010/main" val="1036291007"/>
+      </p:ext>
+    </p:extLst>
+  </p:cSld>
+  <p:clrMapOvr>
+    <a:masterClrMapping/>
+  </p:clrMapOvr>
+</p:sld>
+</file>
+
+<file path=ppt/slides/slide23.xml><?xml version="1.0" encoding="utf-8"?>
+<p:sld xmlns:a="http://schemas.openxmlformats.org/drawingml/2006/main" xmlns:r="http://schemas.openxmlformats.org/officeDocument/2006/relationships" xmlns:p="http://schemas.openxmlformats.org/presentationml/2006/main">
+  <p:cSld>
+    <p:spTree>
+      <p:nvGrpSpPr>
+        <p:cNvPr id="1" name="">
+          <a:extLst>
+            <a:ext uri="{FF2B5EF4-FFF2-40B4-BE49-F238E27FC236}">
+              <a16:creationId xmlns:a16="http://schemas.microsoft.com/office/drawing/2014/main" id="{A8298E47-346A-49E8-FA56-78A8435FDEF1}"/>
+            </a:ext>
+          </a:extLst>
+        </p:cNvPr>
+        <p:cNvGrpSpPr/>
+        <p:nvPr/>
+      </p:nvGrpSpPr>
+      <p:grpSpPr>
+        <a:xfrm>
+          <a:off x="0" y="0"/>
+          <a:ext cx="0" cy="0"/>
+          <a:chOff x="0" y="0"/>
+          <a:chExt cx="0" cy="0"/>
+        </a:xfrm>
+      </p:grpSpPr>
+      <p:sp>
+        <p:nvSpPr>
+          <p:cNvPr id="2" name="タイトル 1">
+            <a:extLst>
+              <a:ext uri="{FF2B5EF4-FFF2-40B4-BE49-F238E27FC236}">
+                <a16:creationId xmlns:a16="http://schemas.microsoft.com/office/drawing/2014/main" id="{2441BD4A-3FDD-98F4-22FA-3112C9E7C0D4}"/>
+              </a:ext>
+            </a:extLst>
+          </p:cNvPr>
+          <p:cNvSpPr>
+            <a:spLocks noGrp="1"/>
+          </p:cNvSpPr>
+          <p:nvPr>
+            <p:ph type="title"/>
+          </p:nvPr>
+        </p:nvSpPr>
+        <p:spPr/>
+        <p:txBody>
+          <a:bodyPr/>
+          <a:lstStyle/>
+          <a:p>
+            <a:r>
+              <a:rPr lang="en-US" altLang="ja-JP" dirty="0"/>
+              <a:t>1</a:t>
+            </a:r>
+            <a:r>
+              <a:rPr lang="ja-JP" altLang="en-US" dirty="0"/>
+              <a:t>年間のスケジュール</a:t>
+            </a:r>
+            <a:endParaRPr kumimoji="1" lang="ja-JP" altLang="en-US" dirty="0"/>
+          </a:p>
+        </p:txBody>
+      </p:sp>
+      <p:sp>
+        <p:nvSpPr>
+          <p:cNvPr id="3" name="コンテンツ プレースホルダー 2">
+            <a:extLst>
+              <a:ext uri="{FF2B5EF4-FFF2-40B4-BE49-F238E27FC236}">
+                <a16:creationId xmlns:a16="http://schemas.microsoft.com/office/drawing/2014/main" id="{EDF4C33D-19F7-9CF8-9BE6-8BE3C197E054}"/>
+              </a:ext>
+            </a:extLst>
+          </p:cNvPr>
+          <p:cNvSpPr>
+            <a:spLocks noGrp="1"/>
+          </p:cNvSpPr>
+          <p:nvPr>
+            <p:ph idx="1"/>
+          </p:nvPr>
+        </p:nvSpPr>
+        <p:spPr/>
+        <p:txBody>
+          <a:bodyPr/>
+          <a:lstStyle/>
+          <a:p>
+            <a:r>
+              <a:rPr lang="ja-JP" altLang="en-US" dirty="0"/>
+              <a:t>私</a:t>
+            </a:r>
+            <a:r>
+              <a:rPr kumimoji="1" lang="ja-JP" altLang="en-US" dirty="0"/>
+              <a:t>の場合</a:t>
+            </a:r>
+            <a:r>
+              <a:rPr kumimoji="1" lang="en-US" altLang="ja-JP" dirty="0"/>
+              <a:t>(</a:t>
+            </a:r>
+            <a:r>
+              <a:rPr kumimoji="1" lang="ja-JP" altLang="en-US" dirty="0"/>
+              <a:t>一部のみ</a:t>
+            </a:r>
+            <a:r>
+              <a:rPr kumimoji="1" lang="en-US" altLang="ja-JP" dirty="0"/>
+              <a:t>) </a:t>
+            </a:r>
+            <a:endParaRPr kumimoji="1" lang="ja-JP" altLang="en-US" dirty="0"/>
+          </a:p>
+        </p:txBody>
+      </p:sp>
+      <p:sp>
+        <p:nvSpPr>
+          <p:cNvPr id="4" name="スライド番号プレースホルダー 3">
+            <a:extLst>
+              <a:ext uri="{FF2B5EF4-FFF2-40B4-BE49-F238E27FC236}">
+                <a16:creationId xmlns:a16="http://schemas.microsoft.com/office/drawing/2014/main" id="{B2C4452E-E42B-697A-6F2A-44FEC77F393E}"/>
+              </a:ext>
+            </a:extLst>
+          </p:cNvPr>
+          <p:cNvSpPr>
+            <a:spLocks noGrp="1"/>
+          </p:cNvSpPr>
+          <p:nvPr>
+            <p:ph type="sldNum" sz="quarter" idx="12"/>
+          </p:nvPr>
+        </p:nvSpPr>
+        <p:spPr/>
+        <p:txBody>
+          <a:bodyPr/>
+          <a:lstStyle/>
+          <a:p>
+            <a:fld id="{6936ACCC-3D31-4082-AC7F-B879362E8272}" type="slidenum">
+              <a:rPr kumimoji="1" lang="ja-JP" altLang="en-US" smtClean="0"/>
+              <a:t>23</a:t>
+            </a:fld>
+            <a:endParaRPr kumimoji="1" lang="ja-JP" altLang="en-US" dirty="0"/>
+          </a:p>
+        </p:txBody>
+      </p:sp>
+      <p:graphicFrame>
+        <p:nvGraphicFramePr>
+          <p:cNvPr id="5" name="図表 4">
+            <a:extLst>
+              <a:ext uri="{FF2B5EF4-FFF2-40B4-BE49-F238E27FC236}">
+                <a16:creationId xmlns:a16="http://schemas.microsoft.com/office/drawing/2014/main" id="{FF7BB117-EE04-E884-E785-E01B82F4A66F}"/>
+              </a:ext>
+            </a:extLst>
+          </p:cNvPr>
+          <p:cNvGraphicFramePr/>
+          <p:nvPr>
+            <p:extLst>
+              <p:ext uri="{D42A27DB-BD31-4B8C-83A1-F6EECF244321}">
+                <p14:modId xmlns:p14="http://schemas.microsoft.com/office/powerpoint/2010/main" val="160734150"/>
+              </p:ext>
+            </p:extLst>
+          </p:nvPr>
+        </p:nvGraphicFramePr>
+        <p:xfrm>
+          <a:off x="762000" y="1921934"/>
+          <a:ext cx="3141134" cy="4692476"/>
+        </p:xfrm>
+        <a:graphic>
+          <a:graphicData uri="http://schemas.openxmlformats.org/drawingml/2006/diagram">
+            <dgm:relIds xmlns:dgm="http://schemas.openxmlformats.org/drawingml/2006/diagram" xmlns:r="http://schemas.openxmlformats.org/officeDocument/2006/relationships" r:dm="rId2" r:lo="rId3" r:qs="rId4" r:cs="rId5"/>
+          </a:graphicData>
+        </a:graphic>
+      </p:graphicFrame>
+      <p:graphicFrame>
+        <p:nvGraphicFramePr>
+          <p:cNvPr id="6" name="図表 5">
+            <a:extLst>
+              <a:ext uri="{FF2B5EF4-FFF2-40B4-BE49-F238E27FC236}">
+                <a16:creationId xmlns:a16="http://schemas.microsoft.com/office/drawing/2014/main" id="{FF8C90AA-4B40-8A25-F466-DB4993080CDC}"/>
+              </a:ext>
+            </a:extLst>
+          </p:cNvPr>
+          <p:cNvGraphicFramePr/>
+          <p:nvPr>
+            <p:extLst>
+              <p:ext uri="{D42A27DB-BD31-4B8C-83A1-F6EECF244321}">
+                <p14:modId xmlns:p14="http://schemas.microsoft.com/office/powerpoint/2010/main" val="2078446640"/>
+              </p:ext>
+            </p:extLst>
+          </p:nvPr>
+        </p:nvGraphicFramePr>
+        <p:xfrm>
+          <a:off x="4614333" y="1921934"/>
+          <a:ext cx="3141134" cy="4692476"/>
+        </p:xfrm>
+        <a:graphic>
+          <a:graphicData uri="http://schemas.openxmlformats.org/drawingml/2006/diagram">
+            <dgm:relIds xmlns:dgm="http://schemas.openxmlformats.org/drawingml/2006/diagram" xmlns:r="http://schemas.openxmlformats.org/officeDocument/2006/relationships" r:dm="rId7" r:lo="rId8" r:qs="rId9" r:cs="rId10"/>
+          </a:graphicData>
+        </a:graphic>
+      </p:graphicFrame>
+      <p:graphicFrame>
+        <p:nvGraphicFramePr>
+          <p:cNvPr id="7" name="図表 6">
+            <a:extLst>
+              <a:ext uri="{FF2B5EF4-FFF2-40B4-BE49-F238E27FC236}">
+                <a16:creationId xmlns:a16="http://schemas.microsoft.com/office/drawing/2014/main" id="{2A431EA5-36CC-6D8B-CBF8-CF633BA335EB}"/>
+              </a:ext>
+            </a:extLst>
+          </p:cNvPr>
+          <p:cNvGraphicFramePr/>
+          <p:nvPr>
+            <p:extLst>
+              <p:ext uri="{D42A27DB-BD31-4B8C-83A1-F6EECF244321}">
+                <p14:modId xmlns:p14="http://schemas.microsoft.com/office/powerpoint/2010/main" val="2481040813"/>
+              </p:ext>
+            </p:extLst>
+          </p:nvPr>
+        </p:nvGraphicFramePr>
+        <p:xfrm>
+          <a:off x="8212666" y="1921934"/>
+          <a:ext cx="3141134" cy="4692476"/>
+        </p:xfrm>
+        <a:graphic>
+          <a:graphicData uri="http://schemas.openxmlformats.org/drawingml/2006/diagram">
+            <dgm:relIds xmlns:dgm="http://schemas.openxmlformats.org/drawingml/2006/diagram" xmlns:r="http://schemas.openxmlformats.org/officeDocument/2006/relationships" r:dm="rId12" r:lo="rId13" r:qs="rId14" r:cs="rId15"/>
+          </a:graphicData>
+        </a:graphic>
+      </p:graphicFrame>
+    </p:spTree>
+    <p:extLst>
+      <p:ext uri="{BB962C8B-B14F-4D97-AF65-F5344CB8AC3E}">
+        <p14:creationId xmlns:p14="http://schemas.microsoft.com/office/powerpoint/2010/main" val="1017150188"/>
+      </p:ext>
+    </p:extLst>
+  </p:cSld>
+  <p:clrMapOvr>
+    <a:masterClrMapping/>
+  </p:clrMapOvr>
+</p:sld>
+</file>
+
+<file path=ppt/slides/slide24.xml><?xml version="1.0" encoding="utf-8"?>
+<p:sld xmlns:a="http://schemas.openxmlformats.org/drawingml/2006/main" xmlns:r="http://schemas.openxmlformats.org/officeDocument/2006/relationships" xmlns:p="http://schemas.openxmlformats.org/presentationml/2006/main">
+  <p:cSld>
+    <p:spTree>
+      <p:nvGrpSpPr>
+        <p:cNvPr id="1" name="">
+          <a:extLst>
+            <a:ext uri="{FF2B5EF4-FFF2-40B4-BE49-F238E27FC236}">
+              <a16:creationId xmlns:a16="http://schemas.microsoft.com/office/drawing/2014/main" id="{C35E332C-3DC7-8BE4-CD59-B02C9CD5B623}"/>
+            </a:ext>
+          </a:extLst>
+        </p:cNvPr>
+        <p:cNvGrpSpPr/>
+        <p:nvPr/>
+      </p:nvGrpSpPr>
+      <p:grpSpPr>
+        <a:xfrm>
+          <a:off x="0" y="0"/>
+          <a:ext cx="0" cy="0"/>
+          <a:chOff x="0" y="0"/>
+          <a:chExt cx="0" cy="0"/>
+        </a:xfrm>
+      </p:grpSpPr>
+      <p:sp>
+        <p:nvSpPr>
+          <p:cNvPr id="2" name="タイトル 1">
+            <a:extLst>
+              <a:ext uri="{FF2B5EF4-FFF2-40B4-BE49-F238E27FC236}">
+                <a16:creationId xmlns:a16="http://schemas.microsoft.com/office/drawing/2014/main" id="{230D3196-56B5-3798-1036-33CA3C3B130F}"/>
+              </a:ext>
+            </a:extLst>
+          </p:cNvPr>
+          <p:cNvSpPr>
+            <a:spLocks noGrp="1"/>
+          </p:cNvSpPr>
+          <p:nvPr>
+            <p:ph type="title"/>
+          </p:nvPr>
+        </p:nvSpPr>
+        <p:spPr/>
+        <p:txBody>
+          <a:bodyPr/>
+          <a:lstStyle/>
+          <a:p>
+            <a:r>
+              <a:rPr lang="en-US" altLang="ja-JP" dirty="0"/>
+              <a:t>1</a:t>
+            </a:r>
+            <a:r>
+              <a:rPr lang="ja-JP" altLang="en-US" dirty="0"/>
+              <a:t>年間のスケジュール</a:t>
+            </a:r>
+            <a:endParaRPr kumimoji="1" lang="ja-JP" altLang="en-US" dirty="0"/>
+          </a:p>
+        </p:txBody>
+      </p:sp>
+      <p:sp>
+        <p:nvSpPr>
+          <p:cNvPr id="3" name="コンテンツ プレースホルダー 2">
+            <a:extLst>
+              <a:ext uri="{FF2B5EF4-FFF2-40B4-BE49-F238E27FC236}">
+                <a16:creationId xmlns:a16="http://schemas.microsoft.com/office/drawing/2014/main" id="{ACB05339-71E6-F491-709E-088964DECCDE}"/>
+              </a:ext>
+            </a:extLst>
+          </p:cNvPr>
+          <p:cNvSpPr>
+            <a:spLocks noGrp="1"/>
+          </p:cNvSpPr>
+          <p:nvPr>
+            <p:ph idx="1"/>
+          </p:nvPr>
+        </p:nvSpPr>
+        <p:spPr/>
+        <p:txBody>
+          <a:bodyPr/>
+          <a:lstStyle/>
+          <a:p>
+            <a:r>
+              <a:rPr lang="ja-JP" altLang="en-US" dirty="0"/>
+              <a:t>私</a:t>
+            </a:r>
+            <a:r>
+              <a:rPr kumimoji="1" lang="ja-JP" altLang="en-US" dirty="0"/>
+              <a:t>の場合</a:t>
+            </a:r>
+            <a:r>
+              <a:rPr kumimoji="1" lang="en-US" altLang="ja-JP" dirty="0"/>
+              <a:t>(</a:t>
+            </a:r>
+            <a:r>
+              <a:rPr kumimoji="1" lang="ja-JP" altLang="en-US" dirty="0"/>
+              <a:t>一部のみ</a:t>
+            </a:r>
+            <a:r>
+              <a:rPr kumimoji="1" lang="en-US" altLang="ja-JP" dirty="0"/>
+              <a:t>)</a:t>
+            </a:r>
+          </a:p>
+          <a:p>
+            <a:r>
+              <a:rPr kumimoji="1" lang="en-US" altLang="ja-JP" dirty="0"/>
+              <a:t> </a:t>
+            </a:r>
+            <a:endParaRPr kumimoji="1" lang="ja-JP" altLang="en-US" dirty="0"/>
+          </a:p>
+        </p:txBody>
+      </p:sp>
+      <p:sp>
+        <p:nvSpPr>
+          <p:cNvPr id="4" name="スライド番号プレースホルダー 3">
+            <a:extLst>
+              <a:ext uri="{FF2B5EF4-FFF2-40B4-BE49-F238E27FC236}">
+                <a16:creationId xmlns:a16="http://schemas.microsoft.com/office/drawing/2014/main" id="{D7C04344-DF58-A9AF-6C5A-6D34A28C4A7B}"/>
+              </a:ext>
+            </a:extLst>
+          </p:cNvPr>
+          <p:cNvSpPr>
+            <a:spLocks noGrp="1"/>
+          </p:cNvSpPr>
+          <p:nvPr>
+            <p:ph type="sldNum" sz="quarter" idx="12"/>
+          </p:nvPr>
+        </p:nvSpPr>
+        <p:spPr/>
+        <p:txBody>
+          <a:bodyPr/>
+          <a:lstStyle/>
+          <a:p>
+            <a:fld id="{6936ACCC-3D31-4082-AC7F-B879362E8272}" type="slidenum">
+              <a:rPr kumimoji="1" lang="ja-JP" altLang="en-US" smtClean="0"/>
+              <a:t>24</a:t>
+            </a:fld>
+            <a:endParaRPr kumimoji="1" lang="ja-JP" altLang="en-US" dirty="0"/>
+          </a:p>
+        </p:txBody>
+      </p:sp>
+      <p:graphicFrame>
+        <p:nvGraphicFramePr>
+          <p:cNvPr id="5" name="図表 4">
+            <a:extLst>
+              <a:ext uri="{FF2B5EF4-FFF2-40B4-BE49-F238E27FC236}">
+                <a16:creationId xmlns:a16="http://schemas.microsoft.com/office/drawing/2014/main" id="{91B51FDA-8C8E-675A-F375-6D4B7F239ECB}"/>
+              </a:ext>
+            </a:extLst>
+          </p:cNvPr>
+          <p:cNvGraphicFramePr/>
+          <p:nvPr>
+            <p:extLst>
+              <p:ext uri="{D42A27DB-BD31-4B8C-83A1-F6EECF244321}">
+                <p14:modId xmlns:p14="http://schemas.microsoft.com/office/powerpoint/2010/main" val="3804565047"/>
+              </p:ext>
+            </p:extLst>
+          </p:nvPr>
+        </p:nvGraphicFramePr>
+        <p:xfrm>
+          <a:off x="762000" y="1921934"/>
+          <a:ext cx="3141134" cy="4692476"/>
+        </p:xfrm>
+        <a:graphic>
+          <a:graphicData uri="http://schemas.openxmlformats.org/drawingml/2006/diagram">
+            <dgm:relIds xmlns:dgm="http://schemas.openxmlformats.org/drawingml/2006/diagram" xmlns:r="http://schemas.openxmlformats.org/officeDocument/2006/relationships" r:dm="rId2" r:lo="rId3" r:qs="rId4" r:cs="rId5"/>
+          </a:graphicData>
+        </a:graphic>
+      </p:graphicFrame>
+      <p:graphicFrame>
+        <p:nvGraphicFramePr>
+          <p:cNvPr id="6" name="図表 5">
+            <a:extLst>
+              <a:ext uri="{FF2B5EF4-FFF2-40B4-BE49-F238E27FC236}">
+                <a16:creationId xmlns:a16="http://schemas.microsoft.com/office/drawing/2014/main" id="{B4CFC8BD-598E-3392-DA3A-CB7ED97720E8}"/>
+              </a:ext>
+            </a:extLst>
+          </p:cNvPr>
+          <p:cNvGraphicFramePr/>
+          <p:nvPr/>
+        </p:nvGraphicFramePr>
+        <p:xfrm>
+          <a:off x="4614333" y="1921934"/>
+          <a:ext cx="3141134" cy="4692476"/>
+        </p:xfrm>
+        <a:graphic>
+          <a:graphicData uri="http://schemas.openxmlformats.org/drawingml/2006/diagram">
+            <dgm:relIds xmlns:dgm="http://schemas.openxmlformats.org/drawingml/2006/diagram" xmlns:r="http://schemas.openxmlformats.org/officeDocument/2006/relationships" r:dm="rId7" r:lo="rId8" r:qs="rId9" r:cs="rId10"/>
+          </a:graphicData>
+        </a:graphic>
+      </p:graphicFrame>
+      <p:graphicFrame>
+        <p:nvGraphicFramePr>
+          <p:cNvPr id="7" name="図表 6">
+            <a:extLst>
+              <a:ext uri="{FF2B5EF4-FFF2-40B4-BE49-F238E27FC236}">
+                <a16:creationId xmlns:a16="http://schemas.microsoft.com/office/drawing/2014/main" id="{8FFA3A00-2037-7039-2F55-484516D49FE2}"/>
+              </a:ext>
+            </a:extLst>
+          </p:cNvPr>
+          <p:cNvGraphicFramePr/>
+          <p:nvPr>
+            <p:extLst>
+              <p:ext uri="{D42A27DB-BD31-4B8C-83A1-F6EECF244321}">
+                <p14:modId xmlns:p14="http://schemas.microsoft.com/office/powerpoint/2010/main" val="1837762312"/>
+              </p:ext>
+            </p:extLst>
+          </p:nvPr>
+        </p:nvGraphicFramePr>
+        <p:xfrm>
+          <a:off x="8212666" y="1921934"/>
+          <a:ext cx="3141134" cy="4692476"/>
+        </p:xfrm>
+        <a:graphic>
+          <a:graphicData uri="http://schemas.openxmlformats.org/drawingml/2006/diagram">
+            <dgm:relIds xmlns:dgm="http://schemas.openxmlformats.org/drawingml/2006/diagram" xmlns:r="http://schemas.openxmlformats.org/officeDocument/2006/relationships" r:dm="rId12" r:lo="rId13" r:qs="rId14" r:cs="rId15"/>
+          </a:graphicData>
+        </a:graphic>
+      </p:graphicFrame>
+      <p:sp>
+        <p:nvSpPr>
+          <p:cNvPr id="8" name="テキスト ボックス 7">
+            <a:extLst>
+              <a:ext uri="{FF2B5EF4-FFF2-40B4-BE49-F238E27FC236}">
+                <a16:creationId xmlns:a16="http://schemas.microsoft.com/office/drawing/2014/main" id="{7F030F13-C56C-0E5D-9F83-5F2648AF59BA}"/>
+              </a:ext>
+            </a:extLst>
+          </p:cNvPr>
+          <p:cNvSpPr txBox="1"/>
+          <p:nvPr/>
+        </p:nvSpPr>
+        <p:spPr>
+          <a:xfrm>
+            <a:off x="3200399" y="2626956"/>
+            <a:ext cx="1058333" cy="369332"/>
+          </a:xfrm>
+          <a:prstGeom prst="rect">
+            <a:avLst/>
+          </a:prstGeom>
+          <a:noFill/>
+        </p:spPr>
+        <p:txBody>
+          <a:bodyPr wrap="square" rtlCol="0">
+            <a:spAutoFit/>
+          </a:bodyPr>
+          <a:lstStyle/>
+          <a:p>
+            <a:r>
+              <a:rPr kumimoji="1" lang="en-US" altLang="ja-JP" b="1" dirty="0">
+                <a:solidFill>
+                  <a:srgbClr val="F64B2E"/>
+                </a:solidFill>
+                <a:latin typeface="游ゴシック" panose="020B0400000000000000" pitchFamily="50" charset="-128"/>
+                <a:ea typeface="游ゴシック" panose="020B0400000000000000" pitchFamily="50" charset="-128"/>
+              </a:rPr>
+              <a:t>+</a:t>
+            </a:r>
+            <a:r>
+              <a:rPr kumimoji="1" lang="ja-JP" altLang="en-US" b="1" dirty="0">
+                <a:solidFill>
+                  <a:srgbClr val="F64B2E"/>
+                </a:solidFill>
+                <a:latin typeface="游ゴシック" panose="020B0400000000000000" pitchFamily="50" charset="-128"/>
+                <a:ea typeface="游ゴシック" panose="020B0400000000000000" pitchFamily="50" charset="-128"/>
+              </a:rPr>
+              <a:t>記録会</a:t>
+            </a:r>
+          </a:p>
+        </p:txBody>
+      </p:sp>
+      <p:sp>
+        <p:nvSpPr>
+          <p:cNvPr id="9" name="テキスト ボックス 8">
+            <a:extLst>
+              <a:ext uri="{FF2B5EF4-FFF2-40B4-BE49-F238E27FC236}">
+                <a16:creationId xmlns:a16="http://schemas.microsoft.com/office/drawing/2014/main" id="{BE0340CE-43F9-F053-8848-C1783A9708E4}"/>
+              </a:ext>
+            </a:extLst>
+          </p:cNvPr>
+          <p:cNvSpPr txBox="1"/>
+          <p:nvPr/>
+        </p:nvSpPr>
+        <p:spPr>
+          <a:xfrm>
+            <a:off x="3200399" y="3861712"/>
+            <a:ext cx="1058333" cy="369332"/>
+          </a:xfrm>
+          <a:prstGeom prst="rect">
+            <a:avLst/>
+          </a:prstGeom>
+          <a:noFill/>
+        </p:spPr>
+        <p:txBody>
+          <a:bodyPr wrap="square" rtlCol="0">
+            <a:spAutoFit/>
+          </a:bodyPr>
+          <a:lstStyle/>
+          <a:p>
+            <a:r>
+              <a:rPr kumimoji="1" lang="en-US" altLang="ja-JP" b="1" dirty="0">
+                <a:solidFill>
+                  <a:srgbClr val="F64B2E"/>
+                </a:solidFill>
+                <a:latin typeface="游ゴシック" panose="020B0400000000000000" pitchFamily="50" charset="-128"/>
+                <a:ea typeface="游ゴシック" panose="020B0400000000000000" pitchFamily="50" charset="-128"/>
+              </a:rPr>
+              <a:t>+</a:t>
+            </a:r>
+            <a:r>
+              <a:rPr kumimoji="1" lang="ja-JP" altLang="en-US" b="1" dirty="0">
+                <a:solidFill>
+                  <a:srgbClr val="F64B2E"/>
+                </a:solidFill>
+                <a:latin typeface="游ゴシック" panose="020B0400000000000000" pitchFamily="50" charset="-128"/>
+                <a:ea typeface="游ゴシック" panose="020B0400000000000000" pitchFamily="50" charset="-128"/>
+              </a:rPr>
+              <a:t>記録会</a:t>
+            </a:r>
+          </a:p>
+        </p:txBody>
+      </p:sp>
+      <p:sp>
+        <p:nvSpPr>
+          <p:cNvPr id="10" name="テキスト ボックス 9">
+            <a:extLst>
+              <a:ext uri="{FF2B5EF4-FFF2-40B4-BE49-F238E27FC236}">
+                <a16:creationId xmlns:a16="http://schemas.microsoft.com/office/drawing/2014/main" id="{B0B73302-2258-ACD0-B462-503B57B27102}"/>
+              </a:ext>
+            </a:extLst>
+          </p:cNvPr>
+          <p:cNvSpPr txBox="1"/>
+          <p:nvPr/>
+        </p:nvSpPr>
+        <p:spPr>
+          <a:xfrm>
+            <a:off x="3251200" y="5096467"/>
+            <a:ext cx="1058333" cy="369332"/>
+          </a:xfrm>
+          <a:prstGeom prst="rect">
+            <a:avLst/>
+          </a:prstGeom>
+          <a:noFill/>
+        </p:spPr>
+        <p:txBody>
+          <a:bodyPr wrap="square" rtlCol="0">
+            <a:spAutoFit/>
+          </a:bodyPr>
+          <a:lstStyle/>
+          <a:p>
+            <a:r>
+              <a:rPr kumimoji="1" lang="en-US" altLang="ja-JP" b="1" dirty="0">
+                <a:solidFill>
+                  <a:srgbClr val="F64B2E"/>
+                </a:solidFill>
+                <a:latin typeface="游ゴシック" panose="020B0400000000000000" pitchFamily="50" charset="-128"/>
+                <a:ea typeface="游ゴシック" panose="020B0400000000000000" pitchFamily="50" charset="-128"/>
+              </a:rPr>
+              <a:t>+</a:t>
+            </a:r>
+            <a:r>
+              <a:rPr kumimoji="1" lang="ja-JP" altLang="en-US" b="1" dirty="0">
+                <a:solidFill>
+                  <a:srgbClr val="F64B2E"/>
+                </a:solidFill>
+                <a:latin typeface="游ゴシック" panose="020B0400000000000000" pitchFamily="50" charset="-128"/>
+                <a:ea typeface="游ゴシック" panose="020B0400000000000000" pitchFamily="50" charset="-128"/>
+              </a:rPr>
+              <a:t>記録会</a:t>
+            </a:r>
+          </a:p>
+        </p:txBody>
+      </p:sp>
+      <p:sp>
+        <p:nvSpPr>
+          <p:cNvPr id="11" name="テキスト ボックス 10">
+            <a:extLst>
+              <a:ext uri="{FF2B5EF4-FFF2-40B4-BE49-F238E27FC236}">
+                <a16:creationId xmlns:a16="http://schemas.microsoft.com/office/drawing/2014/main" id="{2641825A-0EA5-195C-19F3-B5B8BC4B3F67}"/>
+              </a:ext>
+            </a:extLst>
+          </p:cNvPr>
+          <p:cNvSpPr txBox="1"/>
+          <p:nvPr/>
+        </p:nvSpPr>
+        <p:spPr>
+          <a:xfrm>
+            <a:off x="3251200" y="6171684"/>
+            <a:ext cx="1058333" cy="369332"/>
+          </a:xfrm>
+          <a:prstGeom prst="rect">
+            <a:avLst/>
+          </a:prstGeom>
+          <a:noFill/>
+        </p:spPr>
+        <p:txBody>
+          <a:bodyPr wrap="square" rtlCol="0">
+            <a:spAutoFit/>
+          </a:bodyPr>
+          <a:lstStyle/>
+          <a:p>
+            <a:r>
+              <a:rPr kumimoji="1" lang="en-US" altLang="ja-JP" b="1" dirty="0">
+                <a:solidFill>
+                  <a:srgbClr val="F64B2E"/>
+                </a:solidFill>
+                <a:latin typeface="游ゴシック" panose="020B0400000000000000" pitchFamily="50" charset="-128"/>
+                <a:ea typeface="游ゴシック" panose="020B0400000000000000" pitchFamily="50" charset="-128"/>
+              </a:rPr>
+              <a:t>+</a:t>
+            </a:r>
+            <a:r>
+              <a:rPr kumimoji="1" lang="ja-JP" altLang="en-US" b="1" dirty="0">
+                <a:solidFill>
+                  <a:srgbClr val="F64B2E"/>
+                </a:solidFill>
+                <a:latin typeface="游ゴシック" panose="020B0400000000000000" pitchFamily="50" charset="-128"/>
+                <a:ea typeface="游ゴシック" panose="020B0400000000000000" pitchFamily="50" charset="-128"/>
+              </a:rPr>
+              <a:t>記録会</a:t>
+            </a:r>
+          </a:p>
+        </p:txBody>
+      </p:sp>
+      <p:sp>
+        <p:nvSpPr>
+          <p:cNvPr id="12" name="テキスト ボックス 11">
+            <a:extLst>
+              <a:ext uri="{FF2B5EF4-FFF2-40B4-BE49-F238E27FC236}">
+                <a16:creationId xmlns:a16="http://schemas.microsoft.com/office/drawing/2014/main" id="{18CBFCB2-B6C7-EDAE-4B0A-8B68E226F514}"/>
+              </a:ext>
+            </a:extLst>
+          </p:cNvPr>
+          <p:cNvSpPr txBox="1"/>
+          <p:nvPr/>
+        </p:nvSpPr>
+        <p:spPr>
+          <a:xfrm>
+            <a:off x="6815668" y="2542290"/>
+            <a:ext cx="1058333" cy="369332"/>
+          </a:xfrm>
+          <a:prstGeom prst="rect">
+            <a:avLst/>
+          </a:prstGeom>
+          <a:noFill/>
+        </p:spPr>
+        <p:txBody>
+          <a:bodyPr wrap="square" rtlCol="0">
+            <a:spAutoFit/>
+          </a:bodyPr>
+          <a:lstStyle/>
+          <a:p>
+            <a:r>
+              <a:rPr kumimoji="1" lang="en-US" altLang="ja-JP" b="1" dirty="0">
+                <a:solidFill>
+                  <a:srgbClr val="F64B2E"/>
+                </a:solidFill>
+                <a:latin typeface="游ゴシック" panose="020B0400000000000000" pitchFamily="50" charset="-128"/>
+                <a:ea typeface="游ゴシック" panose="020B0400000000000000" pitchFamily="50" charset="-128"/>
+              </a:rPr>
+              <a:t>+</a:t>
+            </a:r>
+            <a:r>
+              <a:rPr kumimoji="1" lang="ja-JP" altLang="en-US" b="1" dirty="0">
+                <a:solidFill>
+                  <a:srgbClr val="F64B2E"/>
+                </a:solidFill>
+                <a:latin typeface="游ゴシック" panose="020B0400000000000000" pitchFamily="50" charset="-128"/>
+                <a:ea typeface="游ゴシック" panose="020B0400000000000000" pitchFamily="50" charset="-128"/>
+              </a:rPr>
+              <a:t>記録会</a:t>
+            </a:r>
+          </a:p>
+        </p:txBody>
+      </p:sp>
+      <p:sp>
+        <p:nvSpPr>
+          <p:cNvPr id="13" name="テキスト ボックス 12">
+            <a:extLst>
+              <a:ext uri="{FF2B5EF4-FFF2-40B4-BE49-F238E27FC236}">
+                <a16:creationId xmlns:a16="http://schemas.microsoft.com/office/drawing/2014/main" id="{180BD999-A00D-1B0E-9429-AB4E8256550B}"/>
+              </a:ext>
+            </a:extLst>
+          </p:cNvPr>
+          <p:cNvSpPr txBox="1"/>
+          <p:nvPr/>
+        </p:nvSpPr>
+        <p:spPr>
+          <a:xfrm>
+            <a:off x="6815667" y="3777045"/>
+            <a:ext cx="1058333" cy="369332"/>
+          </a:xfrm>
+          <a:prstGeom prst="rect">
+            <a:avLst/>
+          </a:prstGeom>
+          <a:noFill/>
+        </p:spPr>
+        <p:txBody>
+          <a:bodyPr wrap="square" rtlCol="0">
+            <a:spAutoFit/>
+          </a:bodyPr>
+          <a:lstStyle/>
+          <a:p>
+            <a:r>
+              <a:rPr kumimoji="1" lang="en-US" altLang="ja-JP" b="1" dirty="0">
+                <a:solidFill>
+                  <a:srgbClr val="F64B2E"/>
+                </a:solidFill>
+                <a:latin typeface="游ゴシック" panose="020B0400000000000000" pitchFamily="50" charset="-128"/>
+                <a:ea typeface="游ゴシック" panose="020B0400000000000000" pitchFamily="50" charset="-128"/>
+              </a:rPr>
+              <a:t>+</a:t>
+            </a:r>
+            <a:r>
+              <a:rPr kumimoji="1" lang="ja-JP" altLang="en-US" b="1" dirty="0">
+                <a:solidFill>
+                  <a:srgbClr val="F64B2E"/>
+                </a:solidFill>
+                <a:latin typeface="游ゴシック" panose="020B0400000000000000" pitchFamily="50" charset="-128"/>
+                <a:ea typeface="游ゴシック" panose="020B0400000000000000" pitchFamily="50" charset="-128"/>
+              </a:rPr>
+              <a:t>記録会</a:t>
+            </a:r>
+          </a:p>
+        </p:txBody>
+      </p:sp>
+      <p:sp>
+        <p:nvSpPr>
+          <p:cNvPr id="14" name="テキスト ボックス 13">
+            <a:extLst>
+              <a:ext uri="{FF2B5EF4-FFF2-40B4-BE49-F238E27FC236}">
+                <a16:creationId xmlns:a16="http://schemas.microsoft.com/office/drawing/2014/main" id="{2899693C-F4FC-3FE7-4B87-C90EA4EE8CCD}"/>
+              </a:ext>
+            </a:extLst>
+          </p:cNvPr>
+          <p:cNvSpPr txBox="1"/>
+          <p:nvPr/>
+        </p:nvSpPr>
+        <p:spPr>
+          <a:xfrm>
+            <a:off x="6866468" y="5011800"/>
+            <a:ext cx="1058333" cy="369332"/>
+          </a:xfrm>
+          <a:prstGeom prst="rect">
+            <a:avLst/>
+          </a:prstGeom>
+          <a:noFill/>
+        </p:spPr>
+        <p:txBody>
+          <a:bodyPr wrap="square" rtlCol="0">
+            <a:spAutoFit/>
+          </a:bodyPr>
+          <a:lstStyle/>
+          <a:p>
+            <a:r>
+              <a:rPr kumimoji="1" lang="en-US" altLang="ja-JP" b="1" dirty="0">
+                <a:solidFill>
+                  <a:srgbClr val="F64B2E"/>
+                </a:solidFill>
+                <a:latin typeface="游ゴシック" panose="020B0400000000000000" pitchFamily="50" charset="-128"/>
+                <a:ea typeface="游ゴシック" panose="020B0400000000000000" pitchFamily="50" charset="-128"/>
+              </a:rPr>
+              <a:t>+</a:t>
+            </a:r>
+            <a:r>
+              <a:rPr kumimoji="1" lang="ja-JP" altLang="en-US" b="1" dirty="0">
+                <a:solidFill>
+                  <a:srgbClr val="F64B2E"/>
+                </a:solidFill>
+                <a:latin typeface="游ゴシック" panose="020B0400000000000000" pitchFamily="50" charset="-128"/>
+                <a:ea typeface="游ゴシック" panose="020B0400000000000000" pitchFamily="50" charset="-128"/>
+              </a:rPr>
+              <a:t>記録会</a:t>
+            </a:r>
+          </a:p>
+        </p:txBody>
+      </p:sp>
+      <p:sp>
+        <p:nvSpPr>
+          <p:cNvPr id="15" name="テキスト ボックス 14">
+            <a:extLst>
+              <a:ext uri="{FF2B5EF4-FFF2-40B4-BE49-F238E27FC236}">
+                <a16:creationId xmlns:a16="http://schemas.microsoft.com/office/drawing/2014/main" id="{34D1DBCF-7164-8C96-C462-00AAF9157A14}"/>
+              </a:ext>
+            </a:extLst>
+          </p:cNvPr>
+          <p:cNvSpPr txBox="1"/>
+          <p:nvPr/>
+        </p:nvSpPr>
+        <p:spPr>
+          <a:xfrm>
+            <a:off x="6866468" y="6087017"/>
+            <a:ext cx="1058333" cy="369332"/>
+          </a:xfrm>
+          <a:prstGeom prst="rect">
+            <a:avLst/>
+          </a:prstGeom>
+          <a:noFill/>
+        </p:spPr>
+        <p:txBody>
+          <a:bodyPr wrap="square" rtlCol="0">
+            <a:spAutoFit/>
+          </a:bodyPr>
+          <a:lstStyle/>
+          <a:p>
+            <a:r>
+              <a:rPr kumimoji="1" lang="en-US" altLang="ja-JP" b="1" dirty="0">
+                <a:solidFill>
+                  <a:srgbClr val="F64B2E"/>
+                </a:solidFill>
+                <a:latin typeface="游ゴシック" panose="020B0400000000000000" pitchFamily="50" charset="-128"/>
+                <a:ea typeface="游ゴシック" panose="020B0400000000000000" pitchFamily="50" charset="-128"/>
+              </a:rPr>
+              <a:t>+</a:t>
+            </a:r>
+            <a:r>
+              <a:rPr kumimoji="1" lang="ja-JP" altLang="en-US" b="1" dirty="0">
+                <a:solidFill>
+                  <a:srgbClr val="F64B2E"/>
+                </a:solidFill>
+                <a:latin typeface="游ゴシック" panose="020B0400000000000000" pitchFamily="50" charset="-128"/>
+                <a:ea typeface="游ゴシック" panose="020B0400000000000000" pitchFamily="50" charset="-128"/>
+              </a:rPr>
+              <a:t>記録会</a:t>
+            </a:r>
+          </a:p>
+        </p:txBody>
+      </p:sp>
+      <p:sp>
+        <p:nvSpPr>
+          <p:cNvPr id="16" name="テキスト ボックス 15">
+            <a:extLst>
+              <a:ext uri="{FF2B5EF4-FFF2-40B4-BE49-F238E27FC236}">
+                <a16:creationId xmlns:a16="http://schemas.microsoft.com/office/drawing/2014/main" id="{AB62B6DB-7895-5F2E-C44F-6B71E29C129F}"/>
+              </a:ext>
+            </a:extLst>
+          </p:cNvPr>
+          <p:cNvSpPr txBox="1"/>
+          <p:nvPr/>
+        </p:nvSpPr>
+        <p:spPr>
+          <a:xfrm>
+            <a:off x="10574866" y="2542290"/>
+            <a:ext cx="1058333" cy="369332"/>
+          </a:xfrm>
+          <a:prstGeom prst="rect">
+            <a:avLst/>
+          </a:prstGeom>
+          <a:noFill/>
+        </p:spPr>
+        <p:txBody>
+          <a:bodyPr wrap="square" rtlCol="0">
+            <a:spAutoFit/>
+          </a:bodyPr>
+          <a:lstStyle/>
+          <a:p>
+            <a:r>
+              <a:rPr kumimoji="1" lang="en-US" altLang="ja-JP" b="1" dirty="0">
+                <a:solidFill>
+                  <a:srgbClr val="F64B2E"/>
+                </a:solidFill>
+                <a:latin typeface="游ゴシック" panose="020B0400000000000000" pitchFamily="50" charset="-128"/>
+                <a:ea typeface="游ゴシック" panose="020B0400000000000000" pitchFamily="50" charset="-128"/>
+              </a:rPr>
+              <a:t>+</a:t>
+            </a:r>
+            <a:r>
+              <a:rPr kumimoji="1" lang="ja-JP" altLang="en-US" b="1" dirty="0">
+                <a:solidFill>
+                  <a:srgbClr val="F64B2E"/>
+                </a:solidFill>
+                <a:latin typeface="游ゴシック" panose="020B0400000000000000" pitchFamily="50" charset="-128"/>
+                <a:ea typeface="游ゴシック" panose="020B0400000000000000" pitchFamily="50" charset="-128"/>
+              </a:rPr>
+              <a:t>記録会</a:t>
+            </a:r>
+          </a:p>
+        </p:txBody>
+      </p:sp>
+      <p:sp>
+        <p:nvSpPr>
+          <p:cNvPr id="17" name="テキスト ボックス 16">
+            <a:extLst>
+              <a:ext uri="{FF2B5EF4-FFF2-40B4-BE49-F238E27FC236}">
+                <a16:creationId xmlns:a16="http://schemas.microsoft.com/office/drawing/2014/main" id="{D142B3FC-8AA8-3D92-B76F-552ACC6D71D1}"/>
+              </a:ext>
+            </a:extLst>
+          </p:cNvPr>
+          <p:cNvSpPr txBox="1"/>
+          <p:nvPr/>
+        </p:nvSpPr>
+        <p:spPr>
+          <a:xfrm>
+            <a:off x="10574865" y="3777045"/>
+            <a:ext cx="1058333" cy="369332"/>
+          </a:xfrm>
+          <a:prstGeom prst="rect">
+            <a:avLst/>
+          </a:prstGeom>
+          <a:noFill/>
+        </p:spPr>
+        <p:txBody>
+          <a:bodyPr wrap="square" rtlCol="0">
+            <a:spAutoFit/>
+          </a:bodyPr>
+          <a:lstStyle/>
+          <a:p>
+            <a:r>
+              <a:rPr kumimoji="1" lang="en-US" altLang="ja-JP" b="1" dirty="0">
+                <a:solidFill>
+                  <a:srgbClr val="F64B2E"/>
+                </a:solidFill>
+                <a:latin typeface="游ゴシック" panose="020B0400000000000000" pitchFamily="50" charset="-128"/>
+                <a:ea typeface="游ゴシック" panose="020B0400000000000000" pitchFamily="50" charset="-128"/>
+              </a:rPr>
+              <a:t>+</a:t>
+            </a:r>
+            <a:r>
+              <a:rPr kumimoji="1" lang="ja-JP" altLang="en-US" b="1" dirty="0">
+                <a:solidFill>
+                  <a:srgbClr val="F64B2E"/>
+                </a:solidFill>
+                <a:latin typeface="游ゴシック" panose="020B0400000000000000" pitchFamily="50" charset="-128"/>
+                <a:ea typeface="游ゴシック" panose="020B0400000000000000" pitchFamily="50" charset="-128"/>
+              </a:rPr>
+              <a:t>記録会</a:t>
+            </a:r>
+          </a:p>
+        </p:txBody>
+      </p:sp>
+      <p:sp>
+        <p:nvSpPr>
+          <p:cNvPr id="18" name="テキスト ボックス 17">
+            <a:extLst>
+              <a:ext uri="{FF2B5EF4-FFF2-40B4-BE49-F238E27FC236}">
+                <a16:creationId xmlns:a16="http://schemas.microsoft.com/office/drawing/2014/main" id="{212EB5BB-0A8B-3293-7E93-BA6BC7D62BED}"/>
+              </a:ext>
+            </a:extLst>
+          </p:cNvPr>
+          <p:cNvSpPr txBox="1"/>
+          <p:nvPr/>
+        </p:nvSpPr>
+        <p:spPr>
+          <a:xfrm>
+            <a:off x="10625666" y="5011800"/>
+            <a:ext cx="1058333" cy="369332"/>
+          </a:xfrm>
+          <a:prstGeom prst="rect">
+            <a:avLst/>
+          </a:prstGeom>
+          <a:noFill/>
+        </p:spPr>
+        <p:txBody>
+          <a:bodyPr wrap="square" rtlCol="0">
+            <a:spAutoFit/>
+          </a:bodyPr>
+          <a:lstStyle/>
+          <a:p>
+            <a:r>
+              <a:rPr kumimoji="1" lang="en-US" altLang="ja-JP" b="1" dirty="0">
+                <a:solidFill>
+                  <a:srgbClr val="F64B2E"/>
+                </a:solidFill>
+                <a:latin typeface="游ゴシック" panose="020B0400000000000000" pitchFamily="50" charset="-128"/>
+                <a:ea typeface="游ゴシック" panose="020B0400000000000000" pitchFamily="50" charset="-128"/>
+              </a:rPr>
+              <a:t>+</a:t>
+            </a:r>
+            <a:r>
+              <a:rPr kumimoji="1" lang="ja-JP" altLang="en-US" b="1" dirty="0">
+                <a:solidFill>
+                  <a:srgbClr val="F64B2E"/>
+                </a:solidFill>
+                <a:latin typeface="游ゴシック" panose="020B0400000000000000" pitchFamily="50" charset="-128"/>
+                <a:ea typeface="游ゴシック" panose="020B0400000000000000" pitchFamily="50" charset="-128"/>
+              </a:rPr>
+              <a:t>記録会</a:t>
+            </a:r>
+          </a:p>
+        </p:txBody>
+      </p:sp>
+      <p:sp>
+        <p:nvSpPr>
+          <p:cNvPr id="19" name="テキスト ボックス 18">
+            <a:extLst>
+              <a:ext uri="{FF2B5EF4-FFF2-40B4-BE49-F238E27FC236}">
+                <a16:creationId xmlns:a16="http://schemas.microsoft.com/office/drawing/2014/main" id="{DEC4DD4D-7DAF-BFDC-B85E-12361C729AD8}"/>
+              </a:ext>
+            </a:extLst>
+          </p:cNvPr>
+          <p:cNvSpPr txBox="1"/>
+          <p:nvPr/>
+        </p:nvSpPr>
+        <p:spPr>
+          <a:xfrm>
+            <a:off x="10625666" y="6087017"/>
+            <a:ext cx="1058333" cy="369332"/>
+          </a:xfrm>
+          <a:prstGeom prst="rect">
+            <a:avLst/>
+          </a:prstGeom>
+          <a:noFill/>
+        </p:spPr>
+        <p:txBody>
+          <a:bodyPr wrap="square" rtlCol="0">
+            <a:spAutoFit/>
+          </a:bodyPr>
+          <a:lstStyle/>
+          <a:p>
+            <a:r>
+              <a:rPr kumimoji="1" lang="en-US" altLang="ja-JP" b="1" dirty="0">
+                <a:solidFill>
+                  <a:srgbClr val="F64B2E"/>
+                </a:solidFill>
+                <a:latin typeface="游ゴシック" panose="020B0400000000000000" pitchFamily="50" charset="-128"/>
+                <a:ea typeface="游ゴシック" panose="020B0400000000000000" pitchFamily="50" charset="-128"/>
+              </a:rPr>
+              <a:t>+</a:t>
+            </a:r>
+            <a:r>
+              <a:rPr kumimoji="1" lang="ja-JP" altLang="en-US" b="1" dirty="0">
+                <a:solidFill>
+                  <a:srgbClr val="F64B2E"/>
+                </a:solidFill>
+                <a:latin typeface="游ゴシック" panose="020B0400000000000000" pitchFamily="50" charset="-128"/>
+                <a:ea typeface="游ゴシック" panose="020B0400000000000000" pitchFamily="50" charset="-128"/>
+              </a:rPr>
+              <a:t>記録会</a:t>
+            </a:r>
+          </a:p>
+        </p:txBody>
+      </p:sp>
+      <p:sp>
+        <p:nvSpPr>
+          <p:cNvPr id="20" name="テキスト ボックス 19">
+            <a:extLst>
+              <a:ext uri="{FF2B5EF4-FFF2-40B4-BE49-F238E27FC236}">
+                <a16:creationId xmlns:a16="http://schemas.microsoft.com/office/drawing/2014/main" id="{6C813F7D-ABCA-F54C-A93B-C6206DD2353E}"/>
+              </a:ext>
+            </a:extLst>
+          </p:cNvPr>
+          <p:cNvSpPr txBox="1"/>
+          <p:nvPr/>
+        </p:nvSpPr>
+        <p:spPr>
+          <a:xfrm>
+            <a:off x="8153403" y="1121008"/>
+            <a:ext cx="3911596" cy="830997"/>
+          </a:xfrm>
+          <a:prstGeom prst="rect">
+            <a:avLst/>
+          </a:prstGeom>
+          <a:noFill/>
+        </p:spPr>
+        <p:txBody>
+          <a:bodyPr wrap="square" rtlCol="0">
+            <a:spAutoFit/>
+          </a:bodyPr>
+          <a:lstStyle/>
+          <a:p>
+            <a:r>
+              <a:rPr lang="ja-JP" altLang="en-US" sz="4800" b="1" dirty="0">
+                <a:solidFill>
+                  <a:srgbClr val="F64B2E"/>
+                </a:solidFill>
+                <a:latin typeface="游ゴシック" panose="020B0400000000000000" pitchFamily="50" charset="-128"/>
+                <a:ea typeface="游ゴシック" panose="020B0400000000000000" pitchFamily="50" charset="-128"/>
+              </a:rPr>
+              <a:t>逆に暇がない</a:t>
+            </a:r>
+            <a:endParaRPr kumimoji="1" lang="ja-JP" altLang="en-US" sz="4800" b="1" dirty="0">
+              <a:solidFill>
+                <a:srgbClr val="F64B2E"/>
+              </a:solidFill>
+              <a:latin typeface="游ゴシック" panose="020B0400000000000000" pitchFamily="50" charset="-128"/>
+              <a:ea typeface="游ゴシック" panose="020B0400000000000000" pitchFamily="50" charset="-128"/>
+            </a:endParaRPr>
+          </a:p>
+        </p:txBody>
+      </p:sp>
+    </p:spTree>
+    <p:extLst>
+      <p:ext uri="{BB962C8B-B14F-4D97-AF65-F5344CB8AC3E}">
+        <p14:creationId xmlns:p14="http://schemas.microsoft.com/office/powerpoint/2010/main" val="575119798"/>
+      </p:ext>
+    </p:extLst>
+  </p:cSld>
+  <p:clrMapOvr>
+    <a:masterClrMapping/>
+  </p:clrMapOvr>
+</p:sld>
+</file>
+
+<file path=ppt/slides/slide25.xml><?xml version="1.0" encoding="utf-8"?>
+<p:sld xmlns:a="http://schemas.openxmlformats.org/drawingml/2006/main" xmlns:r="http://schemas.openxmlformats.org/officeDocument/2006/relationships" xmlns:p="http://schemas.openxmlformats.org/presentationml/2006/main">
+  <p:cSld>
+    <p:spTree>
+      <p:nvGrpSpPr>
+        <p:cNvPr id="1" name="">
+          <a:extLst>
+            <a:ext uri="{FF2B5EF4-FFF2-40B4-BE49-F238E27FC236}">
+              <a16:creationId xmlns:a16="http://schemas.microsoft.com/office/drawing/2014/main" id="{2339B321-A056-BE0C-32B0-9052921E5FDE}"/>
+            </a:ext>
+          </a:extLst>
+        </p:cNvPr>
+        <p:cNvGrpSpPr/>
+        <p:nvPr/>
+      </p:nvGrpSpPr>
+      <p:grpSpPr>
+        <a:xfrm>
+          <a:off x="0" y="0"/>
+          <a:ext cx="0" cy="0"/>
+          <a:chOff x="0" y="0"/>
+          <a:chExt cx="0" cy="0"/>
+        </a:xfrm>
+      </p:grpSpPr>
+      <p:sp>
+        <p:nvSpPr>
+          <p:cNvPr id="2" name="スライド番号プレースホルダー 1">
+            <a:extLst>
+              <a:ext uri="{FF2B5EF4-FFF2-40B4-BE49-F238E27FC236}">
+                <a16:creationId xmlns:a16="http://schemas.microsoft.com/office/drawing/2014/main" id="{2A87959A-C0A0-A756-8D7F-608ECAF2178E}"/>
+              </a:ext>
+            </a:extLst>
+          </p:cNvPr>
+          <p:cNvSpPr>
+            <a:spLocks noGrp="1"/>
+          </p:cNvSpPr>
+          <p:nvPr>
+            <p:ph type="sldNum" sz="quarter" idx="12"/>
+          </p:nvPr>
+        </p:nvSpPr>
+        <p:spPr/>
+        <p:txBody>
+          <a:bodyPr/>
+          <a:lstStyle/>
+          <a:p>
+            <a:fld id="{6936ACCC-3D31-4082-AC7F-B879362E8272}" type="slidenum">
+              <a:rPr kumimoji="1" lang="ja-JP" altLang="en-US" smtClean="0"/>
+              <a:t>25</a:t>
+            </a:fld>
+            <a:endParaRPr kumimoji="1" lang="ja-JP" altLang="en-US"/>
+          </a:p>
+        </p:txBody>
+      </p:sp>
+      <p:pic>
+        <p:nvPicPr>
+          <p:cNvPr id="4" name="グラフィックス 3" descr="講演者">
+            <a:extLst>
+              <a:ext uri="{FF2B5EF4-FFF2-40B4-BE49-F238E27FC236}">
+                <a16:creationId xmlns:a16="http://schemas.microsoft.com/office/drawing/2014/main" id="{43AFF759-1D93-0F70-F2A5-C16E57B935D9}"/>
+              </a:ext>
+            </a:extLst>
+          </p:cNvPr>
+          <p:cNvPicPr>
+            <a:picLocks noChangeAspect="1"/>
+          </p:cNvPicPr>
+          <p:nvPr/>
+        </p:nvPicPr>
+        <p:blipFill>
+          <a:blip r:embed="rId2">
+            <a:extLst>
+              <a:ext uri="{96DAC541-7B7A-43D3-8B79-37D633B846F1}">
+                <asvg:svgBlip xmlns:asvg="http://schemas.microsoft.com/office/drawing/2016/SVG/main" r:embed="rId3"/>
+              </a:ext>
+            </a:extLst>
+          </a:blip>
+          <a:stretch>
+            <a:fillRect/>
+          </a:stretch>
+        </p:blipFill>
+        <p:spPr>
+          <a:xfrm>
+            <a:off x="540000" y="3600000"/>
+            <a:ext cx="2946400" cy="2946400"/>
+          </a:xfrm>
+          <a:prstGeom prst="rect">
+            <a:avLst/>
+          </a:prstGeom>
+        </p:spPr>
+      </p:pic>
+      <p:sp>
+        <p:nvSpPr>
+          <p:cNvPr id="6" name="吹き出し: 角を丸めた四角形 5">
+            <a:extLst>
+              <a:ext uri="{FF2B5EF4-FFF2-40B4-BE49-F238E27FC236}">
+                <a16:creationId xmlns:a16="http://schemas.microsoft.com/office/drawing/2014/main" id="{C7D83E70-3A30-242C-CBD5-2A37CCF53B40}"/>
+              </a:ext>
+            </a:extLst>
+          </p:cNvPr>
+          <p:cNvSpPr/>
+          <p:nvPr/>
+        </p:nvSpPr>
+        <p:spPr>
+          <a:xfrm>
+            <a:off x="3098801" y="482600"/>
+            <a:ext cx="8356599" cy="3398308"/>
+          </a:xfrm>
+          <a:prstGeom prst="wedgeRoundRectCallout">
+            <a:avLst>
+              <a:gd name="adj1" fmla="val -54234"/>
+              <a:gd name="adj2" fmla="val 60261"/>
+              <a:gd name="adj3" fmla="val 16667"/>
+            </a:avLst>
+          </a:prstGeom>
+          <a:solidFill>
+            <a:schemeClr val="bg1">
+              <a:lumMod val="85000"/>
+            </a:schemeClr>
+          </a:solidFill>
+          <a:ln>
+            <a:noFill/>
+          </a:ln>
+        </p:spPr>
+        <p:style>
+          <a:lnRef idx="2">
+            <a:schemeClr val="accent1">
+              <a:shade val="15000"/>
+            </a:schemeClr>
+          </a:lnRef>
+          <a:fillRef idx="1">
+            <a:schemeClr val="accent1"/>
+          </a:fillRef>
+          <a:effectRef idx="0">
+            <a:schemeClr val="accent1"/>
+          </a:effectRef>
+          <a:fontRef idx="minor">
+            <a:schemeClr val="lt1"/>
+          </a:fontRef>
+        </p:style>
+        <p:txBody>
+          <a:bodyPr rtlCol="0" anchor="ctr"/>
+          <a:lstStyle/>
+          <a:p>
+            <a:pPr algn="ctr"/>
+            <a:r>
+              <a:rPr lang="ja-JP" altLang="en-US" sz="4400" b="1" dirty="0">
+                <a:solidFill>
+                  <a:schemeClr val="tx1">
+                    <a:lumMod val="85000"/>
+                    <a:lumOff val="15000"/>
+                  </a:schemeClr>
+                </a:solidFill>
+              </a:rPr>
+              <a:t>せっかくなら</a:t>
+            </a:r>
+            <a:endParaRPr lang="en-US" altLang="ja-JP" sz="4400" b="1" dirty="0">
+              <a:solidFill>
+                <a:schemeClr val="tx1">
+                  <a:lumMod val="85000"/>
+                  <a:lumOff val="15000"/>
+                </a:schemeClr>
+              </a:solidFill>
+            </a:endParaRPr>
+          </a:p>
+          <a:p>
+            <a:pPr algn="ctr"/>
+            <a:r>
+              <a:rPr lang="ja-JP" altLang="en-US" sz="6000" b="1" dirty="0">
+                <a:solidFill>
+                  <a:srgbClr val="F64B2E"/>
+                </a:solidFill>
+              </a:rPr>
+              <a:t>箱根駅伝</a:t>
+            </a:r>
+            <a:endParaRPr lang="en-US" altLang="ja-JP" sz="6000" b="1" dirty="0">
+              <a:solidFill>
+                <a:srgbClr val="F64B2E"/>
+              </a:solidFill>
+            </a:endParaRPr>
+          </a:p>
+          <a:p>
+            <a:pPr algn="ctr"/>
+            <a:r>
+              <a:rPr lang="ja-JP" altLang="en-US" sz="4400" b="1" dirty="0">
+                <a:solidFill>
+                  <a:schemeClr val="tx1">
+                    <a:lumMod val="85000"/>
+                    <a:lumOff val="15000"/>
+                  </a:schemeClr>
+                </a:solidFill>
+              </a:rPr>
+              <a:t>楽しんでほしい！</a:t>
+            </a:r>
+            <a:endParaRPr lang="en-US" altLang="ja-JP" sz="4400" b="1" dirty="0">
+              <a:solidFill>
+                <a:schemeClr val="tx1">
+                  <a:lumMod val="85000"/>
+                  <a:lumOff val="15000"/>
+                </a:schemeClr>
+              </a:solidFill>
+            </a:endParaRPr>
+          </a:p>
+        </p:txBody>
+      </p:sp>
+      <p:sp>
+        <p:nvSpPr>
+          <p:cNvPr id="8" name="テキスト ボックス 7">
+            <a:extLst>
+              <a:ext uri="{FF2B5EF4-FFF2-40B4-BE49-F238E27FC236}">
+                <a16:creationId xmlns:a16="http://schemas.microsoft.com/office/drawing/2014/main" id="{375175AC-4C0A-3128-D666-F55EE7D80285}"/>
+              </a:ext>
+            </a:extLst>
+          </p:cNvPr>
+          <p:cNvSpPr txBox="1"/>
+          <p:nvPr/>
+        </p:nvSpPr>
+        <p:spPr>
+          <a:xfrm>
+            <a:off x="1272366" y="3324067"/>
+            <a:ext cx="1481667" cy="369332"/>
+          </a:xfrm>
+          <a:prstGeom prst="rect">
+            <a:avLst/>
+          </a:prstGeom>
+          <a:noFill/>
+        </p:spPr>
+        <p:txBody>
+          <a:bodyPr wrap="square" rtlCol="0">
+            <a:spAutoFit/>
+          </a:bodyPr>
+          <a:lstStyle/>
+          <a:p>
+            <a:pPr algn="ctr"/>
+            <a:r>
+              <a:rPr kumimoji="1" lang="ja-JP" altLang="en-US" dirty="0"/>
+              <a:t>私</a:t>
+            </a:r>
+          </a:p>
+        </p:txBody>
+      </p:sp>
+    </p:spTree>
+    <p:extLst>
+      <p:ext uri="{BB962C8B-B14F-4D97-AF65-F5344CB8AC3E}">
+        <p14:creationId xmlns:p14="http://schemas.microsoft.com/office/powerpoint/2010/main" val="553674494"/>
       </p:ext>
     </p:extLst>
   </p:cSld>
@@ -41361,19 +45824,6 @@
               <a:rPr kumimoji="1" lang="ja-JP" altLang="en-US" dirty="0"/>
               <a:t>箱根駅伝</a:t>
             </a:r>
-            <a:r>
-              <a:rPr lang="en-US" altLang="ja-JP" sz="2000" dirty="0"/>
-              <a:t>(</a:t>
-            </a:r>
-            <a:r>
-              <a:rPr lang="ja-JP" altLang="en-US" sz="2000" dirty="0"/>
-              <a:t>最低限の知識</a:t>
-            </a:r>
-            <a:r>
-              <a:rPr lang="en-US" altLang="ja-JP" sz="2000" dirty="0"/>
-              <a:t>)</a:t>
-            </a:r>
-            <a:endParaRPr kumimoji="1" lang="ja-JP" altLang="en-US" dirty="0"/>
           </a:p>
         </p:txBody>
       </p:sp>
